--- a/Causal_inference-Gamification_Case-Group_Pre-Assignment/causal_inference_assignment.pptx
+++ b/Causal_inference-Gamification_Case-Group_Pre-Assignment/causal_inference_assignment.pptx
@@ -166,6835 +166,6 @@
     <p1510:client id="{81C9471D-0C86-4657-9C06-4AB23EF5666B}" v="396" dt="2023-09-20T18:01:10.845"/>
   </p1510:revLst>
 </p1510:revInfo>
-</file>
-
-<file path=ppt/changesInfos/changesInfo1.xml><?xml version="1.0" encoding="utf-8"?>
-<pc:chgInfo xmlns:a="http://schemas.openxmlformats.org/drawingml/2006/main" xmlns:r="http://schemas.openxmlformats.org/officeDocument/2006/relationships" xmlns:ac="http://schemas.microsoft.com/office/drawing/2013/main/command" xmlns:pc="http://schemas.microsoft.com/office/powerpoint/2013/main/command">
-  <pc:docChgLst>
-    <pc:chgData name="Neelesh Bhalla" userId="S::neelesh.bhalla@fs-students.de::558a0c73-a88c-4419-bf5f-34faa784fc1b" providerId="AD" clId="Web-{5719E0A7-3C36-152E-017A-1716754DC9B4}"/>
-    <pc:docChg chg="addSld delSld modSld">
-      <pc:chgData name="Neelesh Bhalla" userId="S::neelesh.bhalla@fs-students.de::558a0c73-a88c-4419-bf5f-34faa784fc1b" providerId="AD" clId="Web-{5719E0A7-3C36-152E-017A-1716754DC9B4}" dt="2023-09-20T18:09:22.830" v="1822" actId="1076"/>
-      <pc:docMkLst>
-        <pc:docMk/>
-      </pc:docMkLst>
-      <pc:sldChg chg="modSp">
-        <pc:chgData name="Neelesh Bhalla" userId="S::neelesh.bhalla@fs-students.de::558a0c73-a88c-4419-bf5f-34faa784fc1b" providerId="AD" clId="Web-{5719E0A7-3C36-152E-017A-1716754DC9B4}" dt="2023-09-20T17:32:26.177" v="1125" actId="20577"/>
-        <pc:sldMkLst>
-          <pc:docMk/>
-          <pc:sldMk cId="1063543620" sldId="480"/>
-        </pc:sldMkLst>
-        <pc:spChg chg="mod">
-          <ac:chgData name="Neelesh Bhalla" userId="S::neelesh.bhalla@fs-students.de::558a0c73-a88c-4419-bf5f-34faa784fc1b" providerId="AD" clId="Web-{5719E0A7-3C36-152E-017A-1716754DC9B4}" dt="2023-09-20T17:32:26.177" v="1125" actId="20577"/>
-          <ac:spMkLst>
-            <pc:docMk/>
-            <pc:sldMk cId="1063543620" sldId="480"/>
-            <ac:spMk id="3" creationId="{0EE76EFD-2ACA-58BF-563C-F1CCAE52DCCC}"/>
-          </ac:spMkLst>
-        </pc:spChg>
-        <pc:spChg chg="mod">
-          <ac:chgData name="Neelesh Bhalla" userId="S::neelesh.bhalla@fs-students.de::558a0c73-a88c-4419-bf5f-34faa784fc1b" providerId="AD" clId="Web-{5719E0A7-3C36-152E-017A-1716754DC9B4}" dt="2023-09-20T17:09:22.617" v="70" actId="20577"/>
-          <ac:spMkLst>
-            <pc:docMk/>
-            <pc:sldMk cId="1063543620" sldId="480"/>
-            <ac:spMk id="18" creationId="{298301B1-B19C-AA63-77BE-17E32DFCEB78}"/>
-          </ac:spMkLst>
-        </pc:spChg>
-        <pc:picChg chg="mod">
-          <ac:chgData name="Neelesh Bhalla" userId="S::neelesh.bhalla@fs-students.de::558a0c73-a88c-4419-bf5f-34faa784fc1b" providerId="AD" clId="Web-{5719E0A7-3C36-152E-017A-1716754DC9B4}" dt="2023-09-20T17:09:36.337" v="73" actId="1076"/>
-          <ac:picMkLst>
-            <pc:docMk/>
-            <pc:sldMk cId="1063543620" sldId="480"/>
-            <ac:picMk id="1026" creationId="{F7A0EEFD-890B-1FEA-5F4B-A7C5D5438628}"/>
-          </ac:picMkLst>
-        </pc:picChg>
-      </pc:sldChg>
-      <pc:sldChg chg="modSp">
-        <pc:chgData name="Neelesh Bhalla" userId="S::neelesh.bhalla@fs-students.de::558a0c73-a88c-4419-bf5f-34faa784fc1b" providerId="AD" clId="Web-{5719E0A7-3C36-152E-017A-1716754DC9B4}" dt="2023-09-20T18:07:57.390" v="1801" actId="20577"/>
-        <pc:sldMkLst>
-          <pc:docMk/>
-          <pc:sldMk cId="1059699038" sldId="509"/>
-        </pc:sldMkLst>
-        <pc:spChg chg="mod">
-          <ac:chgData name="Neelesh Bhalla" userId="S::neelesh.bhalla@fs-students.de::558a0c73-a88c-4419-bf5f-34faa784fc1b" providerId="AD" clId="Web-{5719E0A7-3C36-152E-017A-1716754DC9B4}" dt="2023-09-20T18:07:57.390" v="1801" actId="20577"/>
-          <ac:spMkLst>
-            <pc:docMk/>
-            <pc:sldMk cId="1059699038" sldId="509"/>
-            <ac:spMk id="3" creationId="{64704346-6E81-2F67-C040-C6C06DFB8A62}"/>
-          </ac:spMkLst>
-        </pc:spChg>
-        <pc:picChg chg="mod">
-          <ac:chgData name="Neelesh Bhalla" userId="S::neelesh.bhalla@fs-students.de::558a0c73-a88c-4419-bf5f-34faa784fc1b" providerId="AD" clId="Web-{5719E0A7-3C36-152E-017A-1716754DC9B4}" dt="2023-09-20T17:29:47.078" v="1083" actId="1076"/>
-          <ac:picMkLst>
-            <pc:docMk/>
-            <pc:sldMk cId="1059699038" sldId="509"/>
-            <ac:picMk id="2050" creationId="{3909DFC4-2131-DD27-1745-2A4045188304}"/>
-          </ac:picMkLst>
-        </pc:picChg>
-      </pc:sldChg>
-      <pc:sldChg chg="addSp delSp modSp">
-        <pc:chgData name="Neelesh Bhalla" userId="S::neelesh.bhalla@fs-students.de::558a0c73-a88c-4419-bf5f-34faa784fc1b" providerId="AD" clId="Web-{5719E0A7-3C36-152E-017A-1716754DC9B4}" dt="2023-09-20T18:06:50.154" v="1773" actId="20577"/>
-        <pc:sldMkLst>
-          <pc:docMk/>
-          <pc:sldMk cId="2424671467" sldId="510"/>
-        </pc:sldMkLst>
-        <pc:spChg chg="add mod">
-          <ac:chgData name="Neelesh Bhalla" userId="S::neelesh.bhalla@fs-students.de::558a0c73-a88c-4419-bf5f-34faa784fc1b" providerId="AD" clId="Web-{5719E0A7-3C36-152E-017A-1716754DC9B4}" dt="2023-09-20T18:06:50.154" v="1773" actId="20577"/>
-          <ac:spMkLst>
-            <pc:docMk/>
-            <pc:sldMk cId="2424671467" sldId="510"/>
-            <ac:spMk id="3" creationId="{DC280CE1-D928-2844-58EB-B4F2FFEC18CF}"/>
-          </ac:spMkLst>
-        </pc:spChg>
-        <pc:spChg chg="add del mod">
-          <ac:chgData name="Neelesh Bhalla" userId="S::neelesh.bhalla@fs-students.de::558a0c73-a88c-4419-bf5f-34faa784fc1b" providerId="AD" clId="Web-{5719E0A7-3C36-152E-017A-1716754DC9B4}" dt="2023-09-20T17:10:48.026" v="85"/>
-          <ac:spMkLst>
-            <pc:docMk/>
-            <pc:sldMk cId="2424671467" sldId="510"/>
-            <ac:spMk id="4" creationId="{65DC269A-A21A-9A7A-7C18-92110809AFDF}"/>
-          </ac:spMkLst>
-        </pc:spChg>
-        <pc:picChg chg="mod">
-          <ac:chgData name="Neelesh Bhalla" userId="S::neelesh.bhalla@fs-students.de::558a0c73-a88c-4419-bf5f-34faa784fc1b" providerId="AD" clId="Web-{5719E0A7-3C36-152E-017A-1716754DC9B4}" dt="2023-09-20T17:10:02.025" v="76" actId="1076"/>
-          <ac:picMkLst>
-            <pc:docMk/>
-            <pc:sldMk cId="2424671467" sldId="510"/>
-            <ac:picMk id="4098" creationId="{3AE8BE49-9622-6BF6-A8B6-41C7E8E304CA}"/>
-          </ac:picMkLst>
-        </pc:picChg>
-      </pc:sldChg>
-      <pc:sldChg chg="modSp">
-        <pc:chgData name="Neelesh Bhalla" userId="S::neelesh.bhalla@fs-students.de::558a0c73-a88c-4419-bf5f-34faa784fc1b" providerId="AD" clId="Web-{5719E0A7-3C36-152E-017A-1716754DC9B4}" dt="2023-09-20T18:08:15.265" v="1804" actId="1076"/>
-        <pc:sldMkLst>
-          <pc:docMk/>
-          <pc:sldMk cId="1460352735" sldId="511"/>
-        </pc:sldMkLst>
-        <pc:spChg chg="mod">
-          <ac:chgData name="Neelesh Bhalla" userId="S::neelesh.bhalla@fs-students.de::558a0c73-a88c-4419-bf5f-34faa784fc1b" providerId="AD" clId="Web-{5719E0A7-3C36-152E-017A-1716754DC9B4}" dt="2023-09-20T17:31:14.487" v="1100" actId="20577"/>
-          <ac:spMkLst>
-            <pc:docMk/>
-            <pc:sldMk cId="1460352735" sldId="511"/>
-            <ac:spMk id="18" creationId="{298301B1-B19C-AA63-77BE-17E32DFCEB78}"/>
-          </ac:spMkLst>
-        </pc:spChg>
-        <pc:picChg chg="mod">
-          <ac:chgData name="Neelesh Bhalla" userId="S::neelesh.bhalla@fs-students.de::558a0c73-a88c-4419-bf5f-34faa784fc1b" providerId="AD" clId="Web-{5719E0A7-3C36-152E-017A-1716754DC9B4}" dt="2023-09-20T18:08:15.218" v="1802" actId="1076"/>
-          <ac:picMkLst>
-            <pc:docMk/>
-            <pc:sldMk cId="1460352735" sldId="511"/>
-            <ac:picMk id="3080" creationId="{07B25725-E47E-2BCB-135A-E369E1A68B20}"/>
-          </ac:picMkLst>
-        </pc:picChg>
-        <pc:picChg chg="mod">
-          <ac:chgData name="Neelesh Bhalla" userId="S::neelesh.bhalla@fs-students.de::558a0c73-a88c-4419-bf5f-34faa784fc1b" providerId="AD" clId="Web-{5719E0A7-3C36-152E-017A-1716754DC9B4}" dt="2023-09-20T18:08:15.250" v="1803" actId="1076"/>
-          <ac:picMkLst>
-            <pc:docMk/>
-            <pc:sldMk cId="1460352735" sldId="511"/>
-            <ac:picMk id="3082" creationId="{C85CACE3-E0F0-CC85-D6F0-134F14AD8702}"/>
-          </ac:picMkLst>
-        </pc:picChg>
-        <pc:picChg chg="mod">
-          <ac:chgData name="Neelesh Bhalla" userId="S::neelesh.bhalla@fs-students.de::558a0c73-a88c-4419-bf5f-34faa784fc1b" providerId="AD" clId="Web-{5719E0A7-3C36-152E-017A-1716754DC9B4}" dt="2023-09-20T18:08:15.265" v="1804" actId="1076"/>
-          <ac:picMkLst>
-            <pc:docMk/>
-            <pc:sldMk cId="1460352735" sldId="511"/>
-            <ac:picMk id="3084" creationId="{F9CF28EC-E17D-7FFF-6B1F-9C9425009C31}"/>
-          </ac:picMkLst>
-        </pc:picChg>
-      </pc:sldChg>
-      <pc:sldChg chg="modSp">
-        <pc:chgData name="Neelesh Bhalla" userId="S::neelesh.bhalla@fs-students.de::558a0c73-a88c-4419-bf5f-34faa784fc1b" providerId="AD" clId="Web-{5719E0A7-3C36-152E-017A-1716754DC9B4}" dt="2023-09-20T18:09:22.830" v="1822" actId="1076"/>
-        <pc:sldMkLst>
-          <pc:docMk/>
-          <pc:sldMk cId="273555794" sldId="512"/>
-        </pc:sldMkLst>
-        <pc:spChg chg="mod">
-          <ac:chgData name="Neelesh Bhalla" userId="S::neelesh.bhalla@fs-students.de::558a0c73-a88c-4419-bf5f-34faa784fc1b" providerId="AD" clId="Web-{5719E0A7-3C36-152E-017A-1716754DC9B4}" dt="2023-09-20T17:31:17.925" v="1102" actId="20577"/>
-          <ac:spMkLst>
-            <pc:docMk/>
-            <pc:sldMk cId="273555794" sldId="512"/>
-            <ac:spMk id="18" creationId="{298301B1-B19C-AA63-77BE-17E32DFCEB78}"/>
-          </ac:spMkLst>
-        </pc:spChg>
-        <pc:picChg chg="mod">
-          <ac:chgData name="Neelesh Bhalla" userId="S::neelesh.bhalla@fs-students.de::558a0c73-a88c-4419-bf5f-34faa784fc1b" providerId="AD" clId="Web-{5719E0A7-3C36-152E-017A-1716754DC9B4}" dt="2023-09-20T18:09:22.783" v="1820" actId="1076"/>
-          <ac:picMkLst>
-            <pc:docMk/>
-            <pc:sldMk cId="273555794" sldId="512"/>
-            <ac:picMk id="5132" creationId="{CAE2B505-A17B-05E4-C402-52EE7517BC01}"/>
-          </ac:picMkLst>
-        </pc:picChg>
-        <pc:picChg chg="mod">
-          <ac:chgData name="Neelesh Bhalla" userId="S::neelesh.bhalla@fs-students.de::558a0c73-a88c-4419-bf5f-34faa784fc1b" providerId="AD" clId="Web-{5719E0A7-3C36-152E-017A-1716754DC9B4}" dt="2023-09-20T18:09:22.814" v="1821" actId="1076"/>
-          <ac:picMkLst>
-            <pc:docMk/>
-            <pc:sldMk cId="273555794" sldId="512"/>
-            <ac:picMk id="5134" creationId="{CAE66762-9964-CC3C-3B6D-A6FB11B5EFB0}"/>
-          </ac:picMkLst>
-        </pc:picChg>
-        <pc:picChg chg="mod">
-          <ac:chgData name="Neelesh Bhalla" userId="S::neelesh.bhalla@fs-students.de::558a0c73-a88c-4419-bf5f-34faa784fc1b" providerId="AD" clId="Web-{5719E0A7-3C36-152E-017A-1716754DC9B4}" dt="2023-09-20T18:09:22.830" v="1822" actId="1076"/>
-          <ac:picMkLst>
-            <pc:docMk/>
-            <pc:sldMk cId="273555794" sldId="512"/>
-            <ac:picMk id="5136" creationId="{2BD4EE54-42C8-6E26-1155-A510BF94590C}"/>
-          </ac:picMkLst>
-        </pc:picChg>
-      </pc:sldChg>
-      <pc:sldChg chg="new del">
-        <pc:chgData name="Neelesh Bhalla" userId="S::neelesh.bhalla@fs-students.de::558a0c73-a88c-4419-bf5f-34faa784fc1b" providerId="AD" clId="Web-{5719E0A7-3C36-152E-017A-1716754DC9B4}" dt="2023-09-20T17:31:33.941" v="1104"/>
-        <pc:sldMkLst>
-          <pc:docMk/>
-          <pc:sldMk cId="422347147" sldId="513"/>
-        </pc:sldMkLst>
-      </pc:sldChg>
-      <pc:sldChg chg="addSp modSp new">
-        <pc:chgData name="Neelesh Bhalla" userId="S::neelesh.bhalla@fs-students.de::558a0c73-a88c-4419-bf5f-34faa784fc1b" providerId="AD" clId="Web-{5719E0A7-3C36-152E-017A-1716754DC9B4}" dt="2023-09-20T18:06:09.917" v="1768" actId="20577"/>
-        <pc:sldMkLst>
-          <pc:docMk/>
-          <pc:sldMk cId="2246402216" sldId="513"/>
-        </pc:sldMkLst>
-        <pc:spChg chg="add mod">
-          <ac:chgData name="Neelesh Bhalla" userId="S::neelesh.bhalla@fs-students.de::558a0c73-a88c-4419-bf5f-34faa784fc1b" providerId="AD" clId="Web-{5719E0A7-3C36-152E-017A-1716754DC9B4}" dt="2023-09-20T18:06:09.917" v="1768" actId="20577"/>
-          <ac:spMkLst>
-            <pc:docMk/>
-            <pc:sldMk cId="2246402216" sldId="513"/>
-            <ac:spMk id="3" creationId="{1249886A-FF37-0DDC-263C-0952B6EE22BF}"/>
-          </ac:spMkLst>
-        </pc:spChg>
-        <pc:picChg chg="mod">
-          <ac:chgData name="Neelesh Bhalla" userId="S::neelesh.bhalla@fs-students.de::558a0c73-a88c-4419-bf5f-34faa784fc1b" providerId="AD" clId="Web-{5719E0A7-3C36-152E-017A-1716754DC9B4}" dt="2023-09-20T18:04:00.148" v="1634" actId="1076"/>
-          <ac:picMkLst>
-            <pc:docMk/>
-            <pc:sldMk cId="2246402216" sldId="513"/>
-            <ac:picMk id="5" creationId="{C22716A0-DF15-D2CD-9293-4E38492C5DA7}"/>
-          </ac:picMkLst>
-        </pc:picChg>
-      </pc:sldChg>
-    </pc:docChg>
-  </pc:docChgLst>
-  <pc:docChgLst>
-    <pc:chgData name="Kirtesh Pushpakbhai Patel" userId="827b0188-014d-49bb-a8b9-04926e37603d" providerId="ADAL" clId="{81C9471D-0C86-4657-9C06-4AB23EF5666B}"/>
-    <pc:docChg chg="custSel addSld delSld modSld sldOrd delSection modSection">
-      <pc:chgData name="Kirtesh Pushpakbhai Patel" userId="827b0188-014d-49bb-a8b9-04926e37603d" providerId="ADAL" clId="{81C9471D-0C86-4657-9C06-4AB23EF5666B}" dt="2023-09-20T18:01:10.845" v="440" actId="1076"/>
-      <pc:docMkLst>
-        <pc:docMk/>
-      </pc:docMkLst>
-      <pc:sldChg chg="modSp mod">
-        <pc:chgData name="Kirtesh Pushpakbhai Patel" userId="827b0188-014d-49bb-a8b9-04926e37603d" providerId="ADAL" clId="{81C9471D-0C86-4657-9C06-4AB23EF5666B}" dt="2023-09-20T17:02:39.952" v="156" actId="20577"/>
-        <pc:sldMkLst>
-          <pc:docMk/>
-          <pc:sldMk cId="1633214458" sldId="257"/>
-        </pc:sldMkLst>
-        <pc:spChg chg="mod">
-          <ac:chgData name="Kirtesh Pushpakbhai Patel" userId="827b0188-014d-49bb-a8b9-04926e37603d" providerId="ADAL" clId="{81C9471D-0C86-4657-9C06-4AB23EF5666B}" dt="2023-09-20T17:02:39.952" v="156" actId="20577"/>
-          <ac:spMkLst>
-            <pc:docMk/>
-            <pc:sldMk cId="1633214458" sldId="257"/>
-            <ac:spMk id="4" creationId="{D83BA101-E9AD-9604-047F-792895B3290D}"/>
-          </ac:spMkLst>
-        </pc:spChg>
-      </pc:sldChg>
-      <pc:sldChg chg="del">
-        <pc:chgData name="Kirtesh Pushpakbhai Patel" userId="827b0188-014d-49bb-a8b9-04926e37603d" providerId="ADAL" clId="{81C9471D-0C86-4657-9C06-4AB23EF5666B}" dt="2023-09-20T16:45:03.147" v="1" actId="47"/>
-        <pc:sldMkLst>
-          <pc:docMk/>
-          <pc:sldMk cId="1470594058" sldId="294"/>
-        </pc:sldMkLst>
-      </pc:sldChg>
-      <pc:sldChg chg="del">
-        <pc:chgData name="Kirtesh Pushpakbhai Patel" userId="827b0188-014d-49bb-a8b9-04926e37603d" providerId="ADAL" clId="{81C9471D-0C86-4657-9C06-4AB23EF5666B}" dt="2023-09-20T16:45:54.379" v="46" actId="47"/>
-        <pc:sldMkLst>
-          <pc:docMk/>
-          <pc:sldMk cId="2022189127" sldId="347"/>
-        </pc:sldMkLst>
-      </pc:sldChg>
-      <pc:sldChg chg="del">
-        <pc:chgData name="Kirtesh Pushpakbhai Patel" userId="827b0188-014d-49bb-a8b9-04926e37603d" providerId="ADAL" clId="{81C9471D-0C86-4657-9C06-4AB23EF5666B}" dt="2023-09-20T16:45:53.895" v="44" actId="47"/>
-        <pc:sldMkLst>
-          <pc:docMk/>
-          <pc:sldMk cId="669064336" sldId="410"/>
-        </pc:sldMkLst>
-      </pc:sldChg>
-      <pc:sldChg chg="del">
-        <pc:chgData name="Kirtesh Pushpakbhai Patel" userId="827b0188-014d-49bb-a8b9-04926e37603d" providerId="ADAL" clId="{81C9471D-0C86-4657-9C06-4AB23EF5666B}" dt="2023-09-20T16:45:46.159" v="17" actId="47"/>
-        <pc:sldMkLst>
-          <pc:docMk/>
-          <pc:sldMk cId="1721827893" sldId="449"/>
-        </pc:sldMkLst>
-      </pc:sldChg>
-      <pc:sldChg chg="del">
-        <pc:chgData name="Kirtesh Pushpakbhai Patel" userId="827b0188-014d-49bb-a8b9-04926e37603d" providerId="ADAL" clId="{81C9471D-0C86-4657-9C06-4AB23EF5666B}" dt="2023-09-20T16:45:47.402" v="23" actId="47"/>
-        <pc:sldMkLst>
-          <pc:docMk/>
-          <pc:sldMk cId="1190353087" sldId="450"/>
-        </pc:sldMkLst>
-      </pc:sldChg>
-      <pc:sldChg chg="del">
-        <pc:chgData name="Kirtesh Pushpakbhai Patel" userId="827b0188-014d-49bb-a8b9-04926e37603d" providerId="ADAL" clId="{81C9471D-0C86-4657-9C06-4AB23EF5666B}" dt="2023-09-20T16:45:46.997" v="21" actId="47"/>
-        <pc:sldMkLst>
-          <pc:docMk/>
-          <pc:sldMk cId="4261358115" sldId="462"/>
-        </pc:sldMkLst>
-      </pc:sldChg>
-      <pc:sldChg chg="del">
-        <pc:chgData name="Kirtesh Pushpakbhai Patel" userId="827b0188-014d-49bb-a8b9-04926e37603d" providerId="ADAL" clId="{81C9471D-0C86-4657-9C06-4AB23EF5666B}" dt="2023-09-20T16:45:44.562" v="13" actId="47"/>
-        <pc:sldMkLst>
-          <pc:docMk/>
-          <pc:sldMk cId="3895102537" sldId="463"/>
-        </pc:sldMkLst>
-      </pc:sldChg>
-      <pc:sldChg chg="del">
-        <pc:chgData name="Kirtesh Pushpakbhai Patel" userId="827b0188-014d-49bb-a8b9-04926e37603d" providerId="ADAL" clId="{81C9471D-0C86-4657-9C06-4AB23EF5666B}" dt="2023-09-20T16:45:47.599" v="24" actId="47"/>
-        <pc:sldMkLst>
-          <pc:docMk/>
-          <pc:sldMk cId="1498504451" sldId="465"/>
-        </pc:sldMkLst>
-      </pc:sldChg>
-      <pc:sldChg chg="del">
-        <pc:chgData name="Kirtesh Pushpakbhai Patel" userId="827b0188-014d-49bb-a8b9-04926e37603d" providerId="ADAL" clId="{81C9471D-0C86-4657-9C06-4AB23EF5666B}" dt="2023-09-20T16:45:47.810" v="25" actId="47"/>
-        <pc:sldMkLst>
-          <pc:docMk/>
-          <pc:sldMk cId="2706740734" sldId="466"/>
-        </pc:sldMkLst>
-      </pc:sldChg>
-      <pc:sldChg chg="del">
-        <pc:chgData name="Kirtesh Pushpakbhai Patel" userId="827b0188-014d-49bb-a8b9-04926e37603d" providerId="ADAL" clId="{81C9471D-0C86-4657-9C06-4AB23EF5666B}" dt="2023-09-20T16:45:47.203" v="22" actId="47"/>
-        <pc:sldMkLst>
-          <pc:docMk/>
-          <pc:sldMk cId="1917993598" sldId="467"/>
-        </pc:sldMkLst>
-      </pc:sldChg>
-      <pc:sldChg chg="del">
-        <pc:chgData name="Kirtesh Pushpakbhai Patel" userId="827b0188-014d-49bb-a8b9-04926e37603d" providerId="ADAL" clId="{81C9471D-0C86-4657-9C06-4AB23EF5666B}" dt="2023-09-20T16:45:46.348" v="18" actId="47"/>
-        <pc:sldMkLst>
-          <pc:docMk/>
-          <pc:sldMk cId="2164103808" sldId="468"/>
-        </pc:sldMkLst>
-      </pc:sldChg>
-      <pc:sldChg chg="del">
-        <pc:chgData name="Kirtesh Pushpakbhai Patel" userId="827b0188-014d-49bb-a8b9-04926e37603d" providerId="ADAL" clId="{81C9471D-0C86-4657-9C06-4AB23EF5666B}" dt="2023-09-20T16:45:46.776" v="20" actId="47"/>
-        <pc:sldMkLst>
-          <pc:docMk/>
-          <pc:sldMk cId="1345251810" sldId="472"/>
-        </pc:sldMkLst>
-      </pc:sldChg>
-      <pc:sldChg chg="del">
-        <pc:chgData name="Kirtesh Pushpakbhai Patel" userId="827b0188-014d-49bb-a8b9-04926e37603d" providerId="ADAL" clId="{81C9471D-0C86-4657-9C06-4AB23EF5666B}" dt="2023-09-20T16:45:47.999" v="26" actId="47"/>
-        <pc:sldMkLst>
-          <pc:docMk/>
-          <pc:sldMk cId="186187877" sldId="473"/>
-        </pc:sldMkLst>
-      </pc:sldChg>
-      <pc:sldChg chg="del">
-        <pc:chgData name="Kirtesh Pushpakbhai Patel" userId="827b0188-014d-49bb-a8b9-04926e37603d" providerId="ADAL" clId="{81C9471D-0C86-4657-9C06-4AB23EF5666B}" dt="2023-09-20T16:45:54.105" v="45" actId="47"/>
-        <pc:sldMkLst>
-          <pc:docMk/>
-          <pc:sldMk cId="1134968287" sldId="476"/>
-        </pc:sldMkLst>
-      </pc:sldChg>
-      <pc:sldChg chg="del">
-        <pc:chgData name="Kirtesh Pushpakbhai Patel" userId="827b0188-014d-49bb-a8b9-04926e37603d" providerId="ADAL" clId="{81C9471D-0C86-4657-9C06-4AB23EF5666B}" dt="2023-09-20T16:45:45.689" v="15" actId="47"/>
-        <pc:sldMkLst>
-          <pc:docMk/>
-          <pc:sldMk cId="4088113293" sldId="477"/>
-        </pc:sldMkLst>
-      </pc:sldChg>
-      <pc:sldChg chg="del">
-        <pc:chgData name="Kirtesh Pushpakbhai Patel" userId="827b0188-014d-49bb-a8b9-04926e37603d" providerId="ADAL" clId="{81C9471D-0C86-4657-9C06-4AB23EF5666B}" dt="2023-09-20T16:45:45.307" v="14" actId="47"/>
-        <pc:sldMkLst>
-          <pc:docMk/>
-          <pc:sldMk cId="3759062384" sldId="478"/>
-        </pc:sldMkLst>
-      </pc:sldChg>
-      <pc:sldChg chg="del">
-        <pc:chgData name="Kirtesh Pushpakbhai Patel" userId="827b0188-014d-49bb-a8b9-04926e37603d" providerId="ADAL" clId="{81C9471D-0C86-4657-9C06-4AB23EF5666B}" dt="2023-09-20T16:45:45.961" v="16" actId="47"/>
-        <pc:sldMkLst>
-          <pc:docMk/>
-          <pc:sldMk cId="1465155490" sldId="479"/>
-        </pc:sldMkLst>
-      </pc:sldChg>
-      <pc:sldChg chg="addSp delSp modSp mod">
-        <pc:chgData name="Kirtesh Pushpakbhai Patel" userId="827b0188-014d-49bb-a8b9-04926e37603d" providerId="ADAL" clId="{81C9471D-0C86-4657-9C06-4AB23EF5666B}" dt="2023-09-20T17:09:33.101" v="357"/>
-        <pc:sldMkLst>
-          <pc:docMk/>
-          <pc:sldMk cId="1063543620" sldId="480"/>
-        </pc:sldMkLst>
-        <pc:spChg chg="mod">
-          <ac:chgData name="Kirtesh Pushpakbhai Patel" userId="827b0188-014d-49bb-a8b9-04926e37603d" providerId="ADAL" clId="{81C9471D-0C86-4657-9C06-4AB23EF5666B}" dt="2023-09-20T17:09:33.101" v="357"/>
-          <ac:spMkLst>
-            <pc:docMk/>
-            <pc:sldMk cId="1063543620" sldId="480"/>
-            <ac:spMk id="2" creationId="{43119BF6-E8A9-2EE0-3C9A-7D40CED1D268}"/>
-          </ac:spMkLst>
-        </pc:spChg>
-        <pc:spChg chg="del">
-          <ac:chgData name="Kirtesh Pushpakbhai Patel" userId="827b0188-014d-49bb-a8b9-04926e37603d" providerId="ADAL" clId="{81C9471D-0C86-4657-9C06-4AB23EF5666B}" dt="2023-09-20T16:45:05.237" v="2" actId="478"/>
-          <ac:spMkLst>
-            <pc:docMk/>
-            <pc:sldMk cId="1063543620" sldId="480"/>
-            <ac:spMk id="3" creationId="{BB753201-676B-DCCC-E430-0C94E69DE8F7}"/>
-          </ac:spMkLst>
-        </pc:spChg>
-        <pc:spChg chg="del">
-          <ac:chgData name="Kirtesh Pushpakbhai Patel" userId="827b0188-014d-49bb-a8b9-04926e37603d" providerId="ADAL" clId="{81C9471D-0C86-4657-9C06-4AB23EF5666B}" dt="2023-09-20T16:45:06.480" v="3" actId="478"/>
-          <ac:spMkLst>
-            <pc:docMk/>
-            <pc:sldMk cId="1063543620" sldId="480"/>
-            <ac:spMk id="4" creationId="{264CF0C5-EAF1-A958-5D1E-CC5B897D054A}"/>
-          </ac:spMkLst>
-        </pc:spChg>
-        <pc:spChg chg="del">
-          <ac:chgData name="Kirtesh Pushpakbhai Patel" userId="827b0188-014d-49bb-a8b9-04926e37603d" providerId="ADAL" clId="{81C9471D-0C86-4657-9C06-4AB23EF5666B}" dt="2023-09-20T16:45:08.291" v="5" actId="478"/>
-          <ac:spMkLst>
-            <pc:docMk/>
-            <pc:sldMk cId="1063543620" sldId="480"/>
-            <ac:spMk id="5" creationId="{0384BE12-C8E8-08DC-9E5C-9DB87FB415D2}"/>
-          </ac:spMkLst>
-        </pc:spChg>
-        <pc:spChg chg="add del mod">
-          <ac:chgData name="Kirtesh Pushpakbhai Patel" userId="827b0188-014d-49bb-a8b9-04926e37603d" providerId="ADAL" clId="{81C9471D-0C86-4657-9C06-4AB23EF5666B}" dt="2023-09-20T16:45:07.480" v="4" actId="478"/>
-          <ac:spMkLst>
-            <pc:docMk/>
-            <pc:sldMk cId="1063543620" sldId="480"/>
-            <ac:spMk id="7" creationId="{FBA32518-ED44-6807-66F8-160C31541EA2}"/>
-          </ac:spMkLst>
-        </pc:spChg>
-        <pc:picChg chg="add mod">
-          <ac:chgData name="Kirtesh Pushpakbhai Patel" userId="827b0188-014d-49bb-a8b9-04926e37603d" providerId="ADAL" clId="{81C9471D-0C86-4657-9C06-4AB23EF5666B}" dt="2023-09-20T16:45:38.714" v="11" actId="1076"/>
-          <ac:picMkLst>
-            <pc:docMk/>
-            <pc:sldMk cId="1063543620" sldId="480"/>
-            <ac:picMk id="1026" creationId="{F7A0EEFD-890B-1FEA-5F4B-A7C5D5438628}"/>
-          </ac:picMkLst>
-        </pc:picChg>
-      </pc:sldChg>
-      <pc:sldChg chg="del">
-        <pc:chgData name="Kirtesh Pushpakbhai Patel" userId="827b0188-014d-49bb-a8b9-04926e37603d" providerId="ADAL" clId="{81C9471D-0C86-4657-9C06-4AB23EF5666B}" dt="2023-09-20T16:45:50.386" v="39" actId="47"/>
-        <pc:sldMkLst>
-          <pc:docMk/>
-          <pc:sldMk cId="1520748799" sldId="481"/>
-        </pc:sldMkLst>
-      </pc:sldChg>
-      <pc:sldChg chg="del">
-        <pc:chgData name="Kirtesh Pushpakbhai Patel" userId="827b0188-014d-49bb-a8b9-04926e37603d" providerId="ADAL" clId="{81C9471D-0C86-4657-9C06-4AB23EF5666B}" dt="2023-09-20T16:45:53.077" v="43" actId="47"/>
-        <pc:sldMkLst>
-          <pc:docMk/>
-          <pc:sldMk cId="535718694" sldId="483"/>
-        </pc:sldMkLst>
-      </pc:sldChg>
-      <pc:sldChg chg="del">
-        <pc:chgData name="Kirtesh Pushpakbhai Patel" userId="827b0188-014d-49bb-a8b9-04926e37603d" providerId="ADAL" clId="{81C9471D-0C86-4657-9C06-4AB23EF5666B}" dt="2023-09-20T16:45:53.077" v="43" actId="47"/>
-        <pc:sldMkLst>
-          <pc:docMk/>
-          <pc:sldMk cId="4010121970" sldId="484"/>
-        </pc:sldMkLst>
-      </pc:sldChg>
-      <pc:sldChg chg="del">
-        <pc:chgData name="Kirtesh Pushpakbhai Patel" userId="827b0188-014d-49bb-a8b9-04926e37603d" providerId="ADAL" clId="{81C9471D-0C86-4657-9C06-4AB23EF5666B}" dt="2023-09-20T16:45:53.077" v="43" actId="47"/>
-        <pc:sldMkLst>
-          <pc:docMk/>
-          <pc:sldMk cId="785731250" sldId="485"/>
-        </pc:sldMkLst>
-      </pc:sldChg>
-      <pc:sldChg chg="del">
-        <pc:chgData name="Kirtesh Pushpakbhai Patel" userId="827b0188-014d-49bb-a8b9-04926e37603d" providerId="ADAL" clId="{81C9471D-0C86-4657-9C06-4AB23EF5666B}" dt="2023-09-20T16:45:48.356" v="28" actId="47"/>
-        <pc:sldMkLst>
-          <pc:docMk/>
-          <pc:sldMk cId="2035497267" sldId="486"/>
-        </pc:sldMkLst>
-      </pc:sldChg>
-      <pc:sldChg chg="del">
-        <pc:chgData name="Kirtesh Pushpakbhai Patel" userId="827b0188-014d-49bb-a8b9-04926e37603d" providerId="ADAL" clId="{81C9471D-0C86-4657-9C06-4AB23EF5666B}" dt="2023-09-20T16:45:48.921" v="31" actId="47"/>
-        <pc:sldMkLst>
-          <pc:docMk/>
-          <pc:sldMk cId="1911624814" sldId="487"/>
-        </pc:sldMkLst>
-      </pc:sldChg>
-      <pc:sldChg chg="del">
-        <pc:chgData name="Kirtesh Pushpakbhai Patel" userId="827b0188-014d-49bb-a8b9-04926e37603d" providerId="ADAL" clId="{81C9471D-0C86-4657-9C06-4AB23EF5666B}" dt="2023-09-20T16:45:02.137" v="0" actId="47"/>
-        <pc:sldMkLst>
-          <pc:docMk/>
-          <pc:sldMk cId="579190318" sldId="492"/>
-        </pc:sldMkLst>
-      </pc:sldChg>
-      <pc:sldChg chg="del">
-        <pc:chgData name="Kirtesh Pushpakbhai Patel" userId="827b0188-014d-49bb-a8b9-04926e37603d" providerId="ADAL" clId="{81C9471D-0C86-4657-9C06-4AB23EF5666B}" dt="2023-09-20T16:45:48.536" v="29" actId="47"/>
-        <pc:sldMkLst>
-          <pc:docMk/>
-          <pc:sldMk cId="2781087131" sldId="493"/>
-        </pc:sldMkLst>
-      </pc:sldChg>
-      <pc:sldChg chg="del">
-        <pc:chgData name="Kirtesh Pushpakbhai Patel" userId="827b0188-014d-49bb-a8b9-04926e37603d" providerId="ADAL" clId="{81C9471D-0C86-4657-9C06-4AB23EF5666B}" dt="2023-09-20T16:45:48.743" v="30" actId="47"/>
-        <pc:sldMkLst>
-          <pc:docMk/>
-          <pc:sldMk cId="142541209" sldId="494"/>
-        </pc:sldMkLst>
-      </pc:sldChg>
-      <pc:sldChg chg="del">
-        <pc:chgData name="Kirtesh Pushpakbhai Patel" userId="827b0188-014d-49bb-a8b9-04926e37603d" providerId="ADAL" clId="{81C9471D-0C86-4657-9C06-4AB23EF5666B}" dt="2023-09-20T16:45:49.093" v="32" actId="47"/>
-        <pc:sldMkLst>
-          <pc:docMk/>
-          <pc:sldMk cId="896978092" sldId="495"/>
-        </pc:sldMkLst>
-      </pc:sldChg>
-      <pc:sldChg chg="del">
-        <pc:chgData name="Kirtesh Pushpakbhai Patel" userId="827b0188-014d-49bb-a8b9-04926e37603d" providerId="ADAL" clId="{81C9471D-0C86-4657-9C06-4AB23EF5666B}" dt="2023-09-20T16:45:49.277" v="33" actId="47"/>
-        <pc:sldMkLst>
-          <pc:docMk/>
-          <pc:sldMk cId="973455215" sldId="496"/>
-        </pc:sldMkLst>
-      </pc:sldChg>
-      <pc:sldChg chg="del">
-        <pc:chgData name="Kirtesh Pushpakbhai Patel" userId="827b0188-014d-49bb-a8b9-04926e37603d" providerId="ADAL" clId="{81C9471D-0C86-4657-9C06-4AB23EF5666B}" dt="2023-09-20T16:45:49.460" v="34" actId="47"/>
-        <pc:sldMkLst>
-          <pc:docMk/>
-          <pc:sldMk cId="176732957" sldId="497"/>
-        </pc:sldMkLst>
-      </pc:sldChg>
-      <pc:sldChg chg="del">
-        <pc:chgData name="Kirtesh Pushpakbhai Patel" userId="827b0188-014d-49bb-a8b9-04926e37603d" providerId="ADAL" clId="{81C9471D-0C86-4657-9C06-4AB23EF5666B}" dt="2023-09-20T16:45:49.835" v="36" actId="47"/>
-        <pc:sldMkLst>
-          <pc:docMk/>
-          <pc:sldMk cId="1107156319" sldId="498"/>
-        </pc:sldMkLst>
-      </pc:sldChg>
-      <pc:sldChg chg="del">
-        <pc:chgData name="Kirtesh Pushpakbhai Patel" userId="827b0188-014d-49bb-a8b9-04926e37603d" providerId="ADAL" clId="{81C9471D-0C86-4657-9C06-4AB23EF5666B}" dt="2023-09-20T16:45:49.642" v="35" actId="47"/>
-        <pc:sldMkLst>
-          <pc:docMk/>
-          <pc:sldMk cId="3347313777" sldId="501"/>
-        </pc:sldMkLst>
-      </pc:sldChg>
-      <pc:sldChg chg="del">
-        <pc:chgData name="Kirtesh Pushpakbhai Patel" userId="827b0188-014d-49bb-a8b9-04926e37603d" providerId="ADAL" clId="{81C9471D-0C86-4657-9C06-4AB23EF5666B}" dt="2023-09-20T16:45:50.024" v="37" actId="47"/>
-        <pc:sldMkLst>
-          <pc:docMk/>
-          <pc:sldMk cId="2110809649" sldId="502"/>
-        </pc:sldMkLst>
-      </pc:sldChg>
-      <pc:sldChg chg="del">
-        <pc:chgData name="Kirtesh Pushpakbhai Patel" userId="827b0188-014d-49bb-a8b9-04926e37603d" providerId="ADAL" clId="{81C9471D-0C86-4657-9C06-4AB23EF5666B}" dt="2023-09-20T16:45:53.077" v="43" actId="47"/>
-        <pc:sldMkLst>
-          <pc:docMk/>
-          <pc:sldMk cId="2165381430" sldId="503"/>
-        </pc:sldMkLst>
-      </pc:sldChg>
-      <pc:sldChg chg="del">
-        <pc:chgData name="Kirtesh Pushpakbhai Patel" userId="827b0188-014d-49bb-a8b9-04926e37603d" providerId="ADAL" clId="{81C9471D-0C86-4657-9C06-4AB23EF5666B}" dt="2023-09-20T16:45:46.545" v="19" actId="47"/>
-        <pc:sldMkLst>
-          <pc:docMk/>
-          <pc:sldMk cId="2161292808" sldId="505"/>
-        </pc:sldMkLst>
-      </pc:sldChg>
-      <pc:sldChg chg="del">
-        <pc:chgData name="Kirtesh Pushpakbhai Patel" userId="827b0188-014d-49bb-a8b9-04926e37603d" providerId="ADAL" clId="{81C9471D-0C86-4657-9C06-4AB23EF5666B}" dt="2023-09-20T16:45:48.188" v="27" actId="47"/>
-        <pc:sldMkLst>
-          <pc:docMk/>
-          <pc:sldMk cId="79496395" sldId="506"/>
-        </pc:sldMkLst>
-      </pc:sldChg>
-      <pc:sldChg chg="del">
-        <pc:chgData name="Kirtesh Pushpakbhai Patel" userId="827b0188-014d-49bb-a8b9-04926e37603d" providerId="ADAL" clId="{81C9471D-0C86-4657-9C06-4AB23EF5666B}" dt="2023-09-20T16:45:50.213" v="38" actId="47"/>
-        <pc:sldMkLst>
-          <pc:docMk/>
-          <pc:sldMk cId="3188833846" sldId="507"/>
-        </pc:sldMkLst>
-      </pc:sldChg>
-      <pc:sldChg chg="del">
-        <pc:chgData name="Kirtesh Pushpakbhai Patel" userId="827b0188-014d-49bb-a8b9-04926e37603d" providerId="ADAL" clId="{81C9471D-0C86-4657-9C06-4AB23EF5666B}" dt="2023-09-20T16:45:50.576" v="40" actId="47"/>
-        <pc:sldMkLst>
-          <pc:docMk/>
-          <pc:sldMk cId="532004465" sldId="508"/>
-        </pc:sldMkLst>
-      </pc:sldChg>
-      <pc:sldChg chg="addSp delSp modSp add mod">
-        <pc:chgData name="Kirtesh Pushpakbhai Patel" userId="827b0188-014d-49bb-a8b9-04926e37603d" providerId="ADAL" clId="{81C9471D-0C86-4657-9C06-4AB23EF5666B}" dt="2023-09-20T17:10:33.410" v="437" actId="20577"/>
-        <pc:sldMkLst>
-          <pc:docMk/>
-          <pc:sldMk cId="1059699038" sldId="509"/>
-        </pc:sldMkLst>
-        <pc:spChg chg="mod">
-          <ac:chgData name="Kirtesh Pushpakbhai Patel" userId="827b0188-014d-49bb-a8b9-04926e37603d" providerId="ADAL" clId="{81C9471D-0C86-4657-9C06-4AB23EF5666B}" dt="2023-09-20T17:09:41.201" v="359"/>
-          <ac:spMkLst>
-            <pc:docMk/>
-            <pc:sldMk cId="1059699038" sldId="509"/>
-            <ac:spMk id="2" creationId="{43119BF6-E8A9-2EE0-3C9A-7D40CED1D268}"/>
-          </ac:spMkLst>
-        </pc:spChg>
-        <pc:spChg chg="add mod">
-          <ac:chgData name="Kirtesh Pushpakbhai Patel" userId="827b0188-014d-49bb-a8b9-04926e37603d" providerId="ADAL" clId="{81C9471D-0C86-4657-9C06-4AB23EF5666B}" dt="2023-09-20T17:10:33.410" v="437" actId="20577"/>
-          <ac:spMkLst>
-            <pc:docMk/>
-            <pc:sldMk cId="1059699038" sldId="509"/>
-            <ac:spMk id="3" creationId="{64704346-6E81-2F67-C040-C6C06DFB8A62}"/>
-          </ac:spMkLst>
-        </pc:spChg>
-        <pc:spChg chg="mod">
-          <ac:chgData name="Kirtesh Pushpakbhai Patel" userId="827b0188-014d-49bb-a8b9-04926e37603d" providerId="ADAL" clId="{81C9471D-0C86-4657-9C06-4AB23EF5666B}" dt="2023-09-20T17:10:13.297" v="422" actId="20577"/>
-          <ac:spMkLst>
-            <pc:docMk/>
-            <pc:sldMk cId="1059699038" sldId="509"/>
-            <ac:spMk id="18" creationId="{298301B1-B19C-AA63-77BE-17E32DFCEB78}"/>
-          </ac:spMkLst>
-        </pc:spChg>
-        <pc:picChg chg="del">
-          <ac:chgData name="Kirtesh Pushpakbhai Patel" userId="827b0188-014d-49bb-a8b9-04926e37603d" providerId="ADAL" clId="{81C9471D-0C86-4657-9C06-4AB23EF5666B}" dt="2023-09-20T16:46:01.435" v="47" actId="478"/>
-          <ac:picMkLst>
-            <pc:docMk/>
-            <pc:sldMk cId="1059699038" sldId="509"/>
-            <ac:picMk id="1026" creationId="{F7A0EEFD-890B-1FEA-5F4B-A7C5D5438628}"/>
-          </ac:picMkLst>
-        </pc:picChg>
-        <pc:picChg chg="add mod">
-          <ac:chgData name="Kirtesh Pushpakbhai Patel" userId="827b0188-014d-49bb-a8b9-04926e37603d" providerId="ADAL" clId="{81C9471D-0C86-4657-9C06-4AB23EF5666B}" dt="2023-09-20T16:46:09.120" v="49" actId="1076"/>
-          <ac:picMkLst>
-            <pc:docMk/>
-            <pc:sldMk cId="1059699038" sldId="509"/>
-            <ac:picMk id="2050" creationId="{3909DFC4-2131-DD27-1745-2A4045188304}"/>
-          </ac:picMkLst>
-        </pc:picChg>
-      </pc:sldChg>
-      <pc:sldChg chg="addSp delSp modSp add mod ord">
-        <pc:chgData name="Kirtesh Pushpakbhai Patel" userId="827b0188-014d-49bb-a8b9-04926e37603d" providerId="ADAL" clId="{81C9471D-0C86-4657-9C06-4AB23EF5666B}" dt="2023-09-20T17:18:36.766" v="438" actId="14100"/>
-        <pc:sldMkLst>
-          <pc:docMk/>
-          <pc:sldMk cId="2424671467" sldId="510"/>
-        </pc:sldMkLst>
-        <pc:spChg chg="mod">
-          <ac:chgData name="Kirtesh Pushpakbhai Patel" userId="827b0188-014d-49bb-a8b9-04926e37603d" providerId="ADAL" clId="{81C9471D-0C86-4657-9C06-4AB23EF5666B}" dt="2023-09-20T17:09:35.679" v="358"/>
-          <ac:spMkLst>
-            <pc:docMk/>
-            <pc:sldMk cId="2424671467" sldId="510"/>
-            <ac:spMk id="2" creationId="{43119BF6-E8A9-2EE0-3C9A-7D40CED1D268}"/>
-          </ac:spMkLst>
-        </pc:spChg>
-        <pc:spChg chg="mod">
-          <ac:chgData name="Kirtesh Pushpakbhai Patel" userId="827b0188-014d-49bb-a8b9-04926e37603d" providerId="ADAL" clId="{81C9471D-0C86-4657-9C06-4AB23EF5666B}" dt="2023-09-20T17:18:36.766" v="438" actId="14100"/>
-          <ac:spMkLst>
-            <pc:docMk/>
-            <pc:sldMk cId="2424671467" sldId="510"/>
-            <ac:spMk id="3" creationId="{DC280CE1-D928-2844-58EB-B4F2FFEC18CF}"/>
-          </ac:spMkLst>
-        </pc:spChg>
-        <pc:spChg chg="mod">
-          <ac:chgData name="Kirtesh Pushpakbhai Patel" userId="827b0188-014d-49bb-a8b9-04926e37603d" providerId="ADAL" clId="{81C9471D-0C86-4657-9C06-4AB23EF5666B}" dt="2023-09-20T17:09:21.893" v="356" actId="20577"/>
-          <ac:spMkLst>
-            <pc:docMk/>
-            <pc:sldMk cId="2424671467" sldId="510"/>
-            <ac:spMk id="18" creationId="{298301B1-B19C-AA63-77BE-17E32DFCEB78}"/>
-          </ac:spMkLst>
-        </pc:spChg>
-        <pc:picChg chg="del">
-          <ac:chgData name="Kirtesh Pushpakbhai Patel" userId="827b0188-014d-49bb-a8b9-04926e37603d" providerId="ADAL" clId="{81C9471D-0C86-4657-9C06-4AB23EF5666B}" dt="2023-09-20T16:46:47.905" v="54" actId="478"/>
-          <ac:picMkLst>
-            <pc:docMk/>
-            <pc:sldMk cId="2424671467" sldId="510"/>
-            <ac:picMk id="2050" creationId="{3909DFC4-2131-DD27-1745-2A4045188304}"/>
-          </ac:picMkLst>
-        </pc:picChg>
-        <pc:picChg chg="add mod">
-          <ac:chgData name="Kirtesh Pushpakbhai Patel" userId="827b0188-014d-49bb-a8b9-04926e37603d" providerId="ADAL" clId="{81C9471D-0C86-4657-9C06-4AB23EF5666B}" dt="2023-09-20T16:46:57.025" v="59" actId="14100"/>
-          <ac:picMkLst>
-            <pc:docMk/>
-            <pc:sldMk cId="2424671467" sldId="510"/>
-            <ac:picMk id="4098" creationId="{3AE8BE49-9622-6BF6-A8B6-41C7E8E304CA}"/>
-          </ac:picMkLst>
-        </pc:picChg>
-      </pc:sldChg>
-      <pc:sldChg chg="addSp delSp modSp add mod">
-        <pc:chgData name="Kirtesh Pushpakbhai Patel" userId="827b0188-014d-49bb-a8b9-04926e37603d" providerId="ADAL" clId="{81C9471D-0C86-4657-9C06-4AB23EF5666B}" dt="2023-09-20T17:09:43.471" v="360"/>
-        <pc:sldMkLst>
-          <pc:docMk/>
-          <pc:sldMk cId="1460352735" sldId="511"/>
-        </pc:sldMkLst>
-        <pc:spChg chg="mod">
-          <ac:chgData name="Kirtesh Pushpakbhai Patel" userId="827b0188-014d-49bb-a8b9-04926e37603d" providerId="ADAL" clId="{81C9471D-0C86-4657-9C06-4AB23EF5666B}" dt="2023-09-20T17:09:43.471" v="360"/>
-          <ac:spMkLst>
-            <pc:docMk/>
-            <pc:sldMk cId="1460352735" sldId="511"/>
-            <ac:spMk id="2" creationId="{43119BF6-E8A9-2EE0-3C9A-7D40CED1D268}"/>
-          </ac:spMkLst>
-        </pc:spChg>
-        <pc:spChg chg="add del mod">
-          <ac:chgData name="Kirtesh Pushpakbhai Patel" userId="827b0188-014d-49bb-a8b9-04926e37603d" providerId="ADAL" clId="{81C9471D-0C86-4657-9C06-4AB23EF5666B}" dt="2023-09-20T17:09:07.732" v="337"/>
-          <ac:spMkLst>
-            <pc:docMk/>
-            <pc:sldMk cId="1460352735" sldId="511"/>
-            <ac:spMk id="3" creationId="{3384EE09-FA1F-5287-FEA0-589E2D546819}"/>
-          </ac:spMkLst>
-        </pc:spChg>
-        <pc:picChg chg="del">
-          <ac:chgData name="Kirtesh Pushpakbhai Patel" userId="827b0188-014d-49bb-a8b9-04926e37603d" providerId="ADAL" clId="{81C9471D-0C86-4657-9C06-4AB23EF5666B}" dt="2023-09-20T16:47:04.768" v="60" actId="478"/>
-          <ac:picMkLst>
-            <pc:docMk/>
-            <pc:sldMk cId="1460352735" sldId="511"/>
-            <ac:picMk id="2050" creationId="{3909DFC4-2131-DD27-1745-2A4045188304}"/>
-          </ac:picMkLst>
-        </pc:picChg>
-        <pc:picChg chg="add del mod">
-          <ac:chgData name="Kirtesh Pushpakbhai Patel" userId="827b0188-014d-49bb-a8b9-04926e37603d" providerId="ADAL" clId="{81C9471D-0C86-4657-9C06-4AB23EF5666B}" dt="2023-09-20T16:58:18.489" v="99" actId="478"/>
-          <ac:picMkLst>
-            <pc:docMk/>
-            <pc:sldMk cId="1460352735" sldId="511"/>
-            <ac:picMk id="3074" creationId="{EAA824BA-9ACC-095B-17AA-7DE94C7A1F68}"/>
-          </ac:picMkLst>
-        </pc:picChg>
-        <pc:picChg chg="add del mod">
-          <ac:chgData name="Kirtesh Pushpakbhai Patel" userId="827b0188-014d-49bb-a8b9-04926e37603d" providerId="ADAL" clId="{81C9471D-0C86-4657-9C06-4AB23EF5666B}" dt="2023-09-20T16:58:19.237" v="101" actId="478"/>
-          <ac:picMkLst>
-            <pc:docMk/>
-            <pc:sldMk cId="1460352735" sldId="511"/>
-            <ac:picMk id="3076" creationId="{87A50A17-25A3-449F-907E-8C5CC245400E}"/>
-          </ac:picMkLst>
-        </pc:picChg>
-        <pc:picChg chg="add del mod">
-          <ac:chgData name="Kirtesh Pushpakbhai Patel" userId="827b0188-014d-49bb-a8b9-04926e37603d" providerId="ADAL" clId="{81C9471D-0C86-4657-9C06-4AB23EF5666B}" dt="2023-09-20T16:58:19.595" v="102" actId="478"/>
-          <ac:picMkLst>
-            <pc:docMk/>
-            <pc:sldMk cId="1460352735" sldId="511"/>
-            <ac:picMk id="3078" creationId="{416517ED-C560-5FE7-3E48-0D6D33C32EF0}"/>
-          </ac:picMkLst>
-        </pc:picChg>
-        <pc:picChg chg="add mod">
-          <ac:chgData name="Kirtesh Pushpakbhai Patel" userId="827b0188-014d-49bb-a8b9-04926e37603d" providerId="ADAL" clId="{81C9471D-0C86-4657-9C06-4AB23EF5666B}" dt="2023-09-20T17:01:12.966" v="142" actId="14100"/>
-          <ac:picMkLst>
-            <pc:docMk/>
-            <pc:sldMk cId="1460352735" sldId="511"/>
-            <ac:picMk id="3080" creationId="{07B25725-E47E-2BCB-135A-E369E1A68B20}"/>
-          </ac:picMkLst>
-        </pc:picChg>
-        <pc:picChg chg="add mod">
-          <ac:chgData name="Kirtesh Pushpakbhai Patel" userId="827b0188-014d-49bb-a8b9-04926e37603d" providerId="ADAL" clId="{81C9471D-0C86-4657-9C06-4AB23EF5666B}" dt="2023-09-20T17:00:56.001" v="141" actId="14100"/>
-          <ac:picMkLst>
-            <pc:docMk/>
-            <pc:sldMk cId="1460352735" sldId="511"/>
-            <ac:picMk id="3082" creationId="{C85CACE3-E0F0-CC85-D6F0-134F14AD8702}"/>
-          </ac:picMkLst>
-        </pc:picChg>
-        <pc:picChg chg="add mod">
-          <ac:chgData name="Kirtesh Pushpakbhai Patel" userId="827b0188-014d-49bb-a8b9-04926e37603d" providerId="ADAL" clId="{81C9471D-0C86-4657-9C06-4AB23EF5666B}" dt="2023-09-20T17:00:48.438" v="138" actId="1076"/>
-          <ac:picMkLst>
-            <pc:docMk/>
-            <pc:sldMk cId="1460352735" sldId="511"/>
-            <ac:picMk id="3084" creationId="{F9CF28EC-E17D-7FFF-6B1F-9C9425009C31}"/>
-          </ac:picMkLst>
-        </pc:picChg>
-      </pc:sldChg>
-      <pc:sldChg chg="addSp delSp modSp add">
-        <pc:chgData name="Kirtesh Pushpakbhai Patel" userId="827b0188-014d-49bb-a8b9-04926e37603d" providerId="ADAL" clId="{81C9471D-0C86-4657-9C06-4AB23EF5666B}" dt="2023-09-20T17:02:16.187" v="155" actId="1076"/>
-        <pc:sldMkLst>
-          <pc:docMk/>
-          <pc:sldMk cId="273555794" sldId="512"/>
-        </pc:sldMkLst>
-        <pc:picChg chg="del">
-          <ac:chgData name="Kirtesh Pushpakbhai Patel" userId="827b0188-014d-49bb-a8b9-04926e37603d" providerId="ADAL" clId="{81C9471D-0C86-4657-9C06-4AB23EF5666B}" dt="2023-09-20T16:53:30.277" v="85" actId="478"/>
-          <ac:picMkLst>
-            <pc:docMk/>
-            <pc:sldMk cId="273555794" sldId="512"/>
-            <ac:picMk id="3074" creationId="{EAA824BA-9ACC-095B-17AA-7DE94C7A1F68}"/>
-          </ac:picMkLst>
-        </pc:picChg>
-        <pc:picChg chg="del">
-          <ac:chgData name="Kirtesh Pushpakbhai Patel" userId="827b0188-014d-49bb-a8b9-04926e37603d" providerId="ADAL" clId="{81C9471D-0C86-4657-9C06-4AB23EF5666B}" dt="2023-09-20T16:53:30.734" v="86" actId="478"/>
-          <ac:picMkLst>
-            <pc:docMk/>
-            <pc:sldMk cId="273555794" sldId="512"/>
-            <ac:picMk id="3076" creationId="{87A50A17-25A3-449F-907E-8C5CC245400E}"/>
-          </ac:picMkLst>
-        </pc:picChg>
-        <pc:picChg chg="del">
-          <ac:chgData name="Kirtesh Pushpakbhai Patel" userId="827b0188-014d-49bb-a8b9-04926e37603d" providerId="ADAL" clId="{81C9471D-0C86-4657-9C06-4AB23EF5666B}" dt="2023-09-20T16:53:31.143" v="87" actId="478"/>
-          <ac:picMkLst>
-            <pc:docMk/>
-            <pc:sldMk cId="273555794" sldId="512"/>
-            <ac:picMk id="3078" creationId="{416517ED-C560-5FE7-3E48-0D6D33C32EF0}"/>
-          </ac:picMkLst>
-        </pc:picChg>
-        <pc:picChg chg="add del mod">
-          <ac:chgData name="Kirtesh Pushpakbhai Patel" userId="827b0188-014d-49bb-a8b9-04926e37603d" providerId="ADAL" clId="{81C9471D-0C86-4657-9C06-4AB23EF5666B}" dt="2023-09-20T16:58:22.310" v="103" actId="478"/>
-          <ac:picMkLst>
-            <pc:docMk/>
-            <pc:sldMk cId="273555794" sldId="512"/>
-            <ac:picMk id="5122" creationId="{DD9F0548-B6D3-1F17-783A-9E01F360434D}"/>
-          </ac:picMkLst>
-        </pc:picChg>
-        <pc:picChg chg="add del mod">
-          <ac:chgData name="Kirtesh Pushpakbhai Patel" userId="827b0188-014d-49bb-a8b9-04926e37603d" providerId="ADAL" clId="{81C9471D-0C86-4657-9C06-4AB23EF5666B}" dt="2023-09-20T16:58:22.995" v="105" actId="478"/>
-          <ac:picMkLst>
-            <pc:docMk/>
-            <pc:sldMk cId="273555794" sldId="512"/>
-            <ac:picMk id="5124" creationId="{04B0B8AA-8939-829C-2BE4-42531C87A780}"/>
-          </ac:picMkLst>
-        </pc:picChg>
-        <pc:picChg chg="add del mod">
-          <ac:chgData name="Kirtesh Pushpakbhai Patel" userId="827b0188-014d-49bb-a8b9-04926e37603d" providerId="ADAL" clId="{81C9471D-0C86-4657-9C06-4AB23EF5666B}" dt="2023-09-20T16:58:22.580" v="104" actId="478"/>
-          <ac:picMkLst>
-            <pc:docMk/>
-            <pc:sldMk cId="273555794" sldId="512"/>
-            <ac:picMk id="5126" creationId="{615383ED-F5E5-915B-3A8B-3E70BE87E326}"/>
-          </ac:picMkLst>
-        </pc:picChg>
-        <pc:picChg chg="add del mod">
-          <ac:chgData name="Kirtesh Pushpakbhai Patel" userId="827b0188-014d-49bb-a8b9-04926e37603d" providerId="ADAL" clId="{81C9471D-0C86-4657-9C06-4AB23EF5666B}" dt="2023-09-20T16:59:44.353" v="125" actId="478"/>
-          <ac:picMkLst>
-            <pc:docMk/>
-            <pc:sldMk cId="273555794" sldId="512"/>
-            <ac:picMk id="5128" creationId="{4B3870AA-43E7-4134-7152-018748922F7E}"/>
-          </ac:picMkLst>
-        </pc:picChg>
-        <pc:picChg chg="add del mod">
-          <ac:chgData name="Kirtesh Pushpakbhai Patel" userId="827b0188-014d-49bb-a8b9-04926e37603d" providerId="ADAL" clId="{81C9471D-0C86-4657-9C06-4AB23EF5666B}" dt="2023-09-20T16:59:44.928" v="126" actId="478"/>
-          <ac:picMkLst>
-            <pc:docMk/>
-            <pc:sldMk cId="273555794" sldId="512"/>
-            <ac:picMk id="5130" creationId="{DC0D2293-370A-BEB7-D4A6-DCC92B4B8313}"/>
-          </ac:picMkLst>
-        </pc:picChg>
-        <pc:picChg chg="add mod">
-          <ac:chgData name="Kirtesh Pushpakbhai Patel" userId="827b0188-014d-49bb-a8b9-04926e37603d" providerId="ADAL" clId="{81C9471D-0C86-4657-9C06-4AB23EF5666B}" dt="2023-09-20T17:02:16.187" v="155" actId="1076"/>
-          <ac:picMkLst>
-            <pc:docMk/>
-            <pc:sldMk cId="273555794" sldId="512"/>
-            <ac:picMk id="5132" creationId="{CAE2B505-A17B-05E4-C402-52EE7517BC01}"/>
-          </ac:picMkLst>
-        </pc:picChg>
-        <pc:picChg chg="add mod">
-          <ac:chgData name="Kirtesh Pushpakbhai Patel" userId="827b0188-014d-49bb-a8b9-04926e37603d" providerId="ADAL" clId="{81C9471D-0C86-4657-9C06-4AB23EF5666B}" dt="2023-09-20T17:02:03.271" v="152" actId="14100"/>
-          <ac:picMkLst>
-            <pc:docMk/>
-            <pc:sldMk cId="273555794" sldId="512"/>
-            <ac:picMk id="5134" creationId="{CAE66762-9964-CC3C-3B6D-A6FB11B5EFB0}"/>
-          </ac:picMkLst>
-        </pc:picChg>
-        <pc:picChg chg="add mod">
-          <ac:chgData name="Kirtesh Pushpakbhai Patel" userId="827b0188-014d-49bb-a8b9-04926e37603d" providerId="ADAL" clId="{81C9471D-0C86-4657-9C06-4AB23EF5666B}" dt="2023-09-20T17:02:07.737" v="153" actId="14100"/>
-          <ac:picMkLst>
-            <pc:docMk/>
-            <pc:sldMk cId="273555794" sldId="512"/>
-            <ac:picMk id="5136" creationId="{2BD4EE54-42C8-6E26-1155-A510BF94590C}"/>
-          </ac:picMkLst>
-        </pc:picChg>
-      </pc:sldChg>
-      <pc:sldChg chg="addSp modSp mod">
-        <pc:chgData name="Kirtesh Pushpakbhai Patel" userId="827b0188-014d-49bb-a8b9-04926e37603d" providerId="ADAL" clId="{81C9471D-0C86-4657-9C06-4AB23EF5666B}" dt="2023-09-20T18:01:10.845" v="440" actId="1076"/>
-        <pc:sldMkLst>
-          <pc:docMk/>
-          <pc:sldMk cId="2246402216" sldId="513"/>
-        </pc:sldMkLst>
-        <pc:picChg chg="add mod">
-          <ac:chgData name="Kirtesh Pushpakbhai Patel" userId="827b0188-014d-49bb-a8b9-04926e37603d" providerId="ADAL" clId="{81C9471D-0C86-4657-9C06-4AB23EF5666B}" dt="2023-09-20T18:01:10.845" v="440" actId="1076"/>
-          <ac:picMkLst>
-            <pc:docMk/>
-            <pc:sldMk cId="2246402216" sldId="513"/>
-            <ac:picMk id="5" creationId="{C22716A0-DF15-D2CD-9293-4E38492C5DA7}"/>
-          </ac:picMkLst>
-        </pc:picChg>
-      </pc:sldChg>
-      <pc:sldMasterChg chg="delSldLayout">
-        <pc:chgData name="Kirtesh Pushpakbhai Patel" userId="827b0188-014d-49bb-a8b9-04926e37603d" providerId="ADAL" clId="{81C9471D-0C86-4657-9C06-4AB23EF5666B}" dt="2023-09-20T16:45:54.379" v="46" actId="47"/>
-        <pc:sldMasterMkLst>
-          <pc:docMk/>
-          <pc:sldMasterMk cId="819902677" sldId="2147483698"/>
-        </pc:sldMasterMkLst>
-        <pc:sldLayoutChg chg="del">
-          <pc:chgData name="Kirtesh Pushpakbhai Patel" userId="827b0188-014d-49bb-a8b9-04926e37603d" providerId="ADAL" clId="{81C9471D-0C86-4657-9C06-4AB23EF5666B}" dt="2023-09-20T16:45:54.379" v="46" actId="47"/>
-          <pc:sldLayoutMkLst>
-            <pc:docMk/>
-            <pc:sldMasterMk cId="819902677" sldId="2147483698"/>
-            <pc:sldLayoutMk cId="2426033127" sldId="2147483711"/>
-          </pc:sldLayoutMkLst>
-        </pc:sldLayoutChg>
-      </pc:sldMasterChg>
-    </pc:docChg>
-  </pc:docChgLst>
-  <pc:docChgLst>
-    <pc:chgData name="Neelesh Bhalla" userId="S::neelesh.bhalla@fs-students.de::558a0c73-a88c-4419-bf5f-34faa784fc1b" providerId="AD" clId="Web-{1EA9C79E-761D-B6BD-6382-28936B336B71}"/>
-    <pc:docChg chg="modSld">
-      <pc:chgData name="Neelesh Bhalla" userId="S::neelesh.bhalla@fs-students.de::558a0c73-a88c-4419-bf5f-34faa784fc1b" providerId="AD" clId="Web-{1EA9C79E-761D-B6BD-6382-28936B336B71}" dt="2023-09-20T17:05:09.092" v="79" actId="1076"/>
-      <pc:docMkLst>
-        <pc:docMk/>
-      </pc:docMkLst>
-      <pc:sldChg chg="modSp">
-        <pc:chgData name="Neelesh Bhalla" userId="S::neelesh.bhalla@fs-students.de::558a0c73-a88c-4419-bf5f-34faa784fc1b" providerId="AD" clId="Web-{1EA9C79E-761D-B6BD-6382-28936B336B71}" dt="2023-09-20T17:03:38.761" v="20" actId="20577"/>
-        <pc:sldMkLst>
-          <pc:docMk/>
-          <pc:sldMk cId="1633214458" sldId="257"/>
-        </pc:sldMkLst>
-        <pc:spChg chg="mod">
-          <ac:chgData name="Neelesh Bhalla" userId="S::neelesh.bhalla@fs-students.de::558a0c73-a88c-4419-bf5f-34faa784fc1b" providerId="AD" clId="Web-{1EA9C79E-761D-B6BD-6382-28936B336B71}" dt="2023-09-20T17:03:32.776" v="18" actId="20577"/>
-          <ac:spMkLst>
-            <pc:docMk/>
-            <pc:sldMk cId="1633214458" sldId="257"/>
-            <ac:spMk id="4" creationId="{D83BA101-E9AD-9604-047F-792895B3290D}"/>
-          </ac:spMkLst>
-        </pc:spChg>
-        <pc:spChg chg="mod">
-          <ac:chgData name="Neelesh Bhalla" userId="S::neelesh.bhalla@fs-students.de::558a0c73-a88c-4419-bf5f-34faa784fc1b" providerId="AD" clId="Web-{1EA9C79E-761D-B6BD-6382-28936B336B71}" dt="2023-09-20T17:03:38.761" v="20" actId="20577"/>
-          <ac:spMkLst>
-            <pc:docMk/>
-            <pc:sldMk cId="1633214458" sldId="257"/>
-            <ac:spMk id="9" creationId="{E56C0690-11CD-BA4B-83A2-98A91C9323B0}"/>
-          </ac:spMkLst>
-        </pc:spChg>
-      </pc:sldChg>
-      <pc:sldChg chg="addSp modSp">
-        <pc:chgData name="Neelesh Bhalla" userId="S::neelesh.bhalla@fs-students.de::558a0c73-a88c-4419-bf5f-34faa784fc1b" providerId="AD" clId="Web-{1EA9C79E-761D-B6BD-6382-28936B336B71}" dt="2023-09-20T17:04:57.513" v="78" actId="20577"/>
-        <pc:sldMkLst>
-          <pc:docMk/>
-          <pc:sldMk cId="1063543620" sldId="480"/>
-        </pc:sldMkLst>
-        <pc:spChg chg="add mod">
-          <ac:chgData name="Neelesh Bhalla" userId="S::neelesh.bhalla@fs-students.de::558a0c73-a88c-4419-bf5f-34faa784fc1b" providerId="AD" clId="Web-{1EA9C79E-761D-B6BD-6382-28936B336B71}" dt="2023-09-20T17:04:57.513" v="78" actId="20577"/>
-          <ac:spMkLst>
-            <pc:docMk/>
-            <pc:sldMk cId="1063543620" sldId="480"/>
-            <ac:spMk id="3" creationId="{0EE76EFD-2ACA-58BF-563C-F1CCAE52DCCC}"/>
-          </ac:spMkLst>
-        </pc:spChg>
-      </pc:sldChg>
-      <pc:sldChg chg="modSp">
-        <pc:chgData name="Neelesh Bhalla" userId="S::neelesh.bhalla@fs-students.de::558a0c73-a88c-4419-bf5f-34faa784fc1b" providerId="AD" clId="Web-{1EA9C79E-761D-B6BD-6382-28936B336B71}" dt="2023-09-20T17:05:09.092" v="79" actId="1076"/>
-        <pc:sldMkLst>
-          <pc:docMk/>
-          <pc:sldMk cId="2424671467" sldId="510"/>
-        </pc:sldMkLst>
-        <pc:picChg chg="mod">
-          <ac:chgData name="Neelesh Bhalla" userId="S::neelesh.bhalla@fs-students.de::558a0c73-a88c-4419-bf5f-34faa784fc1b" providerId="AD" clId="Web-{1EA9C79E-761D-B6BD-6382-28936B336B71}" dt="2023-09-20T17:05:09.092" v="79" actId="1076"/>
-          <ac:picMkLst>
-            <pc:docMk/>
-            <pc:sldMk cId="2424671467" sldId="510"/>
-            <ac:picMk id="4098" creationId="{3AE8BE49-9622-6BF6-A8B6-41C7E8E304CA}"/>
-          </ac:picMkLst>
-        </pc:picChg>
-      </pc:sldChg>
-    </pc:docChg>
-  </pc:docChgLst>
-  <pc:docChgLst>
-    <pc:chgData name="Honggang Yan" userId="S::honggang.yan@fs-students.de::a87efbdb-c850-4d99-9704-7e224b3c74b0" providerId="AD" clId="Web-{EDF008F2-DA74-4295-BA9A-1ADC69B01327}"/>
-    <pc:docChg chg="addSld modSld modSection">
-      <pc:chgData name="Honggang Yan" userId="S::honggang.yan@fs-students.de::a87efbdb-c850-4d99-9704-7e224b3c74b0" providerId="AD" clId="Web-{EDF008F2-DA74-4295-BA9A-1ADC69B01327}" dt="2023-03-10T11:19:34.792" v="34"/>
-      <pc:docMkLst>
-        <pc:docMk/>
-      </pc:docMkLst>
-      <pc:sldChg chg="delSp modSp modCm">
-        <pc:chgData name="Honggang Yan" userId="S::honggang.yan@fs-students.de::a87efbdb-c850-4d99-9704-7e224b3c74b0" providerId="AD" clId="Web-{EDF008F2-DA74-4295-BA9A-1ADC69B01327}" dt="2023-03-10T11:19:34.792" v="34"/>
-        <pc:sldMkLst>
-          <pc:docMk/>
-          <pc:sldMk cId="1345251810" sldId="472"/>
-        </pc:sldMkLst>
-        <pc:spChg chg="del mod">
-          <ac:chgData name="Honggang Yan" userId="S::honggang.yan@fs-students.de::a87efbdb-c850-4d99-9704-7e224b3c74b0" providerId="AD" clId="Web-{EDF008F2-DA74-4295-BA9A-1ADC69B01327}" dt="2023-03-10T11:19:34.792" v="34"/>
-          <ac:spMkLst>
-            <pc:docMk/>
-            <pc:sldMk cId="1345251810" sldId="472"/>
-            <ac:spMk id="2" creationId="{D3B431CF-D1C2-028B-2B82-B69A25E5A1C3}"/>
-          </ac:spMkLst>
-        </pc:spChg>
-        <pc:extLst>
-          <p:ext xmlns:p="http://schemas.openxmlformats.org/presentationml/2006/main" uri="{D6D511B9-2390-475A-947B-AFAB55BFBCF1}">
-            <pc226:cmChg xmlns:pc226="http://schemas.microsoft.com/office/powerpoint/2022/06/main/command" chg="mod">
-              <pc226:chgData name="Honggang Yan" userId="S::honggang.yan@fs-students.de::a87efbdb-c850-4d99-9704-7e224b3c74b0" providerId="AD" clId="Web-{EDF008F2-DA74-4295-BA9A-1ADC69B01327}" dt="2023-03-10T11:19:32.354" v="33" actId="20577"/>
-              <pc2:cmMkLst xmlns:pc2="http://schemas.microsoft.com/office/powerpoint/2019/9/main/command">
-                <pc:docMk/>
-                <pc:sldMk cId="1345251810" sldId="472"/>
-                <pc2:cmMk id="{D8805D79-C8B4-44B1-8941-22A2888D2892}"/>
-              </pc2:cmMkLst>
-            </pc226:cmChg>
-          </p:ext>
-        </pc:extLst>
-      </pc:sldChg>
-      <pc:sldChg chg="modSp">
-        <pc:chgData name="Honggang Yan" userId="S::honggang.yan@fs-students.de::a87efbdb-c850-4d99-9704-7e224b3c74b0" providerId="AD" clId="Web-{EDF008F2-DA74-4295-BA9A-1ADC69B01327}" dt="2023-03-10T11:08:57.647" v="30" actId="20577"/>
-        <pc:sldMkLst>
-          <pc:docMk/>
-          <pc:sldMk cId="1063543620" sldId="480"/>
-        </pc:sldMkLst>
-        <pc:spChg chg="mod">
-          <ac:chgData name="Honggang Yan" userId="S::honggang.yan@fs-students.de::a87efbdb-c850-4d99-9704-7e224b3c74b0" providerId="AD" clId="Web-{EDF008F2-DA74-4295-BA9A-1ADC69B01327}" dt="2023-03-10T11:08:57.647" v="30" actId="20577"/>
-          <ac:spMkLst>
-            <pc:docMk/>
-            <pc:sldMk cId="1063543620" sldId="480"/>
-            <ac:spMk id="3" creationId="{BB753201-676B-DCCC-E430-0C94E69DE8F7}"/>
-          </ac:spMkLst>
-        </pc:spChg>
-      </pc:sldChg>
-      <pc:sldChg chg="addSp delSp modSp add replId">
-        <pc:chgData name="Honggang Yan" userId="S::honggang.yan@fs-students.de::a87efbdb-c850-4d99-9704-7e224b3c74b0" providerId="AD" clId="Web-{EDF008F2-DA74-4295-BA9A-1ADC69B01327}" dt="2023-03-10T11:07:16.066" v="16" actId="20577"/>
-        <pc:sldMkLst>
-          <pc:docMk/>
-          <pc:sldMk cId="2165381430" sldId="503"/>
-        </pc:sldMkLst>
-        <pc:spChg chg="mod">
-          <ac:chgData name="Honggang Yan" userId="S::honggang.yan@fs-students.de::a87efbdb-c850-4d99-9704-7e224b3c74b0" providerId="AD" clId="Web-{EDF008F2-DA74-4295-BA9A-1ADC69B01327}" dt="2023-03-10T11:07:16.066" v="16" actId="20577"/>
-          <ac:spMkLst>
-            <pc:docMk/>
-            <pc:sldMk cId="2165381430" sldId="503"/>
-            <ac:spMk id="2" creationId="{3D8A922F-69B2-6340-849A-ABDAA57A3031}"/>
-          </ac:spMkLst>
-        </pc:spChg>
-        <pc:spChg chg="add">
-          <ac:chgData name="Honggang Yan" userId="S::honggang.yan@fs-students.de::a87efbdb-c850-4d99-9704-7e224b3c74b0" providerId="AD" clId="Web-{EDF008F2-DA74-4295-BA9A-1ADC69B01327}" dt="2023-03-10T11:06:34.268" v="14"/>
-          <ac:spMkLst>
-            <pc:docMk/>
-            <pc:sldMk cId="2165381430" sldId="503"/>
-            <ac:spMk id="8" creationId="{A8900A78-C961-6E08-C361-F92086074D0C}"/>
-          </ac:spMkLst>
-        </pc:spChg>
-        <pc:picChg chg="del">
-          <ac:chgData name="Honggang Yan" userId="S::honggang.yan@fs-students.de::a87efbdb-c850-4d99-9704-7e224b3c74b0" providerId="AD" clId="Web-{EDF008F2-DA74-4295-BA9A-1ADC69B01327}" dt="2023-03-10T11:06:19.861" v="11"/>
-          <ac:picMkLst>
-            <pc:docMk/>
-            <pc:sldMk cId="2165381430" sldId="503"/>
-            <ac:picMk id="4" creationId="{DC8A19BE-5A7E-D637-4EE1-325274AF5D56}"/>
-          </ac:picMkLst>
-        </pc:picChg>
-        <pc:picChg chg="del">
-          <ac:chgData name="Honggang Yan" userId="S::honggang.yan@fs-students.de::a87efbdb-c850-4d99-9704-7e224b3c74b0" providerId="AD" clId="Web-{EDF008F2-DA74-4295-BA9A-1ADC69B01327}" dt="2023-03-10T11:06:25.299" v="13"/>
-          <ac:picMkLst>
-            <pc:docMk/>
-            <pc:sldMk cId="2165381430" sldId="503"/>
-            <ac:picMk id="5" creationId="{9BEB6FC8-6D8C-8122-2AB4-10ABE287D35A}"/>
-          </ac:picMkLst>
-        </pc:picChg>
-        <pc:picChg chg="del">
-          <ac:chgData name="Honggang Yan" userId="S::honggang.yan@fs-students.de::a87efbdb-c850-4d99-9704-7e224b3c74b0" providerId="AD" clId="Web-{EDF008F2-DA74-4295-BA9A-1ADC69B01327}" dt="2023-03-10T11:06:24.377" v="12"/>
-          <ac:picMkLst>
-            <pc:docMk/>
-            <pc:sldMk cId="2165381430" sldId="503"/>
-            <ac:picMk id="6" creationId="{D62A7B8D-3D39-2780-7DA2-F19EFF0DDA87}"/>
-          </ac:picMkLst>
-        </pc:picChg>
-      </pc:sldChg>
-    </pc:docChg>
-  </pc:docChgLst>
-  <pc:docChgLst>
-    <pc:chgData name="Rhushikesh Bhosale" userId="S::rhushikesh.bhosale@fs-students.de::aac571a0-2785-4b85-9ad7-0a1f6d24efca" providerId="AD" clId="Web-{118B96A6-29D6-EDC2-510D-5FA42B074CCB}"/>
-    <pc:docChg chg="addSld delSld modSld sldOrd modSection">
-      <pc:chgData name="Rhushikesh Bhosale" userId="S::rhushikesh.bhosale@fs-students.de::aac571a0-2785-4b85-9ad7-0a1f6d24efca" providerId="AD" clId="Web-{118B96A6-29D6-EDC2-510D-5FA42B074CCB}" dt="2023-03-10T12:01:08.222" v="107"/>
-      <pc:docMkLst>
-        <pc:docMk/>
-      </pc:docMkLst>
-      <pc:sldChg chg="del">
-        <pc:chgData name="Rhushikesh Bhosale" userId="S::rhushikesh.bhosale@fs-students.de::aac571a0-2785-4b85-9ad7-0a1f6d24efca" providerId="AD" clId="Web-{118B96A6-29D6-EDC2-510D-5FA42B074CCB}" dt="2023-03-10T12:01:08.222" v="107"/>
-        <pc:sldMkLst>
-          <pc:docMk/>
-          <pc:sldMk cId="50917193" sldId="474"/>
-        </pc:sldMkLst>
-      </pc:sldChg>
-      <pc:sldChg chg="modSp">
-        <pc:chgData name="Rhushikesh Bhosale" userId="S::rhushikesh.bhosale@fs-students.de::aac571a0-2785-4b85-9ad7-0a1f6d24efca" providerId="AD" clId="Web-{118B96A6-29D6-EDC2-510D-5FA42B074CCB}" dt="2023-03-10T11:47:02.298" v="100" actId="20577"/>
-        <pc:sldMkLst>
-          <pc:docMk/>
-          <pc:sldMk cId="785731250" sldId="485"/>
-        </pc:sldMkLst>
-        <pc:spChg chg="mod">
-          <ac:chgData name="Rhushikesh Bhosale" userId="S::rhushikesh.bhosale@fs-students.de::aac571a0-2785-4b85-9ad7-0a1f6d24efca" providerId="AD" clId="Web-{118B96A6-29D6-EDC2-510D-5FA42B074CCB}" dt="2023-03-10T11:41:13.401" v="47"/>
-          <ac:spMkLst>
-            <pc:docMk/>
-            <pc:sldMk cId="785731250" sldId="485"/>
-            <ac:spMk id="7" creationId="{4F6B3F18-0B9B-1201-D885-419F360405DB}"/>
-          </ac:spMkLst>
-        </pc:spChg>
-        <pc:spChg chg="mod">
-          <ac:chgData name="Rhushikesh Bhosale" userId="S::rhushikesh.bhosale@fs-students.de::aac571a0-2785-4b85-9ad7-0a1f6d24efca" providerId="AD" clId="Web-{118B96A6-29D6-EDC2-510D-5FA42B074CCB}" dt="2023-03-10T11:41:28.885" v="48"/>
-          <ac:spMkLst>
-            <pc:docMk/>
-            <pc:sldMk cId="785731250" sldId="485"/>
-            <ac:spMk id="8" creationId="{B0D20BBE-1841-BB42-2F92-DD37369D1A05}"/>
-          </ac:spMkLst>
-        </pc:spChg>
-        <pc:spChg chg="mod">
-          <ac:chgData name="Rhushikesh Bhosale" userId="S::rhushikesh.bhosale@fs-students.de::aac571a0-2785-4b85-9ad7-0a1f6d24efca" providerId="AD" clId="Web-{118B96A6-29D6-EDC2-510D-5FA42B074CCB}" dt="2023-03-10T11:44:41.405" v="87" actId="20577"/>
-          <ac:spMkLst>
-            <pc:docMk/>
-            <pc:sldMk cId="785731250" sldId="485"/>
-            <ac:spMk id="9" creationId="{D75A619B-2BCB-961D-67D9-67BE5E6053C9}"/>
-          </ac:spMkLst>
-        </pc:spChg>
-        <pc:spChg chg="mod">
-          <ac:chgData name="Rhushikesh Bhosale" userId="S::rhushikesh.bhosale@fs-students.de::aac571a0-2785-4b85-9ad7-0a1f6d24efca" providerId="AD" clId="Web-{118B96A6-29D6-EDC2-510D-5FA42B074CCB}" dt="2023-03-10T11:42:40.012" v="55"/>
-          <ac:spMkLst>
-            <pc:docMk/>
-            <pc:sldMk cId="785731250" sldId="485"/>
-            <ac:spMk id="10" creationId="{265DE33B-0FE4-2A1D-632C-0BA47AF9E049}"/>
-          </ac:spMkLst>
-        </pc:spChg>
-        <pc:spChg chg="mod">
-          <ac:chgData name="Rhushikesh Bhosale" userId="S::rhushikesh.bhosale@fs-students.de::aac571a0-2785-4b85-9ad7-0a1f6d24efca" providerId="AD" clId="Web-{118B96A6-29D6-EDC2-510D-5FA42B074CCB}" dt="2023-03-10T11:44:38.577" v="86" actId="20577"/>
-          <ac:spMkLst>
-            <pc:docMk/>
-            <pc:sldMk cId="785731250" sldId="485"/>
-            <ac:spMk id="11" creationId="{C0271320-71B7-9FD9-62FB-C0F9A6135B89}"/>
-          </ac:spMkLst>
-        </pc:spChg>
-        <pc:spChg chg="mod">
-          <ac:chgData name="Rhushikesh Bhosale" userId="S::rhushikesh.bhosale@fs-students.de::aac571a0-2785-4b85-9ad7-0a1f6d24efca" providerId="AD" clId="Web-{118B96A6-29D6-EDC2-510D-5FA42B074CCB}" dt="2023-03-10T11:41:53.417" v="49"/>
-          <ac:spMkLst>
-            <pc:docMk/>
-            <pc:sldMk cId="785731250" sldId="485"/>
-            <ac:spMk id="12" creationId="{A943FF3C-7F53-A104-88C0-D5CE7CD93C5F}"/>
-          </ac:spMkLst>
-        </pc:spChg>
-        <pc:spChg chg="mod">
-          <ac:chgData name="Rhushikesh Bhosale" userId="S::rhushikesh.bhosale@fs-students.de::aac571a0-2785-4b85-9ad7-0a1f6d24efca" providerId="AD" clId="Web-{118B96A6-29D6-EDC2-510D-5FA42B074CCB}" dt="2023-03-10T11:42:06.558" v="51"/>
-          <ac:spMkLst>
-            <pc:docMk/>
-            <pc:sldMk cId="785731250" sldId="485"/>
-            <ac:spMk id="13" creationId="{8EB2065F-C52A-40AE-60FC-E49FE4444C1C}"/>
-          </ac:spMkLst>
-        </pc:spChg>
-        <pc:spChg chg="mod">
-          <ac:chgData name="Rhushikesh Bhosale" userId="S::rhushikesh.bhosale@fs-students.de::aac571a0-2785-4b85-9ad7-0a1f6d24efca" providerId="AD" clId="Web-{118B96A6-29D6-EDC2-510D-5FA42B074CCB}" dt="2023-03-10T11:42:54.559" v="56"/>
-          <ac:spMkLst>
-            <pc:docMk/>
-            <pc:sldMk cId="785731250" sldId="485"/>
-            <ac:spMk id="14" creationId="{281FA6B5-D316-CC7D-121C-192C8D38FCD3}"/>
-          </ac:spMkLst>
-        </pc:spChg>
-        <pc:spChg chg="mod">
-          <ac:chgData name="Rhushikesh Bhosale" userId="S::rhushikesh.bhosale@fs-students.de::aac571a0-2785-4b85-9ad7-0a1f6d24efca" providerId="AD" clId="Web-{118B96A6-29D6-EDC2-510D-5FA42B074CCB}" dt="2023-03-10T11:43:03.544" v="58"/>
-          <ac:spMkLst>
-            <pc:docMk/>
-            <pc:sldMk cId="785731250" sldId="485"/>
-            <ac:spMk id="15" creationId="{E1FFEE08-07E6-CFF3-BD47-8DC6765A758C}"/>
-          </ac:spMkLst>
-        </pc:spChg>
-        <pc:spChg chg="mod">
-          <ac:chgData name="Rhushikesh Bhosale" userId="S::rhushikesh.bhosale@fs-students.de::aac571a0-2785-4b85-9ad7-0a1f6d24efca" providerId="AD" clId="Web-{118B96A6-29D6-EDC2-510D-5FA42B074CCB}" dt="2023-03-10T11:41:53.589" v="50"/>
-          <ac:spMkLst>
-            <pc:docMk/>
-            <pc:sldMk cId="785731250" sldId="485"/>
-            <ac:spMk id="16" creationId="{A12A3869-3FAE-F31A-5C91-EC57FBBBC109}"/>
-          </ac:spMkLst>
-        </pc:spChg>
-        <pc:spChg chg="mod">
-          <ac:chgData name="Rhushikesh Bhosale" userId="S::rhushikesh.bhosale@fs-students.de::aac571a0-2785-4b85-9ad7-0a1f6d24efca" providerId="AD" clId="Web-{118B96A6-29D6-EDC2-510D-5FA42B074CCB}" dt="2023-03-10T11:44:14.951" v="78" actId="20577"/>
-          <ac:spMkLst>
-            <pc:docMk/>
-            <pc:sldMk cId="785731250" sldId="485"/>
-            <ac:spMk id="17" creationId="{5F72F39E-3195-FF4C-84B9-773C0C9F7E4A}"/>
-          </ac:spMkLst>
-        </pc:spChg>
-        <pc:spChg chg="mod">
-          <ac:chgData name="Rhushikesh Bhosale" userId="S::rhushikesh.bhosale@fs-students.de::aac571a0-2785-4b85-9ad7-0a1f6d24efca" providerId="AD" clId="Web-{118B96A6-29D6-EDC2-510D-5FA42B074CCB}" dt="2023-03-10T11:42:06.761" v="52"/>
-          <ac:spMkLst>
-            <pc:docMk/>
-            <pc:sldMk cId="785731250" sldId="485"/>
-            <ac:spMk id="18" creationId="{DDB4226B-0E8C-5402-AB27-4192E5F5277C}"/>
-          </ac:spMkLst>
-        </pc:spChg>
-        <pc:spChg chg="mod">
-          <ac:chgData name="Rhushikesh Bhosale" userId="S::rhushikesh.bhosale@fs-students.de::aac571a0-2785-4b85-9ad7-0a1f6d24efca" providerId="AD" clId="Web-{118B96A6-29D6-EDC2-510D-5FA42B074CCB}" dt="2023-03-10T11:42:54.668" v="57"/>
-          <ac:spMkLst>
-            <pc:docMk/>
-            <pc:sldMk cId="785731250" sldId="485"/>
-            <ac:spMk id="19" creationId="{06F8EFC1-B9E2-6BD4-75C6-5B5BD2EBB57A}"/>
-          </ac:spMkLst>
-        </pc:spChg>
-        <pc:spChg chg="mod">
-          <ac:chgData name="Rhushikesh Bhosale" userId="S::rhushikesh.bhosale@fs-students.de::aac571a0-2785-4b85-9ad7-0a1f6d24efca" providerId="AD" clId="Web-{118B96A6-29D6-EDC2-510D-5FA42B074CCB}" dt="2023-03-10T11:43:03.700" v="59"/>
-          <ac:spMkLst>
-            <pc:docMk/>
-            <pc:sldMk cId="785731250" sldId="485"/>
-            <ac:spMk id="20" creationId="{9E56ADFE-8D6F-5C42-37BC-8C595EEC8C17}"/>
-          </ac:spMkLst>
-        </pc:spChg>
-        <pc:spChg chg="mod">
-          <ac:chgData name="Rhushikesh Bhosale" userId="S::rhushikesh.bhosale@fs-students.de::aac571a0-2785-4b85-9ad7-0a1f6d24efca" providerId="AD" clId="Web-{118B96A6-29D6-EDC2-510D-5FA42B074CCB}" dt="2023-03-10T11:44:21.467" v="80" actId="20577"/>
-          <ac:spMkLst>
-            <pc:docMk/>
-            <pc:sldMk cId="785731250" sldId="485"/>
-            <ac:spMk id="21" creationId="{508B8434-BAB5-DBE4-8C02-A6E259B41C07}"/>
-          </ac:spMkLst>
-        </pc:spChg>
-        <pc:spChg chg="mod">
-          <ac:chgData name="Rhushikesh Bhosale" userId="S::rhushikesh.bhosale@fs-students.de::aac571a0-2785-4b85-9ad7-0a1f6d24efca" providerId="AD" clId="Web-{118B96A6-29D6-EDC2-510D-5FA42B074CCB}" dt="2023-03-10T11:44:19.029" v="79" actId="20577"/>
-          <ac:spMkLst>
-            <pc:docMk/>
-            <pc:sldMk cId="785731250" sldId="485"/>
-            <ac:spMk id="22" creationId="{99823A28-FC06-1D63-8D1B-F4D4FA016FA3}"/>
-          </ac:spMkLst>
-        </pc:spChg>
-        <pc:spChg chg="mod">
-          <ac:chgData name="Rhushikesh Bhosale" userId="S::rhushikesh.bhosale@fs-students.de::aac571a0-2785-4b85-9ad7-0a1f6d24efca" providerId="AD" clId="Web-{118B96A6-29D6-EDC2-510D-5FA42B074CCB}" dt="2023-03-10T11:44:24.733" v="81" actId="20577"/>
-          <ac:spMkLst>
-            <pc:docMk/>
-            <pc:sldMk cId="785731250" sldId="485"/>
-            <ac:spMk id="23" creationId="{33702029-D64F-33C3-C148-9B273A3D86BE}"/>
-          </ac:spMkLst>
-        </pc:spChg>
-        <pc:spChg chg="mod">
-          <ac:chgData name="Rhushikesh Bhosale" userId="S::rhushikesh.bhosale@fs-students.de::aac571a0-2785-4b85-9ad7-0a1f6d24efca" providerId="AD" clId="Web-{118B96A6-29D6-EDC2-510D-5FA42B074CCB}" dt="2023-03-10T11:44:10.420" v="77" actId="20577"/>
-          <ac:spMkLst>
-            <pc:docMk/>
-            <pc:sldMk cId="785731250" sldId="485"/>
-            <ac:spMk id="24" creationId="{D24E6D42-13DC-178C-B7BC-21B21660540E}"/>
-          </ac:spMkLst>
-        </pc:spChg>
-        <pc:spChg chg="mod">
-          <ac:chgData name="Rhushikesh Bhosale" userId="S::rhushikesh.bhosale@fs-students.de::aac571a0-2785-4b85-9ad7-0a1f6d24efca" providerId="AD" clId="Web-{118B96A6-29D6-EDC2-510D-5FA42B074CCB}" dt="2023-03-10T11:45:08.249" v="88"/>
-          <ac:spMkLst>
-            <pc:docMk/>
-            <pc:sldMk cId="785731250" sldId="485"/>
-            <ac:spMk id="25" creationId="{FA112B8A-9224-4ED0-C266-DB6E89D1E040}"/>
-          </ac:spMkLst>
-        </pc:spChg>
-        <pc:spChg chg="mod">
-          <ac:chgData name="Rhushikesh Bhosale" userId="S::rhushikesh.bhosale@fs-students.de::aac571a0-2785-4b85-9ad7-0a1f6d24efca" providerId="AD" clId="Web-{118B96A6-29D6-EDC2-510D-5FA42B074CCB}" dt="2023-03-10T11:45:08.593" v="89"/>
-          <ac:spMkLst>
-            <pc:docMk/>
-            <pc:sldMk cId="785731250" sldId="485"/>
-            <ac:spMk id="26" creationId="{6B45C452-B162-A540-95E0-7339DD51F68A}"/>
-          </ac:spMkLst>
-        </pc:spChg>
-        <pc:spChg chg="mod">
-          <ac:chgData name="Rhushikesh Bhosale" userId="S::rhushikesh.bhosale@fs-students.de::aac571a0-2785-4b85-9ad7-0a1f6d24efca" providerId="AD" clId="Web-{118B96A6-29D6-EDC2-510D-5FA42B074CCB}" dt="2023-03-10T11:47:02.298" v="100" actId="20577"/>
-          <ac:spMkLst>
-            <pc:docMk/>
-            <pc:sldMk cId="785731250" sldId="485"/>
-            <ac:spMk id="27" creationId="{8A17A25E-69B5-7BB8-6E0E-F53DB6B14174}"/>
-          </ac:spMkLst>
-        </pc:spChg>
-        <pc:grpChg chg="mod">
-          <ac:chgData name="Rhushikesh Bhosale" userId="S::rhushikesh.bhosale@fs-students.de::aac571a0-2785-4b85-9ad7-0a1f6d24efca" providerId="AD" clId="Web-{118B96A6-29D6-EDC2-510D-5FA42B074CCB}" dt="2023-03-10T11:43:57.498" v="71" actId="14100"/>
-          <ac:grpSpMkLst>
-            <pc:docMk/>
-            <pc:sldMk cId="785731250" sldId="485"/>
-            <ac:grpSpMk id="28" creationId="{C3698CFF-FC27-25D8-F216-C6E419A224ED}"/>
-          </ac:grpSpMkLst>
-        </pc:grpChg>
-      </pc:sldChg>
-      <pc:sldChg chg="addSp delSp modSp add replId">
-        <pc:chgData name="Rhushikesh Bhosale" userId="S::rhushikesh.bhosale@fs-students.de::aac571a0-2785-4b85-9ad7-0a1f6d24efca" providerId="AD" clId="Web-{118B96A6-29D6-EDC2-510D-5FA42B074CCB}" dt="2023-03-10T11:35:11.284" v="5"/>
-        <pc:sldMkLst>
-          <pc:docMk/>
-          <pc:sldMk cId="328435347" sldId="504"/>
-        </pc:sldMkLst>
-        <pc:spChg chg="add del mod">
-          <ac:chgData name="Rhushikesh Bhosale" userId="S::rhushikesh.bhosale@fs-students.de::aac571a0-2785-4b85-9ad7-0a1f6d24efca" providerId="AD" clId="Web-{118B96A6-29D6-EDC2-510D-5FA42B074CCB}" dt="2023-03-10T11:35:11.284" v="5"/>
-          <ac:spMkLst>
-            <pc:docMk/>
-            <pc:sldMk cId="328435347" sldId="504"/>
-            <ac:spMk id="5" creationId="{D16FC065-FFE9-CEC5-5414-FF39135326CF}"/>
-          </ac:spMkLst>
-        </pc:spChg>
-        <pc:spChg chg="del">
-          <ac:chgData name="Rhushikesh Bhosale" userId="S::rhushikesh.bhosale@fs-students.de::aac571a0-2785-4b85-9ad7-0a1f6d24efca" providerId="AD" clId="Web-{118B96A6-29D6-EDC2-510D-5FA42B074CCB}" dt="2023-03-10T11:31:54.889" v="2"/>
-          <ac:spMkLst>
-            <pc:docMk/>
-            <pc:sldMk cId="328435347" sldId="504"/>
-            <ac:spMk id="7" creationId="{11130F31-D3CA-C1D4-AD89-3B85D21C4CEF}"/>
-          </ac:spMkLst>
-        </pc:spChg>
-        <pc:grpChg chg="del">
-          <ac:chgData name="Rhushikesh Bhosale" userId="S::rhushikesh.bhosale@fs-students.de::aac571a0-2785-4b85-9ad7-0a1f6d24efca" providerId="AD" clId="Web-{118B96A6-29D6-EDC2-510D-5FA42B074CCB}" dt="2023-03-10T11:31:53.452" v="1"/>
-          <ac:grpSpMkLst>
-            <pc:docMk/>
-            <pc:sldMk cId="328435347" sldId="504"/>
-            <ac:grpSpMk id="4" creationId="{45A31D3A-9B23-A358-670E-F6A034F2CA6F}"/>
-          </ac:grpSpMkLst>
-        </pc:grpChg>
-      </pc:sldChg>
-      <pc:sldChg chg="modSp add ord replId">
-        <pc:chgData name="Rhushikesh Bhosale" userId="S::rhushikesh.bhosale@fs-students.de::aac571a0-2785-4b85-9ad7-0a1f6d24efca" providerId="AD" clId="Web-{118B96A6-29D6-EDC2-510D-5FA42B074CCB}" dt="2023-03-10T12:01:06.363" v="106" actId="20577"/>
-        <pc:sldMkLst>
-          <pc:docMk/>
-          <pc:sldMk cId="2161292808" sldId="505"/>
-        </pc:sldMkLst>
-        <pc:spChg chg="mod">
-          <ac:chgData name="Rhushikesh Bhosale" userId="S::rhushikesh.bhosale@fs-students.de::aac571a0-2785-4b85-9ad7-0a1f6d24efca" providerId="AD" clId="Web-{118B96A6-29D6-EDC2-510D-5FA42B074CCB}" dt="2023-03-10T12:01:06.363" v="106" actId="20577"/>
-          <ac:spMkLst>
-            <pc:docMk/>
-            <pc:sldMk cId="2161292808" sldId="505"/>
-            <ac:spMk id="2" creationId="{00000000-0000-0000-0000-000000000000}"/>
-          </ac:spMkLst>
-        </pc:spChg>
-      </pc:sldChg>
-    </pc:docChg>
-  </pc:docChgLst>
-  <pc:docChgLst>
-    <pc:chgData name="Neelesh Bhalla" userId="S::neelesh.bhalla@fs-students.de::558a0c73-a88c-4419-bf5f-34faa784fc1b" providerId="AD" clId="Web-{00EB646B-CB0D-49E9-86D7-BD2B90224E59}"/>
-    <pc:docChg chg="modSld">
-      <pc:chgData name="Neelesh Bhalla" userId="S::neelesh.bhalla@fs-students.de::558a0c73-a88c-4419-bf5f-34faa784fc1b" providerId="AD" clId="Web-{00EB646B-CB0D-49E9-86D7-BD2B90224E59}" dt="2023-09-20T17:02:10.974" v="20" actId="20577"/>
-      <pc:docMkLst>
-        <pc:docMk/>
-      </pc:docMkLst>
-      <pc:sldChg chg="modSp">
-        <pc:chgData name="Neelesh Bhalla" userId="S::neelesh.bhalla@fs-students.de::558a0c73-a88c-4419-bf5f-34faa784fc1b" providerId="AD" clId="Web-{00EB646B-CB0D-49E9-86D7-BD2B90224E59}" dt="2023-09-20T17:02:10.974" v="20" actId="20577"/>
-        <pc:sldMkLst>
-          <pc:docMk/>
-          <pc:sldMk cId="1633214458" sldId="257"/>
-        </pc:sldMkLst>
-        <pc:spChg chg="mod">
-          <ac:chgData name="Neelesh Bhalla" userId="S::neelesh.bhalla@fs-students.de::558a0c73-a88c-4419-bf5f-34faa784fc1b" providerId="AD" clId="Web-{00EB646B-CB0D-49E9-86D7-BD2B90224E59}" dt="2023-09-20T17:02:10.974" v="20" actId="20577"/>
-          <ac:spMkLst>
-            <pc:docMk/>
-            <pc:sldMk cId="1633214458" sldId="257"/>
-            <ac:spMk id="4" creationId="{D83BA101-E9AD-9604-047F-792895B3290D}"/>
-          </ac:spMkLst>
-        </pc:spChg>
-        <pc:spChg chg="mod">
-          <ac:chgData name="Neelesh Bhalla" userId="S::neelesh.bhalla@fs-students.de::558a0c73-a88c-4419-bf5f-34faa784fc1b" providerId="AD" clId="Web-{00EB646B-CB0D-49E9-86D7-BD2B90224E59}" dt="2023-09-20T17:02:02.474" v="14" actId="20577"/>
-          <ac:spMkLst>
-            <pc:docMk/>
-            <pc:sldMk cId="1633214458" sldId="257"/>
-            <ac:spMk id="9" creationId="{E56C0690-11CD-BA4B-83A2-98A91C9323B0}"/>
-          </ac:spMkLst>
-        </pc:spChg>
-      </pc:sldChg>
-    </pc:docChg>
-  </pc:docChgLst>
-  <pc:docChgLst>
-    <pc:chgData name="Honggang Yan" userId="S::honggang.yan@fs-students.de::a87efbdb-c850-4d99-9704-7e224b3c74b0" providerId="AD" clId="Web-{DC2A31F5-97C2-C37F-6C1D-281310DAA2C4}"/>
-    <pc:docChg chg="modSld">
-      <pc:chgData name="Honggang Yan" userId="S::honggang.yan@fs-students.de::a87efbdb-c850-4d99-9704-7e224b3c74b0" providerId="AD" clId="Web-{DC2A31F5-97C2-C37F-6C1D-281310DAA2C4}" dt="2023-03-10T11:59:01.511" v="58" actId="20577"/>
-      <pc:docMkLst>
-        <pc:docMk/>
-      </pc:docMkLst>
-      <pc:sldChg chg="modSp">
-        <pc:chgData name="Honggang Yan" userId="S::honggang.yan@fs-students.de::a87efbdb-c850-4d99-9704-7e224b3c74b0" providerId="AD" clId="Web-{DC2A31F5-97C2-C37F-6C1D-281310DAA2C4}" dt="2023-03-10T11:59:01.511" v="58" actId="20577"/>
-        <pc:sldMkLst>
-          <pc:docMk/>
-          <pc:sldMk cId="1345251810" sldId="472"/>
-        </pc:sldMkLst>
-        <pc:spChg chg="mod">
-          <ac:chgData name="Honggang Yan" userId="S::honggang.yan@fs-students.de::a87efbdb-c850-4d99-9704-7e224b3c74b0" providerId="AD" clId="Web-{DC2A31F5-97C2-C37F-6C1D-281310DAA2C4}" dt="2023-03-10T11:59:01.121" v="44" actId="20577"/>
-          <ac:spMkLst>
-            <pc:docMk/>
-            <pc:sldMk cId="1345251810" sldId="472"/>
-            <ac:spMk id="34" creationId="{F13CB722-4710-6471-A238-7F5AACCFCA18}"/>
-          </ac:spMkLst>
-        </pc:spChg>
-        <pc:spChg chg="mod">
-          <ac:chgData name="Honggang Yan" userId="S::honggang.yan@fs-students.de::a87efbdb-c850-4d99-9704-7e224b3c74b0" providerId="AD" clId="Web-{DC2A31F5-97C2-C37F-6C1D-281310DAA2C4}" dt="2023-03-10T11:59:01.152" v="45" actId="20577"/>
-          <ac:spMkLst>
-            <pc:docMk/>
-            <pc:sldMk cId="1345251810" sldId="472"/>
-            <ac:spMk id="35" creationId="{B764168F-A7C8-502C-D488-A4CFC35C13B2}"/>
-          </ac:spMkLst>
-        </pc:spChg>
-        <pc:spChg chg="mod">
-          <ac:chgData name="Honggang Yan" userId="S::honggang.yan@fs-students.de::a87efbdb-c850-4d99-9704-7e224b3c74b0" providerId="AD" clId="Web-{DC2A31F5-97C2-C37F-6C1D-281310DAA2C4}" dt="2023-03-10T11:59:01.183" v="46" actId="20577"/>
-          <ac:spMkLst>
-            <pc:docMk/>
-            <pc:sldMk cId="1345251810" sldId="472"/>
-            <ac:spMk id="36" creationId="{B99A2057-2DA0-1313-A323-842DA54F755D}"/>
-          </ac:spMkLst>
-        </pc:spChg>
-        <pc:spChg chg="mod">
-          <ac:chgData name="Honggang Yan" userId="S::honggang.yan@fs-students.de::a87efbdb-c850-4d99-9704-7e224b3c74b0" providerId="AD" clId="Web-{DC2A31F5-97C2-C37F-6C1D-281310DAA2C4}" dt="2023-03-10T11:59:01.199" v="47" actId="20577"/>
-          <ac:spMkLst>
-            <pc:docMk/>
-            <pc:sldMk cId="1345251810" sldId="472"/>
-            <ac:spMk id="39" creationId="{97762C51-62A6-7FCA-97A5-5F4C647C0FF7}"/>
-          </ac:spMkLst>
-        </pc:spChg>
-        <pc:spChg chg="mod">
-          <ac:chgData name="Honggang Yan" userId="S::honggang.yan@fs-students.de::a87efbdb-c850-4d99-9704-7e224b3c74b0" providerId="AD" clId="Web-{DC2A31F5-97C2-C37F-6C1D-281310DAA2C4}" dt="2023-03-10T11:59:01.230" v="48" actId="20577"/>
-          <ac:spMkLst>
-            <pc:docMk/>
-            <pc:sldMk cId="1345251810" sldId="472"/>
-            <ac:spMk id="40" creationId="{94ABC6B6-8729-DBF2-0174-F4C1D3CE41C5}"/>
-          </ac:spMkLst>
-        </pc:spChg>
-        <pc:spChg chg="mod">
-          <ac:chgData name="Honggang Yan" userId="S::honggang.yan@fs-students.de::a87efbdb-c850-4d99-9704-7e224b3c74b0" providerId="AD" clId="Web-{DC2A31F5-97C2-C37F-6C1D-281310DAA2C4}" dt="2023-03-10T11:59:01.261" v="49" actId="20577"/>
-          <ac:spMkLst>
-            <pc:docMk/>
-            <pc:sldMk cId="1345251810" sldId="472"/>
-            <ac:spMk id="41" creationId="{97C16325-86B1-D3C1-005B-8B678387E0D0}"/>
-          </ac:spMkLst>
-        </pc:spChg>
-        <pc:spChg chg="mod">
-          <ac:chgData name="Honggang Yan" userId="S::honggang.yan@fs-students.de::a87efbdb-c850-4d99-9704-7e224b3c74b0" providerId="AD" clId="Web-{DC2A31F5-97C2-C37F-6C1D-281310DAA2C4}" dt="2023-03-10T11:59:01.277" v="50" actId="20577"/>
-          <ac:spMkLst>
-            <pc:docMk/>
-            <pc:sldMk cId="1345251810" sldId="472"/>
-            <ac:spMk id="44" creationId="{8F5905E4-553B-E870-F207-1581E607E044}"/>
-          </ac:spMkLst>
-        </pc:spChg>
-        <pc:spChg chg="mod">
-          <ac:chgData name="Honggang Yan" userId="S::honggang.yan@fs-students.de::a87efbdb-c850-4d99-9704-7e224b3c74b0" providerId="AD" clId="Web-{DC2A31F5-97C2-C37F-6C1D-281310DAA2C4}" dt="2023-03-10T11:59:01.308" v="51" actId="20577"/>
-          <ac:spMkLst>
-            <pc:docMk/>
-            <pc:sldMk cId="1345251810" sldId="472"/>
-            <ac:spMk id="45" creationId="{5A2B4D7A-FAB4-03A8-E696-B89D9643D6D2}"/>
-          </ac:spMkLst>
-        </pc:spChg>
-        <pc:spChg chg="mod">
-          <ac:chgData name="Honggang Yan" userId="S::honggang.yan@fs-students.de::a87efbdb-c850-4d99-9704-7e224b3c74b0" providerId="AD" clId="Web-{DC2A31F5-97C2-C37F-6C1D-281310DAA2C4}" dt="2023-03-10T11:59:01.339" v="52" actId="20577"/>
-          <ac:spMkLst>
-            <pc:docMk/>
-            <pc:sldMk cId="1345251810" sldId="472"/>
-            <ac:spMk id="46" creationId="{D4217919-D696-B627-6727-5DA034F45FDB}"/>
-          </ac:spMkLst>
-        </pc:spChg>
-        <pc:spChg chg="mod">
-          <ac:chgData name="Honggang Yan" userId="S::honggang.yan@fs-students.de::a87efbdb-c850-4d99-9704-7e224b3c74b0" providerId="AD" clId="Web-{DC2A31F5-97C2-C37F-6C1D-281310DAA2C4}" dt="2023-03-10T11:59:01.371" v="53" actId="20577"/>
-          <ac:spMkLst>
-            <pc:docMk/>
-            <pc:sldMk cId="1345251810" sldId="472"/>
-            <ac:spMk id="49" creationId="{EE8A345A-77D0-5812-9DC5-4B340F74E9EB}"/>
-          </ac:spMkLst>
-        </pc:spChg>
-        <pc:spChg chg="mod">
-          <ac:chgData name="Honggang Yan" userId="S::honggang.yan@fs-students.de::a87efbdb-c850-4d99-9704-7e224b3c74b0" providerId="AD" clId="Web-{DC2A31F5-97C2-C37F-6C1D-281310DAA2C4}" dt="2023-03-10T11:59:01.402" v="54" actId="20577"/>
-          <ac:spMkLst>
-            <pc:docMk/>
-            <pc:sldMk cId="1345251810" sldId="472"/>
-            <ac:spMk id="50" creationId="{B7DB3CE7-AD06-8740-871E-F542C7568E46}"/>
-          </ac:spMkLst>
-        </pc:spChg>
-        <pc:spChg chg="mod">
-          <ac:chgData name="Honggang Yan" userId="S::honggang.yan@fs-students.de::a87efbdb-c850-4d99-9704-7e224b3c74b0" providerId="AD" clId="Web-{DC2A31F5-97C2-C37F-6C1D-281310DAA2C4}" dt="2023-03-10T11:59:01.511" v="58" actId="20577"/>
-          <ac:spMkLst>
-            <pc:docMk/>
-            <pc:sldMk cId="1345251810" sldId="472"/>
-            <ac:spMk id="51" creationId="{FE16BDA0-3486-40C5-10B2-D2283B55F833}"/>
-          </ac:spMkLst>
-        </pc:spChg>
-        <pc:spChg chg="mod">
-          <ac:chgData name="Honggang Yan" userId="S::honggang.yan@fs-students.de::a87efbdb-c850-4d99-9704-7e224b3c74b0" providerId="AD" clId="Web-{DC2A31F5-97C2-C37F-6C1D-281310DAA2C4}" dt="2023-03-10T11:59:01.433" v="55" actId="20577"/>
-          <ac:spMkLst>
-            <pc:docMk/>
-            <pc:sldMk cId="1345251810" sldId="472"/>
-            <ac:spMk id="54" creationId="{A047D66C-2BA4-88D2-64BD-DF0EA8B57B86}"/>
-          </ac:spMkLst>
-        </pc:spChg>
-        <pc:spChg chg="mod">
-          <ac:chgData name="Honggang Yan" userId="S::honggang.yan@fs-students.de::a87efbdb-c850-4d99-9704-7e224b3c74b0" providerId="AD" clId="Web-{DC2A31F5-97C2-C37F-6C1D-281310DAA2C4}" dt="2023-03-10T11:59:01.465" v="56" actId="20577"/>
-          <ac:spMkLst>
-            <pc:docMk/>
-            <pc:sldMk cId="1345251810" sldId="472"/>
-            <ac:spMk id="55" creationId="{7A65F797-3B19-A20A-0C7C-968D8E085227}"/>
-          </ac:spMkLst>
-        </pc:spChg>
-        <pc:spChg chg="mod">
-          <ac:chgData name="Honggang Yan" userId="S::honggang.yan@fs-students.de::a87efbdb-c850-4d99-9704-7e224b3c74b0" providerId="AD" clId="Web-{DC2A31F5-97C2-C37F-6C1D-281310DAA2C4}" dt="2023-03-10T11:59:01.480" v="57" actId="20577"/>
-          <ac:spMkLst>
-            <pc:docMk/>
-            <pc:sldMk cId="1345251810" sldId="472"/>
-            <ac:spMk id="56" creationId="{752D2F68-9501-9822-1242-614D54063F13}"/>
-          </ac:spMkLst>
-        </pc:spChg>
-        <pc:grpChg chg="mod">
-          <ac:chgData name="Honggang Yan" userId="S::honggang.yan@fs-students.de::a87efbdb-c850-4d99-9704-7e224b3c74b0" providerId="AD" clId="Web-{DC2A31F5-97C2-C37F-6C1D-281310DAA2C4}" dt="2023-03-10T11:58:42.605" v="12" actId="1076"/>
-          <ac:grpSpMkLst>
-            <pc:docMk/>
-            <pc:sldMk cId="1345251810" sldId="472"/>
-            <ac:grpSpMk id="42" creationId="{65F747FC-FB37-F624-354A-7C8B247D0D3F}"/>
-          </ac:grpSpMkLst>
-        </pc:grpChg>
-      </pc:sldChg>
-    </pc:docChg>
-  </pc:docChgLst>
-  <pc:docChgLst>
-    <pc:chgData clId="Web-{1EA9C79E-761D-B6BD-6382-28936B336B71}"/>
-    <pc:docChg chg="modSld">
-      <pc:chgData name="" userId="" providerId="" clId="Web-{1EA9C79E-761D-B6BD-6382-28936B336B71}" dt="2023-09-20T17:02:46.337" v="0" actId="20577"/>
-      <pc:docMkLst>
-        <pc:docMk/>
-      </pc:docMkLst>
-      <pc:sldChg chg="modSp">
-        <pc:chgData name="" userId="" providerId="" clId="Web-{1EA9C79E-761D-B6BD-6382-28936B336B71}" dt="2023-09-20T17:02:46.337" v="0" actId="20577"/>
-        <pc:sldMkLst>
-          <pc:docMk/>
-          <pc:sldMk cId="1633214458" sldId="257"/>
-        </pc:sldMkLst>
-        <pc:spChg chg="mod">
-          <ac:chgData name="" userId="" providerId="" clId="Web-{1EA9C79E-761D-B6BD-6382-28936B336B71}" dt="2023-09-20T17:02:46.337" v="0" actId="20577"/>
-          <ac:spMkLst>
-            <pc:docMk/>
-            <pc:sldMk cId="1633214458" sldId="257"/>
-            <ac:spMk id="4" creationId="{D83BA101-E9AD-9604-047F-792895B3290D}"/>
-          </ac:spMkLst>
-        </pc:spChg>
-      </pc:sldChg>
-    </pc:docChg>
-  </pc:docChgLst>
-  <pc:docChgLst>
-    <pc:chgData name="Honggang Yan" userId="S::honggang.yan@fs-students.de::a87efbdb-c850-4d99-9704-7e224b3c74b0" providerId="AD" clId="Web-{471E1768-D7C4-5DA2-4B7E-874FA2B870A9}"/>
-    <pc:docChg chg="modSld">
-      <pc:chgData name="Honggang Yan" userId="S::honggang.yan@fs-students.de::a87efbdb-c850-4d99-9704-7e224b3c74b0" providerId="AD" clId="Web-{471E1768-D7C4-5DA2-4B7E-874FA2B870A9}" dt="2023-03-10T13:01:57.906" v="26" actId="20577"/>
-      <pc:docMkLst>
-        <pc:docMk/>
-      </pc:docMkLst>
-      <pc:sldChg chg="modSp">
-        <pc:chgData name="Honggang Yan" userId="S::honggang.yan@fs-students.de::a87efbdb-c850-4d99-9704-7e224b3c74b0" providerId="AD" clId="Web-{471E1768-D7C4-5DA2-4B7E-874FA2B870A9}" dt="2023-03-10T13:01:57.906" v="26" actId="20577"/>
-        <pc:sldMkLst>
-          <pc:docMk/>
-          <pc:sldMk cId="4261358115" sldId="462"/>
-        </pc:sldMkLst>
-        <pc:spChg chg="mod">
-          <ac:chgData name="Honggang Yan" userId="S::honggang.yan@fs-students.de::a87efbdb-c850-4d99-9704-7e224b3c74b0" providerId="AD" clId="Web-{471E1768-D7C4-5DA2-4B7E-874FA2B870A9}" dt="2023-03-10T13:01:57.906" v="26" actId="20577"/>
-          <ac:spMkLst>
-            <pc:docMk/>
-            <pc:sldMk cId="4261358115" sldId="462"/>
-            <ac:spMk id="18" creationId="{298301B1-B19C-AA63-77BE-17E32DFCEB78}"/>
-          </ac:spMkLst>
-        </pc:spChg>
-      </pc:sldChg>
-    </pc:docChg>
-  </pc:docChgLst>
-  <pc:docChgLst>
-    <pc:chgData name="Kirtesh Patel" userId="270b04a813ef8488" providerId="LiveId" clId="{E3BB3A28-1FFD-4058-98DC-F3412381346B}"/>
-    <pc:docChg chg="undo custSel addSld delSld modSld sldOrd addSection modSection">
-      <pc:chgData name="Kirtesh Patel" userId="270b04a813ef8488" providerId="LiveId" clId="{E3BB3A28-1FFD-4058-98DC-F3412381346B}" dt="2023-03-10T00:56:36.206" v="1070" actId="20577"/>
-      <pc:docMkLst>
-        <pc:docMk/>
-      </pc:docMkLst>
-      <pc:sldChg chg="modSp mod">
-        <pc:chgData name="Kirtesh Patel" userId="270b04a813ef8488" providerId="LiveId" clId="{E3BB3A28-1FFD-4058-98DC-F3412381346B}" dt="2023-03-09T23:33:23.424" v="34" actId="20577"/>
-        <pc:sldMkLst>
-          <pc:docMk/>
-          <pc:sldMk cId="1633214458" sldId="257"/>
-        </pc:sldMkLst>
-        <pc:spChg chg="mod">
-          <ac:chgData name="Kirtesh Patel" userId="270b04a813ef8488" providerId="LiveId" clId="{E3BB3A28-1FFD-4058-98DC-F3412381346B}" dt="2023-03-09T23:33:23.424" v="34" actId="20577"/>
-          <ac:spMkLst>
-            <pc:docMk/>
-            <pc:sldMk cId="1633214458" sldId="257"/>
-            <ac:spMk id="4" creationId="{D83BA101-E9AD-9604-047F-792895B3290D}"/>
-          </ac:spMkLst>
-        </pc:spChg>
-      </pc:sldChg>
-      <pc:sldChg chg="addSp delSp del">
-        <pc:chgData name="Kirtesh Patel" userId="270b04a813ef8488" providerId="LiveId" clId="{E3BB3A28-1FFD-4058-98DC-F3412381346B}" dt="2023-03-09T23:28:44.254" v="16" actId="47"/>
-        <pc:sldMkLst>
-          <pc:docMk/>
-          <pc:sldMk cId="2827864108" sldId="270"/>
-        </pc:sldMkLst>
-        <pc:spChg chg="add del">
-          <ac:chgData name="Kirtesh Patel" userId="270b04a813ef8488" providerId="LiveId" clId="{E3BB3A28-1FFD-4058-98DC-F3412381346B}" dt="2023-03-09T23:28:00.842" v="9" actId="478"/>
-          <ac:spMkLst>
-            <pc:docMk/>
-            <pc:sldMk cId="2827864108" sldId="270"/>
-            <ac:spMk id="20487" creationId="{360A019D-5BB7-D4AB-E6F6-AA7BBAFA9C89}"/>
-          </ac:spMkLst>
-        </pc:spChg>
-      </pc:sldChg>
-      <pc:sldChg chg="del">
-        <pc:chgData name="Kirtesh Patel" userId="270b04a813ef8488" providerId="LiveId" clId="{E3BB3A28-1FFD-4058-98DC-F3412381346B}" dt="2023-03-09T23:28:50.598" v="18" actId="47"/>
-        <pc:sldMkLst>
-          <pc:docMk/>
-          <pc:sldMk cId="1582126511" sldId="271"/>
-        </pc:sldMkLst>
-      </pc:sldChg>
-      <pc:sldChg chg="del">
-        <pc:chgData name="Kirtesh Patel" userId="270b04a813ef8488" providerId="LiveId" clId="{E3BB3A28-1FFD-4058-98DC-F3412381346B}" dt="2023-03-09T23:26:57.900" v="4" actId="47"/>
-        <pc:sldMkLst>
-          <pc:docMk/>
-          <pc:sldMk cId="4276638673" sldId="272"/>
-        </pc:sldMkLst>
-      </pc:sldChg>
-      <pc:sldChg chg="del">
-        <pc:chgData name="Kirtesh Patel" userId="270b04a813ef8488" providerId="LiveId" clId="{E3BB3A28-1FFD-4058-98DC-F3412381346B}" dt="2023-03-09T23:27:00.978" v="5" actId="47"/>
-        <pc:sldMkLst>
-          <pc:docMk/>
-          <pc:sldMk cId="485509809" sldId="273"/>
-        </pc:sldMkLst>
-      </pc:sldChg>
-      <pc:sldChg chg="addCm">
-        <pc:chgData name="Kirtesh Patel" userId="270b04a813ef8488" providerId="LiveId" clId="{E3BB3A28-1FFD-4058-98DC-F3412381346B}" dt="2023-03-09T23:41:17.104" v="57"/>
-        <pc:sldMkLst>
-          <pc:docMk/>
-          <pc:sldMk cId="10871265" sldId="274"/>
-        </pc:sldMkLst>
-        <pc:extLst>
-          <p:ext xmlns:p="http://schemas.openxmlformats.org/presentationml/2006/main" uri="{D6D511B9-2390-475A-947B-AFAB55BFBCF1}">
-            <pc226:cmChg xmlns:pc226="http://schemas.microsoft.com/office/powerpoint/2022/06/main/command" chg="add">
-              <pc226:chgData name="Kirtesh Patel" userId="270b04a813ef8488" providerId="LiveId" clId="{E3BB3A28-1FFD-4058-98DC-F3412381346B}" dt="2023-03-09T23:41:17.104" v="57"/>
-              <pc2:cmMkLst xmlns:pc2="http://schemas.microsoft.com/office/powerpoint/2019/9/main/command">
-                <pc:docMk/>
-                <pc:sldMk cId="10871265" sldId="274"/>
-                <pc2:cmMk id="{3EABADB9-F759-4C36-AEBE-159FF2EDD629}"/>
-              </pc2:cmMkLst>
-            </pc226:cmChg>
-          </p:ext>
-        </pc:extLst>
-      </pc:sldChg>
-      <pc:sldChg chg="del">
-        <pc:chgData name="Kirtesh Patel" userId="270b04a813ef8488" providerId="LiveId" clId="{E3BB3A28-1FFD-4058-98DC-F3412381346B}" dt="2023-03-09T23:27:13.576" v="6" actId="47"/>
-        <pc:sldMkLst>
-          <pc:docMk/>
-          <pc:sldMk cId="955955079" sldId="275"/>
-        </pc:sldMkLst>
-      </pc:sldChg>
-      <pc:sldChg chg="modSp mod ord">
-        <pc:chgData name="Kirtesh Patel" userId="270b04a813ef8488" providerId="LiveId" clId="{E3BB3A28-1FFD-4058-98DC-F3412381346B}" dt="2023-03-10T00:19:51.278" v="650" actId="1076"/>
-        <pc:sldMkLst>
-          <pc:docMk/>
-          <pc:sldMk cId="1470594058" sldId="294"/>
-        </pc:sldMkLst>
-        <pc:spChg chg="mod">
-          <ac:chgData name="Kirtesh Patel" userId="270b04a813ef8488" providerId="LiveId" clId="{E3BB3A28-1FFD-4058-98DC-F3412381346B}" dt="2023-03-10T00:19:51.278" v="650" actId="1076"/>
-          <ac:spMkLst>
-            <pc:docMk/>
-            <pc:sldMk cId="1470594058" sldId="294"/>
-            <ac:spMk id="2" creationId="{00000000-0000-0000-0000-000000000000}"/>
-          </ac:spMkLst>
-        </pc:spChg>
-      </pc:sldChg>
-      <pc:sldChg chg="addCm">
-        <pc:chgData name="Kirtesh Patel" userId="270b04a813ef8488" providerId="LiveId" clId="{E3BB3A28-1FFD-4058-98DC-F3412381346B}" dt="2023-03-09T23:42:21.166" v="60"/>
-        <pc:sldMkLst>
-          <pc:docMk/>
-          <pc:sldMk cId="363519504" sldId="318"/>
-        </pc:sldMkLst>
-        <pc:extLst>
-          <p:ext xmlns:p="http://schemas.openxmlformats.org/presentationml/2006/main" uri="{D6D511B9-2390-475A-947B-AFAB55BFBCF1}">
-            <pc226:cmChg xmlns:pc226="http://schemas.microsoft.com/office/powerpoint/2022/06/main/command" chg="add">
-              <pc226:chgData name="Kirtesh Patel" userId="270b04a813ef8488" providerId="LiveId" clId="{E3BB3A28-1FFD-4058-98DC-F3412381346B}" dt="2023-03-09T23:42:21.166" v="60"/>
-              <pc2:cmMkLst xmlns:pc2="http://schemas.microsoft.com/office/powerpoint/2019/9/main/command">
-                <pc:docMk/>
-                <pc:sldMk cId="363519504" sldId="318"/>
-                <pc2:cmMk id="{50FEC679-648B-452C-8A46-DF005F266073}"/>
-              </pc2:cmMkLst>
-            </pc226:cmChg>
-          </p:ext>
-        </pc:extLst>
-      </pc:sldChg>
-      <pc:sldChg chg="addSp modSp del">
-        <pc:chgData name="Kirtesh Patel" userId="270b04a813ef8488" providerId="LiveId" clId="{E3BB3A28-1FFD-4058-98DC-F3412381346B}" dt="2023-03-09T23:45:28.086" v="75" actId="47"/>
-        <pc:sldMkLst>
-          <pc:docMk/>
-          <pc:sldMk cId="2290899349" sldId="342"/>
-        </pc:sldMkLst>
-        <pc:spChg chg="add mod">
-          <ac:chgData name="Kirtesh Patel" userId="270b04a813ef8488" providerId="LiveId" clId="{E3BB3A28-1FFD-4058-98DC-F3412381346B}" dt="2023-03-09T23:44:42.557" v="62"/>
-          <ac:spMkLst>
-            <pc:docMk/>
-            <pc:sldMk cId="2290899349" sldId="342"/>
-            <ac:spMk id="2" creationId="{1D652964-2690-6E24-ACCA-76A447992223}"/>
-          </ac:spMkLst>
-        </pc:spChg>
-        <pc:spChg chg="add mod">
-          <ac:chgData name="Kirtesh Patel" userId="270b04a813ef8488" providerId="LiveId" clId="{E3BB3A28-1FFD-4058-98DC-F3412381346B}" dt="2023-03-09T23:44:42.557" v="62"/>
-          <ac:spMkLst>
-            <pc:docMk/>
-            <pc:sldMk cId="2290899349" sldId="342"/>
-            <ac:spMk id="3" creationId="{920CF7AE-17E5-D573-838F-3C7B6DAAB8B4}"/>
-          </ac:spMkLst>
-        </pc:spChg>
-        <pc:spChg chg="add mod">
-          <ac:chgData name="Kirtesh Patel" userId="270b04a813ef8488" providerId="LiveId" clId="{E3BB3A28-1FFD-4058-98DC-F3412381346B}" dt="2023-03-09T23:44:42.557" v="62"/>
-          <ac:spMkLst>
-            <pc:docMk/>
-            <pc:sldMk cId="2290899349" sldId="342"/>
-            <ac:spMk id="5" creationId="{28A89BC5-358B-00DD-A835-44787660242B}"/>
-          </ac:spMkLst>
-        </pc:spChg>
-        <pc:spChg chg="add mod">
-          <ac:chgData name="Kirtesh Patel" userId="270b04a813ef8488" providerId="LiveId" clId="{E3BB3A28-1FFD-4058-98DC-F3412381346B}" dt="2023-03-09T23:44:42.557" v="62"/>
-          <ac:spMkLst>
-            <pc:docMk/>
-            <pc:sldMk cId="2290899349" sldId="342"/>
-            <ac:spMk id="6" creationId="{625624EB-2464-A0D7-FD3A-E6CFAD457377}"/>
-          </ac:spMkLst>
-        </pc:spChg>
-        <pc:spChg chg="add mod">
-          <ac:chgData name="Kirtesh Patel" userId="270b04a813ef8488" providerId="LiveId" clId="{E3BB3A28-1FFD-4058-98DC-F3412381346B}" dt="2023-03-09T23:44:42.557" v="62"/>
-          <ac:spMkLst>
-            <pc:docMk/>
-            <pc:sldMk cId="2290899349" sldId="342"/>
-            <ac:spMk id="7" creationId="{9423E222-1FB3-D7BF-A695-B42132D2CD93}"/>
-          </ac:spMkLst>
-        </pc:spChg>
-        <pc:spChg chg="add mod">
-          <ac:chgData name="Kirtesh Patel" userId="270b04a813ef8488" providerId="LiveId" clId="{E3BB3A28-1FFD-4058-98DC-F3412381346B}" dt="2023-03-09T23:44:42.557" v="62"/>
-          <ac:spMkLst>
-            <pc:docMk/>
-            <pc:sldMk cId="2290899349" sldId="342"/>
-            <ac:spMk id="8" creationId="{D585DC47-9F55-F68E-0C97-71A347CEB7C5}"/>
-          </ac:spMkLst>
-        </pc:spChg>
-        <pc:spChg chg="add mod">
-          <ac:chgData name="Kirtesh Patel" userId="270b04a813ef8488" providerId="LiveId" clId="{E3BB3A28-1FFD-4058-98DC-F3412381346B}" dt="2023-03-09T23:44:42.557" v="62"/>
-          <ac:spMkLst>
-            <pc:docMk/>
-            <pc:sldMk cId="2290899349" sldId="342"/>
-            <ac:spMk id="9" creationId="{3C0EC5F3-CC7E-FA0E-645C-C2367CF7C896}"/>
-          </ac:spMkLst>
-        </pc:spChg>
-        <pc:spChg chg="add mod">
-          <ac:chgData name="Kirtesh Patel" userId="270b04a813ef8488" providerId="LiveId" clId="{E3BB3A28-1FFD-4058-98DC-F3412381346B}" dt="2023-03-09T23:44:42.557" v="62"/>
-          <ac:spMkLst>
-            <pc:docMk/>
-            <pc:sldMk cId="2290899349" sldId="342"/>
-            <ac:spMk id="11" creationId="{CE9F8433-D980-D0F9-1BD5-D6A66C420599}"/>
-          </ac:spMkLst>
-        </pc:spChg>
-        <pc:spChg chg="add mod">
-          <ac:chgData name="Kirtesh Patel" userId="270b04a813ef8488" providerId="LiveId" clId="{E3BB3A28-1FFD-4058-98DC-F3412381346B}" dt="2023-03-09T23:44:42.557" v="62"/>
-          <ac:spMkLst>
-            <pc:docMk/>
-            <pc:sldMk cId="2290899349" sldId="342"/>
-            <ac:spMk id="12" creationId="{809FBBE0-7CF8-5FBB-117E-866A5F076AD4}"/>
-          </ac:spMkLst>
-        </pc:spChg>
-        <pc:spChg chg="add mod">
-          <ac:chgData name="Kirtesh Patel" userId="270b04a813ef8488" providerId="LiveId" clId="{E3BB3A28-1FFD-4058-98DC-F3412381346B}" dt="2023-03-09T23:44:42.557" v="62"/>
-          <ac:spMkLst>
-            <pc:docMk/>
-            <pc:sldMk cId="2290899349" sldId="342"/>
-            <ac:spMk id="13" creationId="{E3C26385-8BE4-131E-BEF6-FB4921C62EBE}"/>
-          </ac:spMkLst>
-        </pc:spChg>
-        <pc:spChg chg="add mod">
-          <ac:chgData name="Kirtesh Patel" userId="270b04a813ef8488" providerId="LiveId" clId="{E3BB3A28-1FFD-4058-98DC-F3412381346B}" dt="2023-03-09T23:44:42.557" v="62"/>
-          <ac:spMkLst>
-            <pc:docMk/>
-            <pc:sldMk cId="2290899349" sldId="342"/>
-            <ac:spMk id="14" creationId="{C5107CF7-0276-904C-8805-BF12F75E675F}"/>
-          </ac:spMkLst>
-        </pc:spChg>
-        <pc:spChg chg="add mod">
-          <ac:chgData name="Kirtesh Patel" userId="270b04a813ef8488" providerId="LiveId" clId="{E3BB3A28-1FFD-4058-98DC-F3412381346B}" dt="2023-03-09T23:44:42.557" v="62"/>
-          <ac:spMkLst>
-            <pc:docMk/>
-            <pc:sldMk cId="2290899349" sldId="342"/>
-            <ac:spMk id="15" creationId="{5A022EE4-6FE0-14BF-143C-38FE04876F28}"/>
-          </ac:spMkLst>
-        </pc:spChg>
-      </pc:sldChg>
-      <pc:sldChg chg="addSp delSp modSp add del mod ord">
-        <pc:chgData name="Kirtesh Patel" userId="270b04a813ef8488" providerId="LiveId" clId="{E3BB3A28-1FFD-4058-98DC-F3412381346B}" dt="2023-03-10T00:19:25.750" v="647" actId="47"/>
-        <pc:sldMkLst>
-          <pc:docMk/>
-          <pc:sldMk cId="1636646504" sldId="374"/>
-        </pc:sldMkLst>
-        <pc:spChg chg="mod">
-          <ac:chgData name="Kirtesh Patel" userId="270b04a813ef8488" providerId="LiveId" clId="{E3BB3A28-1FFD-4058-98DC-F3412381346B}" dt="2023-03-09T23:48:19.520" v="185" actId="27803"/>
-          <ac:spMkLst>
-            <pc:docMk/>
-            <pc:sldMk cId="1636646504" sldId="374"/>
-            <ac:spMk id="3" creationId="{3F50097E-50C5-34D1-27BE-DA668F228ABD}"/>
-          </ac:spMkLst>
-        </pc:spChg>
-        <pc:spChg chg="mod">
-          <ac:chgData name="Kirtesh Patel" userId="270b04a813ef8488" providerId="LiveId" clId="{E3BB3A28-1FFD-4058-98DC-F3412381346B}" dt="2023-03-09T23:48:19.520" v="185" actId="27803"/>
-          <ac:spMkLst>
-            <pc:docMk/>
-            <pc:sldMk cId="1636646504" sldId="374"/>
-            <ac:spMk id="5" creationId="{4D7B7978-B1C2-F159-E3CE-E9A2B973A6A7}"/>
-          </ac:spMkLst>
-        </pc:spChg>
-        <pc:spChg chg="mod">
-          <ac:chgData name="Kirtesh Patel" userId="270b04a813ef8488" providerId="LiveId" clId="{E3BB3A28-1FFD-4058-98DC-F3412381346B}" dt="2023-03-09T23:48:19.520" v="185" actId="27803"/>
-          <ac:spMkLst>
-            <pc:docMk/>
-            <pc:sldMk cId="1636646504" sldId="374"/>
-            <ac:spMk id="7" creationId="{16D9AD65-51DA-2451-A1E1-9817184F4688}"/>
-          </ac:spMkLst>
-        </pc:spChg>
-        <pc:spChg chg="mod">
-          <ac:chgData name="Kirtesh Patel" userId="270b04a813ef8488" providerId="LiveId" clId="{E3BB3A28-1FFD-4058-98DC-F3412381346B}" dt="2023-03-09T23:48:19.520" v="185" actId="27803"/>
-          <ac:spMkLst>
-            <pc:docMk/>
-            <pc:sldMk cId="1636646504" sldId="374"/>
-            <ac:spMk id="9" creationId="{380BE68C-F3EB-6314-54A8-21D74FF770FC}"/>
-          </ac:spMkLst>
-        </pc:spChg>
-        <pc:spChg chg="mod">
-          <ac:chgData name="Kirtesh Patel" userId="270b04a813ef8488" providerId="LiveId" clId="{E3BB3A28-1FFD-4058-98DC-F3412381346B}" dt="2023-03-09T23:48:19.520" v="185" actId="27803"/>
-          <ac:spMkLst>
-            <pc:docMk/>
-            <pc:sldMk cId="1636646504" sldId="374"/>
-            <ac:spMk id="11" creationId="{8038D573-E6EA-2367-56C7-F21C6ABE7DA6}"/>
-          </ac:spMkLst>
-        </pc:spChg>
-        <pc:spChg chg="mod">
-          <ac:chgData name="Kirtesh Patel" userId="270b04a813ef8488" providerId="LiveId" clId="{E3BB3A28-1FFD-4058-98DC-F3412381346B}" dt="2023-03-09T23:48:19.520" v="185" actId="27803"/>
-          <ac:spMkLst>
-            <pc:docMk/>
-            <pc:sldMk cId="1636646504" sldId="374"/>
-            <ac:spMk id="12" creationId="{FD0E4188-9CBD-120D-7EF6-69880C3F12FA}"/>
-          </ac:spMkLst>
-        </pc:spChg>
-        <pc:spChg chg="mod">
-          <ac:chgData name="Kirtesh Patel" userId="270b04a813ef8488" providerId="LiveId" clId="{E3BB3A28-1FFD-4058-98DC-F3412381346B}" dt="2023-03-09T23:48:19.520" v="185" actId="27803"/>
-          <ac:spMkLst>
-            <pc:docMk/>
-            <pc:sldMk cId="1636646504" sldId="374"/>
-            <ac:spMk id="14" creationId="{51A777B3-FEA9-80BF-598D-34911FF5F91F}"/>
-          </ac:spMkLst>
-        </pc:spChg>
-        <pc:spChg chg="mod">
-          <ac:chgData name="Kirtesh Patel" userId="270b04a813ef8488" providerId="LiveId" clId="{E3BB3A28-1FFD-4058-98DC-F3412381346B}" dt="2023-03-09T23:48:19.520" v="185" actId="27803"/>
-          <ac:spMkLst>
-            <pc:docMk/>
-            <pc:sldMk cId="1636646504" sldId="374"/>
-            <ac:spMk id="16" creationId="{9F1C3E6D-BC7D-2682-5C39-E288E562DEB4}"/>
-          </ac:spMkLst>
-        </pc:spChg>
-        <pc:spChg chg="add del">
-          <ac:chgData name="Kirtesh Patel" userId="270b04a813ef8488" providerId="LiveId" clId="{E3BB3A28-1FFD-4058-98DC-F3412381346B}" dt="2023-03-09T23:50:15.735" v="210"/>
-          <ac:spMkLst>
-            <pc:docMk/>
-            <pc:sldMk cId="1636646504" sldId="374"/>
-            <ac:spMk id="19" creationId="{5CE14E92-DB33-4E81-311F-DB9032F0BE3C}"/>
-          </ac:spMkLst>
-        </pc:spChg>
-        <pc:spChg chg="mod">
-          <ac:chgData name="Kirtesh Patel" userId="270b04a813ef8488" providerId="LiveId" clId="{E3BB3A28-1FFD-4058-98DC-F3412381346B}" dt="2023-03-09T23:49:20.401" v="198" actId="1076"/>
-          <ac:spMkLst>
-            <pc:docMk/>
-            <pc:sldMk cId="1636646504" sldId="374"/>
-            <ac:spMk id="36" creationId="{338D34BD-A3B7-774A-8197-CEB7CCCD8C9B}"/>
-          </ac:spMkLst>
-        </pc:spChg>
-        <pc:spChg chg="del">
-          <ac:chgData name="Kirtesh Patel" userId="270b04a813ef8488" providerId="LiveId" clId="{E3BB3A28-1FFD-4058-98DC-F3412381346B}" dt="2023-03-09T23:46:31.223" v="109" actId="478"/>
-          <ac:spMkLst>
-            <pc:docMk/>
-            <pc:sldMk cId="1636646504" sldId="374"/>
-            <ac:spMk id="39" creationId="{EBD40E57-480E-CC46-A08A-0082A3940DB2}"/>
-          </ac:spMkLst>
-        </pc:spChg>
-        <pc:spChg chg="del">
-          <ac:chgData name="Kirtesh Patel" userId="270b04a813ef8488" providerId="LiveId" clId="{E3BB3A28-1FFD-4058-98DC-F3412381346B}" dt="2023-03-09T23:46:37.668" v="115" actId="478"/>
-          <ac:spMkLst>
-            <pc:docMk/>
-            <pc:sldMk cId="1636646504" sldId="374"/>
-            <ac:spMk id="42" creationId="{1DB35E0B-7D85-D346-830E-6C44EDF6FC8F}"/>
-          </ac:spMkLst>
-        </pc:spChg>
-        <pc:spChg chg="del">
-          <ac:chgData name="Kirtesh Patel" userId="270b04a813ef8488" providerId="LiveId" clId="{E3BB3A28-1FFD-4058-98DC-F3412381346B}" dt="2023-03-09T23:46:36.607" v="113" actId="478"/>
-          <ac:spMkLst>
-            <pc:docMk/>
-            <pc:sldMk cId="1636646504" sldId="374"/>
-            <ac:spMk id="44" creationId="{891FECD1-7492-114F-8E6C-F5D6D3CA293B}"/>
-          </ac:spMkLst>
-        </pc:spChg>
-        <pc:spChg chg="add del mod">
-          <ac:chgData name="Kirtesh Patel" userId="270b04a813ef8488" providerId="LiveId" clId="{E3BB3A28-1FFD-4058-98DC-F3412381346B}" dt="2023-03-09T23:50:17.453" v="211" actId="478"/>
-          <ac:spMkLst>
-            <pc:docMk/>
-            <pc:sldMk cId="1636646504" sldId="374"/>
-            <ac:spMk id="45" creationId="{C170339E-97A9-C245-BA61-807B4C0CBED5}"/>
-          </ac:spMkLst>
-        </pc:spChg>
-        <pc:spChg chg="mod">
-          <ac:chgData name="Kirtesh Patel" userId="270b04a813ef8488" providerId="LiveId" clId="{E3BB3A28-1FFD-4058-98DC-F3412381346B}" dt="2023-03-09T23:49:04.040" v="195" actId="1076"/>
-          <ac:spMkLst>
-            <pc:docMk/>
-            <pc:sldMk cId="1636646504" sldId="374"/>
-            <ac:spMk id="47" creationId="{821E2B0C-2142-FD40-8A13-F482428C00F1}"/>
-          </ac:spMkLst>
-        </pc:spChg>
-        <pc:spChg chg="mod">
-          <ac:chgData name="Kirtesh Patel" userId="270b04a813ef8488" providerId="LiveId" clId="{E3BB3A28-1FFD-4058-98DC-F3412381346B}" dt="2023-03-09T23:49:20.401" v="198" actId="1076"/>
-          <ac:spMkLst>
-            <pc:docMk/>
-            <pc:sldMk cId="1636646504" sldId="374"/>
-            <ac:spMk id="49" creationId="{00000000-0000-0000-0000-000000000000}"/>
-          </ac:spMkLst>
-        </pc:spChg>
-        <pc:spChg chg="del">
-          <ac:chgData name="Kirtesh Patel" userId="270b04a813ef8488" providerId="LiveId" clId="{E3BB3A28-1FFD-4058-98DC-F3412381346B}" dt="2023-03-09T23:46:34.156" v="110" actId="478"/>
-          <ac:spMkLst>
-            <pc:docMk/>
-            <pc:sldMk cId="1636646504" sldId="374"/>
-            <ac:spMk id="50" creationId="{E7CB92E4-8311-C147-AF20-EF0ADC20ABCD}"/>
-          </ac:spMkLst>
-        </pc:spChg>
-        <pc:spChg chg="mod">
-          <ac:chgData name="Kirtesh Patel" userId="270b04a813ef8488" providerId="LiveId" clId="{E3BB3A28-1FFD-4058-98DC-F3412381346B}" dt="2023-03-09T23:49:40.362" v="206" actId="1076"/>
-          <ac:spMkLst>
-            <pc:docMk/>
-            <pc:sldMk cId="1636646504" sldId="374"/>
-            <ac:spMk id="51" creationId="{B748D777-F7BB-514C-9625-AC42FC3C4ECE}"/>
-          </ac:spMkLst>
-        </pc:spChg>
-        <pc:spChg chg="del">
-          <ac:chgData name="Kirtesh Patel" userId="270b04a813ef8488" providerId="LiveId" clId="{E3BB3A28-1FFD-4058-98DC-F3412381346B}" dt="2023-03-09T23:46:29.406" v="107" actId="478"/>
-          <ac:spMkLst>
-            <pc:docMk/>
-            <pc:sldMk cId="1636646504" sldId="374"/>
-            <ac:spMk id="52" creationId="{212D7F4C-2CDF-A946-AEA7-3B02034AF95A}"/>
-          </ac:spMkLst>
-        </pc:spChg>
-        <pc:spChg chg="mod">
-          <ac:chgData name="Kirtesh Patel" userId="270b04a813ef8488" providerId="LiveId" clId="{E3BB3A28-1FFD-4058-98DC-F3412381346B}" dt="2023-03-09T23:49:52.378" v="207" actId="1076"/>
-          <ac:spMkLst>
-            <pc:docMk/>
-            <pc:sldMk cId="1636646504" sldId="374"/>
-            <ac:spMk id="54" creationId="{D6C4DB2A-6C9B-F24B-B09A-125927C11B19}"/>
-          </ac:spMkLst>
-        </pc:spChg>
-        <pc:spChg chg="mod">
-          <ac:chgData name="Kirtesh Patel" userId="270b04a813ef8488" providerId="LiveId" clId="{E3BB3A28-1FFD-4058-98DC-F3412381346B}" dt="2023-03-09T23:45:58.147" v="84" actId="20577"/>
-          <ac:spMkLst>
-            <pc:docMk/>
-            <pc:sldMk cId="1636646504" sldId="374"/>
-            <ac:spMk id="56" creationId="{00000000-0000-0000-0000-000000000000}"/>
-          </ac:spMkLst>
-        </pc:spChg>
-        <pc:spChg chg="del">
-          <ac:chgData name="Kirtesh Patel" userId="270b04a813ef8488" providerId="LiveId" clId="{E3BB3A28-1FFD-4058-98DC-F3412381346B}" dt="2023-03-09T23:48:29.797" v="187" actId="478"/>
-          <ac:spMkLst>
-            <pc:docMk/>
-            <pc:sldMk cId="1636646504" sldId="374"/>
-            <ac:spMk id="60" creationId="{00000000-0000-0000-0000-000000000000}"/>
-          </ac:spMkLst>
-        </pc:spChg>
-        <pc:spChg chg="del">
-          <ac:chgData name="Kirtesh Patel" userId="270b04a813ef8488" providerId="LiveId" clId="{E3BB3A28-1FFD-4058-98DC-F3412381346B}" dt="2023-03-09T23:46:35.679" v="112" actId="478"/>
-          <ac:spMkLst>
-            <pc:docMk/>
-            <pc:sldMk cId="1636646504" sldId="374"/>
-            <ac:spMk id="64" creationId="{04CF6153-DEBB-EF49-80A5-376D5C195E8A}"/>
-          </ac:spMkLst>
-        </pc:spChg>
-        <pc:grpChg chg="mod">
-          <ac:chgData name="Kirtesh Patel" userId="270b04a813ef8488" providerId="LiveId" clId="{E3BB3A28-1FFD-4058-98DC-F3412381346B}" dt="2023-03-09T23:49:20.401" v="198" actId="1076"/>
-          <ac:grpSpMkLst>
-            <pc:docMk/>
-            <pc:sldMk cId="1636646504" sldId="374"/>
-            <ac:grpSpMk id="2" creationId="{E79E1489-5004-0D41-3C5E-5EB9F1B7833E}"/>
-          </ac:grpSpMkLst>
-        </pc:grpChg>
-        <pc:picChg chg="del">
-          <ac:chgData name="Kirtesh Patel" userId="270b04a813ef8488" providerId="LiveId" clId="{E3BB3A28-1FFD-4058-98DC-F3412381346B}" dt="2023-03-09T23:46:30.486" v="108" actId="478"/>
-          <ac:picMkLst>
-            <pc:docMk/>
-            <pc:sldMk cId="1636646504" sldId="374"/>
-            <ac:picMk id="4" creationId="{B0E5C596-3F91-FB46-9924-75010FC5F664}"/>
-          </ac:picMkLst>
-        </pc:picChg>
-        <pc:picChg chg="mod">
-          <ac:chgData name="Kirtesh Patel" userId="270b04a813ef8488" providerId="LiveId" clId="{E3BB3A28-1FFD-4058-98DC-F3412381346B}" dt="2023-03-09T23:49:52.378" v="207" actId="1076"/>
-          <ac:picMkLst>
-            <pc:docMk/>
-            <pc:sldMk cId="1636646504" sldId="374"/>
-            <ac:picMk id="6" creationId="{D644530D-F956-8B40-95E1-C9A0F7A295D3}"/>
-          </ac:picMkLst>
-        </pc:picChg>
-        <pc:picChg chg="del mod">
-          <ac:chgData name="Kirtesh Patel" userId="270b04a813ef8488" providerId="LiveId" clId="{E3BB3A28-1FFD-4058-98DC-F3412381346B}" dt="2023-03-09T23:48:19.520" v="185" actId="27803"/>
-          <ac:picMkLst>
-            <pc:docMk/>
-            <pc:sldMk cId="1636646504" sldId="374"/>
-            <ac:picMk id="8" creationId="{5D51900D-0C16-7C4F-895D-445ACB4FF90C}"/>
-          </ac:picMkLst>
-        </pc:picChg>
-        <pc:picChg chg="del">
-          <ac:chgData name="Kirtesh Patel" userId="270b04a813ef8488" providerId="LiveId" clId="{E3BB3A28-1FFD-4058-98DC-F3412381346B}" dt="2023-03-09T23:46:37.104" v="114" actId="478"/>
-          <ac:picMkLst>
-            <pc:docMk/>
-            <pc:sldMk cId="1636646504" sldId="374"/>
-            <ac:picMk id="13" creationId="{27D3B202-8245-B149-AE1C-AC6C4038DC01}"/>
-          </ac:picMkLst>
-        </pc:picChg>
-        <pc:picChg chg="del">
-          <ac:chgData name="Kirtesh Patel" userId="270b04a813ef8488" providerId="LiveId" clId="{E3BB3A28-1FFD-4058-98DC-F3412381346B}" dt="2023-03-09T23:46:34.564" v="111" actId="478"/>
-          <ac:picMkLst>
-            <pc:docMk/>
-            <pc:sldMk cId="1636646504" sldId="374"/>
-            <ac:picMk id="15" creationId="{E47C943C-D7BD-8C4A-A86E-92C1AFE9512E}"/>
-          </ac:picMkLst>
-        </pc:picChg>
-      </pc:sldChg>
-      <pc:sldChg chg="addCm">
-        <pc:chgData name="Kirtesh Patel" userId="270b04a813ef8488" providerId="LiveId" clId="{E3BB3A28-1FFD-4058-98DC-F3412381346B}" dt="2023-03-09T23:41:25.585" v="58"/>
-        <pc:sldMkLst>
-          <pc:docMk/>
-          <pc:sldMk cId="1943363559" sldId="410"/>
-        </pc:sldMkLst>
-        <pc:extLst>
-          <p:ext xmlns:p="http://schemas.openxmlformats.org/presentationml/2006/main" uri="{D6D511B9-2390-475A-947B-AFAB55BFBCF1}">
-            <pc226:cmChg xmlns:pc226="http://schemas.microsoft.com/office/powerpoint/2022/06/main/command" chg="add">
-              <pc226:chgData name="Kirtesh Patel" userId="270b04a813ef8488" providerId="LiveId" clId="{E3BB3A28-1FFD-4058-98DC-F3412381346B}" dt="2023-03-09T23:41:25.585" v="58"/>
-              <pc2:cmMkLst xmlns:pc2="http://schemas.microsoft.com/office/powerpoint/2019/9/main/command">
-                <pc:docMk/>
-                <pc:sldMk cId="1943363559" sldId="410"/>
-                <pc2:cmMk id="{658CBC2E-8C6E-4659-9F4B-7FCA293C36D5}"/>
-              </pc2:cmMkLst>
-            </pc226:cmChg>
-          </p:ext>
-        </pc:extLst>
-      </pc:sldChg>
-      <pc:sldChg chg="addCm">
-        <pc:chgData name="Kirtesh Patel" userId="270b04a813ef8488" providerId="LiveId" clId="{E3BB3A28-1FFD-4058-98DC-F3412381346B}" dt="2023-03-09T23:42:13.910" v="59"/>
-        <pc:sldMkLst>
-          <pc:docMk/>
-          <pc:sldMk cId="240602418" sldId="417"/>
-        </pc:sldMkLst>
-        <pc:extLst>
-          <p:ext xmlns:p="http://schemas.openxmlformats.org/presentationml/2006/main" uri="{D6D511B9-2390-475A-947B-AFAB55BFBCF1}">
-            <pc226:cmChg xmlns:pc226="http://schemas.microsoft.com/office/powerpoint/2022/06/main/command" chg="add">
-              <pc226:chgData name="Kirtesh Patel" userId="270b04a813ef8488" providerId="LiveId" clId="{E3BB3A28-1FFD-4058-98DC-F3412381346B}" dt="2023-03-09T23:42:13.910" v="59"/>
-              <pc2:cmMkLst xmlns:pc2="http://schemas.microsoft.com/office/powerpoint/2019/9/main/command">
-                <pc:docMk/>
-                <pc:sldMk cId="240602418" sldId="417"/>
-                <pc2:cmMk id="{73A3BB57-9A78-45AD-ABD7-C4EE01F582C9}"/>
-              </pc2:cmMkLst>
-            </pc226:cmChg>
-          </p:ext>
-        </pc:extLst>
-      </pc:sldChg>
-      <pc:sldChg chg="addCm">
-        <pc:chgData name="Kirtesh Patel" userId="270b04a813ef8488" providerId="LiveId" clId="{E3BB3A28-1FFD-4058-98DC-F3412381346B}" dt="2023-03-09T23:37:51.638" v="44"/>
-        <pc:sldMkLst>
-          <pc:docMk/>
-          <pc:sldMk cId="1190353087" sldId="450"/>
-        </pc:sldMkLst>
-        <pc:extLst>
-          <p:ext xmlns:p="http://schemas.openxmlformats.org/presentationml/2006/main" uri="{D6D511B9-2390-475A-947B-AFAB55BFBCF1}">
-            <pc226:cmChg xmlns:pc226="http://schemas.microsoft.com/office/powerpoint/2022/06/main/command" chg="add">
-              <pc226:chgData name="Kirtesh Patel" userId="270b04a813ef8488" providerId="LiveId" clId="{E3BB3A28-1FFD-4058-98DC-F3412381346B}" dt="2023-03-09T23:37:51.638" v="44"/>
-              <pc2:cmMkLst xmlns:pc2="http://schemas.microsoft.com/office/powerpoint/2019/9/main/command">
-                <pc:docMk/>
-                <pc:sldMk cId="1190353087" sldId="450"/>
-                <pc2:cmMk id="{1D3D0385-4FC2-41E0-9873-5210D39EDF77}"/>
-              </pc2:cmMkLst>
-            </pc226:cmChg>
-          </p:ext>
-        </pc:extLst>
-      </pc:sldChg>
-      <pc:sldChg chg="addCm">
-        <pc:chgData name="Kirtesh Patel" userId="270b04a813ef8488" providerId="LiveId" clId="{E3BB3A28-1FFD-4058-98DC-F3412381346B}" dt="2023-03-09T23:35:37.759" v="39"/>
-        <pc:sldMkLst>
-          <pc:docMk/>
-          <pc:sldMk cId="3545872644" sldId="462"/>
-        </pc:sldMkLst>
-        <pc:extLst>
-          <p:ext xmlns:p="http://schemas.openxmlformats.org/presentationml/2006/main" uri="{D6D511B9-2390-475A-947B-AFAB55BFBCF1}">
-            <pc226:cmChg xmlns:pc226="http://schemas.microsoft.com/office/powerpoint/2022/06/main/command" chg="add">
-              <pc226:chgData name="Kirtesh Patel" userId="270b04a813ef8488" providerId="LiveId" clId="{E3BB3A28-1FFD-4058-98DC-F3412381346B}" dt="2023-03-09T23:35:37.759" v="39"/>
-              <pc2:cmMkLst xmlns:pc2="http://schemas.microsoft.com/office/powerpoint/2019/9/main/command">
-                <pc:docMk/>
-                <pc:sldMk cId="3545872644" sldId="462"/>
-                <pc2:cmMk id="{94229997-6645-4E01-AFE3-636E686E7270}"/>
-              </pc2:cmMkLst>
-            </pc226:cmChg>
-          </p:ext>
-        </pc:extLst>
-      </pc:sldChg>
-      <pc:sldChg chg="delSp modSp mod">
-        <pc:chgData name="Kirtesh Patel" userId="270b04a813ef8488" providerId="LiveId" clId="{E3BB3A28-1FFD-4058-98DC-F3412381346B}" dt="2023-03-09T23:34:48.016" v="37" actId="478"/>
-        <pc:sldMkLst>
-          <pc:docMk/>
-          <pc:sldMk cId="3895102537" sldId="463"/>
-        </pc:sldMkLst>
-        <pc:spChg chg="del mod">
-          <ac:chgData name="Kirtesh Patel" userId="270b04a813ef8488" providerId="LiveId" clId="{E3BB3A28-1FFD-4058-98DC-F3412381346B}" dt="2023-03-09T23:34:48.016" v="37" actId="478"/>
-          <ac:spMkLst>
-            <pc:docMk/>
-            <pc:sldMk cId="3895102537" sldId="463"/>
-            <ac:spMk id="4" creationId="{D9E2CD3E-7419-F946-BC25-F515C38B9924}"/>
-          </ac:spMkLst>
-        </pc:spChg>
-      </pc:sldChg>
-      <pc:sldChg chg="addCm">
-        <pc:chgData name="Kirtesh Patel" userId="270b04a813ef8488" providerId="LiveId" clId="{E3BB3A28-1FFD-4058-98DC-F3412381346B}" dt="2023-03-09T23:38:08.296" v="45"/>
-        <pc:sldMkLst>
-          <pc:docMk/>
-          <pc:sldMk cId="2706740734" sldId="466"/>
-        </pc:sldMkLst>
-        <pc:extLst>
-          <p:ext xmlns:p="http://schemas.openxmlformats.org/presentationml/2006/main" uri="{D6D511B9-2390-475A-947B-AFAB55BFBCF1}">
-            <pc226:cmChg xmlns:pc226="http://schemas.microsoft.com/office/powerpoint/2022/06/main/command" chg="add">
-              <pc226:chgData name="Kirtesh Patel" userId="270b04a813ef8488" providerId="LiveId" clId="{E3BB3A28-1FFD-4058-98DC-F3412381346B}" dt="2023-03-09T23:38:08.296" v="45"/>
-              <pc2:cmMkLst xmlns:pc2="http://schemas.microsoft.com/office/powerpoint/2019/9/main/command">
-                <pc:docMk/>
-                <pc:sldMk cId="2706740734" sldId="466"/>
-                <pc2:cmMk id="{DC044AA0-C7DD-441C-B0E4-38BB7FD23EDF}"/>
-              </pc2:cmMkLst>
-            </pc226:cmChg>
-          </p:ext>
-        </pc:extLst>
-      </pc:sldChg>
-      <pc:sldChg chg="addCm">
-        <pc:chgData name="Kirtesh Patel" userId="270b04a813ef8488" providerId="LiveId" clId="{E3BB3A28-1FFD-4058-98DC-F3412381346B}" dt="2023-03-09T23:37:47.765" v="43"/>
-        <pc:sldMkLst>
-          <pc:docMk/>
-          <pc:sldMk cId="1917993598" sldId="467"/>
-        </pc:sldMkLst>
-        <pc:extLst>
-          <p:ext xmlns:p="http://schemas.openxmlformats.org/presentationml/2006/main" uri="{D6D511B9-2390-475A-947B-AFAB55BFBCF1}">
-            <pc226:cmChg xmlns:pc226="http://schemas.microsoft.com/office/powerpoint/2022/06/main/command" chg="add">
-              <pc226:chgData name="Kirtesh Patel" userId="270b04a813ef8488" providerId="LiveId" clId="{E3BB3A28-1FFD-4058-98DC-F3412381346B}" dt="2023-03-09T23:37:47.765" v="43"/>
-              <pc2:cmMkLst xmlns:pc2="http://schemas.microsoft.com/office/powerpoint/2019/9/main/command">
-                <pc:docMk/>
-                <pc:sldMk cId="1917993598" sldId="467"/>
-                <pc2:cmMk id="{7B3D4B59-FC0D-4564-B093-15387311266A}"/>
-              </pc2:cmMkLst>
-            </pc226:cmChg>
-          </p:ext>
-        </pc:extLst>
-      </pc:sldChg>
-      <pc:sldChg chg="addCm">
-        <pc:chgData name="Kirtesh Patel" userId="270b04a813ef8488" providerId="LiveId" clId="{E3BB3A28-1FFD-4058-98DC-F3412381346B}" dt="2023-03-09T23:38:41.873" v="46"/>
-        <pc:sldMkLst>
-          <pc:docMk/>
-          <pc:sldMk cId="2294253666" sldId="471"/>
-        </pc:sldMkLst>
-        <pc:extLst>
-          <p:ext xmlns:p="http://schemas.openxmlformats.org/presentationml/2006/main" uri="{D6D511B9-2390-475A-947B-AFAB55BFBCF1}">
-            <pc226:cmChg xmlns:pc226="http://schemas.microsoft.com/office/powerpoint/2022/06/main/command" chg="add">
-              <pc226:chgData name="Kirtesh Patel" userId="270b04a813ef8488" providerId="LiveId" clId="{E3BB3A28-1FFD-4058-98DC-F3412381346B}" dt="2023-03-09T23:38:41.873" v="46"/>
-              <pc2:cmMkLst xmlns:pc2="http://schemas.microsoft.com/office/powerpoint/2019/9/main/command">
-                <pc:docMk/>
-                <pc:sldMk cId="2294253666" sldId="471"/>
-                <pc2:cmMk id="{F9345E2D-EE72-415F-90D4-00DF72345D15}"/>
-              </pc2:cmMkLst>
-            </pc226:cmChg>
-          </p:ext>
-        </pc:extLst>
-      </pc:sldChg>
-      <pc:sldChg chg="addCm">
-        <pc:chgData name="Kirtesh Patel" userId="270b04a813ef8488" providerId="LiveId" clId="{E3BB3A28-1FFD-4058-98DC-F3412381346B}" dt="2023-03-09T23:37:37.169" v="42"/>
-        <pc:sldMkLst>
-          <pc:docMk/>
-          <pc:sldMk cId="1345251810" sldId="472"/>
-        </pc:sldMkLst>
-        <pc:extLst>
-          <p:ext xmlns:p="http://schemas.openxmlformats.org/presentationml/2006/main" uri="{D6D511B9-2390-475A-947B-AFAB55BFBCF1}">
-            <pc226:cmChg xmlns:pc226="http://schemas.microsoft.com/office/powerpoint/2022/06/main/command" chg="add">
-              <pc226:chgData name="Kirtesh Patel" userId="270b04a813ef8488" providerId="LiveId" clId="{E3BB3A28-1FFD-4058-98DC-F3412381346B}" dt="2023-03-09T23:37:37.169" v="42"/>
-              <pc2:cmMkLst xmlns:pc2="http://schemas.microsoft.com/office/powerpoint/2019/9/main/command">
-                <pc:docMk/>
-                <pc:sldMk cId="1345251810" sldId="472"/>
-                <pc2:cmMk id="{D8805D79-C8B4-44B1-8941-22A2888D2892}"/>
-              </pc2:cmMkLst>
-            </pc226:cmChg>
-          </p:ext>
-        </pc:extLst>
-      </pc:sldChg>
-      <pc:sldChg chg="addCm">
-        <pc:chgData name="Kirtesh Patel" userId="270b04a813ef8488" providerId="LiveId" clId="{E3BB3A28-1FFD-4058-98DC-F3412381346B}" dt="2023-03-09T23:36:42.325" v="41"/>
-        <pc:sldMkLst>
-          <pc:docMk/>
-          <pc:sldMk cId="50917193" sldId="474"/>
-        </pc:sldMkLst>
-        <pc:extLst>
-          <p:ext xmlns:p="http://schemas.openxmlformats.org/presentationml/2006/main" uri="{D6D511B9-2390-475A-947B-AFAB55BFBCF1}">
-            <pc226:cmChg xmlns:pc226="http://schemas.microsoft.com/office/powerpoint/2022/06/main/command" chg="add">
-              <pc226:chgData name="Kirtesh Patel" userId="270b04a813ef8488" providerId="LiveId" clId="{E3BB3A28-1FFD-4058-98DC-F3412381346B}" dt="2023-03-09T23:36:42.325" v="41"/>
-              <pc2:cmMkLst xmlns:pc2="http://schemas.microsoft.com/office/powerpoint/2019/9/main/command">
-                <pc:docMk/>
-                <pc:sldMk cId="50917193" sldId="474"/>
-                <pc2:cmMk id="{6D795EB3-67B7-4E94-ABCB-0607FB188A97}"/>
-              </pc2:cmMkLst>
-            </pc226:cmChg>
-          </p:ext>
-        </pc:extLst>
-      </pc:sldChg>
-      <pc:sldChg chg="addCm">
-        <pc:chgData name="Kirtesh Patel" userId="270b04a813ef8488" providerId="LiveId" clId="{E3BB3A28-1FFD-4058-98DC-F3412381346B}" dt="2023-03-09T23:35:19.890" v="38"/>
-        <pc:sldMkLst>
-          <pc:docMk/>
-          <pc:sldMk cId="4088113293" sldId="477"/>
-        </pc:sldMkLst>
-        <pc:extLst>
-          <p:ext xmlns:p="http://schemas.openxmlformats.org/presentationml/2006/main" uri="{D6D511B9-2390-475A-947B-AFAB55BFBCF1}">
-            <pc226:cmChg xmlns:pc226="http://schemas.microsoft.com/office/powerpoint/2022/06/main/command" chg="add">
-              <pc226:chgData name="Kirtesh Patel" userId="270b04a813ef8488" providerId="LiveId" clId="{E3BB3A28-1FFD-4058-98DC-F3412381346B}" dt="2023-03-09T23:35:19.890" v="38"/>
-              <pc2:cmMkLst xmlns:pc2="http://schemas.microsoft.com/office/powerpoint/2019/9/main/command">
-                <pc:docMk/>
-                <pc:sldMk cId="4088113293" sldId="477"/>
-                <pc2:cmMk id="{544F6E2A-2D5A-44A9-984B-CFFEBF10F175}"/>
-              </pc2:cmMkLst>
-            </pc226:cmChg>
-          </p:ext>
-        </pc:extLst>
-      </pc:sldChg>
-      <pc:sldChg chg="addCm">
-        <pc:chgData name="Kirtesh Patel" userId="270b04a813ef8488" providerId="LiveId" clId="{E3BB3A28-1FFD-4058-98DC-F3412381346B}" dt="2023-03-09T23:35:47.968" v="40"/>
-        <pc:sldMkLst>
-          <pc:docMk/>
-          <pc:sldMk cId="3759062384" sldId="478"/>
-        </pc:sldMkLst>
-        <pc:extLst>
-          <p:ext xmlns:p="http://schemas.openxmlformats.org/presentationml/2006/main" uri="{D6D511B9-2390-475A-947B-AFAB55BFBCF1}">
-            <pc226:cmChg xmlns:pc226="http://schemas.microsoft.com/office/powerpoint/2022/06/main/command" chg="add">
-              <pc226:chgData name="Kirtesh Patel" userId="270b04a813ef8488" providerId="LiveId" clId="{E3BB3A28-1FFD-4058-98DC-F3412381346B}" dt="2023-03-09T23:35:47.968" v="40"/>
-              <pc2:cmMkLst xmlns:pc2="http://schemas.microsoft.com/office/powerpoint/2019/9/main/command">
-                <pc:docMk/>
-                <pc:sldMk cId="3759062384" sldId="478"/>
-                <pc2:cmMk id="{0F9BF54D-CD0E-4471-B696-09E4A96BC752}"/>
-              </pc2:cmMkLst>
-            </pc226:cmChg>
-          </p:ext>
-        </pc:extLst>
-      </pc:sldChg>
-      <pc:sldChg chg="addCm">
-        <pc:chgData name="Kirtesh Patel" userId="270b04a813ef8488" providerId="LiveId" clId="{E3BB3A28-1FFD-4058-98DC-F3412381346B}" dt="2023-03-09T23:34:31.684" v="35"/>
-        <pc:sldMkLst>
-          <pc:docMk/>
-          <pc:sldMk cId="1063543620" sldId="480"/>
-        </pc:sldMkLst>
-        <pc:extLst>
-          <p:ext xmlns:p="http://schemas.openxmlformats.org/presentationml/2006/main" uri="{D6D511B9-2390-475A-947B-AFAB55BFBCF1}">
-            <pc226:cmChg xmlns:pc226="http://schemas.microsoft.com/office/powerpoint/2022/06/main/command" chg="add">
-              <pc226:chgData name="Kirtesh Patel" userId="270b04a813ef8488" providerId="LiveId" clId="{E3BB3A28-1FFD-4058-98DC-F3412381346B}" dt="2023-03-09T23:34:31.684" v="35"/>
-              <pc2:cmMkLst xmlns:pc2="http://schemas.microsoft.com/office/powerpoint/2019/9/main/command">
-                <pc:docMk/>
-                <pc:sldMk cId="1063543620" sldId="480"/>
-                <pc2:cmMk id="{E3D13C9B-F1D7-49D7-8107-B0BE6C78DFC9}"/>
-              </pc2:cmMkLst>
-            </pc226:cmChg>
-          </p:ext>
-        </pc:extLst>
-      </pc:sldChg>
-      <pc:sldChg chg="addCm">
-        <pc:chgData name="Kirtesh Patel" userId="270b04a813ef8488" providerId="LiveId" clId="{E3BB3A28-1FFD-4058-98DC-F3412381346B}" dt="2023-03-09T23:39:10.006" v="47"/>
-        <pc:sldMkLst>
-          <pc:docMk/>
-          <pc:sldMk cId="2890327976" sldId="482"/>
-        </pc:sldMkLst>
-        <pc:extLst>
-          <p:ext xmlns:p="http://schemas.openxmlformats.org/presentationml/2006/main" uri="{D6D511B9-2390-475A-947B-AFAB55BFBCF1}">
-            <pc226:cmChg xmlns:pc226="http://schemas.microsoft.com/office/powerpoint/2022/06/main/command" chg="add">
-              <pc226:chgData name="Kirtesh Patel" userId="270b04a813ef8488" providerId="LiveId" clId="{E3BB3A28-1FFD-4058-98DC-F3412381346B}" dt="2023-03-09T23:39:10.006" v="47"/>
-              <pc2:cmMkLst xmlns:pc2="http://schemas.microsoft.com/office/powerpoint/2019/9/main/command">
-                <pc:docMk/>
-                <pc:sldMk cId="2890327976" sldId="482"/>
-                <pc2:cmMk id="{1652A9ED-9D88-446A-8196-E5CE5D627DD5}"/>
-              </pc2:cmMkLst>
-            </pc226:cmChg>
-          </p:ext>
-        </pc:extLst>
-      </pc:sldChg>
-      <pc:sldChg chg="modSp addCm">
-        <pc:chgData name="Kirtesh Patel" userId="270b04a813ef8488" providerId="LiveId" clId="{E3BB3A28-1FFD-4058-98DC-F3412381346B}" dt="2023-03-09T23:39:36.026" v="52"/>
-        <pc:sldMkLst>
-          <pc:docMk/>
-          <pc:sldMk cId="535718694" sldId="483"/>
-        </pc:sldMkLst>
-        <pc:spChg chg="mod">
-          <ac:chgData name="Kirtesh Patel" userId="270b04a813ef8488" providerId="LiveId" clId="{E3BB3A28-1FFD-4058-98DC-F3412381346B}" dt="2023-03-09T23:39:24.086" v="51" actId="1076"/>
-          <ac:spMkLst>
-            <pc:docMk/>
-            <pc:sldMk cId="535718694" sldId="483"/>
-            <ac:spMk id="7" creationId="{A1EF4920-0C5D-E19D-5281-DD691E66D1C1}"/>
-          </ac:spMkLst>
-        </pc:spChg>
-        <pc:spChg chg="mod">
-          <ac:chgData name="Kirtesh Patel" userId="270b04a813ef8488" providerId="LiveId" clId="{E3BB3A28-1FFD-4058-98DC-F3412381346B}" dt="2023-03-09T23:39:24.086" v="51" actId="1076"/>
-          <ac:spMkLst>
-            <pc:docMk/>
-            <pc:sldMk cId="535718694" sldId="483"/>
-            <ac:spMk id="8" creationId="{5D5C9171-E92B-6B19-FFEF-FFECC97A9A5E}"/>
-          </ac:spMkLst>
-        </pc:spChg>
-        <pc:spChg chg="mod">
-          <ac:chgData name="Kirtesh Patel" userId="270b04a813ef8488" providerId="LiveId" clId="{E3BB3A28-1FFD-4058-98DC-F3412381346B}" dt="2023-03-09T23:39:24.086" v="51" actId="1076"/>
-          <ac:spMkLst>
-            <pc:docMk/>
-            <pc:sldMk cId="535718694" sldId="483"/>
-            <ac:spMk id="9" creationId="{F9BB7162-0412-0A08-8C11-2C6D69C430FB}"/>
-          </ac:spMkLst>
-        </pc:spChg>
-        <pc:spChg chg="mod">
-          <ac:chgData name="Kirtesh Patel" userId="270b04a813ef8488" providerId="LiveId" clId="{E3BB3A28-1FFD-4058-98DC-F3412381346B}" dt="2023-03-09T23:39:24.086" v="51" actId="1076"/>
-          <ac:spMkLst>
-            <pc:docMk/>
-            <pc:sldMk cId="535718694" sldId="483"/>
-            <ac:spMk id="20" creationId="{34B450E6-9BE7-A2FE-B403-71B4B385BA92}"/>
-          </ac:spMkLst>
-        </pc:spChg>
-        <pc:spChg chg="mod">
-          <ac:chgData name="Kirtesh Patel" userId="270b04a813ef8488" providerId="LiveId" clId="{E3BB3A28-1FFD-4058-98DC-F3412381346B}" dt="2023-03-09T23:39:24.086" v="51" actId="1076"/>
-          <ac:spMkLst>
-            <pc:docMk/>
-            <pc:sldMk cId="535718694" sldId="483"/>
-            <ac:spMk id="21" creationId="{66910243-F6DA-C4E2-41E8-65D6EB18361E}"/>
-          </ac:spMkLst>
-        </pc:spChg>
-        <pc:spChg chg="mod">
-          <ac:chgData name="Kirtesh Patel" userId="270b04a813ef8488" providerId="LiveId" clId="{E3BB3A28-1FFD-4058-98DC-F3412381346B}" dt="2023-03-09T23:39:24.086" v="51" actId="1076"/>
-          <ac:spMkLst>
-            <pc:docMk/>
-            <pc:sldMk cId="535718694" sldId="483"/>
-            <ac:spMk id="22" creationId="{3F1119ED-43A1-59B5-DE2E-F7EAEF8FCF6B}"/>
-          </ac:spMkLst>
-        </pc:spChg>
-        <pc:spChg chg="mod">
-          <ac:chgData name="Kirtesh Patel" userId="270b04a813ef8488" providerId="LiveId" clId="{E3BB3A28-1FFD-4058-98DC-F3412381346B}" dt="2023-03-09T23:39:24.086" v="51" actId="1076"/>
-          <ac:spMkLst>
-            <pc:docMk/>
-            <pc:sldMk cId="535718694" sldId="483"/>
-            <ac:spMk id="23" creationId="{3946A62C-B07B-2377-C531-51F71C485E97}"/>
-          </ac:spMkLst>
-        </pc:spChg>
-        <pc:spChg chg="mod">
-          <ac:chgData name="Kirtesh Patel" userId="270b04a813ef8488" providerId="LiveId" clId="{E3BB3A28-1FFD-4058-98DC-F3412381346B}" dt="2023-03-09T23:39:24.086" v="51" actId="1076"/>
-          <ac:spMkLst>
-            <pc:docMk/>
-            <pc:sldMk cId="535718694" sldId="483"/>
-            <ac:spMk id="24" creationId="{865D2F0A-982F-8D03-1985-6F0F66B9D859}"/>
-          </ac:spMkLst>
-        </pc:spChg>
-        <pc:spChg chg="mod">
-          <ac:chgData name="Kirtesh Patel" userId="270b04a813ef8488" providerId="LiveId" clId="{E3BB3A28-1FFD-4058-98DC-F3412381346B}" dt="2023-03-09T23:39:24.086" v="51" actId="1076"/>
-          <ac:spMkLst>
-            <pc:docMk/>
-            <pc:sldMk cId="535718694" sldId="483"/>
-            <ac:spMk id="25" creationId="{2BF20FEA-72AC-8BA2-32CC-7E09465D32F6}"/>
-          </ac:spMkLst>
-        </pc:spChg>
-        <pc:spChg chg="mod">
-          <ac:chgData name="Kirtesh Patel" userId="270b04a813ef8488" providerId="LiveId" clId="{E3BB3A28-1FFD-4058-98DC-F3412381346B}" dt="2023-03-09T23:39:24.086" v="51" actId="1076"/>
-          <ac:spMkLst>
-            <pc:docMk/>
-            <pc:sldMk cId="535718694" sldId="483"/>
-            <ac:spMk id="27" creationId="{DA5651A5-3014-2B00-C797-B877CF6A6892}"/>
-          </ac:spMkLst>
-        </pc:spChg>
-        <pc:spChg chg="mod">
-          <ac:chgData name="Kirtesh Patel" userId="270b04a813ef8488" providerId="LiveId" clId="{E3BB3A28-1FFD-4058-98DC-F3412381346B}" dt="2023-03-09T23:39:24.086" v="51" actId="1076"/>
-          <ac:spMkLst>
-            <pc:docMk/>
-            <pc:sldMk cId="535718694" sldId="483"/>
-            <ac:spMk id="28" creationId="{FE020F35-D5AF-AD90-CC90-D6B40EE1FCA0}"/>
-          </ac:spMkLst>
-        </pc:spChg>
-        <pc:spChg chg="mod">
-          <ac:chgData name="Kirtesh Patel" userId="270b04a813ef8488" providerId="LiveId" clId="{E3BB3A28-1FFD-4058-98DC-F3412381346B}" dt="2023-03-09T23:39:24.086" v="51" actId="1076"/>
-          <ac:spMkLst>
-            <pc:docMk/>
-            <pc:sldMk cId="535718694" sldId="483"/>
-            <ac:spMk id="29" creationId="{C630491D-5C37-14B7-A74A-2EACD18F70DF}"/>
-          </ac:spMkLst>
-        </pc:spChg>
-        <pc:spChg chg="mod">
-          <ac:chgData name="Kirtesh Patel" userId="270b04a813ef8488" providerId="LiveId" clId="{E3BB3A28-1FFD-4058-98DC-F3412381346B}" dt="2023-03-09T23:39:24.086" v="51" actId="1076"/>
-          <ac:spMkLst>
-            <pc:docMk/>
-            <pc:sldMk cId="535718694" sldId="483"/>
-            <ac:spMk id="33" creationId="{4DD7B0ED-514E-1CB8-FEB2-FC9E0159DB23}"/>
-          </ac:spMkLst>
-        </pc:spChg>
-        <pc:extLst>
-          <p:ext xmlns:p="http://schemas.openxmlformats.org/presentationml/2006/main" uri="{D6D511B9-2390-475A-947B-AFAB55BFBCF1}">
-            <pc226:cmChg xmlns:pc226="http://schemas.microsoft.com/office/powerpoint/2022/06/main/command" chg="add">
-              <pc226:chgData name="Kirtesh Patel" userId="270b04a813ef8488" providerId="LiveId" clId="{E3BB3A28-1FFD-4058-98DC-F3412381346B}" dt="2023-03-09T23:39:36.026" v="52"/>
-              <pc2:cmMkLst xmlns:pc2="http://schemas.microsoft.com/office/powerpoint/2019/9/main/command">
-                <pc:docMk/>
-                <pc:sldMk cId="535718694" sldId="483"/>
-                <pc2:cmMk id="{B01B42FB-C8EC-4A96-B63F-DB81B6E55795}"/>
-              </pc2:cmMkLst>
-            </pc226:cmChg>
-          </p:ext>
-        </pc:extLst>
-      </pc:sldChg>
-      <pc:sldChg chg="addCm">
-        <pc:chgData name="Kirtesh Patel" userId="270b04a813ef8488" providerId="LiveId" clId="{E3BB3A28-1FFD-4058-98DC-F3412381346B}" dt="2023-03-09T23:40:14.524" v="53"/>
-        <pc:sldMkLst>
-          <pc:docMk/>
-          <pc:sldMk cId="4010121970" sldId="484"/>
-        </pc:sldMkLst>
-        <pc:extLst>
-          <p:ext xmlns:p="http://schemas.openxmlformats.org/presentationml/2006/main" uri="{D6D511B9-2390-475A-947B-AFAB55BFBCF1}">
-            <pc226:cmChg xmlns:pc226="http://schemas.microsoft.com/office/powerpoint/2022/06/main/command" chg="add">
-              <pc226:chgData name="Kirtesh Patel" userId="270b04a813ef8488" providerId="LiveId" clId="{E3BB3A28-1FFD-4058-98DC-F3412381346B}" dt="2023-03-09T23:40:14.524" v="53"/>
-              <pc2:cmMkLst xmlns:pc2="http://schemas.microsoft.com/office/powerpoint/2019/9/main/command">
-                <pc:docMk/>
-                <pc:sldMk cId="4010121970" sldId="484"/>
-                <pc2:cmMk id="{D59B5779-C724-4D85-814C-23FA65851851}"/>
-              </pc2:cmMkLst>
-            </pc226:cmChg>
-          </p:ext>
-        </pc:extLst>
-      </pc:sldChg>
-      <pc:sldChg chg="addCm">
-        <pc:chgData name="Kirtesh Patel" userId="270b04a813ef8488" providerId="LiveId" clId="{E3BB3A28-1FFD-4058-98DC-F3412381346B}" dt="2023-03-09T23:40:29.079" v="54"/>
-        <pc:sldMkLst>
-          <pc:docMk/>
-          <pc:sldMk cId="785731250" sldId="485"/>
-        </pc:sldMkLst>
-        <pc:extLst>
-          <p:ext xmlns:p="http://schemas.openxmlformats.org/presentationml/2006/main" uri="{D6D511B9-2390-475A-947B-AFAB55BFBCF1}">
-            <pc226:cmChg xmlns:pc226="http://schemas.microsoft.com/office/powerpoint/2022/06/main/command" chg="add">
-              <pc226:chgData name="Kirtesh Patel" userId="270b04a813ef8488" providerId="LiveId" clId="{E3BB3A28-1FFD-4058-98DC-F3412381346B}" dt="2023-03-09T23:40:29.079" v="54"/>
-              <pc2:cmMkLst xmlns:pc2="http://schemas.microsoft.com/office/powerpoint/2019/9/main/command">
-                <pc:docMk/>
-                <pc:sldMk cId="785731250" sldId="485"/>
-                <pc2:cmMk id="{7390AD98-DBC7-48A0-A6B8-54CECC4011B4}"/>
-              </pc2:cmMkLst>
-            </pc226:cmChg>
-          </p:ext>
-        </pc:extLst>
-      </pc:sldChg>
-      <pc:sldChg chg="modSp add mod">
-        <pc:chgData name="Kirtesh Patel" userId="270b04a813ef8488" providerId="LiveId" clId="{E3BB3A28-1FFD-4058-98DC-F3412381346B}" dt="2023-03-10T00:30:07.320" v="827"/>
-        <pc:sldMkLst>
-          <pc:docMk/>
-          <pc:sldMk cId="2035497267" sldId="486"/>
-        </pc:sldMkLst>
-        <pc:grpChg chg="mod">
-          <ac:chgData name="Kirtesh Patel" userId="270b04a813ef8488" providerId="LiveId" clId="{E3BB3A28-1FFD-4058-98DC-F3412381346B}" dt="2023-03-09T23:30:26.833" v="31" actId="1076"/>
-          <ac:grpSpMkLst>
-            <pc:docMk/>
-            <pc:sldMk cId="2035497267" sldId="486"/>
-            <ac:grpSpMk id="17" creationId="{8473DB43-A663-2F74-2000-886649EBA051}"/>
-          </ac:grpSpMkLst>
-        </pc:grpChg>
-        <pc:graphicFrameChg chg="mod modGraphic">
-          <ac:chgData name="Kirtesh Patel" userId="270b04a813ef8488" providerId="LiveId" clId="{E3BB3A28-1FFD-4058-98DC-F3412381346B}" dt="2023-03-10T00:29:56.813" v="824" actId="20577"/>
-          <ac:graphicFrameMkLst>
-            <pc:docMk/>
-            <pc:sldMk cId="2035497267" sldId="486"/>
-            <ac:graphicFrameMk id="3" creationId="{0A138C67-8CCB-9F17-454E-FE8A33680B29}"/>
-          </ac:graphicFrameMkLst>
-        </pc:graphicFrameChg>
-        <pc:graphicFrameChg chg="mod">
-          <ac:chgData name="Kirtesh Patel" userId="270b04a813ef8488" providerId="LiveId" clId="{E3BB3A28-1FFD-4058-98DC-F3412381346B}" dt="2023-03-10T00:30:07.320" v="827"/>
-          <ac:graphicFrameMkLst>
-            <pc:docMk/>
-            <pc:sldMk cId="2035497267" sldId="486"/>
-            <ac:graphicFrameMk id="5" creationId="{72A97D83-5CD5-3542-7829-3C323AFADDC2}"/>
-          </ac:graphicFrameMkLst>
-        </pc:graphicFrameChg>
-      </pc:sldChg>
-      <pc:sldChg chg="modSp add">
-        <pc:chgData name="Kirtesh Patel" userId="270b04a813ef8488" providerId="LiveId" clId="{E3BB3A28-1FFD-4058-98DC-F3412381346B}" dt="2023-03-10T00:30:20.518" v="831"/>
-        <pc:sldMkLst>
-          <pc:docMk/>
-          <pc:sldMk cId="1911624814" sldId="487"/>
-        </pc:sldMkLst>
-        <pc:graphicFrameChg chg="mod">
-          <ac:chgData name="Kirtesh Patel" userId="270b04a813ef8488" providerId="LiveId" clId="{E3BB3A28-1FFD-4058-98DC-F3412381346B}" dt="2023-03-10T00:30:18.956" v="830"/>
-          <ac:graphicFrameMkLst>
-            <pc:docMk/>
-            <pc:sldMk cId="1911624814" sldId="487"/>
-            <ac:graphicFrameMk id="3" creationId="{0A138C67-8CCB-9F17-454E-FE8A33680B29}"/>
-          </ac:graphicFrameMkLst>
-        </pc:graphicFrameChg>
-        <pc:graphicFrameChg chg="mod">
-          <ac:chgData name="Kirtesh Patel" userId="270b04a813ef8488" providerId="LiveId" clId="{E3BB3A28-1FFD-4058-98DC-F3412381346B}" dt="2023-03-10T00:30:20.518" v="831"/>
-          <ac:graphicFrameMkLst>
-            <pc:docMk/>
-            <pc:sldMk cId="1911624814" sldId="487"/>
-            <ac:graphicFrameMk id="5" creationId="{72A97D83-5CD5-3542-7829-3C323AFADDC2}"/>
-          </ac:graphicFrameMkLst>
-        </pc:graphicFrameChg>
-      </pc:sldChg>
-      <pc:sldChg chg="modSp add mod addCm">
-        <pc:chgData name="Kirtesh Patel" userId="270b04a813ef8488" providerId="LiveId" clId="{E3BB3A28-1FFD-4058-98DC-F3412381346B}" dt="2023-03-10T00:27:59.920" v="737" actId="20577"/>
-        <pc:sldMkLst>
-          <pc:docMk/>
-          <pc:sldMk cId="900809212" sldId="488"/>
-        </pc:sldMkLst>
-        <pc:spChg chg="mod">
-          <ac:chgData name="Kirtesh Patel" userId="270b04a813ef8488" providerId="LiveId" clId="{E3BB3A28-1FFD-4058-98DC-F3412381346B}" dt="2023-03-09T23:28:39.626" v="15" actId="20577"/>
-          <ac:spMkLst>
-            <pc:docMk/>
-            <pc:sldMk cId="900809212" sldId="488"/>
-            <ac:spMk id="2" creationId="{3D8A922F-69B2-6340-849A-ABDAA57A3031}"/>
-          </ac:spMkLst>
-        </pc:spChg>
-        <pc:spChg chg="mod">
-          <ac:chgData name="Kirtesh Patel" userId="270b04a813ef8488" providerId="LiveId" clId="{E3BB3A28-1FFD-4058-98DC-F3412381346B}" dt="2023-03-10T00:27:59.920" v="737" actId="20577"/>
-          <ac:spMkLst>
-            <pc:docMk/>
-            <pc:sldMk cId="900809212" sldId="488"/>
-            <ac:spMk id="9" creationId="{DC0BCF88-CDA8-6C76-822D-0AA722D5CBC7}"/>
-          </ac:spMkLst>
-        </pc:spChg>
-        <pc:extLst>
-          <p:ext xmlns:p="http://schemas.openxmlformats.org/presentationml/2006/main" uri="{D6D511B9-2390-475A-947B-AFAB55BFBCF1}">
-            <pc226:cmChg xmlns:pc226="http://schemas.microsoft.com/office/powerpoint/2022/06/main/command" chg="add">
-              <pc226:chgData name="Kirtesh Patel" userId="270b04a813ef8488" providerId="LiveId" clId="{E3BB3A28-1FFD-4058-98DC-F3412381346B}" dt="2023-03-09T23:40:37.955" v="55"/>
-              <pc2:cmMkLst xmlns:pc2="http://schemas.microsoft.com/office/powerpoint/2019/9/main/command">
-                <pc:docMk/>
-                <pc:sldMk cId="900809212" sldId="488"/>
-                <pc2:cmMk id="{CD3E67CE-E9CD-439B-B54F-D09A9224F24F}"/>
-              </pc2:cmMkLst>
-            </pc226:cmChg>
-          </p:ext>
-        </pc:extLst>
-      </pc:sldChg>
-      <pc:sldChg chg="modSp add mod addCm">
-        <pc:chgData name="Kirtesh Patel" userId="270b04a813ef8488" providerId="LiveId" clId="{E3BB3A28-1FFD-4058-98DC-F3412381346B}" dt="2023-03-10T00:28:47.291" v="747" actId="20577"/>
-        <pc:sldMkLst>
-          <pc:docMk/>
-          <pc:sldMk cId="4260037089" sldId="489"/>
-        </pc:sldMkLst>
-        <pc:spChg chg="mod">
-          <ac:chgData name="Kirtesh Patel" userId="270b04a813ef8488" providerId="LiveId" clId="{E3BB3A28-1FFD-4058-98DC-F3412381346B}" dt="2023-03-09T23:28:56.862" v="26" actId="20577"/>
-          <ac:spMkLst>
-            <pc:docMk/>
-            <pc:sldMk cId="4260037089" sldId="489"/>
-            <ac:spMk id="2" creationId="{3D8A922F-69B2-6340-849A-ABDAA57A3031}"/>
-          </ac:spMkLst>
-        </pc:spChg>
-        <pc:spChg chg="mod">
-          <ac:chgData name="Kirtesh Patel" userId="270b04a813ef8488" providerId="LiveId" clId="{E3BB3A28-1FFD-4058-98DC-F3412381346B}" dt="2023-03-10T00:28:47.291" v="747" actId="20577"/>
-          <ac:spMkLst>
-            <pc:docMk/>
-            <pc:sldMk cId="4260037089" sldId="489"/>
-            <ac:spMk id="9" creationId="{DC0BCF88-CDA8-6C76-822D-0AA722D5CBC7}"/>
-          </ac:spMkLst>
-        </pc:spChg>
-        <pc:extLst>
-          <p:ext xmlns:p="http://schemas.openxmlformats.org/presentationml/2006/main" uri="{D6D511B9-2390-475A-947B-AFAB55BFBCF1}">
-            <pc226:cmChg xmlns:pc226="http://schemas.microsoft.com/office/powerpoint/2022/06/main/command" chg="add">
-              <pc226:chgData name="Kirtesh Patel" userId="270b04a813ef8488" providerId="LiveId" clId="{E3BB3A28-1FFD-4058-98DC-F3412381346B}" dt="2023-03-09T23:40:43.367" v="56"/>
-              <pc2:cmMkLst xmlns:pc2="http://schemas.microsoft.com/office/powerpoint/2019/9/main/command">
-                <pc:docMk/>
-                <pc:sldMk cId="4260037089" sldId="489"/>
-                <pc2:cmMk id="{8017EA50-FA33-45B5-AAA9-E74CB3190240}"/>
-              </pc2:cmMkLst>
-            </pc226:cmChg>
-          </p:ext>
-        </pc:extLst>
-      </pc:sldChg>
-      <pc:sldChg chg="addSp delSp modSp add mod modShow">
-        <pc:chgData name="Kirtesh Patel" userId="270b04a813ef8488" providerId="LiveId" clId="{E3BB3A28-1FFD-4058-98DC-F3412381346B}" dt="2023-03-10T00:18:58.689" v="639" actId="729"/>
-        <pc:sldMkLst>
-          <pc:docMk/>
-          <pc:sldMk cId="863614616" sldId="490"/>
-        </pc:sldMkLst>
-        <pc:spChg chg="add del mod">
-          <ac:chgData name="Kirtesh Patel" userId="270b04a813ef8488" providerId="LiveId" clId="{E3BB3A28-1FFD-4058-98DC-F3412381346B}" dt="2023-03-10T00:06:27.984" v="224"/>
-          <ac:spMkLst>
-            <pc:docMk/>
-            <pc:sldMk cId="863614616" sldId="490"/>
-            <ac:spMk id="3" creationId="{3E194C35-C35F-1A8E-188C-583EB67CB798}"/>
-          </ac:spMkLst>
-        </pc:spChg>
-        <pc:spChg chg="del">
-          <ac:chgData name="Kirtesh Patel" userId="270b04a813ef8488" providerId="LiveId" clId="{E3BB3A28-1FFD-4058-98DC-F3412381346B}" dt="2023-03-09T23:45:17.646" v="65" actId="478"/>
-          <ac:spMkLst>
-            <pc:docMk/>
-            <pc:sldMk cId="863614616" sldId="490"/>
-            <ac:spMk id="3" creationId="{BB753201-676B-DCCC-E430-0C94E69DE8F7}"/>
-          </ac:spMkLst>
-        </pc:spChg>
-        <pc:spChg chg="add del mod">
-          <ac:chgData name="Kirtesh Patel" userId="270b04a813ef8488" providerId="LiveId" clId="{E3BB3A28-1FFD-4058-98DC-F3412381346B}" dt="2023-03-10T00:06:27.984" v="224"/>
-          <ac:spMkLst>
-            <pc:docMk/>
-            <pc:sldMk cId="863614616" sldId="490"/>
-            <ac:spMk id="5" creationId="{6C945D07-898B-21B3-2958-727B84A2EE50}"/>
-          </ac:spMkLst>
-        </pc:spChg>
-        <pc:spChg chg="add del mod">
-          <ac:chgData name="Kirtesh Patel" userId="270b04a813ef8488" providerId="LiveId" clId="{E3BB3A28-1FFD-4058-98DC-F3412381346B}" dt="2023-03-09T23:45:18.913" v="66" actId="478"/>
-          <ac:spMkLst>
-            <pc:docMk/>
-            <pc:sldMk cId="863614616" sldId="490"/>
-            <ac:spMk id="5" creationId="{6F570685-EE95-B12D-E478-8C499E3764A2}"/>
-          </ac:spMkLst>
-        </pc:spChg>
-        <pc:spChg chg="add del mod">
-          <ac:chgData name="Kirtesh Patel" userId="270b04a813ef8488" providerId="LiveId" clId="{E3BB3A28-1FFD-4058-98DC-F3412381346B}" dt="2023-03-10T00:06:28.869" v="225" actId="478"/>
-          <ac:spMkLst>
-            <pc:docMk/>
-            <pc:sldMk cId="863614616" sldId="490"/>
-            <ac:spMk id="6" creationId="{5660A8B0-01EC-1D51-B904-F71FDF82BC2D}"/>
-          </ac:spMkLst>
-        </pc:spChg>
-        <pc:spChg chg="add del mod">
-          <ac:chgData name="Kirtesh Patel" userId="270b04a813ef8488" providerId="LiveId" clId="{E3BB3A28-1FFD-4058-98DC-F3412381346B}" dt="2023-03-10T00:06:27.984" v="224"/>
-          <ac:spMkLst>
-            <pc:docMk/>
-            <pc:sldMk cId="863614616" sldId="490"/>
-            <ac:spMk id="7" creationId="{C65FC1D9-AC0A-32B9-A29D-29D1F4F923BA}"/>
-          </ac:spMkLst>
-        </pc:spChg>
-        <pc:spChg chg="add del mod">
-          <ac:chgData name="Kirtesh Patel" userId="270b04a813ef8488" providerId="LiveId" clId="{E3BB3A28-1FFD-4058-98DC-F3412381346B}" dt="2023-03-10T00:06:27.984" v="224"/>
-          <ac:spMkLst>
-            <pc:docMk/>
-            <pc:sldMk cId="863614616" sldId="490"/>
-            <ac:spMk id="8" creationId="{0881611A-C95C-0CF6-72D6-9274C5F9535A}"/>
-          </ac:spMkLst>
-        </pc:spChg>
-        <pc:spChg chg="add del mod">
-          <ac:chgData name="Kirtesh Patel" userId="270b04a813ef8488" providerId="LiveId" clId="{E3BB3A28-1FFD-4058-98DC-F3412381346B}" dt="2023-03-10T00:06:27.984" v="224"/>
-          <ac:spMkLst>
-            <pc:docMk/>
-            <pc:sldMk cId="863614616" sldId="490"/>
-            <ac:spMk id="9" creationId="{CED412D5-1E12-AB6E-3543-8D1804ECC065}"/>
-          </ac:spMkLst>
-        </pc:spChg>
-        <pc:spChg chg="add del mod">
-          <ac:chgData name="Kirtesh Patel" userId="270b04a813ef8488" providerId="LiveId" clId="{E3BB3A28-1FFD-4058-98DC-F3412381346B}" dt="2023-03-10T00:06:27.984" v="224"/>
-          <ac:spMkLst>
-            <pc:docMk/>
-            <pc:sldMk cId="863614616" sldId="490"/>
-            <ac:spMk id="10" creationId="{25DDEF72-1B36-2D03-383E-1280995041C9}"/>
-          </ac:spMkLst>
-        </pc:spChg>
-        <pc:spChg chg="add del mod">
-          <ac:chgData name="Kirtesh Patel" userId="270b04a813ef8488" providerId="LiveId" clId="{E3BB3A28-1FFD-4058-98DC-F3412381346B}" dt="2023-03-10T00:06:27.984" v="224"/>
-          <ac:spMkLst>
-            <pc:docMk/>
-            <pc:sldMk cId="863614616" sldId="490"/>
-            <ac:spMk id="11" creationId="{254B738C-0284-F610-0932-59A683589847}"/>
-          </ac:spMkLst>
-        </pc:spChg>
-        <pc:spChg chg="add del mod">
-          <ac:chgData name="Kirtesh Patel" userId="270b04a813ef8488" providerId="LiveId" clId="{E3BB3A28-1FFD-4058-98DC-F3412381346B}" dt="2023-03-10T00:06:27.537" v="223" actId="1076"/>
-          <ac:spMkLst>
-            <pc:docMk/>
-            <pc:sldMk cId="863614616" sldId="490"/>
-            <ac:spMk id="18" creationId="{298301B1-B19C-AA63-77BE-17E32DFCEB78}"/>
-          </ac:spMkLst>
-        </pc:spChg>
-        <pc:spChg chg="add del mod">
-          <ac:chgData name="Kirtesh Patel" userId="270b04a813ef8488" providerId="LiveId" clId="{E3BB3A28-1FFD-4058-98DC-F3412381346B}" dt="2023-03-10T00:06:27.984" v="224"/>
-          <ac:spMkLst>
-            <pc:docMk/>
-            <pc:sldMk cId="863614616" sldId="490"/>
-            <ac:spMk id="19" creationId="{3B5F37E6-0C8E-B620-6A34-5190820E3144}"/>
-          </ac:spMkLst>
-        </pc:spChg>
-        <pc:spChg chg="add del mod">
-          <ac:chgData name="Kirtesh Patel" userId="270b04a813ef8488" providerId="LiveId" clId="{E3BB3A28-1FFD-4058-98DC-F3412381346B}" dt="2023-03-10T00:06:27.984" v="224"/>
-          <ac:spMkLst>
-            <pc:docMk/>
-            <pc:sldMk cId="863614616" sldId="490"/>
-            <ac:spMk id="20" creationId="{A3EB4F85-CBD9-CF0D-FB75-F81F6174A05C}"/>
-          </ac:spMkLst>
-        </pc:spChg>
-        <pc:spChg chg="add del mod">
-          <ac:chgData name="Kirtesh Patel" userId="270b04a813ef8488" providerId="LiveId" clId="{E3BB3A28-1FFD-4058-98DC-F3412381346B}" dt="2023-03-10T00:06:27.984" v="224"/>
-          <ac:spMkLst>
-            <pc:docMk/>
-            <pc:sldMk cId="863614616" sldId="490"/>
-            <ac:spMk id="21" creationId="{31D223DA-CA60-6CE0-ECE7-25B50EAAD536}"/>
-          </ac:spMkLst>
-        </pc:spChg>
-        <pc:spChg chg="add del mod">
-          <ac:chgData name="Kirtesh Patel" userId="270b04a813ef8488" providerId="LiveId" clId="{E3BB3A28-1FFD-4058-98DC-F3412381346B}" dt="2023-03-10T00:06:27.984" v="224"/>
-          <ac:spMkLst>
-            <pc:docMk/>
-            <pc:sldMk cId="863614616" sldId="490"/>
-            <ac:spMk id="22" creationId="{3D51ABDA-8E88-E145-A6A9-A8160DC77697}"/>
-          </ac:spMkLst>
-        </pc:spChg>
-        <pc:spChg chg="add del mod">
-          <ac:chgData name="Kirtesh Patel" userId="270b04a813ef8488" providerId="LiveId" clId="{E3BB3A28-1FFD-4058-98DC-F3412381346B}" dt="2023-03-10T00:06:27.984" v="224"/>
-          <ac:spMkLst>
-            <pc:docMk/>
-            <pc:sldMk cId="863614616" sldId="490"/>
-            <ac:spMk id="23" creationId="{4C9019B7-1C37-1C21-C13A-540F0231FA71}"/>
-          </ac:spMkLst>
-        </pc:spChg>
-        <pc:spChg chg="add del mod">
-          <ac:chgData name="Kirtesh Patel" userId="270b04a813ef8488" providerId="LiveId" clId="{E3BB3A28-1FFD-4058-98DC-F3412381346B}" dt="2023-03-10T00:06:27.984" v="224"/>
-          <ac:spMkLst>
-            <pc:docMk/>
-            <pc:sldMk cId="863614616" sldId="490"/>
-            <ac:spMk id="24" creationId="{9C2A8643-9523-ED93-E9A9-40F4F6A1173E}"/>
-          </ac:spMkLst>
-        </pc:spChg>
-        <pc:spChg chg="add del mod">
-          <ac:chgData name="Kirtesh Patel" userId="270b04a813ef8488" providerId="LiveId" clId="{E3BB3A28-1FFD-4058-98DC-F3412381346B}" dt="2023-03-10T00:06:27.984" v="224"/>
-          <ac:spMkLst>
-            <pc:docMk/>
-            <pc:sldMk cId="863614616" sldId="490"/>
-            <ac:spMk id="25" creationId="{9DB0EBB9-05E2-109B-DEF5-2FADB262744A}"/>
-          </ac:spMkLst>
-        </pc:spChg>
-        <pc:spChg chg="add del mod">
-          <ac:chgData name="Kirtesh Patel" userId="270b04a813ef8488" providerId="LiveId" clId="{E3BB3A28-1FFD-4058-98DC-F3412381346B}" dt="2023-03-10T00:06:27.984" v="224"/>
-          <ac:spMkLst>
-            <pc:docMk/>
-            <pc:sldMk cId="863614616" sldId="490"/>
-            <ac:spMk id="26" creationId="{1C207CA8-84C0-25C3-3973-153F74E2B3EB}"/>
-          </ac:spMkLst>
-        </pc:spChg>
-        <pc:spChg chg="add del mod">
-          <ac:chgData name="Kirtesh Patel" userId="270b04a813ef8488" providerId="LiveId" clId="{E3BB3A28-1FFD-4058-98DC-F3412381346B}" dt="2023-03-10T00:06:27.984" v="224"/>
-          <ac:spMkLst>
-            <pc:docMk/>
-            <pc:sldMk cId="863614616" sldId="490"/>
-            <ac:spMk id="27" creationId="{D5786049-B3C8-0242-3088-1B16770AB7C1}"/>
-          </ac:spMkLst>
-        </pc:spChg>
-        <pc:spChg chg="add del mod">
-          <ac:chgData name="Kirtesh Patel" userId="270b04a813ef8488" providerId="LiveId" clId="{E3BB3A28-1FFD-4058-98DC-F3412381346B}" dt="2023-03-10T00:06:27.984" v="224"/>
-          <ac:spMkLst>
-            <pc:docMk/>
-            <pc:sldMk cId="863614616" sldId="490"/>
-            <ac:spMk id="28" creationId="{15E2F1DF-8DBC-AA80-CCC8-7BF009BE79AC}"/>
-          </ac:spMkLst>
-        </pc:spChg>
-        <pc:spChg chg="add del mod">
-          <ac:chgData name="Kirtesh Patel" userId="270b04a813ef8488" providerId="LiveId" clId="{E3BB3A28-1FFD-4058-98DC-F3412381346B}" dt="2023-03-10T00:06:27.984" v="224"/>
-          <ac:spMkLst>
-            <pc:docMk/>
-            <pc:sldMk cId="863614616" sldId="490"/>
-            <ac:spMk id="29" creationId="{429C2BA5-EA21-4737-1A2C-F79BBC29B481}"/>
-          </ac:spMkLst>
-        </pc:spChg>
-        <pc:spChg chg="add del mod">
-          <ac:chgData name="Kirtesh Patel" userId="270b04a813ef8488" providerId="LiveId" clId="{E3BB3A28-1FFD-4058-98DC-F3412381346B}" dt="2023-03-10T00:06:27.984" v="224"/>
-          <ac:spMkLst>
-            <pc:docMk/>
-            <pc:sldMk cId="863614616" sldId="490"/>
-            <ac:spMk id="30" creationId="{8561B90E-B4D6-C98E-854C-5489AB0C6DA8}"/>
-          </ac:spMkLst>
-        </pc:spChg>
-        <pc:spChg chg="add del mod">
-          <ac:chgData name="Kirtesh Patel" userId="270b04a813ef8488" providerId="LiveId" clId="{E3BB3A28-1FFD-4058-98DC-F3412381346B}" dt="2023-03-10T00:06:12.951" v="217" actId="478"/>
-          <ac:spMkLst>
-            <pc:docMk/>
-            <pc:sldMk cId="863614616" sldId="490"/>
-            <ac:spMk id="32" creationId="{E3DF0A31-2F80-AC49-BBC8-CC692208C635}"/>
-          </ac:spMkLst>
-        </pc:spChg>
-        <pc:spChg chg="add del mod">
-          <ac:chgData name="Kirtesh Patel" userId="270b04a813ef8488" providerId="LiveId" clId="{E3BB3A28-1FFD-4058-98DC-F3412381346B}" dt="2023-03-10T00:06:27.022" v="222" actId="478"/>
-          <ac:spMkLst>
-            <pc:docMk/>
-            <pc:sldMk cId="863614616" sldId="490"/>
-            <ac:spMk id="34" creationId="{9ED0EF8B-69FE-0ADA-6886-98F59567C162}"/>
-          </ac:spMkLst>
-        </pc:spChg>
-        <pc:picChg chg="add del mod">
-          <ac:chgData name="Kirtesh Patel" userId="270b04a813ef8488" providerId="LiveId" clId="{E3BB3A28-1FFD-4058-98DC-F3412381346B}" dt="2023-03-10T00:06:27.984" v="224"/>
-          <ac:picMkLst>
-            <pc:docMk/>
-            <pc:sldMk cId="863614616" sldId="490"/>
-            <ac:picMk id="12" creationId="{DDA2789C-1562-CC0F-6EF8-689FD532E7A2}"/>
-          </ac:picMkLst>
-        </pc:picChg>
-        <pc:picChg chg="add del mod">
-          <ac:chgData name="Kirtesh Patel" userId="270b04a813ef8488" providerId="LiveId" clId="{E3BB3A28-1FFD-4058-98DC-F3412381346B}" dt="2023-03-10T00:06:27.984" v="224"/>
-          <ac:picMkLst>
-            <pc:docMk/>
-            <pc:sldMk cId="863614616" sldId="490"/>
-            <ac:picMk id="13" creationId="{0D2A3488-61A3-39B0-1329-9A21F66FE2D6}"/>
-          </ac:picMkLst>
-        </pc:picChg>
-        <pc:picChg chg="add del mod">
-          <ac:chgData name="Kirtesh Patel" userId="270b04a813ef8488" providerId="LiveId" clId="{E3BB3A28-1FFD-4058-98DC-F3412381346B}" dt="2023-03-10T00:06:27.984" v="224"/>
-          <ac:picMkLst>
-            <pc:docMk/>
-            <pc:sldMk cId="863614616" sldId="490"/>
-            <ac:picMk id="14" creationId="{4EE4E81F-9FFD-8E53-3ECB-2A943480915E}"/>
-          </ac:picMkLst>
-        </pc:picChg>
-        <pc:picChg chg="add del mod">
-          <ac:chgData name="Kirtesh Patel" userId="270b04a813ef8488" providerId="LiveId" clId="{E3BB3A28-1FFD-4058-98DC-F3412381346B}" dt="2023-03-10T00:06:27.984" v="224"/>
-          <ac:picMkLst>
-            <pc:docMk/>
-            <pc:sldMk cId="863614616" sldId="490"/>
-            <ac:picMk id="15" creationId="{18D50BF3-64EC-07B3-09C0-18576DB81E9A}"/>
-          </ac:picMkLst>
-        </pc:picChg>
-        <pc:picChg chg="add del mod">
-          <ac:chgData name="Kirtesh Patel" userId="270b04a813ef8488" providerId="LiveId" clId="{E3BB3A28-1FFD-4058-98DC-F3412381346B}" dt="2023-03-10T00:06:27.984" v="224"/>
-          <ac:picMkLst>
-            <pc:docMk/>
-            <pc:sldMk cId="863614616" sldId="490"/>
-            <ac:picMk id="16" creationId="{4A593000-7528-7B63-4746-8B231C4EBFDE}"/>
-          </ac:picMkLst>
-        </pc:picChg>
-        <pc:picChg chg="add del mod">
-          <ac:chgData name="Kirtesh Patel" userId="270b04a813ef8488" providerId="LiveId" clId="{E3BB3A28-1FFD-4058-98DC-F3412381346B}" dt="2023-03-10T00:06:27.984" v="224"/>
-          <ac:picMkLst>
-            <pc:docMk/>
-            <pc:sldMk cId="863614616" sldId="490"/>
-            <ac:picMk id="17" creationId="{7BE688AF-2947-25F6-FD93-AB67A1543277}"/>
-          </ac:picMkLst>
-        </pc:picChg>
-        <pc:cxnChg chg="add del mod">
-          <ac:chgData name="Kirtesh Patel" userId="270b04a813ef8488" providerId="LiveId" clId="{E3BB3A28-1FFD-4058-98DC-F3412381346B}" dt="2023-03-10T00:06:27.984" v="224"/>
-          <ac:cxnSpMkLst>
-            <pc:docMk/>
-            <pc:sldMk cId="863614616" sldId="490"/>
-            <ac:cxnSpMk id="4" creationId="{49B2F34A-1462-AEA3-06E5-E1D49F92AB64}"/>
-          </ac:cxnSpMkLst>
-        </pc:cxnChg>
-      </pc:sldChg>
-      <pc:sldChg chg="delSp add mod ord modShow">
-        <pc:chgData name="Kirtesh Patel" userId="270b04a813ef8488" providerId="LiveId" clId="{E3BB3A28-1FFD-4058-98DC-F3412381346B}" dt="2023-03-10T00:19:30.149" v="648" actId="478"/>
-        <pc:sldMkLst>
-          <pc:docMk/>
-          <pc:sldMk cId="1165372701" sldId="491"/>
-        </pc:sldMkLst>
-        <pc:spChg chg="del">
-          <ac:chgData name="Kirtesh Patel" userId="270b04a813ef8488" providerId="LiveId" clId="{E3BB3A28-1FFD-4058-98DC-F3412381346B}" dt="2023-03-09T23:50:54.277" v="213" actId="478"/>
-          <ac:spMkLst>
-            <pc:docMk/>
-            <pc:sldMk cId="1165372701" sldId="491"/>
-            <ac:spMk id="47" creationId="{821E2B0C-2142-FD40-8A13-F482428C00F1}"/>
-          </ac:spMkLst>
-        </pc:spChg>
-        <pc:spChg chg="del">
-          <ac:chgData name="Kirtesh Patel" userId="270b04a813ef8488" providerId="LiveId" clId="{E3BB3A28-1FFD-4058-98DC-F3412381346B}" dt="2023-03-10T00:19:30.149" v="648" actId="478"/>
-          <ac:spMkLst>
-            <pc:docMk/>
-            <pc:sldMk cId="1165372701" sldId="491"/>
-            <ac:spMk id="53" creationId="{A684CAA9-769A-1549-8D39-87A9FFC9A038}"/>
-          </ac:spMkLst>
-        </pc:spChg>
-      </pc:sldChg>
-      <pc:sldChg chg="addSp delSp modSp add mod ord">
-        <pc:chgData name="Kirtesh Patel" userId="270b04a813ef8488" providerId="LiveId" clId="{E3BB3A28-1FFD-4058-98DC-F3412381346B}" dt="2023-03-10T00:19:06.516" v="644" actId="478"/>
-        <pc:sldMkLst>
-          <pc:docMk/>
-          <pc:sldMk cId="579190318" sldId="492"/>
-        </pc:sldMkLst>
-        <pc:spChg chg="add mod">
-          <ac:chgData name="Kirtesh Patel" userId="270b04a813ef8488" providerId="LiveId" clId="{E3BB3A28-1FFD-4058-98DC-F3412381346B}" dt="2023-03-10T00:10:55.342" v="316" actId="207"/>
-          <ac:spMkLst>
-            <pc:docMk/>
-            <pc:sldMk cId="579190318" sldId="492"/>
-            <ac:spMk id="3" creationId="{702E572B-1407-0897-9155-B08E478911E9}"/>
-          </ac:spMkLst>
-        </pc:spChg>
-        <pc:spChg chg="add del mod">
-          <ac:chgData name="Kirtesh Patel" userId="270b04a813ef8488" providerId="LiveId" clId="{E3BB3A28-1FFD-4058-98DC-F3412381346B}" dt="2023-03-10T00:06:44.472" v="229" actId="478"/>
-          <ac:spMkLst>
-            <pc:docMk/>
-            <pc:sldMk cId="579190318" sldId="492"/>
-            <ac:spMk id="5" creationId="{9477CDBA-DF39-6895-EBF7-30B60A03FD43}"/>
-          </ac:spMkLst>
-        </pc:spChg>
-        <pc:spChg chg="del">
-          <ac:chgData name="Kirtesh Patel" userId="270b04a813ef8488" providerId="LiveId" clId="{E3BB3A28-1FFD-4058-98DC-F3412381346B}" dt="2023-03-10T00:06:38.944" v="227" actId="478"/>
-          <ac:spMkLst>
-            <pc:docMk/>
-            <pc:sldMk cId="579190318" sldId="492"/>
-            <ac:spMk id="6" creationId="{5660A8B0-01EC-1D51-B904-F71FDF82BC2D}"/>
-          </ac:spMkLst>
-        </pc:spChg>
-        <pc:spChg chg="add mod">
-          <ac:chgData name="Kirtesh Patel" userId="270b04a813ef8488" providerId="LiveId" clId="{E3BB3A28-1FFD-4058-98DC-F3412381346B}" dt="2023-03-10T00:06:40.867" v="228"/>
-          <ac:spMkLst>
-            <pc:docMk/>
-            <pc:sldMk cId="579190318" sldId="492"/>
-            <ac:spMk id="7" creationId="{456EFB20-2351-3E65-D6A3-A23C1B0F478D}"/>
-          </ac:spMkLst>
-        </pc:spChg>
-        <pc:spChg chg="add mod">
-          <ac:chgData name="Kirtesh Patel" userId="270b04a813ef8488" providerId="LiveId" clId="{E3BB3A28-1FFD-4058-98DC-F3412381346B}" dt="2023-03-10T00:18:02.793" v="634" actId="1036"/>
-          <ac:spMkLst>
-            <pc:docMk/>
-            <pc:sldMk cId="579190318" sldId="492"/>
-            <ac:spMk id="8" creationId="{DD6AEC42-163A-4D19-A689-0750169972F2}"/>
-          </ac:spMkLst>
-        </pc:spChg>
-        <pc:spChg chg="add del mod ord">
-          <ac:chgData name="Kirtesh Patel" userId="270b04a813ef8488" providerId="LiveId" clId="{E3BB3A28-1FFD-4058-98DC-F3412381346B}" dt="2023-03-10T00:17:20.510" v="555" actId="478"/>
-          <ac:spMkLst>
-            <pc:docMk/>
-            <pc:sldMk cId="579190318" sldId="492"/>
-            <ac:spMk id="9" creationId="{D9243B29-4502-354D-5F2D-1A278DB724EF}"/>
-          </ac:spMkLst>
-        </pc:spChg>
-        <pc:spChg chg="add mod">
-          <ac:chgData name="Kirtesh Patel" userId="270b04a813ef8488" providerId="LiveId" clId="{E3BB3A28-1FFD-4058-98DC-F3412381346B}" dt="2023-03-10T00:06:40.867" v="228"/>
-          <ac:spMkLst>
-            <pc:docMk/>
-            <pc:sldMk cId="579190318" sldId="492"/>
-            <ac:spMk id="10" creationId="{3DD9D3A3-2A72-38FD-DA86-E4B9794CEC36}"/>
-          </ac:spMkLst>
-        </pc:spChg>
-        <pc:spChg chg="add mod">
-          <ac:chgData name="Kirtesh Patel" userId="270b04a813ef8488" providerId="LiveId" clId="{E3BB3A28-1FFD-4058-98DC-F3412381346B}" dt="2023-03-10T00:15:45.621" v="489" actId="1076"/>
-          <ac:spMkLst>
-            <pc:docMk/>
-            <pc:sldMk cId="579190318" sldId="492"/>
-            <ac:spMk id="11" creationId="{42DF82E5-FF04-98EA-EFB7-B1A6C8C7959C}"/>
-          </ac:spMkLst>
-        </pc:spChg>
-        <pc:spChg chg="add mod">
-          <ac:chgData name="Kirtesh Patel" userId="270b04a813ef8488" providerId="LiveId" clId="{E3BB3A28-1FFD-4058-98DC-F3412381346B}" dt="2023-03-10T00:07:43.691" v="239" actId="34135"/>
-          <ac:spMkLst>
-            <pc:docMk/>
-            <pc:sldMk cId="579190318" sldId="492"/>
-            <ac:spMk id="19" creationId="{0ABFCE79-DE5F-1984-8A5E-9D73F0A6D9AF}"/>
-          </ac:spMkLst>
-        </pc:spChg>
-        <pc:spChg chg="add mod">
-          <ac:chgData name="Kirtesh Patel" userId="270b04a813ef8488" providerId="LiveId" clId="{E3BB3A28-1FFD-4058-98DC-F3412381346B}" dt="2023-03-10T00:09:16.054" v="265" actId="34135"/>
-          <ac:spMkLst>
-            <pc:docMk/>
-            <pc:sldMk cId="579190318" sldId="492"/>
-            <ac:spMk id="20" creationId="{BB7C453F-EBD5-154C-D45F-A3C4631711E9}"/>
-          </ac:spMkLst>
-        </pc:spChg>
-        <pc:spChg chg="add del mod">
-          <ac:chgData name="Kirtesh Patel" userId="270b04a813ef8488" providerId="LiveId" clId="{E3BB3A28-1FFD-4058-98DC-F3412381346B}" dt="2023-03-10T00:09:59.472" v="306" actId="478"/>
-          <ac:spMkLst>
-            <pc:docMk/>
-            <pc:sldMk cId="579190318" sldId="492"/>
-            <ac:spMk id="21" creationId="{B5699090-2688-131D-4DAC-051D953AF80D}"/>
-          </ac:spMkLst>
-        </pc:spChg>
-        <pc:spChg chg="add mod">
-          <ac:chgData name="Kirtesh Patel" userId="270b04a813ef8488" providerId="LiveId" clId="{E3BB3A28-1FFD-4058-98DC-F3412381346B}" dt="2023-03-10T00:18:18.168" v="636" actId="1076"/>
-          <ac:spMkLst>
-            <pc:docMk/>
-            <pc:sldMk cId="579190318" sldId="492"/>
-            <ac:spMk id="22" creationId="{9520AAB0-323E-FD3D-0572-6FA305CBED87}"/>
-          </ac:spMkLst>
-        </pc:spChg>
-        <pc:spChg chg="add del mod">
-          <ac:chgData name="Kirtesh Patel" userId="270b04a813ef8488" providerId="LiveId" clId="{E3BB3A28-1FFD-4058-98DC-F3412381346B}" dt="2023-03-10T00:09:53.451" v="300" actId="478"/>
-          <ac:spMkLst>
-            <pc:docMk/>
-            <pc:sldMk cId="579190318" sldId="492"/>
-            <ac:spMk id="23" creationId="{780C09BE-FF56-F9ED-BB24-4298C309CE71}"/>
-          </ac:spMkLst>
-        </pc:spChg>
-        <pc:spChg chg="add del mod">
-          <ac:chgData name="Kirtesh Patel" userId="270b04a813ef8488" providerId="LiveId" clId="{E3BB3A28-1FFD-4058-98DC-F3412381346B}" dt="2023-03-10T00:09:55.192" v="301" actId="478"/>
-          <ac:spMkLst>
-            <pc:docMk/>
-            <pc:sldMk cId="579190318" sldId="492"/>
-            <ac:spMk id="24" creationId="{97B1C4CF-D801-B66E-6C97-FFDD3093F784}"/>
-          </ac:spMkLst>
-        </pc:spChg>
-        <pc:spChg chg="add mod">
-          <ac:chgData name="Kirtesh Patel" userId="270b04a813ef8488" providerId="LiveId" clId="{E3BB3A28-1FFD-4058-98DC-F3412381346B}" dt="2023-03-10T00:18:02.793" v="634" actId="1036"/>
-          <ac:spMkLst>
-            <pc:docMk/>
-            <pc:sldMk cId="579190318" sldId="492"/>
-            <ac:spMk id="25" creationId="{21D64243-CA27-A5BF-7857-946AFC6192CF}"/>
-          </ac:spMkLst>
-        </pc:spChg>
-        <pc:spChg chg="add del mod">
-          <ac:chgData name="Kirtesh Patel" userId="270b04a813ef8488" providerId="LiveId" clId="{E3BB3A28-1FFD-4058-98DC-F3412381346B}" dt="2023-03-10T00:09:58.155" v="304" actId="478"/>
-          <ac:spMkLst>
-            <pc:docMk/>
-            <pc:sldMk cId="579190318" sldId="492"/>
-            <ac:spMk id="26" creationId="{4DD0E463-811F-6414-6FEA-405F68E524DE}"/>
-          </ac:spMkLst>
-        </pc:spChg>
-        <pc:spChg chg="add del mod">
-          <ac:chgData name="Kirtesh Patel" userId="270b04a813ef8488" providerId="LiveId" clId="{E3BB3A28-1FFD-4058-98DC-F3412381346B}" dt="2023-03-10T00:10:01.060" v="307" actId="478"/>
-          <ac:spMkLst>
-            <pc:docMk/>
-            <pc:sldMk cId="579190318" sldId="492"/>
-            <ac:spMk id="27" creationId="{8B0798AF-3225-DA82-9E7C-E32DC3CAEE70}"/>
-          </ac:spMkLst>
-        </pc:spChg>
-        <pc:spChg chg="add mod">
-          <ac:chgData name="Kirtesh Patel" userId="270b04a813ef8488" providerId="LiveId" clId="{E3BB3A28-1FFD-4058-98DC-F3412381346B}" dt="2023-03-10T00:07:43.691" v="239" actId="34135"/>
-          <ac:spMkLst>
-            <pc:docMk/>
-            <pc:sldMk cId="579190318" sldId="492"/>
-            <ac:spMk id="28" creationId="{CF5C1047-765C-7C6A-A547-E3791062592F}"/>
-          </ac:spMkLst>
-        </pc:spChg>
-        <pc:spChg chg="add mod">
-          <ac:chgData name="Kirtesh Patel" userId="270b04a813ef8488" providerId="LiveId" clId="{E3BB3A28-1FFD-4058-98DC-F3412381346B}" dt="2023-03-10T00:09:16.054" v="265" actId="34135"/>
-          <ac:spMkLst>
-            <pc:docMk/>
-            <pc:sldMk cId="579190318" sldId="492"/>
-            <ac:spMk id="29" creationId="{68EC5478-213E-19CD-9407-AF982F10BBDF}"/>
-          </ac:spMkLst>
-        </pc:spChg>
-        <pc:spChg chg="add del mod">
-          <ac:chgData name="Kirtesh Patel" userId="270b04a813ef8488" providerId="LiveId" clId="{E3BB3A28-1FFD-4058-98DC-F3412381346B}" dt="2023-03-10T00:19:06.516" v="644" actId="478"/>
-          <ac:spMkLst>
-            <pc:docMk/>
-            <pc:sldMk cId="579190318" sldId="492"/>
-            <ac:spMk id="30" creationId="{C5C379C1-F448-8605-3FDE-56F3276DBCDB}"/>
-          </ac:spMkLst>
-        </pc:spChg>
-        <pc:spChg chg="add mod">
-          <ac:chgData name="Kirtesh Patel" userId="270b04a813ef8488" providerId="LiveId" clId="{E3BB3A28-1FFD-4058-98DC-F3412381346B}" dt="2023-03-10T00:11:59.413" v="371" actId="207"/>
-          <ac:spMkLst>
-            <pc:docMk/>
-            <pc:sldMk cId="579190318" sldId="492"/>
-            <ac:spMk id="31" creationId="{F72B81B8-E957-9BD5-583A-B39EADC27222}"/>
-          </ac:spMkLst>
-        </pc:spChg>
-        <pc:spChg chg="add mod">
-          <ac:chgData name="Kirtesh Patel" userId="270b04a813ef8488" providerId="LiveId" clId="{E3BB3A28-1FFD-4058-98DC-F3412381346B}" dt="2023-03-10T00:12:15.320" v="373" actId="1076"/>
-          <ac:spMkLst>
-            <pc:docMk/>
-            <pc:sldMk cId="579190318" sldId="492"/>
-            <ac:spMk id="32" creationId="{6CAAD860-DA3C-C06A-2866-6FAF8CA7BEE0}"/>
-          </ac:spMkLst>
-        </pc:spChg>
-        <pc:spChg chg="add del mod">
-          <ac:chgData name="Kirtesh Patel" userId="270b04a813ef8488" providerId="LiveId" clId="{E3BB3A28-1FFD-4058-98DC-F3412381346B}" dt="2023-03-10T00:17:22.413" v="556" actId="478"/>
-          <ac:spMkLst>
-            <pc:docMk/>
-            <pc:sldMk cId="579190318" sldId="492"/>
-            <ac:spMk id="33" creationId="{0207E5BA-0CF7-816A-45F3-0075CFF57718}"/>
-          </ac:spMkLst>
-        </pc:spChg>
-        <pc:spChg chg="add del mod">
-          <ac:chgData name="Kirtesh Patel" userId="270b04a813ef8488" providerId="LiveId" clId="{E3BB3A28-1FFD-4058-98DC-F3412381346B}" dt="2023-03-10T00:16:49.342" v="548" actId="34135"/>
-          <ac:spMkLst>
-            <pc:docMk/>
-            <pc:sldMk cId="579190318" sldId="492"/>
-            <ac:spMk id="34" creationId="{2306A3F0-DA9A-4625-35C9-6A514BAD662F}"/>
-          </ac:spMkLst>
-        </pc:spChg>
-        <pc:spChg chg="add del mod">
-          <ac:chgData name="Kirtesh Patel" userId="270b04a813ef8488" providerId="LiveId" clId="{E3BB3A28-1FFD-4058-98DC-F3412381346B}" dt="2023-03-10T00:14:13.564" v="432"/>
-          <ac:spMkLst>
-            <pc:docMk/>
-            <pc:sldMk cId="579190318" sldId="492"/>
-            <ac:spMk id="35" creationId="{E3D5ED43-296E-9DF7-B053-2421FF4AB8BF}"/>
-          </ac:spMkLst>
-        </pc:spChg>
-        <pc:spChg chg="add del mod">
-          <ac:chgData name="Kirtesh Patel" userId="270b04a813ef8488" providerId="LiveId" clId="{E3BB3A28-1FFD-4058-98DC-F3412381346B}" dt="2023-03-10T00:14:17.129" v="434"/>
-          <ac:spMkLst>
-            <pc:docMk/>
-            <pc:sldMk cId="579190318" sldId="492"/>
-            <ac:spMk id="36" creationId="{3FA0DD48-44FF-7D79-20AC-D68E28303B4A}"/>
-          </ac:spMkLst>
-        </pc:spChg>
-        <pc:spChg chg="add del mod">
-          <ac:chgData name="Kirtesh Patel" userId="270b04a813ef8488" providerId="LiveId" clId="{E3BB3A28-1FFD-4058-98DC-F3412381346B}" dt="2023-03-10T00:14:21.775" v="436"/>
-          <ac:spMkLst>
-            <pc:docMk/>
-            <pc:sldMk cId="579190318" sldId="492"/>
-            <ac:spMk id="37" creationId="{DCE363D4-38CE-7DDF-4177-4C27A953289C}"/>
-          </ac:spMkLst>
-        </pc:spChg>
-        <pc:spChg chg="add mod">
-          <ac:chgData name="Kirtesh Patel" userId="270b04a813ef8488" providerId="LiveId" clId="{E3BB3A28-1FFD-4058-98DC-F3412381346B}" dt="2023-03-10T00:16:38.920" v="547" actId="1076"/>
-          <ac:spMkLst>
-            <pc:docMk/>
-            <pc:sldMk cId="579190318" sldId="492"/>
-            <ac:spMk id="38" creationId="{7227E61D-2296-E7C1-250E-EF503B818B48}"/>
-          </ac:spMkLst>
-        </pc:spChg>
-        <pc:spChg chg="add del mod">
-          <ac:chgData name="Kirtesh Patel" userId="270b04a813ef8488" providerId="LiveId" clId="{E3BB3A28-1FFD-4058-98DC-F3412381346B}" dt="2023-03-10T00:18:20.803" v="637" actId="478"/>
-          <ac:spMkLst>
-            <pc:docMk/>
-            <pc:sldMk cId="579190318" sldId="492"/>
-            <ac:spMk id="39" creationId="{F78CD7DC-4464-7944-C822-6C374F7A23AA}"/>
-          </ac:spMkLst>
-        </pc:spChg>
-        <pc:spChg chg="add mod">
-          <ac:chgData name="Kirtesh Patel" userId="270b04a813ef8488" providerId="LiveId" clId="{E3BB3A28-1FFD-4058-98DC-F3412381346B}" dt="2023-03-10T00:17:40.032" v="560" actId="571"/>
-          <ac:spMkLst>
-            <pc:docMk/>
-            <pc:sldMk cId="579190318" sldId="492"/>
-            <ac:spMk id="40" creationId="{78BF7584-7252-7F50-992E-A3E383BFC7B9}"/>
-          </ac:spMkLst>
-        </pc:spChg>
-        <pc:spChg chg="add mod">
-          <ac:chgData name="Kirtesh Patel" userId="270b04a813ef8488" providerId="LiveId" clId="{E3BB3A28-1FFD-4058-98DC-F3412381346B}" dt="2023-03-10T00:17:40.032" v="560" actId="571"/>
-          <ac:spMkLst>
-            <pc:docMk/>
-            <pc:sldMk cId="579190318" sldId="492"/>
-            <ac:spMk id="42" creationId="{E7730558-9237-17E0-2907-6A6CFB8D1AC3}"/>
-          </ac:spMkLst>
-        </pc:spChg>
-        <pc:picChg chg="add del mod">
-          <ac:chgData name="Kirtesh Patel" userId="270b04a813ef8488" providerId="LiveId" clId="{E3BB3A28-1FFD-4058-98DC-F3412381346B}" dt="2023-03-10T00:09:55.687" v="302" actId="478"/>
-          <ac:picMkLst>
-            <pc:docMk/>
-            <pc:sldMk cId="579190318" sldId="492"/>
-            <ac:picMk id="12" creationId="{F9934598-902A-317D-4EF2-14C5C51E9CF6}"/>
-          </ac:picMkLst>
-        </pc:picChg>
-        <pc:picChg chg="add mod">
-          <ac:chgData name="Kirtesh Patel" userId="270b04a813ef8488" providerId="LiveId" clId="{E3BB3A28-1FFD-4058-98DC-F3412381346B}" dt="2023-03-10T00:18:02.793" v="634" actId="1036"/>
-          <ac:picMkLst>
-            <pc:docMk/>
-            <pc:sldMk cId="579190318" sldId="492"/>
-            <ac:picMk id="13" creationId="{4A01CD90-E12C-C7A7-59C2-90355E89CC06}"/>
-          </ac:picMkLst>
-        </pc:picChg>
-        <pc:picChg chg="add mod">
-          <ac:chgData name="Kirtesh Patel" userId="270b04a813ef8488" providerId="LiveId" clId="{E3BB3A28-1FFD-4058-98DC-F3412381346B}" dt="2023-03-10T00:08:26.378" v="243" actId="1076"/>
-          <ac:picMkLst>
-            <pc:docMk/>
-            <pc:sldMk cId="579190318" sldId="492"/>
-            <ac:picMk id="14" creationId="{A622D331-9EE0-240F-8B51-ECE5484FEA45}"/>
-          </ac:picMkLst>
-        </pc:picChg>
-        <pc:picChg chg="add del mod">
-          <ac:chgData name="Kirtesh Patel" userId="270b04a813ef8488" providerId="LiveId" clId="{E3BB3A28-1FFD-4058-98DC-F3412381346B}" dt="2023-03-10T00:08:14.111" v="242" actId="478"/>
-          <ac:picMkLst>
-            <pc:docMk/>
-            <pc:sldMk cId="579190318" sldId="492"/>
-            <ac:picMk id="15" creationId="{189CA141-B24B-5A8A-B015-97E3667CD4D8}"/>
-          </ac:picMkLst>
-        </pc:picChg>
-        <pc:picChg chg="add del mod">
-          <ac:chgData name="Kirtesh Patel" userId="270b04a813ef8488" providerId="LiveId" clId="{E3BB3A28-1FFD-4058-98DC-F3412381346B}" dt="2023-03-10T00:10:01.544" v="308" actId="478"/>
-          <ac:picMkLst>
-            <pc:docMk/>
-            <pc:sldMk cId="579190318" sldId="492"/>
-            <ac:picMk id="16" creationId="{C18C708F-A76A-B0F6-9DFE-B787134B80DD}"/>
-          </ac:picMkLst>
-        </pc:picChg>
-        <pc:picChg chg="add mod">
-          <ac:chgData name="Kirtesh Patel" userId="270b04a813ef8488" providerId="LiveId" clId="{E3BB3A28-1FFD-4058-98DC-F3412381346B}" dt="2023-03-10T00:06:40.867" v="228"/>
-          <ac:picMkLst>
-            <pc:docMk/>
-            <pc:sldMk cId="579190318" sldId="492"/>
-            <ac:picMk id="17" creationId="{C88EAA91-F15C-6AA2-1D4B-C60DADA275AE}"/>
-          </ac:picMkLst>
-        </pc:picChg>
-        <pc:picChg chg="add mod">
-          <ac:chgData name="Kirtesh Patel" userId="270b04a813ef8488" providerId="LiveId" clId="{E3BB3A28-1FFD-4058-98DC-F3412381346B}" dt="2023-03-10T00:17:40.032" v="560" actId="571"/>
-          <ac:picMkLst>
-            <pc:docMk/>
-            <pc:sldMk cId="579190318" sldId="492"/>
-            <ac:picMk id="41" creationId="{8E10D08F-EAE5-6484-8117-A10BA5161279}"/>
-          </ac:picMkLst>
-        </pc:picChg>
-        <pc:cxnChg chg="add mod">
-          <ac:chgData name="Kirtesh Patel" userId="270b04a813ef8488" providerId="LiveId" clId="{E3BB3A28-1FFD-4058-98DC-F3412381346B}" dt="2023-03-10T00:06:40.867" v="228"/>
-          <ac:cxnSpMkLst>
-            <pc:docMk/>
-            <pc:sldMk cId="579190318" sldId="492"/>
-            <ac:cxnSpMk id="4" creationId="{BF7B453D-E26F-AAA5-1F07-F1FF6E9640EA}"/>
-          </ac:cxnSpMkLst>
-        </pc:cxnChg>
-      </pc:sldChg>
-      <pc:sldChg chg="addSp delSp modSp add mod ord">
-        <pc:chgData name="Kirtesh Patel" userId="270b04a813ef8488" providerId="LiveId" clId="{E3BB3A28-1FFD-4058-98DC-F3412381346B}" dt="2023-03-10T00:47:57.274" v="953" actId="20577"/>
-        <pc:sldMkLst>
-          <pc:docMk/>
-          <pc:sldMk cId="2781087131" sldId="493"/>
-        </pc:sldMkLst>
-        <pc:spChg chg="mod ord">
-          <ac:chgData name="Kirtesh Patel" userId="270b04a813ef8488" providerId="LiveId" clId="{E3BB3A28-1FFD-4058-98DC-F3412381346B}" dt="2023-03-10T00:47:57.274" v="953" actId="20577"/>
-          <ac:spMkLst>
-            <pc:docMk/>
-            <pc:sldMk cId="2781087131" sldId="493"/>
-            <ac:spMk id="11" creationId="{AA0E73AC-D2D3-AC83-49A8-D2B2FF5D4F85}"/>
-          </ac:spMkLst>
-        </pc:spChg>
-        <pc:spChg chg="del">
-          <ac:chgData name="Kirtesh Patel" userId="270b04a813ef8488" providerId="LiveId" clId="{E3BB3A28-1FFD-4058-98DC-F3412381346B}" dt="2023-03-10T00:38:02.822" v="837" actId="478"/>
-          <ac:spMkLst>
-            <pc:docMk/>
-            <pc:sldMk cId="2781087131" sldId="493"/>
-            <ac:spMk id="14" creationId="{DF0408E0-6D32-5178-454C-AA1AE71F880C}"/>
-          </ac:spMkLst>
-        </pc:spChg>
-        <pc:grpChg chg="del">
-          <ac:chgData name="Kirtesh Patel" userId="270b04a813ef8488" providerId="LiveId" clId="{E3BB3A28-1FFD-4058-98DC-F3412381346B}" dt="2023-03-10T00:37:57.096" v="833" actId="478"/>
-          <ac:grpSpMkLst>
-            <pc:docMk/>
-            <pc:sldMk cId="2781087131" sldId="493"/>
-            <ac:grpSpMk id="15" creationId="{8FA5B6EE-8B76-5F66-5FC4-C7B4B17492A7}"/>
-          </ac:grpSpMkLst>
-        </pc:grpChg>
-        <pc:grpChg chg="del">
-          <ac:chgData name="Kirtesh Patel" userId="270b04a813ef8488" providerId="LiveId" clId="{E3BB3A28-1FFD-4058-98DC-F3412381346B}" dt="2023-03-10T00:37:57.948" v="834" actId="478"/>
-          <ac:grpSpMkLst>
-            <pc:docMk/>
-            <pc:sldMk cId="2781087131" sldId="493"/>
-            <ac:grpSpMk id="17" creationId="{8473DB43-A663-2F74-2000-886649EBA051}"/>
-          </ac:grpSpMkLst>
-        </pc:grpChg>
-        <pc:graphicFrameChg chg="del">
-          <ac:chgData name="Kirtesh Patel" userId="270b04a813ef8488" providerId="LiveId" clId="{E3BB3A28-1FFD-4058-98DC-F3412381346B}" dt="2023-03-10T00:38:00.520" v="835" actId="478"/>
-          <ac:graphicFrameMkLst>
-            <pc:docMk/>
-            <pc:sldMk cId="2781087131" sldId="493"/>
-            <ac:graphicFrameMk id="3" creationId="{0A138C67-8CCB-9F17-454E-FE8A33680B29}"/>
-          </ac:graphicFrameMkLst>
-        </pc:graphicFrameChg>
-        <pc:graphicFrameChg chg="del">
-          <ac:chgData name="Kirtesh Patel" userId="270b04a813ef8488" providerId="LiveId" clId="{E3BB3A28-1FFD-4058-98DC-F3412381346B}" dt="2023-03-10T00:38:02.163" v="836" actId="478"/>
-          <ac:graphicFrameMkLst>
-            <pc:docMk/>
-            <pc:sldMk cId="2781087131" sldId="493"/>
-            <ac:graphicFrameMk id="5" creationId="{72A97D83-5CD5-3542-7829-3C323AFADDC2}"/>
-          </ac:graphicFrameMkLst>
-        </pc:graphicFrameChg>
-        <pc:picChg chg="add mod">
-          <ac:chgData name="Kirtesh Patel" userId="270b04a813ef8488" providerId="LiveId" clId="{E3BB3A28-1FFD-4058-98DC-F3412381346B}" dt="2023-03-10T00:44:13.987" v="921" actId="1037"/>
-          <ac:picMkLst>
-            <pc:docMk/>
-            <pc:sldMk cId="2781087131" sldId="493"/>
-            <ac:picMk id="4" creationId="{BD3DF83C-CA53-0067-1510-9F6F16BBEE61}"/>
-          </ac:picMkLst>
-        </pc:picChg>
-      </pc:sldChg>
-      <pc:sldChg chg="addSp delSp modSp add mod">
-        <pc:chgData name="Kirtesh Patel" userId="270b04a813ef8488" providerId="LiveId" clId="{E3BB3A28-1FFD-4058-98DC-F3412381346B}" dt="2023-03-10T00:48:01.109" v="954"/>
-        <pc:sldMkLst>
-          <pc:docMk/>
-          <pc:sldMk cId="142541209" sldId="494"/>
-        </pc:sldMkLst>
-        <pc:spChg chg="mod ord">
-          <ac:chgData name="Kirtesh Patel" userId="270b04a813ef8488" providerId="LiveId" clId="{E3BB3A28-1FFD-4058-98DC-F3412381346B}" dt="2023-03-10T00:48:01.109" v="954"/>
-          <ac:spMkLst>
-            <pc:docMk/>
-            <pc:sldMk cId="142541209" sldId="494"/>
-            <ac:spMk id="11" creationId="{AA0E73AC-D2D3-AC83-49A8-D2B2FF5D4F85}"/>
-          </ac:spMkLst>
-        </pc:spChg>
-        <pc:picChg chg="add mod">
-          <ac:chgData name="Kirtesh Patel" userId="270b04a813ef8488" providerId="LiveId" clId="{E3BB3A28-1FFD-4058-98DC-F3412381346B}" dt="2023-03-10T00:46:55.092" v="945" actId="1076"/>
-          <ac:picMkLst>
-            <pc:docMk/>
-            <pc:sldMk cId="142541209" sldId="494"/>
-            <ac:picMk id="3" creationId="{E1C84D1E-4B4D-7DBD-A035-710D13DD8B14}"/>
-          </ac:picMkLst>
-        </pc:picChg>
-        <pc:picChg chg="del">
-          <ac:chgData name="Kirtesh Patel" userId="270b04a813ef8488" providerId="LiveId" clId="{E3BB3A28-1FFD-4058-98DC-F3412381346B}" dt="2023-03-10T00:46:24.881" v="940" actId="478"/>
-          <ac:picMkLst>
-            <pc:docMk/>
-            <pc:sldMk cId="142541209" sldId="494"/>
-            <ac:picMk id="4" creationId="{BD3DF83C-CA53-0067-1510-9F6F16BBEE61}"/>
-          </ac:picMkLst>
-        </pc:picChg>
-      </pc:sldChg>
-      <pc:sldChg chg="add del">
-        <pc:chgData name="Kirtesh Patel" userId="270b04a813ef8488" providerId="LiveId" clId="{E3BB3A28-1FFD-4058-98DC-F3412381346B}" dt="2023-03-10T00:44:39.512" v="930"/>
-        <pc:sldMkLst>
-          <pc:docMk/>
-          <pc:sldMk cId="3883175768" sldId="494"/>
-        </pc:sldMkLst>
-      </pc:sldChg>
-      <pc:sldChg chg="addSp delSp modSp add mod ord">
-        <pc:chgData name="Kirtesh Patel" userId="270b04a813ef8488" providerId="LiveId" clId="{E3BB3A28-1FFD-4058-98DC-F3412381346B}" dt="2023-03-10T00:52:35.904" v="975" actId="166"/>
-        <pc:sldMkLst>
-          <pc:docMk/>
-          <pc:sldMk cId="896978092" sldId="495"/>
-        </pc:sldMkLst>
-        <pc:spChg chg="mod ord">
-          <ac:chgData name="Kirtesh Patel" userId="270b04a813ef8488" providerId="LiveId" clId="{E3BB3A28-1FFD-4058-98DC-F3412381346B}" dt="2023-03-10T00:52:35.904" v="975" actId="166"/>
-          <ac:spMkLst>
-            <pc:docMk/>
-            <pc:sldMk cId="896978092" sldId="495"/>
-            <ac:spMk id="11" creationId="{AA0E73AC-D2D3-AC83-49A8-D2B2FF5D4F85}"/>
-          </ac:spMkLst>
-        </pc:spChg>
-        <pc:picChg chg="del">
-          <ac:chgData name="Kirtesh Patel" userId="270b04a813ef8488" providerId="LiveId" clId="{E3BB3A28-1FFD-4058-98DC-F3412381346B}" dt="2023-03-10T00:52:02.473" v="969" actId="478"/>
-          <ac:picMkLst>
-            <pc:docMk/>
-            <pc:sldMk cId="896978092" sldId="495"/>
-            <ac:picMk id="3" creationId="{E1C84D1E-4B4D-7DBD-A035-710D13DD8B14}"/>
-          </ac:picMkLst>
-        </pc:picChg>
-        <pc:picChg chg="add mod">
-          <ac:chgData name="Kirtesh Patel" userId="270b04a813ef8488" providerId="LiveId" clId="{E3BB3A28-1FFD-4058-98DC-F3412381346B}" dt="2023-03-10T00:52:31.751" v="974" actId="1076"/>
-          <ac:picMkLst>
-            <pc:docMk/>
-            <pc:sldMk cId="896978092" sldId="495"/>
-            <ac:picMk id="4" creationId="{651EB579-6EE7-A7CA-3539-A7AE3DF97F54}"/>
-          </ac:picMkLst>
-        </pc:picChg>
-      </pc:sldChg>
-      <pc:sldChg chg="addSp delSp modSp add mod">
-        <pc:chgData name="Kirtesh Patel" userId="270b04a813ef8488" providerId="LiveId" clId="{E3BB3A28-1FFD-4058-98DC-F3412381346B}" dt="2023-03-10T00:54:25.458" v="991" actId="166"/>
-        <pc:sldMkLst>
-          <pc:docMk/>
-          <pc:sldMk cId="973455215" sldId="496"/>
-        </pc:sldMkLst>
-        <pc:spChg chg="mod ord">
-          <ac:chgData name="Kirtesh Patel" userId="270b04a813ef8488" providerId="LiveId" clId="{E3BB3A28-1FFD-4058-98DC-F3412381346B}" dt="2023-03-10T00:54:25.458" v="991" actId="166"/>
-          <ac:spMkLst>
-            <pc:docMk/>
-            <pc:sldMk cId="973455215" sldId="496"/>
-            <ac:spMk id="11" creationId="{AA0E73AC-D2D3-AC83-49A8-D2B2FF5D4F85}"/>
-          </ac:spMkLst>
-        </pc:spChg>
-        <pc:picChg chg="add mod">
-          <ac:chgData name="Kirtesh Patel" userId="270b04a813ef8488" providerId="LiveId" clId="{E3BB3A28-1FFD-4058-98DC-F3412381346B}" dt="2023-03-10T00:54:20.987" v="990" actId="1076"/>
-          <ac:picMkLst>
-            <pc:docMk/>
-            <pc:sldMk cId="973455215" sldId="496"/>
-            <ac:picMk id="3" creationId="{D3D9BC10-72FE-85DE-21DD-6651E1531A95}"/>
-          </ac:picMkLst>
-        </pc:picChg>
-        <pc:picChg chg="del">
-          <ac:chgData name="Kirtesh Patel" userId="270b04a813ef8488" providerId="LiveId" clId="{E3BB3A28-1FFD-4058-98DC-F3412381346B}" dt="2023-03-10T00:54:00.249" v="985" actId="478"/>
-          <ac:picMkLst>
-            <pc:docMk/>
-            <pc:sldMk cId="973455215" sldId="496"/>
-            <ac:picMk id="4" creationId="{651EB579-6EE7-A7CA-3539-A7AE3DF97F54}"/>
-          </ac:picMkLst>
-        </pc:picChg>
-      </pc:sldChg>
-      <pc:sldChg chg="delSp modSp add mod">
-        <pc:chgData name="Kirtesh Patel" userId="270b04a813ef8488" providerId="LiveId" clId="{E3BB3A28-1FFD-4058-98DC-F3412381346B}" dt="2023-03-10T00:56:13.522" v="1042" actId="478"/>
-        <pc:sldMkLst>
-          <pc:docMk/>
-          <pc:sldMk cId="176732957" sldId="497"/>
-        </pc:sldMkLst>
-        <pc:spChg chg="mod">
-          <ac:chgData name="Kirtesh Patel" userId="270b04a813ef8488" providerId="LiveId" clId="{E3BB3A28-1FFD-4058-98DC-F3412381346B}" dt="2023-03-10T00:56:10.399" v="1041" actId="20577"/>
-          <ac:spMkLst>
-            <pc:docMk/>
-            <pc:sldMk cId="176732957" sldId="497"/>
-            <ac:spMk id="11" creationId="{AA0E73AC-D2D3-AC83-49A8-D2B2FF5D4F85}"/>
-          </ac:spMkLst>
-        </pc:spChg>
-        <pc:picChg chg="del">
-          <ac:chgData name="Kirtesh Patel" userId="270b04a813ef8488" providerId="LiveId" clId="{E3BB3A28-1FFD-4058-98DC-F3412381346B}" dt="2023-03-10T00:56:13.522" v="1042" actId="478"/>
-          <ac:picMkLst>
-            <pc:docMk/>
-            <pc:sldMk cId="176732957" sldId="497"/>
-            <ac:picMk id="3" creationId="{D3D9BC10-72FE-85DE-21DD-6651E1531A95}"/>
-          </ac:picMkLst>
-        </pc:picChg>
-      </pc:sldChg>
-      <pc:sldChg chg="modSp add mod">
-        <pc:chgData name="Kirtesh Patel" userId="270b04a813ef8488" providerId="LiveId" clId="{E3BB3A28-1FFD-4058-98DC-F3412381346B}" dt="2023-03-10T00:56:21.859" v="1053" actId="20577"/>
-        <pc:sldMkLst>
-          <pc:docMk/>
-          <pc:sldMk cId="1107156319" sldId="498"/>
-        </pc:sldMkLst>
-        <pc:spChg chg="mod">
-          <ac:chgData name="Kirtesh Patel" userId="270b04a813ef8488" providerId="LiveId" clId="{E3BB3A28-1FFD-4058-98DC-F3412381346B}" dt="2023-03-10T00:56:21.859" v="1053" actId="20577"/>
-          <ac:spMkLst>
-            <pc:docMk/>
-            <pc:sldMk cId="1107156319" sldId="498"/>
-            <ac:spMk id="11" creationId="{AA0E73AC-D2D3-AC83-49A8-D2B2FF5D4F85}"/>
-          </ac:spMkLst>
-        </pc:spChg>
-      </pc:sldChg>
-      <pc:sldChg chg="modSp add mod">
-        <pc:chgData name="Kirtesh Patel" userId="270b04a813ef8488" providerId="LiveId" clId="{E3BB3A28-1FFD-4058-98DC-F3412381346B}" dt="2023-03-10T00:56:30.952" v="1062" actId="20577"/>
-        <pc:sldMkLst>
-          <pc:docMk/>
-          <pc:sldMk cId="4049413766" sldId="499"/>
-        </pc:sldMkLst>
-        <pc:spChg chg="mod">
-          <ac:chgData name="Kirtesh Patel" userId="270b04a813ef8488" providerId="LiveId" clId="{E3BB3A28-1FFD-4058-98DC-F3412381346B}" dt="2023-03-10T00:56:30.952" v="1062" actId="20577"/>
-          <ac:spMkLst>
-            <pc:docMk/>
-            <pc:sldMk cId="4049413766" sldId="499"/>
-            <ac:spMk id="11" creationId="{AA0E73AC-D2D3-AC83-49A8-D2B2FF5D4F85}"/>
-          </ac:spMkLst>
-        </pc:spChg>
-      </pc:sldChg>
-      <pc:sldChg chg="modSp add mod">
-        <pc:chgData name="Kirtesh Patel" userId="270b04a813ef8488" providerId="LiveId" clId="{E3BB3A28-1FFD-4058-98DC-F3412381346B}" dt="2023-03-10T00:56:36.206" v="1070" actId="20577"/>
-        <pc:sldMkLst>
-          <pc:docMk/>
-          <pc:sldMk cId="2477747532" sldId="500"/>
-        </pc:sldMkLst>
-        <pc:spChg chg="mod">
-          <ac:chgData name="Kirtesh Patel" userId="270b04a813ef8488" providerId="LiveId" clId="{E3BB3A28-1FFD-4058-98DC-F3412381346B}" dt="2023-03-10T00:56:36.206" v="1070" actId="20577"/>
-          <ac:spMkLst>
-            <pc:docMk/>
-            <pc:sldMk cId="2477747532" sldId="500"/>
-            <ac:spMk id="11" creationId="{AA0E73AC-D2D3-AC83-49A8-D2B2FF5D4F85}"/>
-          </ac:spMkLst>
-        </pc:spChg>
-      </pc:sldChg>
-    </pc:docChg>
-  </pc:docChgLst>
-  <pc:docChgLst>
-    <pc:chgData name="Rhushikesh Bhosale" userId="S::rhushikesh.bhosale@fs-students.de::aac571a0-2785-4b85-9ad7-0a1f6d24efca" providerId="AD" clId="Web-{1D39F76B-2797-E76D-F1EC-80E6ED6562D3}"/>
-    <pc:docChg chg="modSld sldOrd">
-      <pc:chgData name="Rhushikesh Bhosale" userId="S::rhushikesh.bhosale@fs-students.de::aac571a0-2785-4b85-9ad7-0a1f6d24efca" providerId="AD" clId="Web-{1D39F76B-2797-E76D-F1EC-80E6ED6562D3}" dt="2023-03-10T10:36:16.207" v="114" actId="14100"/>
-      <pc:docMkLst>
-        <pc:docMk/>
-      </pc:docMkLst>
-      <pc:sldChg chg="modSp">
-        <pc:chgData name="Rhushikesh Bhosale" userId="S::rhushikesh.bhosale@fs-students.de::aac571a0-2785-4b85-9ad7-0a1f6d24efca" providerId="AD" clId="Web-{1D39F76B-2797-E76D-F1EC-80E6ED6562D3}" dt="2023-03-10T10:30:32.414" v="102" actId="20577"/>
-        <pc:sldMkLst>
-          <pc:docMk/>
-          <pc:sldMk cId="3545872644" sldId="462"/>
-        </pc:sldMkLst>
-        <pc:spChg chg="mod">
-          <ac:chgData name="Rhushikesh Bhosale" userId="S::rhushikesh.bhosale@fs-students.de::aac571a0-2785-4b85-9ad7-0a1f6d24efca" providerId="AD" clId="Web-{1D39F76B-2797-E76D-F1EC-80E6ED6562D3}" dt="2023-03-10T10:30:32.414" v="102" actId="20577"/>
-          <ac:spMkLst>
-            <pc:docMk/>
-            <pc:sldMk cId="3545872644" sldId="462"/>
-            <ac:spMk id="20" creationId="{F5C8EDDE-257D-CFAB-D4F4-5EE46C27A056}"/>
-          </ac:spMkLst>
-        </pc:spChg>
-        <pc:spChg chg="mod">
-          <ac:chgData name="Rhushikesh Bhosale" userId="S::rhushikesh.bhosale@fs-students.de::aac571a0-2785-4b85-9ad7-0a1f6d24efca" providerId="AD" clId="Web-{1D39F76B-2797-E76D-F1EC-80E6ED6562D3}" dt="2023-03-10T10:30:01.351" v="101" actId="20577"/>
-          <ac:spMkLst>
-            <pc:docMk/>
-            <pc:sldMk cId="3545872644" sldId="462"/>
-            <ac:spMk id="68" creationId="{AFA71805-F5AA-B9D8-33A0-B16C8873FC62}"/>
-          </ac:spMkLst>
-        </pc:spChg>
-        <pc:spChg chg="mod">
-          <ac:chgData name="Rhushikesh Bhosale" userId="S::rhushikesh.bhosale@fs-students.de::aac571a0-2785-4b85-9ad7-0a1f6d24efca" providerId="AD" clId="Web-{1D39F76B-2797-E76D-F1EC-80E6ED6562D3}" dt="2023-03-10T10:29:42.084" v="98"/>
-          <ac:spMkLst>
-            <pc:docMk/>
-            <pc:sldMk cId="3545872644" sldId="462"/>
-            <ac:spMk id="69" creationId="{0E9785BB-404F-3C0D-0407-24EDA83307EE}"/>
-          </ac:spMkLst>
-        </pc:spChg>
-      </pc:sldChg>
-      <pc:sldChg chg="modSp">
-        <pc:chgData name="Rhushikesh Bhosale" userId="S::rhushikesh.bhosale@fs-students.de::aac571a0-2785-4b85-9ad7-0a1f6d24efca" providerId="AD" clId="Web-{1D39F76B-2797-E76D-F1EC-80E6ED6562D3}" dt="2023-03-10T10:24:39.621" v="78" actId="14100"/>
-        <pc:sldMkLst>
-          <pc:docMk/>
-          <pc:sldMk cId="3895102537" sldId="463"/>
-        </pc:sldMkLst>
-        <pc:spChg chg="mod">
-          <ac:chgData name="Rhushikesh Bhosale" userId="S::rhushikesh.bhosale@fs-students.de::aac571a0-2785-4b85-9ad7-0a1f6d24efca" providerId="AD" clId="Web-{1D39F76B-2797-E76D-F1EC-80E6ED6562D3}" dt="2023-03-10T10:24:39.621" v="78" actId="14100"/>
-          <ac:spMkLst>
-            <pc:docMk/>
-            <pc:sldMk cId="3895102537" sldId="463"/>
-            <ac:spMk id="7" creationId="{38457BBD-ED61-70F0-C054-426D2C77B270}"/>
-          </ac:spMkLst>
-        </pc:spChg>
-        <pc:spChg chg="mod">
-          <ac:chgData name="Rhushikesh Bhosale" userId="S::rhushikesh.bhosale@fs-students.de::aac571a0-2785-4b85-9ad7-0a1f6d24efca" providerId="AD" clId="Web-{1D39F76B-2797-E76D-F1EC-80E6ED6562D3}" dt="2023-03-10T10:24:09.104" v="74" actId="1076"/>
-          <ac:spMkLst>
-            <pc:docMk/>
-            <pc:sldMk cId="3895102537" sldId="463"/>
-            <ac:spMk id="22" creationId="{C2B0D5A9-E18C-1B03-9613-8A42866880E1}"/>
-          </ac:spMkLst>
-        </pc:spChg>
-        <pc:spChg chg="mod">
-          <ac:chgData name="Rhushikesh Bhosale" userId="S::rhushikesh.bhosale@fs-students.de::aac571a0-2785-4b85-9ad7-0a1f6d24efca" providerId="AD" clId="Web-{1D39F76B-2797-E76D-F1EC-80E6ED6562D3}" dt="2023-03-10T10:24:09.151" v="75" actId="1076"/>
-          <ac:spMkLst>
-            <pc:docMk/>
-            <pc:sldMk cId="3895102537" sldId="463"/>
-            <ac:spMk id="23" creationId="{6D3755D7-F4A3-EEED-2E08-5E089D195877}"/>
-          </ac:spMkLst>
-        </pc:spChg>
-        <pc:spChg chg="mod">
-          <ac:chgData name="Rhushikesh Bhosale" userId="S::rhushikesh.bhosale@fs-students.de::aac571a0-2785-4b85-9ad7-0a1f6d24efca" providerId="AD" clId="Web-{1D39F76B-2797-E76D-F1EC-80E6ED6562D3}" dt="2023-03-10T10:24:29.042" v="76" actId="1076"/>
-          <ac:spMkLst>
-            <pc:docMk/>
-            <pc:sldMk cId="3895102537" sldId="463"/>
-            <ac:spMk id="25" creationId="{5FA84387-5595-FFA1-BB62-4A504B2C982D}"/>
-          </ac:spMkLst>
-        </pc:spChg>
-        <pc:spChg chg="mod">
-          <ac:chgData name="Rhushikesh Bhosale" userId="S::rhushikesh.bhosale@fs-students.de::aac571a0-2785-4b85-9ad7-0a1f6d24efca" providerId="AD" clId="Web-{1D39F76B-2797-E76D-F1EC-80E6ED6562D3}" dt="2023-03-10T10:24:29.105" v="77" actId="1076"/>
-          <ac:spMkLst>
-            <pc:docMk/>
-            <pc:sldMk cId="3895102537" sldId="463"/>
-            <ac:spMk id="26" creationId="{35A0D517-3361-2C16-7A94-6CCC7E11C725}"/>
-          </ac:spMkLst>
-        </pc:spChg>
-        <pc:spChg chg="mod">
-          <ac:chgData name="Rhushikesh Bhosale" userId="S::rhushikesh.bhosale@fs-students.de::aac571a0-2785-4b85-9ad7-0a1f6d24efca" providerId="AD" clId="Web-{1D39F76B-2797-E76D-F1EC-80E6ED6562D3}" dt="2023-03-10T10:22:55.805" v="60" actId="1076"/>
-          <ac:spMkLst>
-            <pc:docMk/>
-            <pc:sldMk cId="3895102537" sldId="463"/>
-            <ac:spMk id="43" creationId="{2FA2C8A1-19E5-84FA-59F6-D633FDB85201}"/>
-          </ac:spMkLst>
-        </pc:spChg>
-        <pc:spChg chg="mod">
-          <ac:chgData name="Rhushikesh Bhosale" userId="S::rhushikesh.bhosale@fs-students.de::aac571a0-2785-4b85-9ad7-0a1f6d24efca" providerId="AD" clId="Web-{1D39F76B-2797-E76D-F1EC-80E6ED6562D3}" dt="2023-03-10T10:22:55.852" v="61" actId="1076"/>
-          <ac:spMkLst>
-            <pc:docMk/>
-            <pc:sldMk cId="3895102537" sldId="463"/>
-            <ac:spMk id="53" creationId="{7F48470A-BC81-EA42-E669-64802D16D771}"/>
-          </ac:spMkLst>
-        </pc:spChg>
-        <pc:spChg chg="mod">
-          <ac:chgData name="Rhushikesh Bhosale" userId="S::rhushikesh.bhosale@fs-students.de::aac571a0-2785-4b85-9ad7-0a1f6d24efca" providerId="AD" clId="Web-{1D39F76B-2797-E76D-F1EC-80E6ED6562D3}" dt="2023-03-10T10:22:55.883" v="62" actId="1076"/>
-          <ac:spMkLst>
-            <pc:docMk/>
-            <pc:sldMk cId="3895102537" sldId="463"/>
-            <ac:spMk id="54" creationId="{519A50DD-89E8-406D-FCF0-2D8EBC4FF831}"/>
-          </ac:spMkLst>
-        </pc:spChg>
-        <pc:spChg chg="mod">
-          <ac:chgData name="Rhushikesh Bhosale" userId="S::rhushikesh.bhosale@fs-students.de::aac571a0-2785-4b85-9ad7-0a1f6d24efca" providerId="AD" clId="Web-{1D39F76B-2797-E76D-F1EC-80E6ED6562D3}" dt="2023-03-10T10:22:55.914" v="63" actId="1076"/>
-          <ac:spMkLst>
-            <pc:docMk/>
-            <pc:sldMk cId="3895102537" sldId="463"/>
-            <ac:spMk id="56" creationId="{176617A3-2C90-4B55-CA3C-2D68F75AF70D}"/>
-          </ac:spMkLst>
-        </pc:spChg>
-        <pc:spChg chg="mod">
-          <ac:chgData name="Rhushikesh Bhosale" userId="S::rhushikesh.bhosale@fs-students.de::aac571a0-2785-4b85-9ad7-0a1f6d24efca" providerId="AD" clId="Web-{1D39F76B-2797-E76D-F1EC-80E6ED6562D3}" dt="2023-03-10T10:22:55.930" v="64" actId="1076"/>
-          <ac:spMkLst>
-            <pc:docMk/>
-            <pc:sldMk cId="3895102537" sldId="463"/>
-            <ac:spMk id="57" creationId="{3602D549-8A68-DB8B-80D4-FFCDED3F2820}"/>
-          </ac:spMkLst>
-        </pc:spChg>
-        <pc:spChg chg="mod">
-          <ac:chgData name="Rhushikesh Bhosale" userId="S::rhushikesh.bhosale@fs-students.de::aac571a0-2785-4b85-9ad7-0a1f6d24efca" providerId="AD" clId="Web-{1D39F76B-2797-E76D-F1EC-80E6ED6562D3}" dt="2023-03-10T10:22:55.946" v="65" actId="1076"/>
-          <ac:spMkLst>
-            <pc:docMk/>
-            <pc:sldMk cId="3895102537" sldId="463"/>
-            <ac:spMk id="58" creationId="{831D54AC-7BB0-B98C-5D22-59393C0821F3}"/>
-          </ac:spMkLst>
-        </pc:spChg>
-      </pc:sldChg>
-      <pc:sldChg chg="modSp">
-        <pc:chgData name="Rhushikesh Bhosale" userId="S::rhushikesh.bhosale@fs-students.de::aac571a0-2785-4b85-9ad7-0a1f6d24efca" providerId="AD" clId="Web-{1D39F76B-2797-E76D-F1EC-80E6ED6562D3}" dt="2023-03-10T10:29:19.912" v="97" actId="20577"/>
-        <pc:sldMkLst>
-          <pc:docMk/>
-          <pc:sldMk cId="4088113293" sldId="477"/>
-        </pc:sldMkLst>
-        <pc:spChg chg="mod">
-          <ac:chgData name="Rhushikesh Bhosale" userId="S::rhushikesh.bhosale@fs-students.de::aac571a0-2785-4b85-9ad7-0a1f6d24efca" providerId="AD" clId="Web-{1D39F76B-2797-E76D-F1EC-80E6ED6562D3}" dt="2023-03-10T10:27:41.705" v="92"/>
-          <ac:spMkLst>
-            <pc:docMk/>
-            <pc:sldMk cId="4088113293" sldId="477"/>
-            <ac:spMk id="10" creationId="{C06D1E05-639F-8716-25C3-F031D88F77A1}"/>
-          </ac:spMkLst>
-        </pc:spChg>
-        <pc:spChg chg="mod">
-          <ac:chgData name="Rhushikesh Bhosale" userId="S::rhushikesh.bhosale@fs-students.de::aac571a0-2785-4b85-9ad7-0a1f6d24efca" providerId="AD" clId="Web-{1D39F76B-2797-E76D-F1EC-80E6ED6562D3}" dt="2023-03-10T10:29:19.912" v="97" actId="20577"/>
-          <ac:spMkLst>
-            <pc:docMk/>
-            <pc:sldMk cId="4088113293" sldId="477"/>
-            <ac:spMk id="11" creationId="{7D6B511D-0443-D04A-8A47-EC20D6DE2E81}"/>
-          </ac:spMkLst>
-        </pc:spChg>
-        <pc:spChg chg="mod">
-          <ac:chgData name="Rhushikesh Bhosale" userId="S::rhushikesh.bhosale@fs-students.de::aac571a0-2785-4b85-9ad7-0a1f6d24efca" providerId="AD" clId="Web-{1D39F76B-2797-E76D-F1EC-80E6ED6562D3}" dt="2023-03-10T10:28:48.786" v="96"/>
-          <ac:spMkLst>
-            <pc:docMk/>
-            <pc:sldMk cId="4088113293" sldId="477"/>
-            <ac:spMk id="12" creationId="{B9463F26-039A-2902-F76F-E1A950605C82}"/>
-          </ac:spMkLst>
-        </pc:spChg>
-        <pc:spChg chg="mod">
-          <ac:chgData name="Rhushikesh Bhosale" userId="S::rhushikesh.bhosale@fs-students.de::aac571a0-2785-4b85-9ad7-0a1f6d24efca" providerId="AD" clId="Web-{1D39F76B-2797-E76D-F1EC-80E6ED6562D3}" dt="2023-03-10T10:28:36.457" v="95"/>
-          <ac:spMkLst>
-            <pc:docMk/>
-            <pc:sldMk cId="4088113293" sldId="477"/>
-            <ac:spMk id="13" creationId="{08D2E250-7FA4-DF23-44EE-0CC7A3B43927}"/>
-          </ac:spMkLst>
-        </pc:spChg>
-      </pc:sldChg>
-      <pc:sldChg chg="modSp ord">
-        <pc:chgData name="Rhushikesh Bhosale" userId="S::rhushikesh.bhosale@fs-students.de::aac571a0-2785-4b85-9ad7-0a1f6d24efca" providerId="AD" clId="Web-{1D39F76B-2797-E76D-F1EC-80E6ED6562D3}" dt="2023-03-10T10:26:27.390" v="87"/>
-        <pc:sldMkLst>
-          <pc:docMk/>
-          <pc:sldMk cId="3759062384" sldId="478"/>
-        </pc:sldMkLst>
-        <pc:spChg chg="mod">
-          <ac:chgData name="Rhushikesh Bhosale" userId="S::rhushikesh.bhosale@fs-students.de::aac571a0-2785-4b85-9ad7-0a1f6d24efca" providerId="AD" clId="Web-{1D39F76B-2797-E76D-F1EC-80E6ED6562D3}" dt="2023-03-10T10:25:43.686" v="79"/>
-          <ac:spMkLst>
-            <pc:docMk/>
-            <pc:sldMk cId="3759062384" sldId="478"/>
-            <ac:spMk id="7" creationId="{97423A9B-0D9F-1BD2-5AC1-6D2E4D9A286C}"/>
-          </ac:spMkLst>
-        </pc:spChg>
-        <pc:spChg chg="mod">
-          <ac:chgData name="Rhushikesh Bhosale" userId="S::rhushikesh.bhosale@fs-students.de::aac571a0-2785-4b85-9ad7-0a1f6d24efca" providerId="AD" clId="Web-{1D39F76B-2797-E76D-F1EC-80E6ED6562D3}" dt="2023-03-10T10:01:31.042" v="4" actId="1076"/>
-          <ac:spMkLst>
-            <pc:docMk/>
-            <pc:sldMk cId="3759062384" sldId="478"/>
-            <ac:spMk id="14" creationId="{10FEF6AF-1EB7-BFA8-9A5A-356AECD28C57}"/>
-          </ac:spMkLst>
-        </pc:spChg>
-        <pc:spChg chg="mod">
-          <ac:chgData name="Rhushikesh Bhosale" userId="S::rhushikesh.bhosale@fs-students.de::aac571a0-2785-4b85-9ad7-0a1f6d24efca" providerId="AD" clId="Web-{1D39F76B-2797-E76D-F1EC-80E6ED6562D3}" dt="2023-03-10T10:25:51.217" v="80"/>
-          <ac:spMkLst>
-            <pc:docMk/>
-            <pc:sldMk cId="3759062384" sldId="478"/>
-            <ac:spMk id="15" creationId="{06DCFC92-7CF7-F2B5-09C0-A0FF88FA65E6}"/>
-          </ac:spMkLst>
-        </pc:spChg>
-        <pc:spChg chg="mod">
-          <ac:chgData name="Rhushikesh Bhosale" userId="S::rhushikesh.bhosale@fs-students.de::aac571a0-2785-4b85-9ad7-0a1f6d24efca" providerId="AD" clId="Web-{1D39F76B-2797-E76D-F1EC-80E6ED6562D3}" dt="2023-03-10T10:01:48.606" v="7" actId="1076"/>
-          <ac:spMkLst>
-            <pc:docMk/>
-            <pc:sldMk cId="3759062384" sldId="478"/>
-            <ac:spMk id="16" creationId="{6D871F15-4B24-475E-870D-8189F7182AE8}"/>
-          </ac:spMkLst>
-        </pc:spChg>
-        <pc:spChg chg="mod">
-          <ac:chgData name="Rhushikesh Bhosale" userId="S::rhushikesh.bhosale@fs-students.de::aac571a0-2785-4b85-9ad7-0a1f6d24efca" providerId="AD" clId="Web-{1D39F76B-2797-E76D-F1EC-80E6ED6562D3}" dt="2023-03-10T10:25:57.983" v="81"/>
-          <ac:spMkLst>
-            <pc:docMk/>
-            <pc:sldMk cId="3759062384" sldId="478"/>
-            <ac:spMk id="17" creationId="{1F86DE6C-F41C-4E4B-8D02-7158C283CD2D}"/>
-          </ac:spMkLst>
-        </pc:spChg>
-        <pc:spChg chg="mod">
-          <ac:chgData name="Rhushikesh Bhosale" userId="S::rhushikesh.bhosale@fs-students.de::aac571a0-2785-4b85-9ad7-0a1f6d24efca" providerId="AD" clId="Web-{1D39F76B-2797-E76D-F1EC-80E6ED6562D3}" dt="2023-03-10T10:01:58.309" v="10" actId="1076"/>
-          <ac:spMkLst>
-            <pc:docMk/>
-            <pc:sldMk cId="3759062384" sldId="478"/>
-            <ac:spMk id="20" creationId="{6F12CC40-E1A8-E42D-22B1-525122AC4E8C}"/>
-          </ac:spMkLst>
-        </pc:spChg>
-        <pc:spChg chg="mod">
-          <ac:chgData name="Rhushikesh Bhosale" userId="S::rhushikesh.bhosale@fs-students.de::aac571a0-2785-4b85-9ad7-0a1f6d24efca" providerId="AD" clId="Web-{1D39F76B-2797-E76D-F1EC-80E6ED6562D3}" dt="2023-03-10T10:26:12.687" v="82"/>
-          <ac:spMkLst>
-            <pc:docMk/>
-            <pc:sldMk cId="3759062384" sldId="478"/>
-            <ac:spMk id="22" creationId="{098C5D15-E282-8A96-B7AA-C2FE30A385E3}"/>
-          </ac:spMkLst>
-        </pc:spChg>
-        <pc:spChg chg="mod">
-          <ac:chgData name="Rhushikesh Bhosale" userId="S::rhushikesh.bhosale@fs-students.de::aac571a0-2785-4b85-9ad7-0a1f6d24efca" providerId="AD" clId="Web-{1D39F76B-2797-E76D-F1EC-80E6ED6562D3}" dt="2023-03-10T10:26:16.546" v="83"/>
-          <ac:spMkLst>
-            <pc:docMk/>
-            <pc:sldMk cId="3759062384" sldId="478"/>
-            <ac:spMk id="24" creationId="{210A3087-A33F-EB54-6F07-277FBBA9B7EB}"/>
-          </ac:spMkLst>
-        </pc:spChg>
-        <pc:spChg chg="mod">
-          <ac:chgData name="Rhushikesh Bhosale" userId="S::rhushikesh.bhosale@fs-students.de::aac571a0-2785-4b85-9ad7-0a1f6d24efca" providerId="AD" clId="Web-{1D39F76B-2797-E76D-F1EC-80E6ED6562D3}" dt="2023-03-10T10:26:19.327" v="84"/>
-          <ac:spMkLst>
-            <pc:docMk/>
-            <pc:sldMk cId="3759062384" sldId="478"/>
-            <ac:spMk id="26" creationId="{51EFFAE1-D8BF-18C1-4CFF-7AA9F5E9E1DD}"/>
-          </ac:spMkLst>
-        </pc:spChg>
-        <pc:spChg chg="mod">
-          <ac:chgData name="Rhushikesh Bhosale" userId="S::rhushikesh.bhosale@fs-students.de::aac571a0-2785-4b85-9ad7-0a1f6d24efca" providerId="AD" clId="Web-{1D39F76B-2797-E76D-F1EC-80E6ED6562D3}" dt="2023-03-10T10:26:22.343" v="85"/>
-          <ac:spMkLst>
-            <pc:docMk/>
-            <pc:sldMk cId="3759062384" sldId="478"/>
-            <ac:spMk id="27" creationId="{B2CB515D-705C-9E47-E1C5-E6E62BC5AEC3}"/>
-          </ac:spMkLst>
-        </pc:spChg>
-        <pc:spChg chg="mod">
-          <ac:chgData name="Rhushikesh Bhosale" userId="S::rhushikesh.bhosale@fs-students.de::aac571a0-2785-4b85-9ad7-0a1f6d24efca" providerId="AD" clId="Web-{1D39F76B-2797-E76D-F1EC-80E6ED6562D3}" dt="2023-03-10T10:26:24.828" v="86"/>
-          <ac:spMkLst>
-            <pc:docMk/>
-            <pc:sldMk cId="3759062384" sldId="478"/>
-            <ac:spMk id="28" creationId="{30E73C81-75EB-16AF-14D2-601A0E75045A}"/>
-          </ac:spMkLst>
-        </pc:spChg>
-        <pc:spChg chg="mod">
-          <ac:chgData name="Rhushikesh Bhosale" userId="S::rhushikesh.bhosale@fs-students.de::aac571a0-2785-4b85-9ad7-0a1f6d24efca" providerId="AD" clId="Web-{1D39F76B-2797-E76D-F1EC-80E6ED6562D3}" dt="2023-03-10T10:26:27.390" v="87"/>
-          <ac:spMkLst>
-            <pc:docMk/>
-            <pc:sldMk cId="3759062384" sldId="478"/>
-            <ac:spMk id="29" creationId="{CF0E047A-707F-9C3D-4ECD-436FF29059A9}"/>
-          </ac:spMkLst>
-        </pc:spChg>
-      </pc:sldChg>
-      <pc:sldChg chg="addSp modSp">
-        <pc:chgData name="Rhushikesh Bhosale" userId="S::rhushikesh.bhosale@fs-students.de::aac571a0-2785-4b85-9ad7-0a1f6d24efca" providerId="AD" clId="Web-{1D39F76B-2797-E76D-F1EC-80E6ED6562D3}" dt="2023-03-10T10:28:05.925" v="93"/>
-        <pc:sldMkLst>
-          <pc:docMk/>
-          <pc:sldMk cId="1063543620" sldId="480"/>
-        </pc:sldMkLst>
-        <pc:spChg chg="mod">
-          <ac:chgData name="Rhushikesh Bhosale" userId="S::rhushikesh.bhosale@fs-students.de::aac571a0-2785-4b85-9ad7-0a1f6d24efca" providerId="AD" clId="Web-{1D39F76B-2797-E76D-F1EC-80E6ED6562D3}" dt="2023-03-10T10:21:56.334" v="49" actId="20577"/>
-          <ac:spMkLst>
-            <pc:docMk/>
-            <pc:sldMk cId="1063543620" sldId="480"/>
-            <ac:spMk id="3" creationId="{BB753201-676B-DCCC-E430-0C94E69DE8F7}"/>
-          </ac:spMkLst>
-        </pc:spChg>
-        <pc:spChg chg="add mod ord">
-          <ac:chgData name="Rhushikesh Bhosale" userId="S::rhushikesh.bhosale@fs-students.de::aac571a0-2785-4b85-9ad7-0a1f6d24efca" providerId="AD" clId="Web-{1D39F76B-2797-E76D-F1EC-80E6ED6562D3}" dt="2023-03-10T10:20:45.410" v="32"/>
-          <ac:spMkLst>
-            <pc:docMk/>
-            <pc:sldMk cId="1063543620" sldId="480"/>
-            <ac:spMk id="4" creationId="{264CF0C5-EAF1-A958-5D1E-CC5B897D054A}"/>
-          </ac:spMkLst>
-        </pc:spChg>
-        <pc:spChg chg="add mod ord">
-          <ac:chgData name="Rhushikesh Bhosale" userId="S::rhushikesh.bhosale@fs-students.de::aac571a0-2785-4b85-9ad7-0a1f6d24efca" providerId="AD" clId="Web-{1D39F76B-2797-E76D-F1EC-80E6ED6562D3}" dt="2023-03-10T10:28:05.925" v="93"/>
-          <ac:spMkLst>
-            <pc:docMk/>
-            <pc:sldMk cId="1063543620" sldId="480"/>
-            <ac:spMk id="5" creationId="{0384BE12-C8E8-08DC-9E5C-9DB87FB415D2}"/>
-          </ac:spMkLst>
-        </pc:spChg>
-      </pc:sldChg>
-      <pc:sldChg chg="addSp delSp modSp">
-        <pc:chgData name="Rhushikesh Bhosale" userId="S::rhushikesh.bhosale@fs-students.de::aac571a0-2785-4b85-9ad7-0a1f6d24efca" providerId="AD" clId="Web-{1D39F76B-2797-E76D-F1EC-80E6ED6562D3}" dt="2023-03-10T10:36:16.207" v="114" actId="14100"/>
-        <pc:sldMkLst>
-          <pc:docMk/>
-          <pc:sldMk cId="2890327976" sldId="482"/>
-        </pc:sldMkLst>
-        <pc:spChg chg="add mod">
-          <ac:chgData name="Rhushikesh Bhosale" userId="S::rhushikesh.bhosale@fs-students.de::aac571a0-2785-4b85-9ad7-0a1f6d24efca" providerId="AD" clId="Web-{1D39F76B-2797-E76D-F1EC-80E6ED6562D3}" dt="2023-03-10T10:36:16.207" v="114" actId="14100"/>
-          <ac:spMkLst>
-            <pc:docMk/>
-            <pc:sldMk cId="2890327976" sldId="482"/>
-            <ac:spMk id="7" creationId="{11130F31-D3CA-C1D4-AD89-3B85D21C4CEF}"/>
-          </ac:spMkLst>
-        </pc:spChg>
-        <pc:spChg chg="del">
-          <ac:chgData name="Rhushikesh Bhosale" userId="S::rhushikesh.bhosale@fs-students.de::aac571a0-2785-4b85-9ad7-0a1f6d24efca" providerId="AD" clId="Web-{1D39F76B-2797-E76D-F1EC-80E6ED6562D3}" dt="2023-03-10T10:35:20.299" v="106"/>
-          <ac:spMkLst>
-            <pc:docMk/>
-            <pc:sldMk cId="2890327976" sldId="482"/>
-            <ac:spMk id="10" creationId="{BDCEA460-128A-94B5-B9BB-D8EB84C4533F}"/>
-          </ac:spMkLst>
-        </pc:spChg>
-        <pc:grpChg chg="add del mod">
-          <ac:chgData name="Rhushikesh Bhosale" userId="S::rhushikesh.bhosale@fs-students.de::aac571a0-2785-4b85-9ad7-0a1f6d24efca" providerId="AD" clId="Web-{1D39F76B-2797-E76D-F1EC-80E6ED6562D3}" dt="2023-03-10T10:35:47.300" v="111" actId="1076"/>
-          <ac:grpSpMkLst>
-            <pc:docMk/>
-            <pc:sldMk cId="2890327976" sldId="482"/>
-            <ac:grpSpMk id="4" creationId="{45A31D3A-9B23-A358-670E-F6A034F2CA6F}"/>
-          </ac:grpSpMkLst>
-        </pc:grpChg>
-        <pc:picChg chg="del">
-          <ac:chgData name="Rhushikesh Bhosale" userId="S::rhushikesh.bhosale@fs-students.de::aac571a0-2785-4b85-9ad7-0a1f6d24efca" providerId="AD" clId="Web-{1D39F76B-2797-E76D-F1EC-80E6ED6562D3}" dt="2023-03-10T10:34:59.329" v="103"/>
-          <ac:picMkLst>
-            <pc:docMk/>
-            <pc:sldMk cId="2890327976" sldId="482"/>
-            <ac:picMk id="6" creationId="{77C10CA8-930E-41AB-01D5-3AAF1501744F}"/>
-          </ac:picMkLst>
-        </pc:picChg>
-      </pc:sldChg>
-      <pc:sldChg chg="modSp">
-        <pc:chgData name="Rhushikesh Bhosale" userId="S::rhushikesh.bhosale@fs-students.de::aac571a0-2785-4b85-9ad7-0a1f6d24efca" providerId="AD" clId="Web-{1D39F76B-2797-E76D-F1EC-80E6ED6562D3}" dt="2023-03-10T10:22:16.757" v="59" actId="20577"/>
-        <pc:sldMkLst>
-          <pc:docMk/>
-          <pc:sldMk cId="579190318" sldId="492"/>
-        </pc:sldMkLst>
-        <pc:spChg chg="mod">
-          <ac:chgData name="Rhushikesh Bhosale" userId="S::rhushikesh.bhosale@fs-students.de::aac571a0-2785-4b85-9ad7-0a1f6d24efca" providerId="AD" clId="Web-{1D39F76B-2797-E76D-F1EC-80E6ED6562D3}" dt="2023-03-10T10:22:16.757" v="59" actId="20577"/>
-          <ac:spMkLst>
-            <pc:docMk/>
-            <pc:sldMk cId="579190318" sldId="492"/>
-            <ac:spMk id="29" creationId="{68EC5478-213E-19CD-9407-AF982F10BBDF}"/>
-          </ac:spMkLst>
-        </pc:spChg>
-      </pc:sldChg>
-    </pc:docChg>
-  </pc:docChgLst>
-  <pc:docChgLst>
-    <pc:chgData name="Rhushikesh Bhosale" userId="S::rhushikesh.bhosale@fs-students.de::aac571a0-2785-4b85-9ad7-0a1f6d24efca" providerId="AD" clId="Web-{342531FD-CB65-ECE1-4CAA-639FF12E91F4}"/>
-    <pc:docChg chg="modSld">
-      <pc:chgData name="Rhushikesh Bhosale" userId="S::rhushikesh.bhosale@fs-students.de::aac571a0-2785-4b85-9ad7-0a1f6d24efca" providerId="AD" clId="Web-{342531FD-CB65-ECE1-4CAA-639FF12E91F4}" dt="2023-03-10T20:08:43.733" v="3"/>
-      <pc:docMkLst>
-        <pc:docMk/>
-      </pc:docMkLst>
-      <pc:sldChg chg="addSp delSp modSp">
-        <pc:chgData name="Rhushikesh Bhosale" userId="S::rhushikesh.bhosale@fs-students.de::aac571a0-2785-4b85-9ad7-0a1f6d24efca" providerId="AD" clId="Web-{342531FD-CB65-ECE1-4CAA-639FF12E91F4}" dt="2023-03-10T20:08:43.733" v="3"/>
-        <pc:sldMkLst>
-          <pc:docMk/>
-          <pc:sldMk cId="1063543620" sldId="480"/>
-        </pc:sldMkLst>
-        <pc:spChg chg="add del mod">
-          <ac:chgData name="Rhushikesh Bhosale" userId="S::rhushikesh.bhosale@fs-students.de::aac571a0-2785-4b85-9ad7-0a1f6d24efca" providerId="AD" clId="Web-{342531FD-CB65-ECE1-4CAA-639FF12E91F4}" dt="2023-03-10T20:08:43.733" v="3"/>
-          <ac:spMkLst>
-            <pc:docMk/>
-            <pc:sldMk cId="1063543620" sldId="480"/>
-            <ac:spMk id="6" creationId="{FB624D41-90B7-97B1-74AE-AF47D856A67B}"/>
-          </ac:spMkLst>
-        </pc:spChg>
-      </pc:sldChg>
-    </pc:docChg>
-  </pc:docChgLst>
-  <pc:docChgLst>
-    <pc:chgData name="Kirtesh Pushpakbhai Patel" userId="827b0188-014d-49bb-a8b9-04926e37603d" providerId="ADAL" clId="{A86F0464-E5EC-4030-8E95-7A39A7605702}"/>
-    <pc:docChg chg="undo redo custSel addSld delSld modSld sldOrd addSection delSection modSection">
-      <pc:chgData name="Kirtesh Pushpakbhai Patel" userId="827b0188-014d-49bb-a8b9-04926e37603d" providerId="ADAL" clId="{A86F0464-E5EC-4030-8E95-7A39A7605702}" dt="2023-03-11T13:40:19.185" v="2380" actId="20577"/>
-      <pc:docMkLst>
-        <pc:docMk/>
-      </pc:docMkLst>
-      <pc:sldChg chg="modSp add del modTransition">
-        <pc:chgData name="Kirtesh Pushpakbhai Patel" userId="827b0188-014d-49bb-a8b9-04926e37603d" providerId="ADAL" clId="{A86F0464-E5EC-4030-8E95-7A39A7605702}" dt="2023-03-10T13:13:00.197" v="1830" actId="47"/>
-        <pc:sldMkLst>
-          <pc:docMk/>
-          <pc:sldMk cId="0" sldId="258"/>
-        </pc:sldMkLst>
-        <pc:spChg chg="mod">
-          <ac:chgData name="Kirtesh Pushpakbhai Patel" userId="827b0188-014d-49bb-a8b9-04926e37603d" providerId="ADAL" clId="{A86F0464-E5EC-4030-8E95-7A39A7605702}" dt="2023-03-10T13:11:31.894" v="1822"/>
-          <ac:spMkLst>
-            <pc:docMk/>
-            <pc:sldMk cId="0" sldId="258"/>
-            <ac:spMk id="288" creationId="{00000000-0000-0000-0000-000000000000}"/>
-          </ac:spMkLst>
-        </pc:spChg>
-      </pc:sldChg>
-      <pc:sldChg chg="delSp modSp add del mod ord delCm">
-        <pc:chgData name="Kirtesh Pushpakbhai Patel" userId="827b0188-014d-49bb-a8b9-04926e37603d" providerId="ADAL" clId="{A86F0464-E5EC-4030-8E95-7A39A7605702}" dt="2023-03-10T13:03:30.684" v="1820" actId="47"/>
-        <pc:sldMkLst>
-          <pc:docMk/>
-          <pc:sldMk cId="10871265" sldId="274"/>
-        </pc:sldMkLst>
-        <pc:spChg chg="mod">
-          <ac:chgData name="Kirtesh Pushpakbhai Patel" userId="827b0188-014d-49bb-a8b9-04926e37603d" providerId="ADAL" clId="{A86F0464-E5EC-4030-8E95-7A39A7605702}" dt="2023-03-10T11:53:07.278" v="256" actId="207"/>
-          <ac:spMkLst>
-            <pc:docMk/>
-            <pc:sldMk cId="10871265" sldId="274"/>
-            <ac:spMk id="24580" creationId="{1339A382-9C54-8A43-F395-707EC45FDBEA}"/>
-          </ac:spMkLst>
-        </pc:spChg>
-        <pc:spChg chg="mod">
-          <ac:chgData name="Kirtesh Pushpakbhai Patel" userId="827b0188-014d-49bb-a8b9-04926e37603d" providerId="ADAL" clId="{A86F0464-E5EC-4030-8E95-7A39A7605702}" dt="2023-03-10T11:53:35.135" v="258" actId="207"/>
-          <ac:spMkLst>
-            <pc:docMk/>
-            <pc:sldMk cId="10871265" sldId="274"/>
-            <ac:spMk id="24581" creationId="{76CBC2DB-73EC-50CF-EFF2-92EE3A7D9F5D}"/>
-          </ac:spMkLst>
-        </pc:spChg>
-        <pc:spChg chg="mod">
-          <ac:chgData name="Kirtesh Pushpakbhai Patel" userId="827b0188-014d-49bb-a8b9-04926e37603d" providerId="ADAL" clId="{A86F0464-E5EC-4030-8E95-7A39A7605702}" dt="2023-03-10T11:53:07.278" v="256" actId="207"/>
-          <ac:spMkLst>
-            <pc:docMk/>
-            <pc:sldMk cId="10871265" sldId="274"/>
-            <ac:spMk id="24582" creationId="{88D86885-6DCA-2912-9DB7-35546B35DEC9}"/>
-          </ac:spMkLst>
-        </pc:spChg>
-        <pc:spChg chg="mod">
-          <ac:chgData name="Kirtesh Pushpakbhai Patel" userId="827b0188-014d-49bb-a8b9-04926e37603d" providerId="ADAL" clId="{A86F0464-E5EC-4030-8E95-7A39A7605702}" dt="2023-03-10T11:53:35.135" v="258" actId="207"/>
-          <ac:spMkLst>
-            <pc:docMk/>
-            <pc:sldMk cId="10871265" sldId="274"/>
-            <ac:spMk id="24583" creationId="{3829AD1B-9ECD-D0C3-94F2-85F829475321}"/>
-          </ac:spMkLst>
-        </pc:spChg>
-        <pc:spChg chg="mod">
-          <ac:chgData name="Kirtesh Pushpakbhai Patel" userId="827b0188-014d-49bb-a8b9-04926e37603d" providerId="ADAL" clId="{A86F0464-E5EC-4030-8E95-7A39A7605702}" dt="2023-03-10T11:47:42.768" v="177" actId="13926"/>
-          <ac:spMkLst>
-            <pc:docMk/>
-            <pc:sldMk cId="10871265" sldId="274"/>
-            <ac:spMk id="24584" creationId="{5D7088B2-F1AD-FD9F-F0E3-5FEB778C505B}"/>
-          </ac:spMkLst>
-        </pc:spChg>
-        <pc:spChg chg="mod">
-          <ac:chgData name="Kirtesh Pushpakbhai Patel" userId="827b0188-014d-49bb-a8b9-04926e37603d" providerId="ADAL" clId="{A86F0464-E5EC-4030-8E95-7A39A7605702}" dt="2023-03-10T11:47:42.768" v="177" actId="13926"/>
-          <ac:spMkLst>
-            <pc:docMk/>
-            <pc:sldMk cId="10871265" sldId="274"/>
-            <ac:spMk id="24585" creationId="{3F90EB43-728A-3359-3925-E1E62EF1EE49}"/>
-          </ac:spMkLst>
-        </pc:spChg>
-        <pc:spChg chg="mod">
-          <ac:chgData name="Kirtesh Pushpakbhai Patel" userId="827b0188-014d-49bb-a8b9-04926e37603d" providerId="ADAL" clId="{A86F0464-E5EC-4030-8E95-7A39A7605702}" dt="2023-03-10T11:47:42.768" v="177" actId="13926"/>
-          <ac:spMkLst>
-            <pc:docMk/>
-            <pc:sldMk cId="10871265" sldId="274"/>
-            <ac:spMk id="24586" creationId="{24348228-8DEB-CDB5-5EAB-FC1360061423}"/>
-          </ac:spMkLst>
-        </pc:spChg>
-        <pc:spChg chg="mod">
-          <ac:chgData name="Kirtesh Pushpakbhai Patel" userId="827b0188-014d-49bb-a8b9-04926e37603d" providerId="ADAL" clId="{A86F0464-E5EC-4030-8E95-7A39A7605702}" dt="2023-03-10T11:47:42.768" v="177" actId="13926"/>
-          <ac:spMkLst>
-            <pc:docMk/>
-            <pc:sldMk cId="10871265" sldId="274"/>
-            <ac:spMk id="24587" creationId="{D83893B4-A59C-62A5-11FC-1C40ABE90BA2}"/>
-          </ac:spMkLst>
-        </pc:spChg>
-        <pc:spChg chg="mod">
-          <ac:chgData name="Kirtesh Pushpakbhai Patel" userId="827b0188-014d-49bb-a8b9-04926e37603d" providerId="ADAL" clId="{A86F0464-E5EC-4030-8E95-7A39A7605702}" dt="2023-03-10T11:53:22.681" v="257" actId="207"/>
-          <ac:spMkLst>
-            <pc:docMk/>
-            <pc:sldMk cId="10871265" sldId="274"/>
-            <ac:spMk id="24588" creationId="{FDADB24F-9D55-7C86-A10E-F2DF71E0C73F}"/>
-          </ac:spMkLst>
-        </pc:spChg>
-        <pc:spChg chg="mod">
-          <ac:chgData name="Kirtesh Pushpakbhai Patel" userId="827b0188-014d-49bb-a8b9-04926e37603d" providerId="ADAL" clId="{A86F0464-E5EC-4030-8E95-7A39A7605702}" dt="2023-03-10T11:53:22.681" v="257" actId="207"/>
-          <ac:spMkLst>
-            <pc:docMk/>
-            <pc:sldMk cId="10871265" sldId="274"/>
-            <ac:spMk id="24590" creationId="{DA0A6D9B-1D64-6B13-7DD6-A616B7C32A13}"/>
-          </ac:spMkLst>
-        </pc:spChg>
-        <pc:spChg chg="mod">
-          <ac:chgData name="Kirtesh Pushpakbhai Patel" userId="827b0188-014d-49bb-a8b9-04926e37603d" providerId="ADAL" clId="{A86F0464-E5EC-4030-8E95-7A39A7605702}" dt="2023-03-10T11:53:22.681" v="257" actId="207"/>
-          <ac:spMkLst>
-            <pc:docMk/>
-            <pc:sldMk cId="10871265" sldId="274"/>
-            <ac:spMk id="24591" creationId="{7E719809-C190-4CC0-4155-B43BC95B076E}"/>
-          </ac:spMkLst>
-        </pc:spChg>
-        <pc:spChg chg="mod">
-          <ac:chgData name="Kirtesh Pushpakbhai Patel" userId="827b0188-014d-49bb-a8b9-04926e37603d" providerId="ADAL" clId="{A86F0464-E5EC-4030-8E95-7A39A7605702}" dt="2023-03-10T11:53:22.681" v="257" actId="207"/>
-          <ac:spMkLst>
-            <pc:docMk/>
-            <pc:sldMk cId="10871265" sldId="274"/>
-            <ac:spMk id="24592" creationId="{ABE5332B-3864-5E45-E3F5-EF9353738D6D}"/>
-          </ac:spMkLst>
-        </pc:spChg>
-        <pc:spChg chg="mod">
-          <ac:chgData name="Kirtesh Pushpakbhai Patel" userId="827b0188-014d-49bb-a8b9-04926e37603d" providerId="ADAL" clId="{A86F0464-E5EC-4030-8E95-7A39A7605702}" dt="2023-03-10T12:00:31.078" v="379" actId="20577"/>
-          <ac:spMkLst>
-            <pc:docMk/>
-            <pc:sldMk cId="10871265" sldId="274"/>
-            <ac:spMk id="24596" creationId="{1D8786E1-41E9-5E6A-E653-B5A4F95CA560}"/>
-          </ac:spMkLst>
-        </pc:spChg>
-        <pc:spChg chg="mod">
-          <ac:chgData name="Kirtesh Pushpakbhai Patel" userId="827b0188-014d-49bb-a8b9-04926e37603d" providerId="ADAL" clId="{A86F0464-E5EC-4030-8E95-7A39A7605702}" dt="2023-03-10T11:50:35.075" v="226" actId="20577"/>
-          <ac:spMkLst>
-            <pc:docMk/>
-            <pc:sldMk cId="10871265" sldId="274"/>
-            <ac:spMk id="24597" creationId="{C9192A48-645C-C7E1-C45A-EC9400486805}"/>
-          </ac:spMkLst>
-        </pc:spChg>
-        <pc:spChg chg="mod">
-          <ac:chgData name="Kirtesh Pushpakbhai Patel" userId="827b0188-014d-49bb-a8b9-04926e37603d" providerId="ADAL" clId="{A86F0464-E5EC-4030-8E95-7A39A7605702}" dt="2023-03-10T11:50:55.015" v="239" actId="20577"/>
-          <ac:spMkLst>
-            <pc:docMk/>
-            <pc:sldMk cId="10871265" sldId="274"/>
-            <ac:spMk id="24598" creationId="{0330186A-A0DF-FE11-8147-262D9C3D3303}"/>
-          </ac:spMkLst>
-        </pc:spChg>
-        <pc:spChg chg="mod">
-          <ac:chgData name="Kirtesh Pushpakbhai Patel" userId="827b0188-014d-49bb-a8b9-04926e37603d" providerId="ADAL" clId="{A86F0464-E5EC-4030-8E95-7A39A7605702}" dt="2023-03-10T11:51:12.971" v="254" actId="20577"/>
-          <ac:spMkLst>
-            <pc:docMk/>
-            <pc:sldMk cId="10871265" sldId="274"/>
-            <ac:spMk id="24599" creationId="{8ED4546C-34CB-BE3C-754D-C88F1A19502B}"/>
-          </ac:spMkLst>
-        </pc:spChg>
-        <pc:spChg chg="del">
-          <ac:chgData name="Kirtesh Pushpakbhai Patel" userId="827b0188-014d-49bb-a8b9-04926e37603d" providerId="ADAL" clId="{A86F0464-E5EC-4030-8E95-7A39A7605702}" dt="2023-03-10T13:02:37.688" v="1794" actId="478"/>
-          <ac:spMkLst>
-            <pc:docMk/>
-            <pc:sldMk cId="10871265" sldId="274"/>
-            <ac:spMk id="24600" creationId="{BBC494AC-71F3-B015-70F7-BCC57DE9F85E}"/>
-          </ac:spMkLst>
-        </pc:spChg>
-        <pc:extLst>
-          <p:ext xmlns:p="http://schemas.openxmlformats.org/presentationml/2006/main" uri="{D6D511B9-2390-475A-947B-AFAB55BFBCF1}">
-            <pc226:cmChg xmlns:pc226="http://schemas.microsoft.com/office/powerpoint/2022/06/main/command" chg="del">
-              <pc226:chgData name="Kirtesh Pushpakbhai Patel" userId="827b0188-014d-49bb-a8b9-04926e37603d" providerId="ADAL" clId="{A86F0464-E5EC-4030-8E95-7A39A7605702}" dt="2023-03-10T12:26:25.103" v="1198"/>
-              <pc2:cmMkLst xmlns:pc2="http://schemas.microsoft.com/office/powerpoint/2019/9/main/command">
-                <pc:docMk/>
-                <pc:sldMk cId="10871265" sldId="274"/>
-                <pc2:cmMk id="{3EABADB9-F759-4C36-AEBE-159FF2EDD629}"/>
-              </pc2:cmMkLst>
-            </pc226:cmChg>
-          </p:ext>
-        </pc:extLst>
-      </pc:sldChg>
-      <pc:sldChg chg="add del">
-        <pc:chgData name="Kirtesh Pushpakbhai Patel" userId="827b0188-014d-49bb-a8b9-04926e37603d" providerId="ADAL" clId="{A86F0464-E5EC-4030-8E95-7A39A7605702}" dt="2023-03-10T12:27:30.566" v="1204" actId="47"/>
-        <pc:sldMkLst>
-          <pc:docMk/>
-          <pc:sldMk cId="363519504" sldId="318"/>
-        </pc:sldMkLst>
-      </pc:sldChg>
-      <pc:sldChg chg="add setBg">
-        <pc:chgData name="Kirtesh Pushpakbhai Patel" userId="827b0188-014d-49bb-a8b9-04926e37603d" providerId="ADAL" clId="{A86F0464-E5EC-4030-8E95-7A39A7605702}" dt="2023-03-10T12:37:16.061" v="1221"/>
-        <pc:sldMkLst>
-          <pc:docMk/>
-          <pc:sldMk cId="2022189127" sldId="347"/>
-        </pc:sldMkLst>
-      </pc:sldChg>
-      <pc:sldChg chg="del ord">
-        <pc:chgData name="Kirtesh Pushpakbhai Patel" userId="827b0188-014d-49bb-a8b9-04926e37603d" providerId="ADAL" clId="{A86F0464-E5EC-4030-8E95-7A39A7605702}" dt="2023-03-10T11:03:06.779" v="119" actId="2696"/>
-        <pc:sldMkLst>
-          <pc:docMk/>
-          <pc:sldMk cId="3935413729" sldId="347"/>
-        </pc:sldMkLst>
-      </pc:sldChg>
-      <pc:sldChg chg="add setBg delCm">
-        <pc:chgData name="Kirtesh Pushpakbhai Patel" userId="827b0188-014d-49bb-a8b9-04926e37603d" providerId="ADAL" clId="{A86F0464-E5EC-4030-8E95-7A39A7605702}" dt="2023-03-10T21:34:55.354" v="2338"/>
-        <pc:sldMkLst>
-          <pc:docMk/>
-          <pc:sldMk cId="669064336" sldId="410"/>
-        </pc:sldMkLst>
-        <pc:extLst>
-          <p:ext xmlns:p="http://schemas.openxmlformats.org/presentationml/2006/main" uri="{D6D511B9-2390-475A-947B-AFAB55BFBCF1}">
-            <pc226:cmChg xmlns:pc226="http://schemas.microsoft.com/office/powerpoint/2022/06/main/command" chg="del">
-              <pc226:chgData name="Kirtesh Pushpakbhai Patel" userId="827b0188-014d-49bb-a8b9-04926e37603d" providerId="ADAL" clId="{A86F0464-E5EC-4030-8E95-7A39A7605702}" dt="2023-03-10T21:34:55.354" v="2338"/>
-              <pc2:cmMkLst xmlns:pc2="http://schemas.microsoft.com/office/powerpoint/2019/9/main/command">
-                <pc:docMk/>
-                <pc:sldMk cId="669064336" sldId="410"/>
-                <pc2:cmMk id="{20B4A369-E85C-424A-B5B2-FDF3D2482087}"/>
-              </pc2:cmMkLst>
-            </pc226:cmChg>
-          </p:ext>
-        </pc:extLst>
-      </pc:sldChg>
-      <pc:sldChg chg="del ord">
-        <pc:chgData name="Kirtesh Pushpakbhai Patel" userId="827b0188-014d-49bb-a8b9-04926e37603d" providerId="ADAL" clId="{A86F0464-E5EC-4030-8E95-7A39A7605702}" dt="2023-03-10T11:03:06.779" v="119" actId="2696"/>
-        <pc:sldMkLst>
-          <pc:docMk/>
-          <pc:sldMk cId="1943363559" sldId="410"/>
-        </pc:sldMkLst>
-      </pc:sldChg>
-      <pc:sldChg chg="del ord">
-        <pc:chgData name="Kirtesh Pushpakbhai Patel" userId="827b0188-014d-49bb-a8b9-04926e37603d" providerId="ADAL" clId="{A86F0464-E5EC-4030-8E95-7A39A7605702}" dt="2023-03-10T11:03:06.779" v="119" actId="2696"/>
-        <pc:sldMkLst>
-          <pc:docMk/>
-          <pc:sldMk cId="240602418" sldId="417"/>
-        </pc:sldMkLst>
-      </pc:sldChg>
-      <pc:sldChg chg="add del mod modShow">
-        <pc:chgData name="Kirtesh Pushpakbhai Patel" userId="827b0188-014d-49bb-a8b9-04926e37603d" providerId="ADAL" clId="{A86F0464-E5EC-4030-8E95-7A39A7605702}" dt="2023-03-10T12:28:16.221" v="1207" actId="47"/>
-        <pc:sldMkLst>
-          <pc:docMk/>
-          <pc:sldMk cId="3831428425" sldId="417"/>
-        </pc:sldMkLst>
-      </pc:sldChg>
-      <pc:sldChg chg="delCm">
-        <pc:chgData name="Kirtesh Pushpakbhai Patel" userId="827b0188-014d-49bb-a8b9-04926e37603d" providerId="ADAL" clId="{A86F0464-E5EC-4030-8E95-7A39A7605702}" dt="2023-03-10T12:26:58.857" v="1202"/>
-        <pc:sldMkLst>
-          <pc:docMk/>
-          <pc:sldMk cId="1190353087" sldId="450"/>
-        </pc:sldMkLst>
-        <pc:extLst>
-          <p:ext xmlns:p="http://schemas.openxmlformats.org/presentationml/2006/main" uri="{D6D511B9-2390-475A-947B-AFAB55BFBCF1}">
-            <pc226:cmChg xmlns:pc226="http://schemas.microsoft.com/office/powerpoint/2022/06/main/command" chg="del">
-              <pc226:chgData name="Kirtesh Pushpakbhai Patel" userId="827b0188-014d-49bb-a8b9-04926e37603d" providerId="ADAL" clId="{A86F0464-E5EC-4030-8E95-7A39A7605702}" dt="2023-03-10T12:26:58.857" v="1202"/>
-              <pc2:cmMkLst xmlns:pc2="http://schemas.microsoft.com/office/powerpoint/2019/9/main/command">
-                <pc:docMk/>
-                <pc:sldMk cId="1190353087" sldId="450"/>
-                <pc2:cmMk id="{1D3D0385-4FC2-41E0-9873-5210D39EDF77}"/>
-              </pc2:cmMkLst>
-            </pc226:cmChg>
-          </p:ext>
-        </pc:extLst>
-      </pc:sldChg>
-      <pc:sldChg chg="modSp del mod modShow delCm">
-        <pc:chgData name="Kirtesh Pushpakbhai Patel" userId="827b0188-014d-49bb-a8b9-04926e37603d" providerId="ADAL" clId="{A86F0464-E5EC-4030-8E95-7A39A7605702}" dt="2023-03-10T12:59:19.332" v="1677" actId="2696"/>
-        <pc:sldMkLst>
-          <pc:docMk/>
-          <pc:sldMk cId="3545872644" sldId="462"/>
-        </pc:sldMkLst>
-        <pc:spChg chg="mod">
-          <ac:chgData name="Kirtesh Pushpakbhai Patel" userId="827b0188-014d-49bb-a8b9-04926e37603d" providerId="ADAL" clId="{A86F0464-E5EC-4030-8E95-7A39A7605702}" dt="2023-03-10T12:58:24.095" v="1672" actId="20577"/>
-          <ac:spMkLst>
-            <pc:docMk/>
-            <pc:sldMk cId="3545872644" sldId="462"/>
-            <ac:spMk id="18" creationId="{298301B1-B19C-AA63-77BE-17E32DFCEB78}"/>
-          </ac:spMkLst>
-        </pc:spChg>
-        <pc:spChg chg="mod">
-          <ac:chgData name="Kirtesh Pushpakbhai Patel" userId="827b0188-014d-49bb-a8b9-04926e37603d" providerId="ADAL" clId="{A86F0464-E5EC-4030-8E95-7A39A7605702}" dt="2023-03-10T12:58:28.651" v="1674" actId="20577"/>
-          <ac:spMkLst>
-            <pc:docMk/>
-            <pc:sldMk cId="3545872644" sldId="462"/>
-            <ac:spMk id="68" creationId="{AFA71805-F5AA-B9D8-33A0-B16C8873FC62}"/>
-          </ac:spMkLst>
-        </pc:spChg>
-        <pc:extLst>
-          <p:ext xmlns:p="http://schemas.openxmlformats.org/presentationml/2006/main" uri="{D6D511B9-2390-475A-947B-AFAB55BFBCF1}">
-            <pc226:cmChg xmlns:pc226="http://schemas.microsoft.com/office/powerpoint/2022/06/main/command" chg="del">
-              <pc226:chgData name="Kirtesh Pushpakbhai Patel" userId="827b0188-014d-49bb-a8b9-04926e37603d" providerId="ADAL" clId="{A86F0464-E5EC-4030-8E95-7A39A7605702}" dt="2023-03-10T12:25:34.141" v="1186"/>
-              <pc2:cmMkLst xmlns:pc2="http://schemas.microsoft.com/office/powerpoint/2019/9/main/command">
-                <pc:docMk/>
-                <pc:sldMk cId="3545872644" sldId="462"/>
-                <pc2:cmMk id="{94229997-6645-4E01-AFE3-636E686E7270}"/>
-              </pc2:cmMkLst>
-            </pc226:cmChg>
-          </p:ext>
-        </pc:extLst>
-      </pc:sldChg>
-      <pc:sldChg chg="addSp delSp modSp add mod ord">
-        <pc:chgData name="Kirtesh Pushpakbhai Patel" userId="827b0188-014d-49bb-a8b9-04926e37603d" providerId="ADAL" clId="{A86F0464-E5EC-4030-8E95-7A39A7605702}" dt="2023-03-10T13:34:30.603" v="2202"/>
-        <pc:sldMkLst>
-          <pc:docMk/>
-          <pc:sldMk cId="4261358115" sldId="462"/>
-        </pc:sldMkLst>
-        <pc:spChg chg="del">
-          <ac:chgData name="Kirtesh Pushpakbhai Patel" userId="827b0188-014d-49bb-a8b9-04926e37603d" providerId="ADAL" clId="{A86F0464-E5EC-4030-8E95-7A39A7605702}" dt="2023-03-10T13:34:30.072" v="2201" actId="478"/>
-          <ac:spMkLst>
-            <pc:docMk/>
-            <pc:sldMk cId="4261358115" sldId="462"/>
-            <ac:spMk id="2" creationId="{77D02541-F930-59FA-9F49-F09AC267305A}"/>
-          </ac:spMkLst>
-        </pc:spChg>
-        <pc:spChg chg="add mod">
-          <ac:chgData name="Kirtesh Pushpakbhai Patel" userId="827b0188-014d-49bb-a8b9-04926e37603d" providerId="ADAL" clId="{A86F0464-E5EC-4030-8E95-7A39A7605702}" dt="2023-03-10T13:34:30.603" v="2202"/>
-          <ac:spMkLst>
-            <pc:docMk/>
-            <pc:sldMk cId="4261358115" sldId="462"/>
-            <ac:spMk id="3" creationId="{7D7E1600-EF06-8E1D-F0C6-080F30E14B9C}"/>
-          </ac:spMkLst>
-        </pc:spChg>
-        <pc:spChg chg="mod">
-          <ac:chgData name="Kirtesh Pushpakbhai Patel" userId="827b0188-014d-49bb-a8b9-04926e37603d" providerId="ADAL" clId="{A86F0464-E5EC-4030-8E95-7A39A7605702}" dt="2023-03-10T13:34:10.409" v="2200" actId="255"/>
-          <ac:spMkLst>
-            <pc:docMk/>
-            <pc:sldMk cId="4261358115" sldId="462"/>
-            <ac:spMk id="18" creationId="{298301B1-B19C-AA63-77BE-17E32DFCEB78}"/>
-          </ac:spMkLst>
-        </pc:spChg>
-      </pc:sldChg>
-      <pc:sldChg chg="delCm">
-        <pc:chgData name="Kirtesh Pushpakbhai Patel" userId="827b0188-014d-49bb-a8b9-04926e37603d" providerId="ADAL" clId="{A86F0464-E5EC-4030-8E95-7A39A7605702}" dt="2023-03-10T12:27:03.852" v="1203"/>
-        <pc:sldMkLst>
-          <pc:docMk/>
-          <pc:sldMk cId="2706740734" sldId="466"/>
-        </pc:sldMkLst>
-        <pc:extLst>
-          <p:ext xmlns:p="http://schemas.openxmlformats.org/presentationml/2006/main" uri="{D6D511B9-2390-475A-947B-AFAB55BFBCF1}">
-            <pc226:cmChg xmlns:pc226="http://schemas.microsoft.com/office/powerpoint/2022/06/main/command" chg="del">
-              <pc226:chgData name="Kirtesh Pushpakbhai Patel" userId="827b0188-014d-49bb-a8b9-04926e37603d" providerId="ADAL" clId="{A86F0464-E5EC-4030-8E95-7A39A7605702}" dt="2023-03-10T12:27:03.852" v="1203"/>
-              <pc2:cmMkLst xmlns:pc2="http://schemas.microsoft.com/office/powerpoint/2019/9/main/command">
-                <pc:docMk/>
-                <pc:sldMk cId="2706740734" sldId="466"/>
-                <pc2:cmMk id="{DC044AA0-C7DD-441C-B0E4-38BB7FD23EDF}"/>
-              </pc2:cmMkLst>
-            </pc226:cmChg>
-          </p:ext>
-        </pc:extLst>
-      </pc:sldChg>
-      <pc:sldChg chg="delCm">
-        <pc:chgData name="Kirtesh Pushpakbhai Patel" userId="827b0188-014d-49bb-a8b9-04926e37603d" providerId="ADAL" clId="{A86F0464-E5EC-4030-8E95-7A39A7605702}" dt="2023-03-10T12:26:54.029" v="1201"/>
-        <pc:sldMkLst>
-          <pc:docMk/>
-          <pc:sldMk cId="1917993598" sldId="467"/>
-        </pc:sldMkLst>
-        <pc:extLst>
-          <p:ext xmlns:p="http://schemas.openxmlformats.org/presentationml/2006/main" uri="{D6D511B9-2390-475A-947B-AFAB55BFBCF1}">
-            <pc226:cmChg xmlns:pc226="http://schemas.microsoft.com/office/powerpoint/2022/06/main/command" chg="del">
-              <pc226:chgData name="Kirtesh Pushpakbhai Patel" userId="827b0188-014d-49bb-a8b9-04926e37603d" providerId="ADAL" clId="{A86F0464-E5EC-4030-8E95-7A39A7605702}" dt="2023-03-10T12:26:50.870" v="1200"/>
-              <pc2:cmMkLst xmlns:pc2="http://schemas.microsoft.com/office/powerpoint/2019/9/main/command">
-                <pc:docMk/>
-                <pc:sldMk cId="1917993598" sldId="467"/>
-                <pc2:cmMk id="{5F5E8C2C-E60C-4BF1-A004-73520FE62222}"/>
-              </pc2:cmMkLst>
-            </pc226:cmChg>
-            <pc226:cmChg xmlns:pc226="http://schemas.microsoft.com/office/powerpoint/2022/06/main/command" chg="del">
-              <pc226:chgData name="Kirtesh Pushpakbhai Patel" userId="827b0188-014d-49bb-a8b9-04926e37603d" providerId="ADAL" clId="{A86F0464-E5EC-4030-8E95-7A39A7605702}" dt="2023-03-10T12:26:54.029" v="1201"/>
-              <pc2:cmMkLst xmlns:pc2="http://schemas.microsoft.com/office/powerpoint/2019/9/main/command">
-                <pc:docMk/>
-                <pc:sldMk cId="1917993598" sldId="467"/>
-                <pc2:cmMk id="{7B3D4B59-FC0D-4564-B093-15387311266A}"/>
-              </pc2:cmMkLst>
-            </pc226:cmChg>
-          </p:ext>
-        </pc:extLst>
-      </pc:sldChg>
-      <pc:sldChg chg="delCm modCm">
-        <pc:chgData name="Kirtesh Pushpakbhai Patel" userId="827b0188-014d-49bb-a8b9-04926e37603d" providerId="ADAL" clId="{A86F0464-E5EC-4030-8E95-7A39A7605702}" dt="2023-03-10T12:26:45.731" v="1199"/>
-        <pc:sldMkLst>
-          <pc:docMk/>
-          <pc:sldMk cId="1345251810" sldId="472"/>
-        </pc:sldMkLst>
-        <pc:extLst>
-          <p:ext xmlns:p="http://schemas.openxmlformats.org/presentationml/2006/main" uri="{D6D511B9-2390-475A-947B-AFAB55BFBCF1}">
-            <pc226:cmChg xmlns:pc226="http://schemas.microsoft.com/office/powerpoint/2022/06/main/command" chg="del mod">
-              <pc226:chgData name="Kirtesh Pushpakbhai Patel" userId="827b0188-014d-49bb-a8b9-04926e37603d" providerId="ADAL" clId="{A86F0464-E5EC-4030-8E95-7A39A7605702}" dt="2023-03-10T12:26:45.731" v="1199"/>
-              <pc2:cmMkLst xmlns:pc2="http://schemas.microsoft.com/office/powerpoint/2019/9/main/command">
-                <pc:docMk/>
-                <pc:sldMk cId="1345251810" sldId="472"/>
-                <pc2:cmMk id="{D8805D79-C8B4-44B1-8941-22A2888D2892}"/>
-              </pc2:cmMkLst>
-            </pc226:cmChg>
-          </p:ext>
-        </pc:extLst>
-      </pc:sldChg>
-      <pc:sldChg chg="addSp delSp modSp add mod">
-        <pc:chgData name="Kirtesh Pushpakbhai Patel" userId="827b0188-014d-49bb-a8b9-04926e37603d" providerId="ADAL" clId="{A86F0464-E5EC-4030-8E95-7A39A7605702}" dt="2023-03-10T14:17:37.799" v="2333" actId="1076"/>
-        <pc:sldMkLst>
-          <pc:docMk/>
-          <pc:sldMk cId="1134968287" sldId="476"/>
-        </pc:sldMkLst>
-        <pc:spChg chg="mod">
-          <ac:chgData name="Kirtesh Pushpakbhai Patel" userId="827b0188-014d-49bb-a8b9-04926e37603d" providerId="ADAL" clId="{A86F0464-E5EC-4030-8E95-7A39A7605702}" dt="2023-03-10T14:15:29.337" v="2311" actId="1076"/>
-          <ac:spMkLst>
-            <pc:docMk/>
-            <pc:sldMk cId="1134968287" sldId="476"/>
-            <ac:spMk id="2" creationId="{00000000-0000-0000-0000-000000000000}"/>
-          </ac:spMkLst>
-        </pc:spChg>
-        <pc:spChg chg="add mod ord">
-          <ac:chgData name="Kirtesh Pushpakbhai Patel" userId="827b0188-014d-49bb-a8b9-04926e37603d" providerId="ADAL" clId="{A86F0464-E5EC-4030-8E95-7A39A7605702}" dt="2023-03-10T14:16:17.265" v="2326" actId="14100"/>
-          <ac:spMkLst>
-            <pc:docMk/>
-            <pc:sldMk cId="1134968287" sldId="476"/>
-            <ac:spMk id="3" creationId="{63D84867-5115-4047-6BA7-AC3EF4875DD8}"/>
-          </ac:spMkLst>
-        </pc:spChg>
-        <pc:spChg chg="del">
-          <ac:chgData name="Kirtesh Pushpakbhai Patel" userId="827b0188-014d-49bb-a8b9-04926e37603d" providerId="ADAL" clId="{A86F0464-E5EC-4030-8E95-7A39A7605702}" dt="2023-03-10T12:03:24.847" v="398" actId="478"/>
-          <ac:spMkLst>
-            <pc:docMk/>
-            <pc:sldMk cId="1134968287" sldId="476"/>
-            <ac:spMk id="3" creationId="{812ED65C-EF01-82D1-22D0-16412098A301}"/>
-          </ac:spMkLst>
-        </pc:spChg>
-        <pc:spChg chg="add mod ord">
-          <ac:chgData name="Kirtesh Pushpakbhai Patel" userId="827b0188-014d-49bb-a8b9-04926e37603d" providerId="ADAL" clId="{A86F0464-E5EC-4030-8E95-7A39A7605702}" dt="2023-03-10T14:16:35.502" v="2327" actId="207"/>
-          <ac:spMkLst>
-            <pc:docMk/>
-            <pc:sldMk cId="1134968287" sldId="476"/>
-            <ac:spMk id="6" creationId="{F04D84BC-3A0E-7137-6A60-D304A07A04D7}"/>
-          </ac:spMkLst>
-        </pc:spChg>
-        <pc:spChg chg="add mod ord">
-          <ac:chgData name="Kirtesh Pushpakbhai Patel" userId="827b0188-014d-49bb-a8b9-04926e37603d" providerId="ADAL" clId="{A86F0464-E5EC-4030-8E95-7A39A7605702}" dt="2023-03-10T14:17:23.499" v="2332" actId="207"/>
-          <ac:spMkLst>
-            <pc:docMk/>
-            <pc:sldMk cId="1134968287" sldId="476"/>
-            <ac:spMk id="7" creationId="{129A51B3-0F40-D235-95E9-0A58971CE0DC}"/>
-          </ac:spMkLst>
-        </pc:spChg>
-        <pc:spChg chg="mod">
-          <ac:chgData name="Kirtesh Pushpakbhai Patel" userId="827b0188-014d-49bb-a8b9-04926e37603d" providerId="ADAL" clId="{A86F0464-E5EC-4030-8E95-7A39A7605702}" dt="2023-03-10T14:15:51.275" v="2316" actId="20577"/>
-          <ac:spMkLst>
-            <pc:docMk/>
-            <pc:sldMk cId="1134968287" sldId="476"/>
-            <ac:spMk id="17" creationId="{4C91391A-8A3C-C918-6CAD-8003E7FA1FC6}"/>
-          </ac:spMkLst>
-        </pc:spChg>
-        <pc:spChg chg="mod">
-          <ac:chgData name="Kirtesh Pushpakbhai Patel" userId="827b0188-014d-49bb-a8b9-04926e37603d" providerId="ADAL" clId="{A86F0464-E5EC-4030-8E95-7A39A7605702}" dt="2023-03-10T14:15:30.162" v="2312" actId="1035"/>
-          <ac:spMkLst>
-            <pc:docMk/>
-            <pc:sldMk cId="1134968287" sldId="476"/>
-            <ac:spMk id="18" creationId="{60D586EB-D00D-AE53-76D7-F6EEF2006604}"/>
-          </ac:spMkLst>
-        </pc:spChg>
-        <pc:spChg chg="mod">
-          <ac:chgData name="Kirtesh Pushpakbhai Patel" userId="827b0188-014d-49bb-a8b9-04926e37603d" providerId="ADAL" clId="{A86F0464-E5EC-4030-8E95-7A39A7605702}" dt="2023-03-10T14:15:30.162" v="2312" actId="1035"/>
-          <ac:spMkLst>
-            <pc:docMk/>
-            <pc:sldMk cId="1134968287" sldId="476"/>
-            <ac:spMk id="19" creationId="{605207E4-687B-3174-35F7-BA09816A0689}"/>
-          </ac:spMkLst>
-        </pc:spChg>
-        <pc:spChg chg="mod">
-          <ac:chgData name="Kirtesh Pushpakbhai Patel" userId="827b0188-014d-49bb-a8b9-04926e37603d" providerId="ADAL" clId="{A86F0464-E5EC-4030-8E95-7A39A7605702}" dt="2023-03-10T14:15:30.162" v="2312" actId="1035"/>
-          <ac:spMkLst>
-            <pc:docMk/>
-            <pc:sldMk cId="1134968287" sldId="476"/>
-            <ac:spMk id="20" creationId="{DB22FE49-8361-127A-A831-0A48C535EC8E}"/>
-          </ac:spMkLst>
-        </pc:spChg>
-        <pc:spChg chg="mod">
-          <ac:chgData name="Kirtesh Pushpakbhai Patel" userId="827b0188-014d-49bb-a8b9-04926e37603d" providerId="ADAL" clId="{A86F0464-E5EC-4030-8E95-7A39A7605702}" dt="2023-03-10T14:15:30.162" v="2312" actId="1035"/>
-          <ac:spMkLst>
-            <pc:docMk/>
-            <pc:sldMk cId="1134968287" sldId="476"/>
-            <ac:spMk id="21" creationId="{47C9C816-4179-4DB1-60E4-4CA51ADA554C}"/>
-          </ac:spMkLst>
-        </pc:spChg>
-        <pc:spChg chg="mod">
-          <ac:chgData name="Kirtesh Pushpakbhai Patel" userId="827b0188-014d-49bb-a8b9-04926e37603d" providerId="ADAL" clId="{A86F0464-E5EC-4030-8E95-7A39A7605702}" dt="2023-03-10T14:15:38.385" v="2314" actId="1076"/>
-          <ac:spMkLst>
-            <pc:docMk/>
-            <pc:sldMk cId="1134968287" sldId="476"/>
-            <ac:spMk id="22" creationId="{7F9FD841-3A72-AD83-2716-909857F45828}"/>
-          </ac:spMkLst>
-        </pc:spChg>
-        <pc:spChg chg="mod">
-          <ac:chgData name="Kirtesh Pushpakbhai Patel" userId="827b0188-014d-49bb-a8b9-04926e37603d" providerId="ADAL" clId="{A86F0464-E5EC-4030-8E95-7A39A7605702}" dt="2023-03-10T14:15:30.162" v="2312" actId="1035"/>
-          <ac:spMkLst>
-            <pc:docMk/>
-            <pc:sldMk cId="1134968287" sldId="476"/>
-            <ac:spMk id="23" creationId="{F4AC0A5E-89BA-30E5-2934-1E71367CBA11}"/>
-          </ac:spMkLst>
-        </pc:spChg>
-        <pc:spChg chg="mod">
-          <ac:chgData name="Kirtesh Pushpakbhai Patel" userId="827b0188-014d-49bb-a8b9-04926e37603d" providerId="ADAL" clId="{A86F0464-E5EC-4030-8E95-7A39A7605702}" dt="2023-03-10T14:17:37.799" v="2333" actId="1076"/>
-          <ac:spMkLst>
-            <pc:docMk/>
-            <pc:sldMk cId="1134968287" sldId="476"/>
-            <ac:spMk id="24" creationId="{90581352-540E-157F-5E74-889F98AE5037}"/>
-          </ac:spMkLst>
-        </pc:spChg>
-        <pc:spChg chg="mod">
-          <ac:chgData name="Kirtesh Pushpakbhai Patel" userId="827b0188-014d-49bb-a8b9-04926e37603d" providerId="ADAL" clId="{A86F0464-E5EC-4030-8E95-7A39A7605702}" dt="2023-03-10T14:16:08.611" v="2324" actId="20577"/>
-          <ac:spMkLst>
-            <pc:docMk/>
-            <pc:sldMk cId="1134968287" sldId="476"/>
-            <ac:spMk id="25" creationId="{1139DDD7-FC57-048B-CFD3-9A5518E49564}"/>
-          </ac:spMkLst>
-        </pc:spChg>
-      </pc:sldChg>
-      <pc:sldChg chg="del ord">
-        <pc:chgData name="Kirtesh Pushpakbhai Patel" userId="827b0188-014d-49bb-a8b9-04926e37603d" providerId="ADAL" clId="{A86F0464-E5EC-4030-8E95-7A39A7605702}" dt="2023-03-10T11:03:06.779" v="119" actId="2696"/>
-        <pc:sldMkLst>
-          <pc:docMk/>
-          <pc:sldMk cId="2388900747" sldId="476"/>
-        </pc:sldMkLst>
-      </pc:sldChg>
-      <pc:sldChg chg="modSp delCm">
-        <pc:chgData name="Kirtesh Pushpakbhai Patel" userId="827b0188-014d-49bb-a8b9-04926e37603d" providerId="ADAL" clId="{A86F0464-E5EC-4030-8E95-7A39A7605702}" dt="2023-03-10T13:30:09.996" v="2192" actId="1076"/>
-        <pc:sldMkLst>
-          <pc:docMk/>
-          <pc:sldMk cId="4088113293" sldId="477"/>
-        </pc:sldMkLst>
-        <pc:spChg chg="mod">
-          <ac:chgData name="Kirtesh Pushpakbhai Patel" userId="827b0188-014d-49bb-a8b9-04926e37603d" providerId="ADAL" clId="{A86F0464-E5EC-4030-8E95-7A39A7605702}" dt="2023-03-10T13:30:09.996" v="2192" actId="1076"/>
-          <ac:spMkLst>
-            <pc:docMk/>
-            <pc:sldMk cId="4088113293" sldId="477"/>
-            <ac:spMk id="5" creationId="{53DFE43E-A8A0-7A0C-DA05-68E99F811A52}"/>
-          </ac:spMkLst>
-        </pc:spChg>
-        <pc:extLst>
-          <p:ext xmlns:p="http://schemas.openxmlformats.org/presentationml/2006/main" uri="{D6D511B9-2390-475A-947B-AFAB55BFBCF1}">
-            <pc226:cmChg xmlns:pc226="http://schemas.microsoft.com/office/powerpoint/2022/06/main/command" chg="del">
-              <pc226:chgData name="Kirtesh Pushpakbhai Patel" userId="827b0188-014d-49bb-a8b9-04926e37603d" providerId="ADAL" clId="{A86F0464-E5EC-4030-8E95-7A39A7605702}" dt="2023-03-10T12:25:29.043" v="1185"/>
-              <pc2:cmMkLst xmlns:pc2="http://schemas.microsoft.com/office/powerpoint/2019/9/main/command">
-                <pc:docMk/>
-                <pc:sldMk cId="4088113293" sldId="477"/>
-                <pc2:cmMk id="{544F6E2A-2D5A-44A9-984B-CFFEBF10F175}"/>
-              </pc2:cmMkLst>
-            </pc226:cmChg>
-          </p:ext>
-        </pc:extLst>
-      </pc:sldChg>
-      <pc:sldChg chg="delCm">
-        <pc:chgData name="Kirtesh Pushpakbhai Patel" userId="827b0188-014d-49bb-a8b9-04926e37603d" providerId="ADAL" clId="{A86F0464-E5EC-4030-8E95-7A39A7605702}" dt="2023-03-10T12:25:23.279" v="1184"/>
-        <pc:sldMkLst>
-          <pc:docMk/>
-          <pc:sldMk cId="3759062384" sldId="478"/>
-        </pc:sldMkLst>
-        <pc:extLst>
-          <p:ext xmlns:p="http://schemas.openxmlformats.org/presentationml/2006/main" uri="{D6D511B9-2390-475A-947B-AFAB55BFBCF1}">
-            <pc226:cmChg xmlns:pc226="http://schemas.microsoft.com/office/powerpoint/2022/06/main/command" chg="del">
-              <pc226:chgData name="Kirtesh Pushpakbhai Patel" userId="827b0188-014d-49bb-a8b9-04926e37603d" providerId="ADAL" clId="{A86F0464-E5EC-4030-8E95-7A39A7605702}" dt="2023-03-10T12:25:23.279" v="1184"/>
-              <pc2:cmMkLst xmlns:pc2="http://schemas.microsoft.com/office/powerpoint/2019/9/main/command">
-                <pc:docMk/>
-                <pc:sldMk cId="3759062384" sldId="478"/>
-                <pc2:cmMk id="{0F9BF54D-CD0E-4471-B696-09E4A96BC752}"/>
-              </pc2:cmMkLst>
-            </pc226:cmChg>
-          </p:ext>
-        </pc:extLst>
-      </pc:sldChg>
-      <pc:sldChg chg="modSp mod">
-        <pc:chgData name="Kirtesh Pushpakbhai Patel" userId="827b0188-014d-49bb-a8b9-04926e37603d" providerId="ADAL" clId="{A86F0464-E5EC-4030-8E95-7A39A7605702}" dt="2023-03-10T13:32:18.782" v="2199" actId="207"/>
-        <pc:sldMkLst>
-          <pc:docMk/>
-          <pc:sldMk cId="1465155490" sldId="479"/>
-        </pc:sldMkLst>
-        <pc:spChg chg="mod">
-          <ac:chgData name="Kirtesh Pushpakbhai Patel" userId="827b0188-014d-49bb-a8b9-04926e37603d" providerId="ADAL" clId="{A86F0464-E5EC-4030-8E95-7A39A7605702}" dt="2023-03-10T13:31:45.011" v="2195" actId="207"/>
-          <ac:spMkLst>
-            <pc:docMk/>
-            <pc:sldMk cId="1465155490" sldId="479"/>
-            <ac:spMk id="7" creationId="{64BF1D65-FFBA-86EA-1B9E-830DB0D469AD}"/>
-          </ac:spMkLst>
-        </pc:spChg>
-        <pc:spChg chg="mod">
-          <ac:chgData name="Kirtesh Pushpakbhai Patel" userId="827b0188-014d-49bb-a8b9-04926e37603d" providerId="ADAL" clId="{A86F0464-E5EC-4030-8E95-7A39A7605702}" dt="2023-03-10T13:31:18.240" v="2194" actId="122"/>
-          <ac:spMkLst>
-            <pc:docMk/>
-            <pc:sldMk cId="1465155490" sldId="479"/>
-            <ac:spMk id="8" creationId="{CFCBFECF-439C-D098-D24A-8B6B30F0E701}"/>
-          </ac:spMkLst>
-        </pc:spChg>
-        <pc:spChg chg="mod">
-          <ac:chgData name="Kirtesh Pushpakbhai Patel" userId="827b0188-014d-49bb-a8b9-04926e37603d" providerId="ADAL" clId="{A86F0464-E5EC-4030-8E95-7A39A7605702}" dt="2023-03-10T13:31:57.571" v="2196" actId="207"/>
-          <ac:spMkLst>
-            <pc:docMk/>
-            <pc:sldMk cId="1465155490" sldId="479"/>
-            <ac:spMk id="9" creationId="{6E7FE7B0-E001-D7F9-A8C4-DDAB9BF75644}"/>
-          </ac:spMkLst>
-        </pc:spChg>
-        <pc:spChg chg="mod">
-          <ac:chgData name="Kirtesh Pushpakbhai Patel" userId="827b0188-014d-49bb-a8b9-04926e37603d" providerId="ADAL" clId="{A86F0464-E5EC-4030-8E95-7A39A7605702}" dt="2023-03-10T13:31:57.571" v="2196" actId="207"/>
-          <ac:spMkLst>
-            <pc:docMk/>
-            <pc:sldMk cId="1465155490" sldId="479"/>
-            <ac:spMk id="11" creationId="{22AF410B-044B-9D13-89F5-571C890CFDBE}"/>
-          </ac:spMkLst>
-        </pc:spChg>
-        <pc:spChg chg="mod">
-          <ac:chgData name="Kirtesh Pushpakbhai Patel" userId="827b0188-014d-49bb-a8b9-04926e37603d" providerId="ADAL" clId="{A86F0464-E5EC-4030-8E95-7A39A7605702}" dt="2023-03-10T13:31:57.571" v="2196" actId="207"/>
-          <ac:spMkLst>
-            <pc:docMk/>
-            <pc:sldMk cId="1465155490" sldId="479"/>
-            <ac:spMk id="13" creationId="{2898E8F9-1CDB-1100-A1F2-CA329C0B59C6}"/>
-          </ac:spMkLst>
-        </pc:spChg>
-        <pc:spChg chg="mod">
-          <ac:chgData name="Kirtesh Pushpakbhai Patel" userId="827b0188-014d-49bb-a8b9-04926e37603d" providerId="ADAL" clId="{A86F0464-E5EC-4030-8E95-7A39A7605702}" dt="2023-03-10T13:32:03.987" v="2197" actId="207"/>
-          <ac:spMkLst>
-            <pc:docMk/>
-            <pc:sldMk cId="1465155490" sldId="479"/>
-            <ac:spMk id="17" creationId="{0290B604-0BB9-D0C6-AE56-A1468E707D9E}"/>
-          </ac:spMkLst>
-        </pc:spChg>
-        <pc:spChg chg="mod">
-          <ac:chgData name="Kirtesh Pushpakbhai Patel" userId="827b0188-014d-49bb-a8b9-04926e37603d" providerId="ADAL" clId="{A86F0464-E5EC-4030-8E95-7A39A7605702}" dt="2023-03-10T13:32:03.987" v="2197" actId="207"/>
-          <ac:spMkLst>
-            <pc:docMk/>
-            <pc:sldMk cId="1465155490" sldId="479"/>
-            <ac:spMk id="21" creationId="{8A5BDEAB-8ED6-4B53-3AA9-9085F4C68CB4}"/>
-          </ac:spMkLst>
-        </pc:spChg>
-        <pc:spChg chg="mod">
-          <ac:chgData name="Kirtesh Pushpakbhai Patel" userId="827b0188-014d-49bb-a8b9-04926e37603d" providerId="ADAL" clId="{A86F0464-E5EC-4030-8E95-7A39A7605702}" dt="2023-03-10T13:32:13.461" v="2198" actId="207"/>
-          <ac:spMkLst>
-            <pc:docMk/>
-            <pc:sldMk cId="1465155490" sldId="479"/>
-            <ac:spMk id="23" creationId="{79B89013-8760-EE9A-76BA-95A26557D8B2}"/>
-          </ac:spMkLst>
-        </pc:spChg>
-        <pc:spChg chg="mod">
-          <ac:chgData name="Kirtesh Pushpakbhai Patel" userId="827b0188-014d-49bb-a8b9-04926e37603d" providerId="ADAL" clId="{A86F0464-E5EC-4030-8E95-7A39A7605702}" dt="2023-03-10T13:32:03.987" v="2197" actId="207"/>
-          <ac:spMkLst>
-            <pc:docMk/>
-            <pc:sldMk cId="1465155490" sldId="479"/>
-            <ac:spMk id="25" creationId="{FD600DB6-E88B-1C6C-1B78-65B09FAD352D}"/>
-          </ac:spMkLst>
-        </pc:spChg>
-        <pc:spChg chg="mod">
-          <ac:chgData name="Kirtesh Pushpakbhai Patel" userId="827b0188-014d-49bb-a8b9-04926e37603d" providerId="ADAL" clId="{A86F0464-E5EC-4030-8E95-7A39A7605702}" dt="2023-03-10T13:32:13.461" v="2198" actId="207"/>
-          <ac:spMkLst>
-            <pc:docMk/>
-            <pc:sldMk cId="1465155490" sldId="479"/>
-            <ac:spMk id="27" creationId="{01B43CBA-1731-F59B-F547-7A8C3ABAB84B}"/>
-          </ac:spMkLst>
-        </pc:spChg>
-        <pc:spChg chg="mod">
-          <ac:chgData name="Kirtesh Pushpakbhai Patel" userId="827b0188-014d-49bb-a8b9-04926e37603d" providerId="ADAL" clId="{A86F0464-E5EC-4030-8E95-7A39A7605702}" dt="2023-03-10T13:32:18.782" v="2199" actId="207"/>
-          <ac:spMkLst>
-            <pc:docMk/>
-            <pc:sldMk cId="1465155490" sldId="479"/>
-            <ac:spMk id="29" creationId="{91AD08F3-83C2-79B5-1E64-4384F1EC0931}"/>
-          </ac:spMkLst>
-        </pc:spChg>
-      </pc:sldChg>
-      <pc:sldChg chg="delCm">
-        <pc:chgData name="Kirtesh Pushpakbhai Patel" userId="827b0188-014d-49bb-a8b9-04926e37603d" providerId="ADAL" clId="{A86F0464-E5EC-4030-8E95-7A39A7605702}" dt="2023-03-10T12:25:08.396" v="1183"/>
-        <pc:sldMkLst>
-          <pc:docMk/>
-          <pc:sldMk cId="1063543620" sldId="480"/>
-        </pc:sldMkLst>
-        <pc:extLst>
-          <p:ext xmlns:p="http://schemas.openxmlformats.org/presentationml/2006/main" uri="{D6D511B9-2390-475A-947B-AFAB55BFBCF1}">
-            <pc226:cmChg xmlns:pc226="http://schemas.microsoft.com/office/powerpoint/2022/06/main/command" chg="del">
-              <pc226:chgData name="Kirtesh Pushpakbhai Patel" userId="827b0188-014d-49bb-a8b9-04926e37603d" providerId="ADAL" clId="{A86F0464-E5EC-4030-8E95-7A39A7605702}" dt="2023-03-10T12:25:08.396" v="1183"/>
-              <pc2:cmMkLst xmlns:pc2="http://schemas.microsoft.com/office/powerpoint/2019/9/main/command">
-                <pc:docMk/>
-                <pc:sldMk cId="1063543620" sldId="480"/>
-                <pc2:cmMk id="{E3D13C9B-F1D7-49D7-8107-B0BE6C78DFC9}"/>
-              </pc2:cmMkLst>
-            </pc226:cmChg>
-          </p:ext>
-        </pc:extLst>
-      </pc:sldChg>
-      <pc:sldChg chg="del">
-        <pc:chgData name="Kirtesh Pushpakbhai Patel" userId="827b0188-014d-49bb-a8b9-04926e37603d" providerId="ADAL" clId="{A86F0464-E5EC-4030-8E95-7A39A7605702}" dt="2023-03-10T13:11:21.251" v="1821" actId="47"/>
-        <pc:sldMkLst>
-          <pc:docMk/>
-          <pc:sldMk cId="2890327976" sldId="482"/>
-        </pc:sldMkLst>
-      </pc:sldChg>
-      <pc:sldChg chg="addSp delSp modSp mod delCm">
-        <pc:chgData name="Kirtesh Pushpakbhai Patel" userId="827b0188-014d-49bb-a8b9-04926e37603d" providerId="ADAL" clId="{A86F0464-E5EC-4030-8E95-7A39A7605702}" dt="2023-03-10T21:34:42.799" v="2335"/>
-        <pc:sldMkLst>
-          <pc:docMk/>
-          <pc:sldMk cId="535718694" sldId="483"/>
-        </pc:sldMkLst>
-        <pc:spChg chg="add del">
-          <ac:chgData name="Kirtesh Pushpakbhai Patel" userId="827b0188-014d-49bb-a8b9-04926e37603d" providerId="ADAL" clId="{A86F0464-E5EC-4030-8E95-7A39A7605702}" dt="2023-03-10T13:14:35.946" v="1837" actId="22"/>
-          <ac:spMkLst>
-            <pc:docMk/>
-            <pc:sldMk cId="535718694" sldId="483"/>
-            <ac:spMk id="5" creationId="{278FCDB2-FCBF-0029-BDB8-196D8BD55856}"/>
-          </ac:spMkLst>
-        </pc:spChg>
-        <pc:spChg chg="mod">
-          <ac:chgData name="Kirtesh Pushpakbhai Patel" userId="827b0188-014d-49bb-a8b9-04926e37603d" providerId="ADAL" clId="{A86F0464-E5EC-4030-8E95-7A39A7605702}" dt="2023-03-10T13:37:49.350" v="2221" actId="1035"/>
-          <ac:spMkLst>
-            <pc:docMk/>
-            <pc:sldMk cId="535718694" sldId="483"/>
-            <ac:spMk id="20" creationId="{34B450E6-9BE7-A2FE-B403-71B4B385BA92}"/>
-          </ac:spMkLst>
-        </pc:spChg>
-        <pc:spChg chg="mod">
-          <ac:chgData name="Kirtesh Pushpakbhai Patel" userId="827b0188-014d-49bb-a8b9-04926e37603d" providerId="ADAL" clId="{A86F0464-E5EC-4030-8E95-7A39A7605702}" dt="2023-03-10T13:37:49.350" v="2221" actId="1035"/>
-          <ac:spMkLst>
-            <pc:docMk/>
-            <pc:sldMk cId="535718694" sldId="483"/>
-            <ac:spMk id="21" creationId="{66910243-F6DA-C4E2-41E8-65D6EB18361E}"/>
-          </ac:spMkLst>
-        </pc:spChg>
-        <pc:spChg chg="mod">
-          <ac:chgData name="Kirtesh Pushpakbhai Patel" userId="827b0188-014d-49bb-a8b9-04926e37603d" providerId="ADAL" clId="{A86F0464-E5EC-4030-8E95-7A39A7605702}" dt="2023-03-10T13:37:49.350" v="2221" actId="1035"/>
-          <ac:spMkLst>
-            <pc:docMk/>
-            <pc:sldMk cId="535718694" sldId="483"/>
-            <ac:spMk id="22" creationId="{3F1119ED-43A1-59B5-DE2E-F7EAEF8FCF6B}"/>
-          </ac:spMkLst>
-        </pc:spChg>
-        <pc:spChg chg="mod">
-          <ac:chgData name="Kirtesh Pushpakbhai Patel" userId="827b0188-014d-49bb-a8b9-04926e37603d" providerId="ADAL" clId="{A86F0464-E5EC-4030-8E95-7A39A7605702}" dt="2023-03-10T13:37:49.350" v="2221" actId="1035"/>
-          <ac:spMkLst>
-            <pc:docMk/>
-            <pc:sldMk cId="535718694" sldId="483"/>
-            <ac:spMk id="29" creationId="{C630491D-5C37-14B7-A74A-2EACD18F70DF}"/>
-          </ac:spMkLst>
-        </pc:spChg>
-        <pc:spChg chg="mod">
-          <ac:chgData name="Kirtesh Pushpakbhai Patel" userId="827b0188-014d-49bb-a8b9-04926e37603d" providerId="ADAL" clId="{A86F0464-E5EC-4030-8E95-7A39A7605702}" dt="2023-03-10T13:14:22.036" v="1834" actId="1076"/>
-          <ac:spMkLst>
-            <pc:docMk/>
-            <pc:sldMk cId="535718694" sldId="483"/>
-            <ac:spMk id="32" creationId="{EE017634-62BF-ECFB-C634-804F998FF4A0}"/>
-          </ac:spMkLst>
-        </pc:spChg>
-        <pc:spChg chg="mod">
-          <ac:chgData name="Kirtesh Pushpakbhai Patel" userId="827b0188-014d-49bb-a8b9-04926e37603d" providerId="ADAL" clId="{A86F0464-E5EC-4030-8E95-7A39A7605702}" dt="2023-03-10T13:14:26.284" v="1835" actId="1076"/>
-          <ac:spMkLst>
-            <pc:docMk/>
-            <pc:sldMk cId="535718694" sldId="483"/>
-            <ac:spMk id="33" creationId="{4DD7B0ED-514E-1CB8-FEB2-FC9E0159DB23}"/>
-          </ac:spMkLst>
-        </pc:spChg>
-        <pc:picChg chg="add mod">
-          <ac:chgData name="Kirtesh Pushpakbhai Patel" userId="827b0188-014d-49bb-a8b9-04926e37603d" providerId="ADAL" clId="{A86F0464-E5EC-4030-8E95-7A39A7605702}" dt="2023-03-10T13:14:52.976" v="1847" actId="1036"/>
-          <ac:picMkLst>
-            <pc:docMk/>
-            <pc:sldMk cId="535718694" sldId="483"/>
-            <ac:picMk id="6" creationId="{B8AF09E1-0CD2-155A-1CA7-880E278EA482}"/>
-          </ac:picMkLst>
-        </pc:picChg>
-        <pc:extLst>
-          <p:ext xmlns:p="http://schemas.openxmlformats.org/presentationml/2006/main" uri="{D6D511B9-2390-475A-947B-AFAB55BFBCF1}">
-            <pc226:cmChg xmlns:pc226="http://schemas.microsoft.com/office/powerpoint/2022/06/main/command" chg="del">
-              <pc226:chgData name="Kirtesh Pushpakbhai Patel" userId="827b0188-014d-49bb-a8b9-04926e37603d" providerId="ADAL" clId="{A86F0464-E5EC-4030-8E95-7A39A7605702}" dt="2023-03-10T21:34:42.799" v="2335"/>
-              <pc2:cmMkLst xmlns:pc2="http://schemas.microsoft.com/office/powerpoint/2019/9/main/command">
-                <pc:docMk/>
-                <pc:sldMk cId="535718694" sldId="483"/>
-                <pc2:cmMk id="{B01B42FB-C8EC-4A96-B63F-DB81B6E55795}"/>
-              </pc2:cmMkLst>
-            </pc226:cmChg>
-          </p:ext>
-        </pc:extLst>
-      </pc:sldChg>
-      <pc:sldChg chg="addSp delSp modSp mod delCm">
-        <pc:chgData name="Kirtesh Pushpakbhai Patel" userId="827b0188-014d-49bb-a8b9-04926e37603d" providerId="ADAL" clId="{A86F0464-E5EC-4030-8E95-7A39A7605702}" dt="2023-03-10T21:53:15.623" v="2340" actId="167"/>
-        <pc:sldMkLst>
-          <pc:docMk/>
-          <pc:sldMk cId="4010121970" sldId="484"/>
-        </pc:sldMkLst>
-        <pc:spChg chg="add mod">
-          <ac:chgData name="Kirtesh Pushpakbhai Patel" userId="827b0188-014d-49bb-a8b9-04926e37603d" providerId="ADAL" clId="{A86F0464-E5EC-4030-8E95-7A39A7605702}" dt="2023-03-10T13:15:38.279" v="1852"/>
-          <ac:spMkLst>
-            <pc:docMk/>
-            <pc:sldMk cId="4010121970" sldId="484"/>
-            <ac:spMk id="9" creationId="{B22D4319-6450-2804-DF5F-A82BE88C0C08}"/>
-          </ac:spMkLst>
-        </pc:spChg>
-        <pc:picChg chg="del">
-          <ac:chgData name="Kirtesh Pushpakbhai Patel" userId="827b0188-014d-49bb-a8b9-04926e37603d" providerId="ADAL" clId="{A86F0464-E5EC-4030-8E95-7A39A7605702}" dt="2023-03-10T13:15:36.488" v="1850" actId="478"/>
-          <ac:picMkLst>
-            <pc:docMk/>
-            <pc:sldMk cId="4010121970" sldId="484"/>
-            <ac:picMk id="4" creationId="{DC8A19BE-5A7E-D637-4EE1-325274AF5D56}"/>
-          </ac:picMkLst>
-        </pc:picChg>
-        <pc:picChg chg="del mod">
-          <ac:chgData name="Kirtesh Pushpakbhai Patel" userId="827b0188-014d-49bb-a8b9-04926e37603d" providerId="ADAL" clId="{A86F0464-E5EC-4030-8E95-7A39A7605702}" dt="2023-03-10T13:15:35.124" v="1849" actId="478"/>
-          <ac:picMkLst>
-            <pc:docMk/>
-            <pc:sldMk cId="4010121970" sldId="484"/>
-            <ac:picMk id="5" creationId="{9BEB6FC8-6D8C-8122-2AB4-10ABE287D35A}"/>
-          </ac:picMkLst>
-        </pc:picChg>
-        <pc:picChg chg="del">
-          <ac:chgData name="Kirtesh Pushpakbhai Patel" userId="827b0188-014d-49bb-a8b9-04926e37603d" providerId="ADAL" clId="{A86F0464-E5EC-4030-8E95-7A39A7605702}" dt="2023-03-10T13:15:37.047" v="1851" actId="478"/>
-          <ac:picMkLst>
-            <pc:docMk/>
-            <pc:sldMk cId="4010121970" sldId="484"/>
-            <ac:picMk id="6" creationId="{D62A7B8D-3D39-2780-7DA2-F19EFF0DDA87}"/>
-          </ac:picMkLst>
-        </pc:picChg>
-        <pc:picChg chg="add mod ord">
-          <ac:chgData name="Kirtesh Pushpakbhai Patel" userId="827b0188-014d-49bb-a8b9-04926e37603d" providerId="ADAL" clId="{A86F0464-E5EC-4030-8E95-7A39A7605702}" dt="2023-03-10T21:53:15.623" v="2340" actId="167"/>
-          <ac:picMkLst>
-            <pc:docMk/>
-            <pc:sldMk cId="4010121970" sldId="484"/>
-            <ac:picMk id="7" creationId="{D6C0E4E9-F5E3-2C2D-B248-3CDBFE8B0CE6}"/>
-          </ac:picMkLst>
-        </pc:picChg>
-        <pc:picChg chg="add mod">
-          <ac:chgData name="Kirtesh Pushpakbhai Patel" userId="827b0188-014d-49bb-a8b9-04926e37603d" providerId="ADAL" clId="{A86F0464-E5EC-4030-8E95-7A39A7605702}" dt="2023-03-10T13:15:49.111" v="1854" actId="1076"/>
-          <ac:picMkLst>
-            <pc:docMk/>
-            <pc:sldMk cId="4010121970" sldId="484"/>
-            <ac:picMk id="8" creationId="{E336F002-CFAB-CDD8-01F9-2872D4C3CA9C}"/>
-          </ac:picMkLst>
-        </pc:picChg>
-        <pc:picChg chg="add mod">
-          <ac:chgData name="Kirtesh Pushpakbhai Patel" userId="827b0188-014d-49bb-a8b9-04926e37603d" providerId="ADAL" clId="{A86F0464-E5EC-4030-8E95-7A39A7605702}" dt="2023-03-10T13:15:38.279" v="1852"/>
-          <ac:picMkLst>
-            <pc:docMk/>
-            <pc:sldMk cId="4010121970" sldId="484"/>
-            <ac:picMk id="10" creationId="{34B5337A-C4BE-7819-D0C1-3175585182BF}"/>
-          </ac:picMkLst>
-        </pc:picChg>
-        <pc:extLst>
-          <p:ext xmlns:p="http://schemas.openxmlformats.org/presentationml/2006/main" uri="{D6D511B9-2390-475A-947B-AFAB55BFBCF1}">
-            <pc226:cmChg xmlns:pc226="http://schemas.microsoft.com/office/powerpoint/2022/06/main/command" chg="del">
-              <pc226:chgData name="Kirtesh Pushpakbhai Patel" userId="827b0188-014d-49bb-a8b9-04926e37603d" providerId="ADAL" clId="{A86F0464-E5EC-4030-8E95-7A39A7605702}" dt="2023-03-10T21:34:46.889" v="2336"/>
-              <pc2:cmMkLst xmlns:pc2="http://schemas.microsoft.com/office/powerpoint/2019/9/main/command">
-                <pc:docMk/>
-                <pc:sldMk cId="4010121970" sldId="484"/>
-                <pc2:cmMk id="{D59B5779-C724-4D85-814C-23FA65851851}"/>
-              </pc2:cmMkLst>
-            </pc226:cmChg>
-          </p:ext>
-        </pc:extLst>
-      </pc:sldChg>
-      <pc:sldChg chg="modSp mod delCm">
-        <pc:chgData name="Kirtesh Pushpakbhai Patel" userId="827b0188-014d-49bb-a8b9-04926e37603d" providerId="ADAL" clId="{A86F0464-E5EC-4030-8E95-7A39A7605702}" dt="2023-03-11T13:40:19.185" v="2380" actId="20577"/>
-        <pc:sldMkLst>
-          <pc:docMk/>
-          <pc:sldMk cId="785731250" sldId="485"/>
-        </pc:sldMkLst>
-        <pc:spChg chg="mod">
-          <ac:chgData name="Kirtesh Pushpakbhai Patel" userId="827b0188-014d-49bb-a8b9-04926e37603d" providerId="ADAL" clId="{A86F0464-E5EC-4030-8E95-7A39A7605702}" dt="2023-03-10T13:21:16.436" v="2014" actId="1076"/>
-          <ac:spMkLst>
-            <pc:docMk/>
-            <pc:sldMk cId="785731250" sldId="485"/>
-            <ac:spMk id="2" creationId="{3D8A922F-69B2-6340-849A-ABDAA57A3031}"/>
-          </ac:spMkLst>
-        </pc:spChg>
-        <pc:spChg chg="mod">
-          <ac:chgData name="Kirtesh Pushpakbhai Patel" userId="827b0188-014d-49bb-a8b9-04926e37603d" providerId="ADAL" clId="{A86F0464-E5EC-4030-8E95-7A39A7605702}" dt="2023-03-11T09:41:11.529" v="2360" actId="20577"/>
-          <ac:spMkLst>
-            <pc:docMk/>
-            <pc:sldMk cId="785731250" sldId="485"/>
-            <ac:spMk id="24" creationId="{D24E6D42-13DC-178C-B7BC-21B21660540E}"/>
-          </ac:spMkLst>
-        </pc:spChg>
-        <pc:spChg chg="mod">
-          <ac:chgData name="Kirtesh Pushpakbhai Patel" userId="827b0188-014d-49bb-a8b9-04926e37603d" providerId="ADAL" clId="{A86F0464-E5EC-4030-8E95-7A39A7605702}" dt="2023-03-11T09:41:17.796" v="2362"/>
-          <ac:spMkLst>
-            <pc:docMk/>
-            <pc:sldMk cId="785731250" sldId="485"/>
-            <ac:spMk id="25" creationId="{FA112B8A-9224-4ED0-C266-DB6E89D1E040}"/>
-          </ac:spMkLst>
-        </pc:spChg>
-        <pc:spChg chg="mod">
-          <ac:chgData name="Kirtesh Pushpakbhai Patel" userId="827b0188-014d-49bb-a8b9-04926e37603d" providerId="ADAL" clId="{A86F0464-E5EC-4030-8E95-7A39A7605702}" dt="2023-03-11T09:41:22.342" v="2364"/>
-          <ac:spMkLst>
-            <pc:docMk/>
-            <pc:sldMk cId="785731250" sldId="485"/>
-            <ac:spMk id="26" creationId="{6B45C452-B162-A540-95E0-7339DD51F68A}"/>
-          </ac:spMkLst>
-        </pc:spChg>
-        <pc:spChg chg="mod">
-          <ac:chgData name="Kirtesh Pushpakbhai Patel" userId="827b0188-014d-49bb-a8b9-04926e37603d" providerId="ADAL" clId="{A86F0464-E5EC-4030-8E95-7A39A7605702}" dt="2023-03-11T13:40:19.185" v="2380" actId="20577"/>
-          <ac:spMkLst>
-            <pc:docMk/>
-            <pc:sldMk cId="785731250" sldId="485"/>
-            <ac:spMk id="27" creationId="{8A17A25E-69B5-7BB8-6E0E-F53DB6B14174}"/>
-          </ac:spMkLst>
-        </pc:spChg>
-        <pc:extLst>
-          <p:ext xmlns:p="http://schemas.openxmlformats.org/presentationml/2006/main" uri="{D6D511B9-2390-475A-947B-AFAB55BFBCF1}">
-            <pc226:cmChg xmlns:pc226="http://schemas.microsoft.com/office/powerpoint/2022/06/main/command" chg="del">
-              <pc226:chgData name="Kirtesh Pushpakbhai Patel" userId="827b0188-014d-49bb-a8b9-04926e37603d" providerId="ADAL" clId="{A86F0464-E5EC-4030-8E95-7A39A7605702}" dt="2023-03-10T21:34:50.466" v="2337"/>
-              <pc2:cmMkLst xmlns:pc2="http://schemas.microsoft.com/office/powerpoint/2019/9/main/command">
-                <pc:docMk/>
-                <pc:sldMk cId="785731250" sldId="485"/>
-                <pc2:cmMk id="{7390AD98-DBC7-48A0-A6B8-54CECC4011B4}"/>
-              </pc2:cmMkLst>
-            </pc226:cmChg>
-          </p:ext>
-        </pc:extLst>
-      </pc:sldChg>
-      <pc:sldChg chg="addSp modSp mod ord">
-        <pc:chgData name="Kirtesh Pushpakbhai Patel" userId="827b0188-014d-49bb-a8b9-04926e37603d" providerId="ADAL" clId="{A86F0464-E5EC-4030-8E95-7A39A7605702}" dt="2023-03-10T13:20:09.517" v="2008"/>
-        <pc:sldMkLst>
-          <pc:docMk/>
-          <pc:sldMk cId="2035497267" sldId="486"/>
-        </pc:sldMkLst>
-        <pc:spChg chg="add mod">
-          <ac:chgData name="Kirtesh Pushpakbhai Patel" userId="827b0188-014d-49bb-a8b9-04926e37603d" providerId="ADAL" clId="{A86F0464-E5EC-4030-8E95-7A39A7605702}" dt="2023-03-10T13:20:09.517" v="2008"/>
-          <ac:spMkLst>
-            <pc:docMk/>
-            <pc:sldMk cId="2035497267" sldId="486"/>
-            <ac:spMk id="2" creationId="{2BADECBE-5A76-1AFF-F3FC-5442C7A25C12}"/>
-          </ac:spMkLst>
-        </pc:spChg>
-        <pc:spChg chg="mod">
-          <ac:chgData name="Kirtesh Pushpakbhai Patel" userId="827b0188-014d-49bb-a8b9-04926e37603d" providerId="ADAL" clId="{A86F0464-E5EC-4030-8E95-7A39A7605702}" dt="2023-03-10T13:00:52.414" v="1691" actId="20577"/>
-          <ac:spMkLst>
-            <pc:docMk/>
-            <pc:sldMk cId="2035497267" sldId="486"/>
-            <ac:spMk id="11" creationId="{AA0E73AC-D2D3-AC83-49A8-D2B2FF5D4F85}"/>
-          </ac:spMkLst>
-        </pc:spChg>
-        <pc:graphicFrameChg chg="mod modGraphic">
-          <ac:chgData name="Kirtesh Pushpakbhai Patel" userId="827b0188-014d-49bb-a8b9-04926e37603d" providerId="ADAL" clId="{A86F0464-E5EC-4030-8E95-7A39A7605702}" dt="2023-03-10T11:58:34.549" v="348" actId="20577"/>
-          <ac:graphicFrameMkLst>
-            <pc:docMk/>
-            <pc:sldMk cId="2035497267" sldId="486"/>
-            <ac:graphicFrameMk id="3" creationId="{0A138C67-8CCB-9F17-454E-FE8A33680B29}"/>
-          </ac:graphicFrameMkLst>
-        </pc:graphicFrameChg>
-        <pc:graphicFrameChg chg="mod modGraphic">
-          <ac:chgData name="Kirtesh Pushpakbhai Patel" userId="827b0188-014d-49bb-a8b9-04926e37603d" providerId="ADAL" clId="{A86F0464-E5EC-4030-8E95-7A39A7605702}" dt="2023-03-10T11:59:16.358" v="373" actId="20577"/>
-          <ac:graphicFrameMkLst>
-            <pc:docMk/>
-            <pc:sldMk cId="2035497267" sldId="486"/>
-            <ac:graphicFrameMk id="5" creationId="{72A97D83-5CD5-3542-7829-3C323AFADDC2}"/>
-          </ac:graphicFrameMkLst>
-        </pc:graphicFrameChg>
-      </pc:sldChg>
-      <pc:sldChg chg="addSp modSp mod ord">
-        <pc:chgData name="Kirtesh Pushpakbhai Patel" userId="827b0188-014d-49bb-a8b9-04926e37603d" providerId="ADAL" clId="{A86F0464-E5EC-4030-8E95-7A39A7605702}" dt="2023-03-10T13:20:05.963" v="2005"/>
-        <pc:sldMkLst>
-          <pc:docMk/>
-          <pc:sldMk cId="1911624814" sldId="487"/>
-        </pc:sldMkLst>
-        <pc:spChg chg="add mod">
-          <ac:chgData name="Kirtesh Pushpakbhai Patel" userId="827b0188-014d-49bb-a8b9-04926e37603d" providerId="ADAL" clId="{A86F0464-E5EC-4030-8E95-7A39A7605702}" dt="2023-03-10T13:20:05.963" v="2005"/>
-          <ac:spMkLst>
-            <pc:docMk/>
-            <pc:sldMk cId="1911624814" sldId="487"/>
-            <ac:spMk id="2" creationId="{3EF7425C-D673-A68A-6F1C-F5885CBBD11A}"/>
-          </ac:spMkLst>
-        </pc:spChg>
-        <pc:spChg chg="mod">
-          <ac:chgData name="Kirtesh Pushpakbhai Patel" userId="827b0188-014d-49bb-a8b9-04926e37603d" providerId="ADAL" clId="{A86F0464-E5EC-4030-8E95-7A39A7605702}" dt="2023-03-10T13:01:34.512" v="1728" actId="20577"/>
-          <ac:spMkLst>
-            <pc:docMk/>
-            <pc:sldMk cId="1911624814" sldId="487"/>
-            <ac:spMk id="11" creationId="{AA0E73AC-D2D3-AC83-49A8-D2B2FF5D4F85}"/>
-          </ac:spMkLst>
-        </pc:spChg>
-        <pc:graphicFrameChg chg="mod modGraphic">
-          <ac:chgData name="Kirtesh Pushpakbhai Patel" userId="827b0188-014d-49bb-a8b9-04926e37603d" providerId="ADAL" clId="{A86F0464-E5EC-4030-8E95-7A39A7605702}" dt="2023-03-10T11:57:33.462" v="310" actId="20577"/>
-          <ac:graphicFrameMkLst>
-            <pc:docMk/>
-            <pc:sldMk cId="1911624814" sldId="487"/>
-            <ac:graphicFrameMk id="3" creationId="{0A138C67-8CCB-9F17-454E-FE8A33680B29}"/>
-          </ac:graphicFrameMkLst>
-        </pc:graphicFrameChg>
-        <pc:graphicFrameChg chg="mod modGraphic">
-          <ac:chgData name="Kirtesh Pushpakbhai Patel" userId="827b0188-014d-49bb-a8b9-04926e37603d" providerId="ADAL" clId="{A86F0464-E5EC-4030-8E95-7A39A7605702}" dt="2023-03-10T11:57:54.680" v="321" actId="20577"/>
-          <ac:graphicFrameMkLst>
-            <pc:docMk/>
-            <pc:sldMk cId="1911624814" sldId="487"/>
-            <ac:graphicFrameMk id="5" creationId="{72A97D83-5CD5-3542-7829-3C323AFADDC2}"/>
-          </ac:graphicFrameMkLst>
-        </pc:graphicFrameChg>
-      </pc:sldChg>
-      <pc:sldChg chg="del ord">
-        <pc:chgData name="Kirtesh Pushpakbhai Patel" userId="827b0188-014d-49bb-a8b9-04926e37603d" providerId="ADAL" clId="{A86F0464-E5EC-4030-8E95-7A39A7605702}" dt="2023-03-10T12:52:00.810" v="1661" actId="47"/>
-        <pc:sldMkLst>
-          <pc:docMk/>
-          <pc:sldMk cId="900809212" sldId="488"/>
-        </pc:sldMkLst>
-      </pc:sldChg>
-      <pc:sldChg chg="del ord">
-        <pc:chgData name="Kirtesh Pushpakbhai Patel" userId="827b0188-014d-49bb-a8b9-04926e37603d" providerId="ADAL" clId="{A86F0464-E5EC-4030-8E95-7A39A7605702}" dt="2023-03-10T12:51:59.777" v="1660" actId="47"/>
-        <pc:sldMkLst>
-          <pc:docMk/>
-          <pc:sldMk cId="4260037089" sldId="489"/>
-        </pc:sldMkLst>
-      </pc:sldChg>
-      <pc:sldChg chg="del">
-        <pc:chgData name="Kirtesh Pushpakbhai Patel" userId="827b0188-014d-49bb-a8b9-04926e37603d" providerId="ADAL" clId="{A86F0464-E5EC-4030-8E95-7A39A7605702}" dt="2023-03-10T12:24:54.848" v="1182" actId="47"/>
-        <pc:sldMkLst>
-          <pc:docMk/>
-          <pc:sldMk cId="863614616" sldId="490"/>
-        </pc:sldMkLst>
-      </pc:sldChg>
-      <pc:sldChg chg="del">
-        <pc:chgData name="Kirtesh Pushpakbhai Patel" userId="827b0188-014d-49bb-a8b9-04926e37603d" providerId="ADAL" clId="{A86F0464-E5EC-4030-8E95-7A39A7605702}" dt="2023-03-10T12:24:53.155" v="1181" actId="47"/>
-        <pc:sldMkLst>
-          <pc:docMk/>
-          <pc:sldMk cId="1165372701" sldId="491"/>
-        </pc:sldMkLst>
-      </pc:sldChg>
-      <pc:sldChg chg="modSp mod delCm">
-        <pc:chgData name="Kirtesh Pushpakbhai Patel" userId="827b0188-014d-49bb-a8b9-04926e37603d" providerId="ADAL" clId="{A86F0464-E5EC-4030-8E95-7A39A7605702}" dt="2023-03-10T13:28:24.520" v="2190" actId="14100"/>
-        <pc:sldMkLst>
-          <pc:docMk/>
-          <pc:sldMk cId="579190318" sldId="492"/>
-        </pc:sldMkLst>
-        <pc:spChg chg="mod">
-          <ac:chgData name="Kirtesh Pushpakbhai Patel" userId="827b0188-014d-49bb-a8b9-04926e37603d" providerId="ADAL" clId="{A86F0464-E5EC-4030-8E95-7A39A7605702}" dt="2023-03-10T13:28:08.271" v="2186" actId="14100"/>
-          <ac:spMkLst>
-            <pc:docMk/>
-            <pc:sldMk cId="579190318" sldId="492"/>
-            <ac:spMk id="3" creationId="{702E572B-1407-0897-9155-B08E478911E9}"/>
-          </ac:spMkLst>
-        </pc:spChg>
-        <pc:spChg chg="mod ord">
-          <ac:chgData name="Kirtesh Pushpakbhai Patel" userId="827b0188-014d-49bb-a8b9-04926e37603d" providerId="ADAL" clId="{A86F0464-E5EC-4030-8E95-7A39A7605702}" dt="2023-03-10T13:28:21.332" v="2189" actId="14100"/>
-          <ac:spMkLst>
-            <pc:docMk/>
-            <pc:sldMk cId="579190318" sldId="492"/>
-            <ac:spMk id="8" creationId="{DD6AEC42-163A-4D19-A689-0750169972F2}"/>
-          </ac:spMkLst>
-        </pc:spChg>
-        <pc:spChg chg="mod">
-          <ac:chgData name="Kirtesh Pushpakbhai Patel" userId="827b0188-014d-49bb-a8b9-04926e37603d" providerId="ADAL" clId="{A86F0464-E5EC-4030-8E95-7A39A7605702}" dt="2023-03-10T13:28:15.598" v="2187" actId="14100"/>
-          <ac:spMkLst>
-            <pc:docMk/>
-            <pc:sldMk cId="579190318" sldId="492"/>
-            <ac:spMk id="11" creationId="{42DF82E5-FF04-98EA-EFB7-B1A6C8C7959C}"/>
-          </ac:spMkLst>
-        </pc:spChg>
-        <pc:spChg chg="mod">
-          <ac:chgData name="Kirtesh Pushpakbhai Patel" userId="827b0188-014d-49bb-a8b9-04926e37603d" providerId="ADAL" clId="{A86F0464-E5EC-4030-8E95-7A39A7605702}" dt="2023-03-10T13:28:24.520" v="2190" actId="14100"/>
-          <ac:spMkLst>
-            <pc:docMk/>
-            <pc:sldMk cId="579190318" sldId="492"/>
-            <ac:spMk id="22" creationId="{9520AAB0-323E-FD3D-0572-6FA305CBED87}"/>
-          </ac:spMkLst>
-        </pc:spChg>
-        <pc:spChg chg="mod">
-          <ac:chgData name="Kirtesh Pushpakbhai Patel" userId="827b0188-014d-49bb-a8b9-04926e37603d" providerId="ADAL" clId="{A86F0464-E5EC-4030-8E95-7A39A7605702}" dt="2023-03-10T13:26:35.723" v="2162" actId="1076"/>
-          <ac:spMkLst>
-            <pc:docMk/>
-            <pc:sldMk cId="579190318" sldId="492"/>
-            <ac:spMk id="25" creationId="{21D64243-CA27-A5BF-7857-946AFC6192CF}"/>
-          </ac:spMkLst>
-        </pc:spChg>
-        <pc:spChg chg="mod">
-          <ac:chgData name="Kirtesh Pushpakbhai Patel" userId="827b0188-014d-49bb-a8b9-04926e37603d" providerId="ADAL" clId="{A86F0464-E5EC-4030-8E95-7A39A7605702}" dt="2023-03-10T13:28:05.604" v="2184" actId="1076"/>
-          <ac:spMkLst>
-            <pc:docMk/>
-            <pc:sldMk cId="579190318" sldId="492"/>
-            <ac:spMk id="31" creationId="{F72B81B8-E957-9BD5-583A-B39EADC27222}"/>
-          </ac:spMkLst>
-        </pc:spChg>
-        <pc:spChg chg="mod">
-          <ac:chgData name="Kirtesh Pushpakbhai Patel" userId="827b0188-014d-49bb-a8b9-04926e37603d" providerId="ADAL" clId="{A86F0464-E5EC-4030-8E95-7A39A7605702}" dt="2023-03-10T13:25:56.328" v="2102" actId="20577"/>
-          <ac:spMkLst>
-            <pc:docMk/>
-            <pc:sldMk cId="579190318" sldId="492"/>
-            <ac:spMk id="34" creationId="{2306A3F0-DA9A-4625-35C9-6A514BAD662F}"/>
-          </ac:spMkLst>
-        </pc:spChg>
-        <pc:picChg chg="mod">
-          <ac:chgData name="Kirtesh Pushpakbhai Patel" userId="827b0188-014d-49bb-a8b9-04926e37603d" providerId="ADAL" clId="{A86F0464-E5EC-4030-8E95-7A39A7605702}" dt="2023-03-10T13:26:35.723" v="2162" actId="1076"/>
-          <ac:picMkLst>
-            <pc:docMk/>
-            <pc:sldMk cId="579190318" sldId="492"/>
-            <ac:picMk id="13" creationId="{4A01CD90-E12C-C7A7-59C2-90355E89CC06}"/>
-          </ac:picMkLst>
-        </pc:picChg>
-        <pc:extLst>
-          <p:ext xmlns:p="http://schemas.openxmlformats.org/presentationml/2006/main" uri="{D6D511B9-2390-475A-947B-AFAB55BFBCF1}">
-            <pc226:cmChg xmlns:pc226="http://schemas.microsoft.com/office/powerpoint/2022/06/main/command" chg="del">
-              <pc226:chgData name="Kirtesh Pushpakbhai Patel" userId="827b0188-014d-49bb-a8b9-04926e37603d" providerId="ADAL" clId="{A86F0464-E5EC-4030-8E95-7A39A7605702}" dt="2023-03-10T12:24:38.322" v="1180"/>
-              <pc2:cmMkLst xmlns:pc2="http://schemas.microsoft.com/office/powerpoint/2019/9/main/command">
-                <pc:docMk/>
-                <pc:sldMk cId="579190318" sldId="492"/>
-                <pc2:cmMk id="{7E72DF95-898A-46C6-98F6-A8F71DD11EC8}"/>
-              </pc2:cmMkLst>
-            </pc226:cmChg>
-          </p:ext>
-        </pc:extLst>
-      </pc:sldChg>
-      <pc:sldChg chg="addSp modSp mod ord">
-        <pc:chgData name="Kirtesh Pushpakbhai Patel" userId="827b0188-014d-49bb-a8b9-04926e37603d" providerId="ADAL" clId="{A86F0464-E5EC-4030-8E95-7A39A7605702}" dt="2023-03-11T10:06:13.065" v="2369" actId="1036"/>
-        <pc:sldMkLst>
-          <pc:docMk/>
-          <pc:sldMk cId="2781087131" sldId="493"/>
-        </pc:sldMkLst>
-        <pc:spChg chg="add mod">
-          <ac:chgData name="Kirtesh Pushpakbhai Patel" userId="827b0188-014d-49bb-a8b9-04926e37603d" providerId="ADAL" clId="{A86F0464-E5EC-4030-8E95-7A39A7605702}" dt="2023-03-10T13:20:08.306" v="2007"/>
-          <ac:spMkLst>
-            <pc:docMk/>
-            <pc:sldMk cId="2781087131" sldId="493"/>
-            <ac:spMk id="2" creationId="{C3F0013D-4D30-EED2-7E3F-563942136DEA}"/>
-          </ac:spMkLst>
-        </pc:spChg>
-        <pc:spChg chg="mod">
-          <ac:chgData name="Kirtesh Pushpakbhai Patel" userId="827b0188-014d-49bb-a8b9-04926e37603d" providerId="ADAL" clId="{A86F0464-E5EC-4030-8E95-7A39A7605702}" dt="2023-03-10T13:01:14.047" v="1703" actId="20577"/>
-          <ac:spMkLst>
-            <pc:docMk/>
-            <pc:sldMk cId="2781087131" sldId="493"/>
-            <ac:spMk id="11" creationId="{AA0E73AC-D2D3-AC83-49A8-D2B2FF5D4F85}"/>
-          </ac:spMkLst>
-        </pc:spChg>
-        <pc:picChg chg="mod">
-          <ac:chgData name="Kirtesh Pushpakbhai Patel" userId="827b0188-014d-49bb-a8b9-04926e37603d" providerId="ADAL" clId="{A86F0464-E5EC-4030-8E95-7A39A7605702}" dt="2023-03-11T10:06:13.065" v="2369" actId="1036"/>
-          <ac:picMkLst>
-            <pc:docMk/>
-            <pc:sldMk cId="2781087131" sldId="493"/>
-            <ac:picMk id="4" creationId="{BD3DF83C-CA53-0067-1510-9F6F16BBEE61}"/>
-          </ac:picMkLst>
-        </pc:picChg>
-      </pc:sldChg>
-      <pc:sldChg chg="addSp modSp mod ord">
-        <pc:chgData name="Kirtesh Pushpakbhai Patel" userId="827b0188-014d-49bb-a8b9-04926e37603d" providerId="ADAL" clId="{A86F0464-E5EC-4030-8E95-7A39A7605702}" dt="2023-03-10T13:20:07.107" v="2006"/>
-        <pc:sldMkLst>
-          <pc:docMk/>
-          <pc:sldMk cId="142541209" sldId="494"/>
-        </pc:sldMkLst>
-        <pc:spChg chg="add mod">
-          <ac:chgData name="Kirtesh Pushpakbhai Patel" userId="827b0188-014d-49bb-a8b9-04926e37603d" providerId="ADAL" clId="{A86F0464-E5EC-4030-8E95-7A39A7605702}" dt="2023-03-10T13:20:07.107" v="2006"/>
-          <ac:spMkLst>
-            <pc:docMk/>
-            <pc:sldMk cId="142541209" sldId="494"/>
-            <ac:spMk id="2" creationId="{9AE110EC-47DB-7173-8822-0778EF734D0D}"/>
-          </ac:spMkLst>
-        </pc:spChg>
-        <pc:spChg chg="mod">
-          <ac:chgData name="Kirtesh Pushpakbhai Patel" userId="827b0188-014d-49bb-a8b9-04926e37603d" providerId="ADAL" clId="{A86F0464-E5EC-4030-8E95-7A39A7605702}" dt="2023-03-10T13:01:27.995" v="1716" actId="20577"/>
-          <ac:spMkLst>
-            <pc:docMk/>
-            <pc:sldMk cId="142541209" sldId="494"/>
-            <ac:spMk id="11" creationId="{AA0E73AC-D2D3-AC83-49A8-D2B2FF5D4F85}"/>
-          </ac:spMkLst>
-        </pc:spChg>
-      </pc:sldChg>
-      <pc:sldChg chg="addSp modSp mod ord">
-        <pc:chgData name="Kirtesh Pushpakbhai Patel" userId="827b0188-014d-49bb-a8b9-04926e37603d" providerId="ADAL" clId="{A86F0464-E5EC-4030-8E95-7A39A7605702}" dt="2023-03-10T13:20:04.813" v="2004"/>
-        <pc:sldMkLst>
-          <pc:docMk/>
-          <pc:sldMk cId="896978092" sldId="495"/>
-        </pc:sldMkLst>
-        <pc:spChg chg="add mod">
-          <ac:chgData name="Kirtesh Pushpakbhai Patel" userId="827b0188-014d-49bb-a8b9-04926e37603d" providerId="ADAL" clId="{A86F0464-E5EC-4030-8E95-7A39A7605702}" dt="2023-03-10T13:20:04.813" v="2004"/>
-          <ac:spMkLst>
-            <pc:docMk/>
-            <pc:sldMk cId="896978092" sldId="495"/>
-            <ac:spMk id="2" creationId="{D12D6A8B-F388-BD05-D60E-4FC64AD5C585}"/>
-          </ac:spMkLst>
-        </pc:spChg>
-        <pc:spChg chg="mod">
-          <ac:chgData name="Kirtesh Pushpakbhai Patel" userId="827b0188-014d-49bb-a8b9-04926e37603d" providerId="ADAL" clId="{A86F0464-E5EC-4030-8E95-7A39A7605702}" dt="2023-03-10T13:01:48.923" v="1739" actId="20577"/>
-          <ac:spMkLst>
-            <pc:docMk/>
-            <pc:sldMk cId="896978092" sldId="495"/>
-            <ac:spMk id="11" creationId="{AA0E73AC-D2D3-AC83-49A8-D2B2FF5D4F85}"/>
-          </ac:spMkLst>
-        </pc:spChg>
-      </pc:sldChg>
-      <pc:sldChg chg="addSp modSp mod ord">
-        <pc:chgData name="Kirtesh Pushpakbhai Patel" userId="827b0188-014d-49bb-a8b9-04926e37603d" providerId="ADAL" clId="{A86F0464-E5EC-4030-8E95-7A39A7605702}" dt="2023-03-10T13:20:03.546" v="2003"/>
-        <pc:sldMkLst>
-          <pc:docMk/>
-          <pc:sldMk cId="973455215" sldId="496"/>
-        </pc:sldMkLst>
-        <pc:spChg chg="add mod">
-          <ac:chgData name="Kirtesh Pushpakbhai Patel" userId="827b0188-014d-49bb-a8b9-04926e37603d" providerId="ADAL" clId="{A86F0464-E5EC-4030-8E95-7A39A7605702}" dt="2023-03-10T13:20:03.546" v="2003"/>
-          <ac:spMkLst>
-            <pc:docMk/>
-            <pc:sldMk cId="973455215" sldId="496"/>
-            <ac:spMk id="2" creationId="{B05F2271-4753-42AB-E182-D675975FA459}"/>
-          </ac:spMkLst>
-        </pc:spChg>
-        <pc:spChg chg="mod">
-          <ac:chgData name="Kirtesh Pushpakbhai Patel" userId="827b0188-014d-49bb-a8b9-04926e37603d" providerId="ADAL" clId="{A86F0464-E5EC-4030-8E95-7A39A7605702}" dt="2023-03-10T13:01:54.817" v="1750" actId="20577"/>
-          <ac:spMkLst>
-            <pc:docMk/>
-            <pc:sldMk cId="973455215" sldId="496"/>
-            <ac:spMk id="11" creationId="{AA0E73AC-D2D3-AC83-49A8-D2B2FF5D4F85}"/>
-          </ac:spMkLst>
-        </pc:spChg>
-      </pc:sldChg>
-      <pc:sldChg chg="addSp delSp modSp mod ord">
-        <pc:chgData name="Kirtesh Pushpakbhai Patel" userId="827b0188-014d-49bb-a8b9-04926e37603d" providerId="ADAL" clId="{A86F0464-E5EC-4030-8E95-7A39A7605702}" dt="2023-03-11T13:35:00.329" v="2372" actId="1076"/>
-        <pc:sldMkLst>
-          <pc:docMk/>
-          <pc:sldMk cId="176732957" sldId="497"/>
-        </pc:sldMkLst>
-        <pc:spChg chg="add mod">
-          <ac:chgData name="Kirtesh Pushpakbhai Patel" userId="827b0188-014d-49bb-a8b9-04926e37603d" providerId="ADAL" clId="{A86F0464-E5EC-4030-8E95-7A39A7605702}" dt="2023-03-10T13:20:02.505" v="2002"/>
-          <ac:spMkLst>
-            <pc:docMk/>
-            <pc:sldMk cId="176732957" sldId="497"/>
-            <ac:spMk id="2" creationId="{8BD53712-E499-6A8B-BE7B-CB5A820575E9}"/>
-          </ac:spMkLst>
-        </pc:spChg>
-        <pc:spChg chg="mod">
-          <ac:chgData name="Kirtesh Pushpakbhai Patel" userId="827b0188-014d-49bb-a8b9-04926e37603d" providerId="ADAL" clId="{A86F0464-E5EC-4030-8E95-7A39A7605702}" dt="2023-03-10T13:01:59.521" v="1760" actId="20577"/>
-          <ac:spMkLst>
-            <pc:docMk/>
-            <pc:sldMk cId="176732957" sldId="497"/>
-            <ac:spMk id="11" creationId="{AA0E73AC-D2D3-AC83-49A8-D2B2FF5D4F85}"/>
-          </ac:spMkLst>
-        </pc:spChg>
-        <pc:graphicFrameChg chg="add mod modGraphic">
-          <ac:chgData name="Kirtesh Pushpakbhai Patel" userId="827b0188-014d-49bb-a8b9-04926e37603d" providerId="ADAL" clId="{A86F0464-E5EC-4030-8E95-7A39A7605702}" dt="2023-03-10T11:44:34.648" v="158" actId="20577"/>
-          <ac:graphicFrameMkLst>
-            <pc:docMk/>
-            <pc:sldMk cId="176732957" sldId="497"/>
-            <ac:graphicFrameMk id="6" creationId="{F229F7A9-5D57-3606-E7AC-4C8AEAE19475}"/>
-          </ac:graphicFrameMkLst>
-        </pc:graphicFrameChg>
-        <pc:graphicFrameChg chg="add del mod">
-          <ac:chgData name="Kirtesh Pushpakbhai Patel" userId="827b0188-014d-49bb-a8b9-04926e37603d" providerId="ADAL" clId="{A86F0464-E5EC-4030-8E95-7A39A7605702}" dt="2023-03-10T10:49:38.549" v="69" actId="478"/>
-          <ac:graphicFrameMkLst>
-            <pc:docMk/>
-            <pc:sldMk cId="176732957" sldId="497"/>
-            <ac:graphicFrameMk id="7" creationId="{42A8CD41-13F1-D1B5-D3B0-E182C326C6D2}"/>
-          </ac:graphicFrameMkLst>
-        </pc:graphicFrameChg>
-        <pc:picChg chg="add del mod ord">
-          <ac:chgData name="Kirtesh Pushpakbhai Patel" userId="827b0188-014d-49bb-a8b9-04926e37603d" providerId="ADAL" clId="{A86F0464-E5EC-4030-8E95-7A39A7605702}" dt="2023-03-10T10:52:27.500" v="83" actId="478"/>
-          <ac:picMkLst>
-            <pc:docMk/>
-            <pc:sldMk cId="176732957" sldId="497"/>
-            <ac:picMk id="3" creationId="{1AC95885-9628-01BB-D9CB-C25BD5B9BB30}"/>
-          </ac:picMkLst>
-        </pc:picChg>
-        <pc:picChg chg="add del mod">
-          <ac:chgData name="Kirtesh Pushpakbhai Patel" userId="827b0188-014d-49bb-a8b9-04926e37603d" providerId="ADAL" clId="{A86F0464-E5EC-4030-8E95-7A39A7605702}" dt="2023-03-10T10:36:25.689" v="10" actId="478"/>
-          <ac:picMkLst>
-            <pc:docMk/>
-            <pc:sldMk cId="176732957" sldId="497"/>
-            <ac:picMk id="5" creationId="{B9BE4B84-CDB7-4D6F-E8B6-4ED5D93E29AE}"/>
-          </ac:picMkLst>
-        </pc:picChg>
-        <pc:picChg chg="add mod ord">
-          <ac:chgData name="Kirtesh Pushpakbhai Patel" userId="827b0188-014d-49bb-a8b9-04926e37603d" providerId="ADAL" clId="{A86F0464-E5EC-4030-8E95-7A39A7605702}" dt="2023-03-11T13:35:00.329" v="2372" actId="1076"/>
-          <ac:picMkLst>
-            <pc:docMk/>
-            <pc:sldMk cId="176732957" sldId="497"/>
-            <ac:picMk id="9" creationId="{07B99DDB-3A96-A631-A76E-608778123F48}"/>
-          </ac:picMkLst>
-        </pc:picChg>
-      </pc:sldChg>
-      <pc:sldChg chg="addSp modSp mod ord">
-        <pc:chgData name="Kirtesh Pushpakbhai Patel" userId="827b0188-014d-49bb-a8b9-04926e37603d" providerId="ADAL" clId="{A86F0464-E5EC-4030-8E95-7A39A7605702}" dt="2023-03-10T21:54:38.726" v="2345" actId="20577"/>
-        <pc:sldMkLst>
-          <pc:docMk/>
-          <pc:sldMk cId="1107156319" sldId="498"/>
-        </pc:sldMkLst>
-        <pc:spChg chg="add mod">
-          <ac:chgData name="Kirtesh Pushpakbhai Patel" userId="827b0188-014d-49bb-a8b9-04926e37603d" providerId="ADAL" clId="{A86F0464-E5EC-4030-8E95-7A39A7605702}" dt="2023-03-10T13:20:00.159" v="2000"/>
-          <ac:spMkLst>
-            <pc:docMk/>
-            <pc:sldMk cId="1107156319" sldId="498"/>
-            <ac:spMk id="2" creationId="{8A3D3AA3-5752-1E8F-0549-B9488F364D47}"/>
-          </ac:spMkLst>
-        </pc:spChg>
-        <pc:spChg chg="mod">
-          <ac:chgData name="Kirtesh Pushpakbhai Patel" userId="827b0188-014d-49bb-a8b9-04926e37603d" providerId="ADAL" clId="{A86F0464-E5EC-4030-8E95-7A39A7605702}" dt="2023-03-10T21:54:38.726" v="2345" actId="20577"/>
-          <ac:spMkLst>
-            <pc:docMk/>
-            <pc:sldMk cId="1107156319" sldId="498"/>
-            <ac:spMk id="11" creationId="{AA0E73AC-D2D3-AC83-49A8-D2B2FF5D4F85}"/>
-          </ac:spMkLst>
-        </pc:spChg>
-        <pc:graphicFrameChg chg="add mod modGraphic">
-          <ac:chgData name="Kirtesh Pushpakbhai Patel" userId="827b0188-014d-49bb-a8b9-04926e37603d" providerId="ADAL" clId="{A86F0464-E5EC-4030-8E95-7A39A7605702}" dt="2023-03-10T11:46:19.375" v="167" actId="20577"/>
-          <ac:graphicFrameMkLst>
-            <pc:docMk/>
-            <pc:sldMk cId="1107156319" sldId="498"/>
-            <ac:graphicFrameMk id="4" creationId="{F07E073A-172F-BCF9-3A1A-525233742FBE}"/>
-          </ac:graphicFrameMkLst>
-        </pc:graphicFrameChg>
-        <pc:picChg chg="add mod ord">
-          <ac:chgData name="Kirtesh Pushpakbhai Patel" userId="827b0188-014d-49bb-a8b9-04926e37603d" providerId="ADAL" clId="{A86F0464-E5EC-4030-8E95-7A39A7605702}" dt="2023-03-10T10:56:25.949" v="100" actId="1076"/>
-          <ac:picMkLst>
-            <pc:docMk/>
-            <pc:sldMk cId="1107156319" sldId="498"/>
-            <ac:picMk id="3" creationId="{44FB6F03-AF64-758B-7A86-A306D7571564}"/>
-          </ac:picMkLst>
-        </pc:picChg>
-      </pc:sldChg>
-      <pc:sldChg chg="del">
-        <pc:chgData name="Kirtesh Pushpakbhai Patel" userId="827b0188-014d-49bb-a8b9-04926e37603d" providerId="ADAL" clId="{A86F0464-E5EC-4030-8E95-7A39A7605702}" dt="2023-03-10T10:58:23.883" v="112" actId="47"/>
-        <pc:sldMkLst>
-          <pc:docMk/>
-          <pc:sldMk cId="4049413766" sldId="499"/>
-        </pc:sldMkLst>
-      </pc:sldChg>
-      <pc:sldChg chg="del">
-        <pc:chgData name="Kirtesh Pushpakbhai Patel" userId="827b0188-014d-49bb-a8b9-04926e37603d" providerId="ADAL" clId="{A86F0464-E5EC-4030-8E95-7A39A7605702}" dt="2023-03-10T10:58:15.784" v="110" actId="2696"/>
-        <pc:sldMkLst>
-          <pc:docMk/>
-          <pc:sldMk cId="2477747532" sldId="500"/>
-        </pc:sldMkLst>
-      </pc:sldChg>
-      <pc:sldChg chg="addSp delSp modSp add mod ord">
-        <pc:chgData name="Kirtesh Pushpakbhai Patel" userId="827b0188-014d-49bb-a8b9-04926e37603d" providerId="ADAL" clId="{A86F0464-E5EC-4030-8E95-7A39A7605702}" dt="2023-03-10T13:20:01.353" v="2001"/>
-        <pc:sldMkLst>
-          <pc:docMk/>
-          <pc:sldMk cId="3347313777" sldId="501"/>
-        </pc:sldMkLst>
-        <pc:spChg chg="add mod">
-          <ac:chgData name="Kirtesh Pushpakbhai Patel" userId="827b0188-014d-49bb-a8b9-04926e37603d" providerId="ADAL" clId="{A86F0464-E5EC-4030-8E95-7A39A7605702}" dt="2023-03-10T13:20:01.353" v="2001"/>
-          <ac:spMkLst>
-            <pc:docMk/>
-            <pc:sldMk cId="3347313777" sldId="501"/>
-            <ac:spMk id="2" creationId="{9EED63EE-F23B-B755-46DD-FA592A5E3E83}"/>
-          </ac:spMkLst>
-        </pc:spChg>
-        <pc:spChg chg="mod">
-          <ac:chgData name="Kirtesh Pushpakbhai Patel" userId="827b0188-014d-49bb-a8b9-04926e37603d" providerId="ADAL" clId="{A86F0464-E5EC-4030-8E95-7A39A7605702}" dt="2023-03-10T13:02:03.849" v="1770" actId="20577"/>
-          <ac:spMkLst>
-            <pc:docMk/>
-            <pc:sldMk cId="3347313777" sldId="501"/>
-            <ac:spMk id="11" creationId="{AA0E73AC-D2D3-AC83-49A8-D2B2FF5D4F85}"/>
-          </ac:spMkLst>
-        </pc:spChg>
-        <pc:graphicFrameChg chg="mod modGraphic">
-          <ac:chgData name="Kirtesh Pushpakbhai Patel" userId="827b0188-014d-49bb-a8b9-04926e37603d" providerId="ADAL" clId="{A86F0464-E5EC-4030-8E95-7A39A7605702}" dt="2023-03-10T11:46:53.320" v="176" actId="20577"/>
-          <ac:graphicFrameMkLst>
-            <pc:docMk/>
-            <pc:sldMk cId="3347313777" sldId="501"/>
-            <ac:graphicFrameMk id="6" creationId="{F229F7A9-5D57-3606-E7AC-4C8AEAE19475}"/>
-          </ac:graphicFrameMkLst>
-        </pc:graphicFrameChg>
-        <pc:picChg chg="del">
-          <ac:chgData name="Kirtesh Pushpakbhai Patel" userId="827b0188-014d-49bb-a8b9-04926e37603d" providerId="ADAL" clId="{A86F0464-E5EC-4030-8E95-7A39A7605702}" dt="2023-03-10T10:50:08.710" v="82" actId="478"/>
-          <ac:picMkLst>
-            <pc:docMk/>
-            <pc:sldMk cId="3347313777" sldId="501"/>
-            <ac:picMk id="3" creationId="{1AC95885-9628-01BB-D9CB-C25BD5B9BB30}"/>
-          </ac:picMkLst>
-        </pc:picChg>
-        <pc:picChg chg="add mod ord">
-          <ac:chgData name="Kirtesh Pushpakbhai Patel" userId="827b0188-014d-49bb-a8b9-04926e37603d" providerId="ADAL" clId="{A86F0464-E5EC-4030-8E95-7A39A7605702}" dt="2023-03-10T10:53:36.709" v="94" actId="1076"/>
-          <ac:picMkLst>
-            <pc:docMk/>
-            <pc:sldMk cId="3347313777" sldId="501"/>
-            <ac:picMk id="4" creationId="{B0BC5D4F-3171-9326-53E9-2A71274A5E6E}"/>
-          </ac:picMkLst>
-        </pc:picChg>
-      </pc:sldChg>
-      <pc:sldChg chg="addSp delSp modSp add mod ord">
-        <pc:chgData name="Kirtesh Pushpakbhai Patel" userId="827b0188-014d-49bb-a8b9-04926e37603d" providerId="ADAL" clId="{A86F0464-E5EC-4030-8E95-7A39A7605702}" dt="2023-03-11T12:59:47.664" v="2371" actId="20577"/>
-        <pc:sldMkLst>
-          <pc:docMk/>
-          <pc:sldMk cId="2110809649" sldId="502"/>
-        </pc:sldMkLst>
-        <pc:spChg chg="add mod">
-          <ac:chgData name="Kirtesh Pushpakbhai Patel" userId="827b0188-014d-49bb-a8b9-04926e37603d" providerId="ADAL" clId="{A86F0464-E5EC-4030-8E95-7A39A7605702}" dt="2023-03-10T13:19:58.582" v="1999"/>
-          <ac:spMkLst>
-            <pc:docMk/>
-            <pc:sldMk cId="2110809649" sldId="502"/>
-            <ac:spMk id="6" creationId="{5B431C30-AE67-0DA8-59C0-EF8CF32063E3}"/>
-          </ac:spMkLst>
-        </pc:spChg>
-        <pc:spChg chg="mod">
-          <ac:chgData name="Kirtesh Pushpakbhai Patel" userId="827b0188-014d-49bb-a8b9-04926e37603d" providerId="ADAL" clId="{A86F0464-E5EC-4030-8E95-7A39A7605702}" dt="2023-03-11T12:59:47.664" v="2371" actId="20577"/>
-          <ac:spMkLst>
-            <pc:docMk/>
-            <pc:sldMk cId="2110809649" sldId="502"/>
-            <ac:spMk id="11" creationId="{AA0E73AC-D2D3-AC83-49A8-D2B2FF5D4F85}"/>
-          </ac:spMkLst>
-        </pc:spChg>
-        <pc:graphicFrameChg chg="modGraphic">
-          <ac:chgData name="Kirtesh Pushpakbhai Patel" userId="827b0188-014d-49bb-a8b9-04926e37603d" providerId="ADAL" clId="{A86F0464-E5EC-4030-8E95-7A39A7605702}" dt="2023-03-10T11:46:44.539" v="174" actId="20577"/>
-          <ac:graphicFrameMkLst>
-            <pc:docMk/>
-            <pc:sldMk cId="2110809649" sldId="502"/>
-            <ac:graphicFrameMk id="4" creationId="{F07E073A-172F-BCF9-3A1A-525233742FBE}"/>
-          </ac:graphicFrameMkLst>
-        </pc:graphicFrameChg>
-        <pc:picChg chg="del">
-          <ac:chgData name="Kirtesh Pushpakbhai Patel" userId="827b0188-014d-49bb-a8b9-04926e37603d" providerId="ADAL" clId="{A86F0464-E5EC-4030-8E95-7A39A7605702}" dt="2023-03-10T11:06:49.354" v="128" actId="478"/>
-          <ac:picMkLst>
-            <pc:docMk/>
-            <pc:sldMk cId="2110809649" sldId="502"/>
-            <ac:picMk id="3" creationId="{44FB6F03-AF64-758B-7A86-A306D7571564}"/>
-          </ac:picMkLst>
-        </pc:picChg>
-        <pc:picChg chg="add mod ord">
-          <ac:chgData name="Kirtesh Pushpakbhai Patel" userId="827b0188-014d-49bb-a8b9-04926e37603d" providerId="ADAL" clId="{A86F0464-E5EC-4030-8E95-7A39A7605702}" dt="2023-03-10T11:06:58.443" v="133" actId="167"/>
-          <ac:picMkLst>
-            <pc:docMk/>
-            <pc:sldMk cId="2110809649" sldId="502"/>
-            <ac:picMk id="5" creationId="{AEB22A6F-129D-125A-9C4B-54583C746103}"/>
-          </ac:picMkLst>
-        </pc:picChg>
-      </pc:sldChg>
-      <pc:sldChg chg="addSp delSp modSp mod">
-        <pc:chgData name="Kirtesh Pushpakbhai Patel" userId="827b0188-014d-49bb-a8b9-04926e37603d" providerId="ADAL" clId="{A86F0464-E5EC-4030-8E95-7A39A7605702}" dt="2023-03-10T13:18:20.793" v="1996" actId="1035"/>
-        <pc:sldMkLst>
-          <pc:docMk/>
-          <pc:sldMk cId="2165381430" sldId="503"/>
-        </pc:sldMkLst>
-        <pc:spChg chg="add mod">
-          <ac:chgData name="Kirtesh Pushpakbhai Patel" userId="827b0188-014d-49bb-a8b9-04926e37603d" providerId="ADAL" clId="{A86F0464-E5EC-4030-8E95-7A39A7605702}" dt="2023-03-10T13:18:11.765" v="1976" actId="1035"/>
-          <ac:spMkLst>
-            <pc:docMk/>
-            <pc:sldMk cId="2165381430" sldId="503"/>
-            <ac:spMk id="7" creationId="{6D284F2D-8BD4-4DA9-E718-F596FF478B02}"/>
-          </ac:spMkLst>
-        </pc:spChg>
-        <pc:spChg chg="del">
-          <ac:chgData name="Kirtesh Pushpakbhai Patel" userId="827b0188-014d-49bb-a8b9-04926e37603d" providerId="ADAL" clId="{A86F0464-E5EC-4030-8E95-7A39A7605702}" dt="2023-03-10T13:16:20.763" v="1855" actId="478"/>
-          <ac:spMkLst>
-            <pc:docMk/>
-            <pc:sldMk cId="2165381430" sldId="503"/>
-            <ac:spMk id="8" creationId="{A8900A78-C961-6E08-C361-F92086074D0C}"/>
-          </ac:spMkLst>
-        </pc:spChg>
-        <pc:spChg chg="add mod">
-          <ac:chgData name="Kirtesh Pushpakbhai Patel" userId="827b0188-014d-49bb-a8b9-04926e37603d" providerId="ADAL" clId="{A86F0464-E5EC-4030-8E95-7A39A7605702}" dt="2023-03-10T13:18:11.765" v="1976" actId="1035"/>
-          <ac:spMkLst>
-            <pc:docMk/>
-            <pc:sldMk cId="2165381430" sldId="503"/>
-            <ac:spMk id="9" creationId="{8A1BB7A9-A25B-0961-46B6-A06F0AECF015}"/>
-          </ac:spMkLst>
-        </pc:spChg>
-        <pc:spChg chg="add mod">
-          <ac:chgData name="Kirtesh Pushpakbhai Patel" userId="827b0188-014d-49bb-a8b9-04926e37603d" providerId="ADAL" clId="{A86F0464-E5EC-4030-8E95-7A39A7605702}" dt="2023-03-10T13:18:11.765" v="1976" actId="1035"/>
-          <ac:spMkLst>
-            <pc:docMk/>
-            <pc:sldMk cId="2165381430" sldId="503"/>
-            <ac:spMk id="10" creationId="{CC22B50A-1C52-9F7B-8C4C-81E4BD59E9A8}"/>
-          </ac:spMkLst>
-        </pc:spChg>
-        <pc:spChg chg="add mod">
-          <ac:chgData name="Kirtesh Pushpakbhai Patel" userId="827b0188-014d-49bb-a8b9-04926e37603d" providerId="ADAL" clId="{A86F0464-E5EC-4030-8E95-7A39A7605702}" dt="2023-03-10T13:18:11.765" v="1976" actId="1035"/>
-          <ac:spMkLst>
-            <pc:docMk/>
-            <pc:sldMk cId="2165381430" sldId="503"/>
-            <ac:spMk id="11" creationId="{3E358FF2-888A-5CF9-56C4-6C1D2E186CA0}"/>
-          </ac:spMkLst>
-        </pc:spChg>
-        <pc:spChg chg="add mod">
-          <ac:chgData name="Kirtesh Pushpakbhai Patel" userId="827b0188-014d-49bb-a8b9-04926e37603d" providerId="ADAL" clId="{A86F0464-E5EC-4030-8E95-7A39A7605702}" dt="2023-03-10T13:18:11.765" v="1976" actId="1035"/>
-          <ac:spMkLst>
-            <pc:docMk/>
-            <pc:sldMk cId="2165381430" sldId="503"/>
-            <ac:spMk id="12" creationId="{75F0DD63-2A24-8D41-5EF0-064CF9D8E3D0}"/>
-          </ac:spMkLst>
-        </pc:spChg>
-        <pc:spChg chg="add mod">
-          <ac:chgData name="Kirtesh Pushpakbhai Patel" userId="827b0188-014d-49bb-a8b9-04926e37603d" providerId="ADAL" clId="{A86F0464-E5EC-4030-8E95-7A39A7605702}" dt="2023-03-10T13:18:11.765" v="1976" actId="1035"/>
-          <ac:spMkLst>
-            <pc:docMk/>
-            <pc:sldMk cId="2165381430" sldId="503"/>
-            <ac:spMk id="13" creationId="{169B21F2-8DA2-12D3-E79F-6B81A767C52D}"/>
-          </ac:spMkLst>
-        </pc:spChg>
-        <pc:spChg chg="add mod">
-          <ac:chgData name="Kirtesh Pushpakbhai Patel" userId="827b0188-014d-49bb-a8b9-04926e37603d" providerId="ADAL" clId="{A86F0464-E5EC-4030-8E95-7A39A7605702}" dt="2023-03-10T13:18:11.765" v="1976" actId="1035"/>
-          <ac:spMkLst>
-            <pc:docMk/>
-            <pc:sldMk cId="2165381430" sldId="503"/>
-            <ac:spMk id="14" creationId="{AD6C0B11-343B-896C-0E91-04594AD5BEA3}"/>
-          </ac:spMkLst>
-        </pc:spChg>
-        <pc:spChg chg="add mod">
-          <ac:chgData name="Kirtesh Pushpakbhai Patel" userId="827b0188-014d-49bb-a8b9-04926e37603d" providerId="ADAL" clId="{A86F0464-E5EC-4030-8E95-7A39A7605702}" dt="2023-03-10T13:18:11.765" v="1976" actId="1035"/>
-          <ac:spMkLst>
-            <pc:docMk/>
-            <pc:sldMk cId="2165381430" sldId="503"/>
-            <ac:spMk id="15" creationId="{B13806F9-96DA-2051-0920-A676B1BAF2EA}"/>
-          </ac:spMkLst>
-        </pc:spChg>
-        <pc:spChg chg="add mod">
-          <ac:chgData name="Kirtesh Pushpakbhai Patel" userId="827b0188-014d-49bb-a8b9-04926e37603d" providerId="ADAL" clId="{A86F0464-E5EC-4030-8E95-7A39A7605702}" dt="2023-03-10T13:18:11.765" v="1976" actId="1035"/>
-          <ac:spMkLst>
-            <pc:docMk/>
-            <pc:sldMk cId="2165381430" sldId="503"/>
-            <ac:spMk id="16" creationId="{4DBF3A1C-4AC9-C009-3A22-52D51970B7AD}"/>
-          </ac:spMkLst>
-        </pc:spChg>
-        <pc:spChg chg="add mod">
-          <ac:chgData name="Kirtesh Pushpakbhai Patel" userId="827b0188-014d-49bb-a8b9-04926e37603d" providerId="ADAL" clId="{A86F0464-E5EC-4030-8E95-7A39A7605702}" dt="2023-03-10T13:18:11.765" v="1976" actId="1035"/>
-          <ac:spMkLst>
-            <pc:docMk/>
-            <pc:sldMk cId="2165381430" sldId="503"/>
-            <ac:spMk id="18" creationId="{22B61E27-3F20-989B-E883-0E01FDE27242}"/>
-          </ac:spMkLst>
-        </pc:spChg>
-        <pc:spChg chg="add mod">
-          <ac:chgData name="Kirtesh Pushpakbhai Patel" userId="827b0188-014d-49bb-a8b9-04926e37603d" providerId="ADAL" clId="{A86F0464-E5EC-4030-8E95-7A39A7605702}" dt="2023-03-10T13:18:11.765" v="1976" actId="1035"/>
-          <ac:spMkLst>
-            <pc:docMk/>
-            <pc:sldMk cId="2165381430" sldId="503"/>
-            <ac:spMk id="19" creationId="{E3C6B684-5D14-A963-86C8-139D5DB3B614}"/>
-          </ac:spMkLst>
-        </pc:spChg>
-        <pc:spChg chg="add mod">
-          <ac:chgData name="Kirtesh Pushpakbhai Patel" userId="827b0188-014d-49bb-a8b9-04926e37603d" providerId="ADAL" clId="{A86F0464-E5EC-4030-8E95-7A39A7605702}" dt="2023-03-10T13:18:11.765" v="1976" actId="1035"/>
-          <ac:spMkLst>
-            <pc:docMk/>
-            <pc:sldMk cId="2165381430" sldId="503"/>
-            <ac:spMk id="20" creationId="{8236A02E-4101-393C-19AB-1AA22F8FEDEB}"/>
-          </ac:spMkLst>
-        </pc:spChg>
-        <pc:spChg chg="add mod">
-          <ac:chgData name="Kirtesh Pushpakbhai Patel" userId="827b0188-014d-49bb-a8b9-04926e37603d" providerId="ADAL" clId="{A86F0464-E5EC-4030-8E95-7A39A7605702}" dt="2023-03-10T13:18:11.765" v="1976" actId="1035"/>
-          <ac:spMkLst>
-            <pc:docMk/>
-            <pc:sldMk cId="2165381430" sldId="503"/>
-            <ac:spMk id="21" creationId="{CA035C3A-8D34-7213-DB42-AC8085F62810}"/>
-          </ac:spMkLst>
-        </pc:spChg>
-        <pc:spChg chg="add mod">
-          <ac:chgData name="Kirtesh Pushpakbhai Patel" userId="827b0188-014d-49bb-a8b9-04926e37603d" providerId="ADAL" clId="{A86F0464-E5EC-4030-8E95-7A39A7605702}" dt="2023-03-10T13:18:11.765" v="1976" actId="1035"/>
-          <ac:spMkLst>
-            <pc:docMk/>
-            <pc:sldMk cId="2165381430" sldId="503"/>
-            <ac:spMk id="22" creationId="{5750A6EA-8DF0-B4F6-2D08-BF76A51C1059}"/>
-          </ac:spMkLst>
-        </pc:spChg>
-        <pc:spChg chg="add mod">
-          <ac:chgData name="Kirtesh Pushpakbhai Patel" userId="827b0188-014d-49bb-a8b9-04926e37603d" providerId="ADAL" clId="{A86F0464-E5EC-4030-8E95-7A39A7605702}" dt="2023-03-10T13:18:20.793" v="1996" actId="1035"/>
-          <ac:spMkLst>
-            <pc:docMk/>
-            <pc:sldMk cId="2165381430" sldId="503"/>
-            <ac:spMk id="26" creationId="{B77578A7-9728-223B-5335-0E03C6DA3E69}"/>
-          </ac:spMkLst>
-        </pc:spChg>
-        <pc:spChg chg="add mod">
-          <ac:chgData name="Kirtesh Pushpakbhai Patel" userId="827b0188-014d-49bb-a8b9-04926e37603d" providerId="ADAL" clId="{A86F0464-E5EC-4030-8E95-7A39A7605702}" dt="2023-03-10T13:18:20.793" v="1996" actId="1035"/>
-          <ac:spMkLst>
-            <pc:docMk/>
-            <pc:sldMk cId="2165381430" sldId="503"/>
-            <ac:spMk id="27" creationId="{F05D5AF6-2C1C-3D6A-FD77-C8DB2044F8A0}"/>
-          </ac:spMkLst>
-        </pc:spChg>
-        <pc:spChg chg="add mod">
-          <ac:chgData name="Kirtesh Pushpakbhai Patel" userId="827b0188-014d-49bb-a8b9-04926e37603d" providerId="ADAL" clId="{A86F0464-E5EC-4030-8E95-7A39A7605702}" dt="2023-03-10T13:18:20.793" v="1996" actId="1035"/>
-          <ac:spMkLst>
-            <pc:docMk/>
-            <pc:sldMk cId="2165381430" sldId="503"/>
-            <ac:spMk id="28" creationId="{E894F747-3673-C5C6-72AE-760F8FC647DD}"/>
-          </ac:spMkLst>
-        </pc:spChg>
-        <pc:spChg chg="add mod">
-          <ac:chgData name="Kirtesh Pushpakbhai Patel" userId="827b0188-014d-49bb-a8b9-04926e37603d" providerId="ADAL" clId="{A86F0464-E5EC-4030-8E95-7A39A7605702}" dt="2023-03-10T13:18:11.765" v="1976" actId="1035"/>
-          <ac:spMkLst>
-            <pc:docMk/>
-            <pc:sldMk cId="2165381430" sldId="503"/>
-            <ac:spMk id="29" creationId="{8761D7B5-F468-738C-6300-8EA462DD955D}"/>
-          </ac:spMkLst>
-        </pc:spChg>
-        <pc:spChg chg="add mod">
-          <ac:chgData name="Kirtesh Pushpakbhai Patel" userId="827b0188-014d-49bb-a8b9-04926e37603d" providerId="ADAL" clId="{A86F0464-E5EC-4030-8E95-7A39A7605702}" dt="2023-03-10T13:17:25.080" v="1916" actId="571"/>
-          <ac:spMkLst>
-            <pc:docMk/>
-            <pc:sldMk cId="2165381430" sldId="503"/>
-            <ac:spMk id="30" creationId="{72E3D604-FA8A-024D-588C-1DC84BB3B51C}"/>
-          </ac:spMkLst>
-        </pc:spChg>
-        <pc:spChg chg="add mod">
-          <ac:chgData name="Kirtesh Pushpakbhai Patel" userId="827b0188-014d-49bb-a8b9-04926e37603d" providerId="ADAL" clId="{A86F0464-E5EC-4030-8E95-7A39A7605702}" dt="2023-03-10T13:17:25.080" v="1916" actId="571"/>
-          <ac:spMkLst>
-            <pc:docMk/>
-            <pc:sldMk cId="2165381430" sldId="503"/>
-            <ac:spMk id="31" creationId="{EFC8132E-BE34-418F-ADBC-EB1880BA8173}"/>
-          </ac:spMkLst>
-        </pc:spChg>
-        <pc:spChg chg="add mod">
-          <ac:chgData name="Kirtesh Pushpakbhai Patel" userId="827b0188-014d-49bb-a8b9-04926e37603d" providerId="ADAL" clId="{A86F0464-E5EC-4030-8E95-7A39A7605702}" dt="2023-03-10T13:17:25.080" v="1916" actId="571"/>
-          <ac:spMkLst>
-            <pc:docMk/>
-            <pc:sldMk cId="2165381430" sldId="503"/>
-            <ac:spMk id="32" creationId="{C2008C13-A819-96BF-51E0-98ABE10EDB8C}"/>
-          </ac:spMkLst>
-        </pc:spChg>
-        <pc:spChg chg="add mod">
-          <ac:chgData name="Kirtesh Pushpakbhai Patel" userId="827b0188-014d-49bb-a8b9-04926e37603d" providerId="ADAL" clId="{A86F0464-E5EC-4030-8E95-7A39A7605702}" dt="2023-03-10T13:17:25.080" v="1916" actId="571"/>
-          <ac:spMkLst>
-            <pc:docMk/>
-            <pc:sldMk cId="2165381430" sldId="503"/>
-            <ac:spMk id="33" creationId="{D65F3F11-E630-70D9-5CD2-BA77F8FDBADB}"/>
-          </ac:spMkLst>
-        </pc:spChg>
-        <pc:spChg chg="add mod">
-          <ac:chgData name="Kirtesh Pushpakbhai Patel" userId="827b0188-014d-49bb-a8b9-04926e37603d" providerId="ADAL" clId="{A86F0464-E5EC-4030-8E95-7A39A7605702}" dt="2023-03-10T13:17:25.080" v="1916" actId="571"/>
-          <ac:spMkLst>
-            <pc:docMk/>
-            <pc:sldMk cId="2165381430" sldId="503"/>
-            <ac:spMk id="34" creationId="{2D0850B7-07F3-9662-CE75-6C8D2A6ADE76}"/>
-          </ac:spMkLst>
-        </pc:spChg>
-        <pc:spChg chg="add mod">
-          <ac:chgData name="Kirtesh Pushpakbhai Patel" userId="827b0188-014d-49bb-a8b9-04926e37603d" providerId="ADAL" clId="{A86F0464-E5EC-4030-8E95-7A39A7605702}" dt="2023-03-10T13:17:25.080" v="1916" actId="571"/>
-          <ac:spMkLst>
-            <pc:docMk/>
-            <pc:sldMk cId="2165381430" sldId="503"/>
-            <ac:spMk id="35" creationId="{91512CAF-91B7-E9BF-8678-D2FE251CC08F}"/>
-          </ac:spMkLst>
-        </pc:spChg>
-        <pc:spChg chg="add mod">
-          <ac:chgData name="Kirtesh Pushpakbhai Patel" userId="827b0188-014d-49bb-a8b9-04926e37603d" providerId="ADAL" clId="{A86F0464-E5EC-4030-8E95-7A39A7605702}" dt="2023-03-10T13:17:25.080" v="1916" actId="571"/>
-          <ac:spMkLst>
-            <pc:docMk/>
-            <pc:sldMk cId="2165381430" sldId="503"/>
-            <ac:spMk id="36" creationId="{C6D9978E-E331-C74F-46E6-F5D2EA784811}"/>
-          </ac:spMkLst>
-        </pc:spChg>
-        <pc:spChg chg="add mod">
-          <ac:chgData name="Kirtesh Pushpakbhai Patel" userId="827b0188-014d-49bb-a8b9-04926e37603d" providerId="ADAL" clId="{A86F0464-E5EC-4030-8E95-7A39A7605702}" dt="2023-03-10T13:17:25.080" v="1916" actId="571"/>
-          <ac:spMkLst>
-            <pc:docMk/>
-            <pc:sldMk cId="2165381430" sldId="503"/>
-            <ac:spMk id="37" creationId="{9174AF6D-BAC4-20B4-1E82-A82EB21C39A6}"/>
-          </ac:spMkLst>
-        </pc:spChg>
-        <pc:spChg chg="add mod">
-          <ac:chgData name="Kirtesh Pushpakbhai Patel" userId="827b0188-014d-49bb-a8b9-04926e37603d" providerId="ADAL" clId="{A86F0464-E5EC-4030-8E95-7A39A7605702}" dt="2023-03-10T13:17:25.080" v="1916" actId="571"/>
-          <ac:spMkLst>
-            <pc:docMk/>
-            <pc:sldMk cId="2165381430" sldId="503"/>
-            <ac:spMk id="38" creationId="{B2D185D6-2EF8-D6FC-29D6-83E43F2D8DEC}"/>
-          </ac:spMkLst>
-        </pc:spChg>
-        <pc:spChg chg="add mod">
-          <ac:chgData name="Kirtesh Pushpakbhai Patel" userId="827b0188-014d-49bb-a8b9-04926e37603d" providerId="ADAL" clId="{A86F0464-E5EC-4030-8E95-7A39A7605702}" dt="2023-03-10T13:17:25.080" v="1916" actId="571"/>
-          <ac:spMkLst>
-            <pc:docMk/>
-            <pc:sldMk cId="2165381430" sldId="503"/>
-            <ac:spMk id="40" creationId="{008A6F07-997E-2F78-51AC-CB38B8AF9D5C}"/>
-          </ac:spMkLst>
-        </pc:spChg>
-        <pc:spChg chg="add mod">
-          <ac:chgData name="Kirtesh Pushpakbhai Patel" userId="827b0188-014d-49bb-a8b9-04926e37603d" providerId="ADAL" clId="{A86F0464-E5EC-4030-8E95-7A39A7605702}" dt="2023-03-10T13:17:25.080" v="1916" actId="571"/>
-          <ac:spMkLst>
-            <pc:docMk/>
-            <pc:sldMk cId="2165381430" sldId="503"/>
-            <ac:spMk id="41" creationId="{A93BD0AB-C30B-0D10-EAF6-A59F98F4385B}"/>
-          </ac:spMkLst>
-        </pc:spChg>
-        <pc:spChg chg="add mod">
-          <ac:chgData name="Kirtesh Pushpakbhai Patel" userId="827b0188-014d-49bb-a8b9-04926e37603d" providerId="ADAL" clId="{A86F0464-E5EC-4030-8E95-7A39A7605702}" dt="2023-03-10T13:17:25.080" v="1916" actId="571"/>
-          <ac:spMkLst>
-            <pc:docMk/>
-            <pc:sldMk cId="2165381430" sldId="503"/>
-            <ac:spMk id="42" creationId="{44B75FCA-BB89-6FFE-25B0-BC3F6DE56145}"/>
-          </ac:spMkLst>
-        </pc:spChg>
-        <pc:spChg chg="add mod">
-          <ac:chgData name="Kirtesh Pushpakbhai Patel" userId="827b0188-014d-49bb-a8b9-04926e37603d" providerId="ADAL" clId="{A86F0464-E5EC-4030-8E95-7A39A7605702}" dt="2023-03-10T13:17:25.080" v="1916" actId="571"/>
-          <ac:spMkLst>
-            <pc:docMk/>
-            <pc:sldMk cId="2165381430" sldId="503"/>
-            <ac:spMk id="43" creationId="{3B111708-DED5-BCE3-2A55-E0C17900057B}"/>
-          </ac:spMkLst>
-        </pc:spChg>
-        <pc:spChg chg="add mod">
-          <ac:chgData name="Kirtesh Pushpakbhai Patel" userId="827b0188-014d-49bb-a8b9-04926e37603d" providerId="ADAL" clId="{A86F0464-E5EC-4030-8E95-7A39A7605702}" dt="2023-03-10T13:17:25.080" v="1916" actId="571"/>
-          <ac:spMkLst>
-            <pc:docMk/>
-            <pc:sldMk cId="2165381430" sldId="503"/>
-            <ac:spMk id="44" creationId="{56679A7F-8962-F6D0-BDEC-79589F373FD3}"/>
-          </ac:spMkLst>
-        </pc:spChg>
-        <pc:spChg chg="add mod">
-          <ac:chgData name="Kirtesh Pushpakbhai Patel" userId="827b0188-014d-49bb-a8b9-04926e37603d" providerId="ADAL" clId="{A86F0464-E5EC-4030-8E95-7A39A7605702}" dt="2023-03-10T13:17:25.080" v="1916" actId="571"/>
-          <ac:spMkLst>
-            <pc:docMk/>
-            <pc:sldMk cId="2165381430" sldId="503"/>
-            <ac:spMk id="45" creationId="{E8BCD904-8253-032F-00F9-AD3FB3900032}"/>
-          </ac:spMkLst>
-        </pc:spChg>
-        <pc:spChg chg="add mod">
-          <ac:chgData name="Kirtesh Pushpakbhai Patel" userId="827b0188-014d-49bb-a8b9-04926e37603d" providerId="ADAL" clId="{A86F0464-E5EC-4030-8E95-7A39A7605702}" dt="2023-03-10T13:17:25.080" v="1916" actId="571"/>
-          <ac:spMkLst>
-            <pc:docMk/>
-            <pc:sldMk cId="2165381430" sldId="503"/>
-            <ac:spMk id="46" creationId="{069584DE-9527-2DE5-E342-DB116D15A68B}"/>
-          </ac:spMkLst>
-        </pc:spChg>
-        <pc:spChg chg="add mod">
-          <ac:chgData name="Kirtesh Pushpakbhai Patel" userId="827b0188-014d-49bb-a8b9-04926e37603d" providerId="ADAL" clId="{A86F0464-E5EC-4030-8E95-7A39A7605702}" dt="2023-03-10T13:17:25.080" v="1916" actId="571"/>
-          <ac:spMkLst>
-            <pc:docMk/>
-            <pc:sldMk cId="2165381430" sldId="503"/>
-            <ac:spMk id="47" creationId="{C167F05D-1484-0CA3-E61F-06C5319B96AD}"/>
-          </ac:spMkLst>
-        </pc:spChg>
-        <pc:spChg chg="add mod">
-          <ac:chgData name="Kirtesh Pushpakbhai Patel" userId="827b0188-014d-49bb-a8b9-04926e37603d" providerId="ADAL" clId="{A86F0464-E5EC-4030-8E95-7A39A7605702}" dt="2023-03-10T13:17:25.080" v="1916" actId="571"/>
-          <ac:spMkLst>
-            <pc:docMk/>
-            <pc:sldMk cId="2165381430" sldId="503"/>
-            <ac:spMk id="48" creationId="{2CB97B8A-AE03-4FB5-0967-8BFAFE171BED}"/>
-          </ac:spMkLst>
-        </pc:spChg>
-        <pc:picChg chg="add mod">
-          <ac:chgData name="Kirtesh Pushpakbhai Patel" userId="827b0188-014d-49bb-a8b9-04926e37603d" providerId="ADAL" clId="{A86F0464-E5EC-4030-8E95-7A39A7605702}" dt="2023-03-10T13:18:11.765" v="1976" actId="1035"/>
-          <ac:picMkLst>
-            <pc:docMk/>
-            <pc:sldMk cId="2165381430" sldId="503"/>
-            <ac:picMk id="17" creationId="{4FC7E4B0-669C-6218-F243-7B3B0316CAAD}"/>
-          </ac:picMkLst>
-        </pc:picChg>
-        <pc:picChg chg="add mod">
-          <ac:chgData name="Kirtesh Pushpakbhai Patel" userId="827b0188-014d-49bb-a8b9-04926e37603d" providerId="ADAL" clId="{A86F0464-E5EC-4030-8E95-7A39A7605702}" dt="2023-03-10T13:18:20.793" v="1996" actId="1035"/>
-          <ac:picMkLst>
-            <pc:docMk/>
-            <pc:sldMk cId="2165381430" sldId="503"/>
-            <ac:picMk id="23" creationId="{30FAFF37-7A0B-3B70-8409-782D92CA344B}"/>
-          </ac:picMkLst>
-        </pc:picChg>
-        <pc:picChg chg="add mod">
-          <ac:chgData name="Kirtesh Pushpakbhai Patel" userId="827b0188-014d-49bb-a8b9-04926e37603d" providerId="ADAL" clId="{A86F0464-E5EC-4030-8E95-7A39A7605702}" dt="2023-03-10T13:18:20.793" v="1996" actId="1035"/>
-          <ac:picMkLst>
-            <pc:docMk/>
-            <pc:sldMk cId="2165381430" sldId="503"/>
-            <ac:picMk id="24" creationId="{E4294E9E-4CA3-03A2-DFB9-6257319C5BD4}"/>
-          </ac:picMkLst>
-        </pc:picChg>
-        <pc:picChg chg="add mod">
-          <ac:chgData name="Kirtesh Pushpakbhai Patel" userId="827b0188-014d-49bb-a8b9-04926e37603d" providerId="ADAL" clId="{A86F0464-E5EC-4030-8E95-7A39A7605702}" dt="2023-03-10T13:18:20.793" v="1996" actId="1035"/>
-          <ac:picMkLst>
-            <pc:docMk/>
-            <pc:sldMk cId="2165381430" sldId="503"/>
-            <ac:picMk id="25" creationId="{848AEA9B-5222-2B4B-8E8B-A83F0844B6D7}"/>
-          </ac:picMkLst>
-        </pc:picChg>
-        <pc:picChg chg="add mod">
-          <ac:chgData name="Kirtesh Pushpakbhai Patel" userId="827b0188-014d-49bb-a8b9-04926e37603d" providerId="ADAL" clId="{A86F0464-E5EC-4030-8E95-7A39A7605702}" dt="2023-03-10T13:17:25.080" v="1916" actId="571"/>
-          <ac:picMkLst>
-            <pc:docMk/>
-            <pc:sldMk cId="2165381430" sldId="503"/>
-            <ac:picMk id="39" creationId="{24A3D0C0-BBE0-741C-5CF3-AC419B01382A}"/>
-          </ac:picMkLst>
-        </pc:picChg>
-      </pc:sldChg>
-      <pc:sldChg chg="del">
-        <pc:chgData name="Kirtesh Pushpakbhai Patel" userId="827b0188-014d-49bb-a8b9-04926e37603d" providerId="ADAL" clId="{A86F0464-E5EC-4030-8E95-7A39A7605702}" dt="2023-03-10T13:13:53.392" v="1833" actId="47"/>
-        <pc:sldMkLst>
-          <pc:docMk/>
-          <pc:sldMk cId="328435347" sldId="504"/>
-        </pc:sldMkLst>
-      </pc:sldChg>
-      <pc:sldChg chg="add del setBg">
-        <pc:chgData name="Kirtesh Pushpakbhai Patel" userId="827b0188-014d-49bb-a8b9-04926e37603d" providerId="ADAL" clId="{A86F0464-E5EC-4030-8E95-7A39A7605702}" dt="2023-03-10T12:36:30.423" v="1219"/>
-        <pc:sldMkLst>
-          <pc:docMk/>
-          <pc:sldMk cId="2161292808" sldId="505"/>
-        </pc:sldMkLst>
-      </pc:sldChg>
-      <pc:sldChg chg="add del ord setBg">
-        <pc:chgData name="Kirtesh Pushpakbhai Patel" userId="827b0188-014d-49bb-a8b9-04926e37603d" providerId="ADAL" clId="{A86F0464-E5EC-4030-8E95-7A39A7605702}" dt="2023-03-10T12:25:51.942" v="1192"/>
-        <pc:sldMkLst>
-          <pc:docMk/>
-          <pc:sldMk cId="2716313333" sldId="505"/>
-        </pc:sldMkLst>
-      </pc:sldChg>
-      <pc:sldChg chg="addSp delSp modSp add mod delCm">
-        <pc:chgData name="Kirtesh Pushpakbhai Patel" userId="827b0188-014d-49bb-a8b9-04926e37603d" providerId="ADAL" clId="{A86F0464-E5EC-4030-8E95-7A39A7605702}" dt="2023-03-10T21:34:32.281" v="2334"/>
-        <pc:sldMkLst>
-          <pc:docMk/>
-          <pc:sldMk cId="79496395" sldId="506"/>
-        </pc:sldMkLst>
-        <pc:spChg chg="mod">
-          <ac:chgData name="Kirtesh Pushpakbhai Patel" userId="827b0188-014d-49bb-a8b9-04926e37603d" providerId="ADAL" clId="{A86F0464-E5EC-4030-8E95-7A39A7605702}" dt="2023-03-10T13:35:30.015" v="2206" actId="1076"/>
-          <ac:spMkLst>
-            <pc:docMk/>
-            <pc:sldMk cId="79496395" sldId="506"/>
-            <ac:spMk id="2" creationId="{3D8A922F-69B2-6340-849A-ABDAA57A3031}"/>
-          </ac:spMkLst>
-        </pc:spChg>
-        <pc:spChg chg="mod">
-          <ac:chgData name="Kirtesh Pushpakbhai Patel" userId="827b0188-014d-49bb-a8b9-04926e37603d" providerId="ADAL" clId="{A86F0464-E5EC-4030-8E95-7A39A7605702}" dt="2023-03-10T12:51:34.284" v="1655" actId="14100"/>
-          <ac:spMkLst>
-            <pc:docMk/>
-            <pc:sldMk cId="79496395" sldId="506"/>
-            <ac:spMk id="5" creationId="{8AADAB50-F7D1-DF91-FDBA-0EE6B2479616}"/>
-          </ac:spMkLst>
-        </pc:spChg>
-        <pc:spChg chg="add del mod">
-          <ac:chgData name="Kirtesh Pushpakbhai Patel" userId="827b0188-014d-49bb-a8b9-04926e37603d" providerId="ADAL" clId="{A86F0464-E5EC-4030-8E95-7A39A7605702}" dt="2023-03-10T12:40:36.947" v="1323"/>
-          <ac:spMkLst>
-            <pc:docMk/>
-            <pc:sldMk cId="79496395" sldId="506"/>
-            <ac:spMk id="6" creationId="{4496501B-B7A6-338A-AC00-8B03CB5FFC04}"/>
-          </ac:spMkLst>
-        </pc:spChg>
-        <pc:spChg chg="add del mod">
-          <ac:chgData name="Kirtesh Pushpakbhai Patel" userId="827b0188-014d-49bb-a8b9-04926e37603d" providerId="ADAL" clId="{A86F0464-E5EC-4030-8E95-7A39A7605702}" dt="2023-03-10T12:51:37.633" v="1657" actId="1076"/>
-          <ac:spMkLst>
-            <pc:docMk/>
-            <pc:sldMk cId="79496395" sldId="506"/>
-            <ac:spMk id="8" creationId="{201C1E3E-977D-D82D-758E-AE81C35FB683}"/>
-          </ac:spMkLst>
-        </pc:spChg>
-        <pc:spChg chg="mod">
-          <ac:chgData name="Kirtesh Pushpakbhai Patel" userId="827b0188-014d-49bb-a8b9-04926e37603d" providerId="ADAL" clId="{A86F0464-E5EC-4030-8E95-7A39A7605702}" dt="2023-03-10T12:47:22.320" v="1437" actId="1076"/>
-          <ac:spMkLst>
-            <pc:docMk/>
-            <pc:sldMk cId="79496395" sldId="506"/>
-            <ac:spMk id="9" creationId="{DC0BCF88-CDA8-6C76-822D-0AA722D5CBC7}"/>
-          </ac:spMkLst>
-        </pc:spChg>
-        <pc:spChg chg="add mod">
-          <ac:chgData name="Kirtesh Pushpakbhai Patel" userId="827b0188-014d-49bb-a8b9-04926e37603d" providerId="ADAL" clId="{A86F0464-E5EC-4030-8E95-7A39A7605702}" dt="2023-03-10T13:35:59.456" v="2208" actId="207"/>
-          <ac:spMkLst>
-            <pc:docMk/>
-            <pc:sldMk cId="79496395" sldId="506"/>
-            <ac:spMk id="11" creationId="{6E7EF3D6-A0BC-E425-689A-14EF5A0825C3}"/>
-          </ac:spMkLst>
-        </pc:spChg>
-        <pc:spChg chg="add mod">
-          <ac:chgData name="Kirtesh Pushpakbhai Patel" userId="827b0188-014d-49bb-a8b9-04926e37603d" providerId="ADAL" clId="{A86F0464-E5EC-4030-8E95-7A39A7605702}" dt="2023-03-10T13:35:59.456" v="2208" actId="207"/>
-          <ac:spMkLst>
-            <pc:docMk/>
-            <pc:sldMk cId="79496395" sldId="506"/>
-            <ac:spMk id="12" creationId="{F09CB8A4-2F81-ECBC-C201-2836437C8052}"/>
-          </ac:spMkLst>
-        </pc:spChg>
-        <pc:spChg chg="add del mod">
-          <ac:chgData name="Kirtesh Pushpakbhai Patel" userId="827b0188-014d-49bb-a8b9-04926e37603d" providerId="ADAL" clId="{A86F0464-E5EC-4030-8E95-7A39A7605702}" dt="2023-03-10T13:36:08.557" v="2209" actId="207"/>
-          <ac:spMkLst>
-            <pc:docMk/>
-            <pc:sldMk cId="79496395" sldId="506"/>
-            <ac:spMk id="13" creationId="{EB0CABB4-1248-6B6F-878F-DEE2504CDACE}"/>
-          </ac:spMkLst>
-        </pc:spChg>
-        <pc:spChg chg="add del mod">
-          <ac:chgData name="Kirtesh Pushpakbhai Patel" userId="827b0188-014d-49bb-a8b9-04926e37603d" providerId="ADAL" clId="{A86F0464-E5EC-4030-8E95-7A39A7605702}" dt="2023-03-10T13:36:08.557" v="2209" actId="207"/>
-          <ac:spMkLst>
-            <pc:docMk/>
-            <pc:sldMk cId="79496395" sldId="506"/>
-            <ac:spMk id="14" creationId="{9299D39F-C89D-8108-CFD7-69BB8B55FF00}"/>
-          </ac:spMkLst>
-        </pc:spChg>
-        <pc:spChg chg="add del mod">
-          <ac:chgData name="Kirtesh Pushpakbhai Patel" userId="827b0188-014d-49bb-a8b9-04926e37603d" providerId="ADAL" clId="{A86F0464-E5EC-4030-8E95-7A39A7605702}" dt="2023-03-10T13:36:14.724" v="2210" actId="207"/>
-          <ac:spMkLst>
-            <pc:docMk/>
-            <pc:sldMk cId="79496395" sldId="506"/>
-            <ac:spMk id="15" creationId="{01F3698D-4B88-6B3C-8298-5335A3D3A469}"/>
-          </ac:spMkLst>
-        </pc:spChg>
-        <pc:spChg chg="add del mod">
-          <ac:chgData name="Kirtesh Pushpakbhai Patel" userId="827b0188-014d-49bb-a8b9-04926e37603d" providerId="ADAL" clId="{A86F0464-E5EC-4030-8E95-7A39A7605702}" dt="2023-03-10T13:36:14.724" v="2210" actId="207"/>
-          <ac:spMkLst>
-            <pc:docMk/>
-            <pc:sldMk cId="79496395" sldId="506"/>
-            <ac:spMk id="16" creationId="{026CDD38-3273-F612-6A3F-9AF350306D75}"/>
-          </ac:spMkLst>
-        </pc:spChg>
-        <pc:spChg chg="add del mod">
-          <ac:chgData name="Kirtesh Pushpakbhai Patel" userId="827b0188-014d-49bb-a8b9-04926e37603d" providerId="ADAL" clId="{A86F0464-E5EC-4030-8E95-7A39A7605702}" dt="2023-03-10T12:46:10.329" v="1426" actId="478"/>
-          <ac:spMkLst>
-            <pc:docMk/>
-            <pc:sldMk cId="79496395" sldId="506"/>
-            <ac:spMk id="17" creationId="{63C0275C-B330-CB9B-D525-57B6569DB1DD}"/>
-          </ac:spMkLst>
-        </pc:spChg>
-        <pc:spChg chg="add del mod">
-          <ac:chgData name="Kirtesh Pushpakbhai Patel" userId="827b0188-014d-49bb-a8b9-04926e37603d" providerId="ADAL" clId="{A86F0464-E5EC-4030-8E95-7A39A7605702}" dt="2023-03-10T12:46:08.187" v="1424"/>
-          <ac:spMkLst>
-            <pc:docMk/>
-            <pc:sldMk cId="79496395" sldId="506"/>
-            <ac:spMk id="18" creationId="{58D2CB32-454E-205F-E48B-9B16F4682383}"/>
-          </ac:spMkLst>
-        </pc:spChg>
-        <pc:spChg chg="mod">
-          <ac:chgData name="Kirtesh Pushpakbhai Patel" userId="827b0188-014d-49bb-a8b9-04926e37603d" providerId="ADAL" clId="{A86F0464-E5EC-4030-8E95-7A39A7605702}" dt="2023-03-10T12:44:26.959" v="1386"/>
-          <ac:spMkLst>
-            <pc:docMk/>
-            <pc:sldMk cId="79496395" sldId="506"/>
-            <ac:spMk id="21" creationId="{01A3E6F6-6EF8-5A16-C6C0-D48BEC174821}"/>
-          </ac:spMkLst>
-        </pc:spChg>
-        <pc:spChg chg="mod">
-          <ac:chgData name="Kirtesh Pushpakbhai Patel" userId="827b0188-014d-49bb-a8b9-04926e37603d" providerId="ADAL" clId="{A86F0464-E5EC-4030-8E95-7A39A7605702}" dt="2023-03-10T12:44:26.959" v="1386"/>
-          <ac:spMkLst>
-            <pc:docMk/>
-            <pc:sldMk cId="79496395" sldId="506"/>
-            <ac:spMk id="22" creationId="{A4D8EAB9-6851-0CCD-2E07-636DE7CB3FF1}"/>
-          </ac:spMkLst>
-        </pc:spChg>
-        <pc:spChg chg="add del mod">
-          <ac:chgData name="Kirtesh Pushpakbhai Patel" userId="827b0188-014d-49bb-a8b9-04926e37603d" providerId="ADAL" clId="{A86F0464-E5EC-4030-8E95-7A39A7605702}" dt="2023-03-10T12:45:04.819" v="1398"/>
-          <ac:spMkLst>
-            <pc:docMk/>
-            <pc:sldMk cId="79496395" sldId="506"/>
-            <ac:spMk id="23" creationId="{5B70A252-7658-EE55-94A5-E27B94CD40D4}"/>
-          </ac:spMkLst>
-        </pc:spChg>
-        <pc:spChg chg="mod topLvl">
-          <ac:chgData name="Kirtesh Pushpakbhai Patel" userId="827b0188-014d-49bb-a8b9-04926e37603d" providerId="ADAL" clId="{A86F0464-E5EC-4030-8E95-7A39A7605702}" dt="2023-03-10T12:46:02.711" v="1412" actId="478"/>
-          <ac:spMkLst>
-            <pc:docMk/>
-            <pc:sldMk cId="79496395" sldId="506"/>
-            <ac:spMk id="25" creationId="{02E71F8E-018C-C59B-4C2E-C9B230BF360E}"/>
-          </ac:spMkLst>
-        </pc:spChg>
-        <pc:spChg chg="add del mod topLvl">
-          <ac:chgData name="Kirtesh Pushpakbhai Patel" userId="827b0188-014d-49bb-a8b9-04926e37603d" providerId="ADAL" clId="{A86F0464-E5EC-4030-8E95-7A39A7605702}" dt="2023-03-10T12:46:02.915" v="1413" actId="1076"/>
-          <ac:spMkLst>
-            <pc:docMk/>
-            <pc:sldMk cId="79496395" sldId="506"/>
-            <ac:spMk id="26" creationId="{22D245C4-2095-8EDE-AF29-F4C9AC005CCB}"/>
-          </ac:spMkLst>
-        </pc:spChg>
-        <pc:spChg chg="add mod">
-          <ac:chgData name="Kirtesh Pushpakbhai Patel" userId="827b0188-014d-49bb-a8b9-04926e37603d" providerId="ADAL" clId="{A86F0464-E5EC-4030-8E95-7A39A7605702}" dt="2023-03-10T13:35:37.103" v="2207" actId="207"/>
-          <ac:spMkLst>
-            <pc:docMk/>
-            <pc:sldMk cId="79496395" sldId="506"/>
-            <ac:spMk id="28" creationId="{E7B68E57-F004-8027-E180-24EB068080E3}"/>
-          </ac:spMkLst>
-        </pc:spChg>
-        <pc:spChg chg="add mod">
-          <ac:chgData name="Kirtesh Pushpakbhai Patel" userId="827b0188-014d-49bb-a8b9-04926e37603d" providerId="ADAL" clId="{A86F0464-E5EC-4030-8E95-7A39A7605702}" dt="2023-03-10T12:47:19.004" v="1436" actId="1076"/>
-          <ac:spMkLst>
-            <pc:docMk/>
-            <pc:sldMk cId="79496395" sldId="506"/>
-            <ac:spMk id="29" creationId="{57902CD5-4C81-94D7-990B-C1EBB74A2172}"/>
-          </ac:spMkLst>
-        </pc:spChg>
-        <pc:spChg chg="add del mod">
-          <ac:chgData name="Kirtesh Pushpakbhai Patel" userId="827b0188-014d-49bb-a8b9-04926e37603d" providerId="ADAL" clId="{A86F0464-E5EC-4030-8E95-7A39A7605702}" dt="2023-03-10T13:20:12.200" v="2010"/>
-          <ac:spMkLst>
-            <pc:docMk/>
-            <pc:sldMk cId="79496395" sldId="506"/>
-            <ac:spMk id="31" creationId="{8304EA02-5916-1E6E-C623-04182144AF09}"/>
-          </ac:spMkLst>
-        </pc:spChg>
-        <pc:spChg chg="add del mod">
-          <ac:chgData name="Kirtesh Pushpakbhai Patel" userId="827b0188-014d-49bb-a8b9-04926e37603d" providerId="ADAL" clId="{A86F0464-E5EC-4030-8E95-7A39A7605702}" dt="2023-03-10T13:20:13.988" v="2012"/>
-          <ac:spMkLst>
-            <pc:docMk/>
-            <pc:sldMk cId="79496395" sldId="506"/>
-            <ac:spMk id="32" creationId="{2F7D8763-BC2B-5B31-18D3-3D9679CD69A2}"/>
-          </ac:spMkLst>
-        </pc:spChg>
-        <pc:grpChg chg="add del mod">
-          <ac:chgData name="Kirtesh Pushpakbhai Patel" userId="827b0188-014d-49bb-a8b9-04926e37603d" providerId="ADAL" clId="{A86F0464-E5EC-4030-8E95-7A39A7605702}" dt="2023-03-10T12:46:06.596" v="1421" actId="164"/>
-          <ac:grpSpMkLst>
-            <pc:docMk/>
-            <pc:sldMk cId="79496395" sldId="506"/>
-            <ac:grpSpMk id="19" creationId="{AD9668B0-B667-5A8D-A3FB-86676F71AB7E}"/>
-          </ac:grpSpMkLst>
-        </pc:grpChg>
-        <pc:grpChg chg="add del mod">
-          <ac:chgData name="Kirtesh Pushpakbhai Patel" userId="827b0188-014d-49bb-a8b9-04926e37603d" providerId="ADAL" clId="{A86F0464-E5EC-4030-8E95-7A39A7605702}" dt="2023-03-10T12:44:43.756" v="1391"/>
-          <ac:grpSpMkLst>
-            <pc:docMk/>
-            <pc:sldMk cId="79496395" sldId="506"/>
-            <ac:grpSpMk id="20" creationId="{1D0785DD-909C-2598-54FB-ABB731701B23}"/>
-          </ac:grpSpMkLst>
-        </pc:grpChg>
-        <pc:grpChg chg="add del mod">
-          <ac:chgData name="Kirtesh Pushpakbhai Patel" userId="827b0188-014d-49bb-a8b9-04926e37603d" providerId="ADAL" clId="{A86F0464-E5EC-4030-8E95-7A39A7605702}" dt="2023-03-10T12:46:04.268" v="1416"/>
-          <ac:grpSpMkLst>
-            <pc:docMk/>
-            <pc:sldMk cId="79496395" sldId="506"/>
-            <ac:grpSpMk id="24" creationId="{B07FB4CA-4E2D-83F4-7B9C-5632DBAD01C3}"/>
-          </ac:grpSpMkLst>
-        </pc:grpChg>
-        <pc:grpChg chg="add mod">
-          <ac:chgData name="Kirtesh Pushpakbhai Patel" userId="827b0188-014d-49bb-a8b9-04926e37603d" providerId="ADAL" clId="{A86F0464-E5EC-4030-8E95-7A39A7605702}" dt="2023-03-10T12:51:50.628" v="1658" actId="164"/>
-          <ac:grpSpMkLst>
-            <pc:docMk/>
-            <pc:sldMk cId="79496395" sldId="506"/>
-            <ac:grpSpMk id="27" creationId="{CFE89FD7-6085-9EF1-EF02-C71D5AA987D7}"/>
-          </ac:grpSpMkLst>
-        </pc:grpChg>
-        <pc:grpChg chg="add mod">
-          <ac:chgData name="Kirtesh Pushpakbhai Patel" userId="827b0188-014d-49bb-a8b9-04926e37603d" providerId="ADAL" clId="{A86F0464-E5EC-4030-8E95-7A39A7605702}" dt="2023-03-10T13:35:17.478" v="2204" actId="1076"/>
-          <ac:grpSpMkLst>
-            <pc:docMk/>
-            <pc:sldMk cId="79496395" sldId="506"/>
-            <ac:grpSpMk id="30" creationId="{6D2CAC8D-03E0-FB61-6E28-DE5EFF8687DD}"/>
-          </ac:grpSpMkLst>
-        </pc:grpChg>
-        <pc:graphicFrameChg chg="add del mod modGraphic">
-          <ac:chgData name="Kirtesh Pushpakbhai Patel" userId="827b0188-014d-49bb-a8b9-04926e37603d" providerId="ADAL" clId="{A86F0464-E5EC-4030-8E95-7A39A7605702}" dt="2023-03-10T12:41:39.685" v="1348" actId="478"/>
-          <ac:graphicFrameMkLst>
-            <pc:docMk/>
-            <pc:sldMk cId="79496395" sldId="506"/>
-            <ac:graphicFrameMk id="4" creationId="{E00D4D98-63BF-9438-0A76-7F69E4B5AE88}"/>
-          </ac:graphicFrameMkLst>
-        </pc:graphicFrameChg>
-        <pc:graphicFrameChg chg="add del mod modGraphic">
-          <ac:chgData name="Kirtesh Pushpakbhai Patel" userId="827b0188-014d-49bb-a8b9-04926e37603d" providerId="ADAL" clId="{A86F0464-E5EC-4030-8E95-7A39A7605702}" dt="2023-03-10T12:42:48.840" v="1351" actId="478"/>
-          <ac:graphicFrameMkLst>
-            <pc:docMk/>
-            <pc:sldMk cId="79496395" sldId="506"/>
-            <ac:graphicFrameMk id="10" creationId="{F930B84A-721F-F115-0CEC-1696769E6E5E}"/>
-          </ac:graphicFrameMkLst>
-        </pc:graphicFrameChg>
-        <pc:picChg chg="add del">
-          <ac:chgData name="Kirtesh Pushpakbhai Patel" userId="827b0188-014d-49bb-a8b9-04926e37603d" providerId="ADAL" clId="{A86F0464-E5EC-4030-8E95-7A39A7605702}" dt="2023-03-10T12:37:55.515" v="1227" actId="478"/>
-          <ac:picMkLst>
-            <pc:docMk/>
-            <pc:sldMk cId="79496395" sldId="506"/>
-            <ac:picMk id="7" creationId="{A677F96E-B702-01E9-49F6-CFFEAB566662}"/>
-          </ac:picMkLst>
-        </pc:picChg>
-        <pc:extLst>
-          <p:ext xmlns:p="http://schemas.openxmlformats.org/presentationml/2006/main" uri="{D6D511B9-2390-475A-947B-AFAB55BFBCF1}">
-            <pc226:cmChg xmlns:pc226="http://schemas.microsoft.com/office/powerpoint/2022/06/main/command" chg="del">
-              <pc226:chgData name="Kirtesh Pushpakbhai Patel" userId="827b0188-014d-49bb-a8b9-04926e37603d" providerId="ADAL" clId="{A86F0464-E5EC-4030-8E95-7A39A7605702}" dt="2023-03-10T21:34:32.281" v="2334"/>
-              <pc2:cmMkLst xmlns:pc2="http://schemas.microsoft.com/office/powerpoint/2019/9/main/command">
-                <pc:docMk/>
-                <pc:sldMk cId="79496395" sldId="506"/>
-                <pc2:cmMk id="{8EEA4D09-5107-455B-9AB3-D93984FB5534}"/>
-              </pc2:cmMkLst>
-            </pc226:cmChg>
-          </p:ext>
-        </pc:extLst>
-      </pc:sldChg>
-      <pc:sldChg chg="add del ord setBg">
-        <pc:chgData name="Kirtesh Pushpakbhai Patel" userId="827b0188-014d-49bb-a8b9-04926e37603d" providerId="ADAL" clId="{A86F0464-E5EC-4030-8E95-7A39A7605702}" dt="2023-03-10T12:26:00.702" v="1197" actId="47"/>
-        <pc:sldMkLst>
-          <pc:docMk/>
-          <pc:sldMk cId="3703055390" sldId="506"/>
-        </pc:sldMkLst>
-      </pc:sldChg>
-      <pc:sldChg chg="add del setBg">
-        <pc:chgData name="Kirtesh Pushpakbhai Patel" userId="827b0188-014d-49bb-a8b9-04926e37603d" providerId="ADAL" clId="{A86F0464-E5EC-4030-8E95-7A39A7605702}" dt="2023-03-10T12:29:21.059" v="1209"/>
-        <pc:sldMkLst>
-          <pc:docMk/>
-          <pc:sldMk cId="3935413729" sldId="506"/>
-        </pc:sldMkLst>
-      </pc:sldChg>
-      <pc:sldChg chg="addSp delSp modSp add mod">
-        <pc:chgData name="Kirtesh Pushpakbhai Patel" userId="827b0188-014d-49bb-a8b9-04926e37603d" providerId="ADAL" clId="{A86F0464-E5EC-4030-8E95-7A39A7605702}" dt="2023-03-10T13:25:10.534" v="2101" actId="20577"/>
-        <pc:sldMkLst>
-          <pc:docMk/>
-          <pc:sldMk cId="3188833846" sldId="507"/>
-        </pc:sldMkLst>
-        <pc:spChg chg="add del mod">
-          <ac:chgData name="Kirtesh Pushpakbhai Patel" userId="827b0188-014d-49bb-a8b9-04926e37603d" providerId="ADAL" clId="{A86F0464-E5EC-4030-8E95-7A39A7605702}" dt="2023-03-10T13:03:18.921" v="1804" actId="478"/>
-          <ac:spMkLst>
-            <pc:docMk/>
-            <pc:sldMk cId="3188833846" sldId="507"/>
-            <ac:spMk id="2" creationId="{4EEC5514-BF0F-ED2B-32D4-08F2C7EC2371}"/>
-          </ac:spMkLst>
-        </pc:spChg>
-        <pc:spChg chg="add del mod">
-          <ac:chgData name="Kirtesh Pushpakbhai Patel" userId="827b0188-014d-49bb-a8b9-04926e37603d" providerId="ADAL" clId="{A86F0464-E5EC-4030-8E95-7A39A7605702}" dt="2023-03-10T13:21:41.714" v="2015" actId="478"/>
-          <ac:spMkLst>
-            <pc:docMk/>
-            <pc:sldMk cId="3188833846" sldId="507"/>
-            <ac:spMk id="3" creationId="{D945B4B2-4C2E-A560-F572-9136760BE5FF}"/>
-          </ac:spMkLst>
-        </pc:spChg>
-        <pc:spChg chg="add del mod">
-          <ac:chgData name="Kirtesh Pushpakbhai Patel" userId="827b0188-014d-49bb-a8b9-04926e37603d" providerId="ADAL" clId="{A86F0464-E5EC-4030-8E95-7A39A7605702}" dt="2023-03-10T13:21:41.714" v="2015" actId="478"/>
-          <ac:spMkLst>
-            <pc:docMk/>
-            <pc:sldMk cId="3188833846" sldId="507"/>
-            <ac:spMk id="6" creationId="{040BC7A8-6AB7-3B1D-24C6-256139260E9E}"/>
-          </ac:spMkLst>
-        </pc:spChg>
-        <pc:spChg chg="add del mod">
-          <ac:chgData name="Kirtesh Pushpakbhai Patel" userId="827b0188-014d-49bb-a8b9-04926e37603d" providerId="ADAL" clId="{A86F0464-E5EC-4030-8E95-7A39A7605702}" dt="2023-03-10T13:21:41.714" v="2015" actId="478"/>
-          <ac:spMkLst>
-            <pc:docMk/>
-            <pc:sldMk cId="3188833846" sldId="507"/>
-            <ac:spMk id="7" creationId="{71D70A06-62EC-5104-A9DB-883FC49E2EB9}"/>
-          </ac:spMkLst>
-        </pc:spChg>
-        <pc:spChg chg="add del mod">
-          <ac:chgData name="Kirtesh Pushpakbhai Patel" userId="827b0188-014d-49bb-a8b9-04926e37603d" providerId="ADAL" clId="{A86F0464-E5EC-4030-8E95-7A39A7605702}" dt="2023-03-10T13:21:41.714" v="2015" actId="478"/>
-          <ac:spMkLst>
-            <pc:docMk/>
-            <pc:sldMk cId="3188833846" sldId="507"/>
-            <ac:spMk id="8" creationId="{581E680F-BF45-25A7-F971-93C4B7695772}"/>
-          </ac:spMkLst>
-        </pc:spChg>
-        <pc:spChg chg="add del mod">
-          <ac:chgData name="Kirtesh Pushpakbhai Patel" userId="827b0188-014d-49bb-a8b9-04926e37603d" providerId="ADAL" clId="{A86F0464-E5EC-4030-8E95-7A39A7605702}" dt="2023-03-10T13:21:41.714" v="2015" actId="478"/>
-          <ac:spMkLst>
-            <pc:docMk/>
-            <pc:sldMk cId="3188833846" sldId="507"/>
-            <ac:spMk id="9" creationId="{FD35DF24-90B9-8A2E-8EC8-689B3B4255E9}"/>
-          </ac:spMkLst>
-        </pc:spChg>
-        <pc:spChg chg="add del mod">
-          <ac:chgData name="Kirtesh Pushpakbhai Patel" userId="827b0188-014d-49bb-a8b9-04926e37603d" providerId="ADAL" clId="{A86F0464-E5EC-4030-8E95-7A39A7605702}" dt="2023-03-10T13:21:41.714" v="2015" actId="478"/>
-          <ac:spMkLst>
-            <pc:docMk/>
-            <pc:sldMk cId="3188833846" sldId="507"/>
-            <ac:spMk id="10" creationId="{0BA92CEA-470B-24E6-265F-4DB073CC7D19}"/>
-          </ac:spMkLst>
-        </pc:spChg>
-        <pc:spChg chg="mod">
-          <ac:chgData name="Kirtesh Pushpakbhai Patel" userId="827b0188-014d-49bb-a8b9-04926e37603d" providerId="ADAL" clId="{A86F0464-E5EC-4030-8E95-7A39A7605702}" dt="2023-03-10T13:03:27.247" v="1819" actId="20577"/>
-          <ac:spMkLst>
-            <pc:docMk/>
-            <pc:sldMk cId="3188833846" sldId="507"/>
-            <ac:spMk id="11" creationId="{AA0E73AC-D2D3-AC83-49A8-D2B2FF5D4F85}"/>
-          </ac:spMkLst>
-        </pc:spChg>
-        <pc:spChg chg="add del mod">
-          <ac:chgData name="Kirtesh Pushpakbhai Patel" userId="827b0188-014d-49bb-a8b9-04926e37603d" providerId="ADAL" clId="{A86F0464-E5EC-4030-8E95-7A39A7605702}" dt="2023-03-10T13:21:41.714" v="2015" actId="478"/>
-          <ac:spMkLst>
-            <pc:docMk/>
-            <pc:sldMk cId="3188833846" sldId="507"/>
-            <ac:spMk id="12" creationId="{76862CAC-1F97-E9F4-F828-4017CCCAF456}"/>
-          </ac:spMkLst>
-        </pc:spChg>
-        <pc:spChg chg="add del mod">
-          <ac:chgData name="Kirtesh Pushpakbhai Patel" userId="827b0188-014d-49bb-a8b9-04926e37603d" providerId="ADAL" clId="{A86F0464-E5EC-4030-8E95-7A39A7605702}" dt="2023-03-10T13:21:41.714" v="2015" actId="478"/>
-          <ac:spMkLst>
-            <pc:docMk/>
-            <pc:sldMk cId="3188833846" sldId="507"/>
-            <ac:spMk id="13" creationId="{49DC62C2-871E-4CA0-5198-83A27EB387EF}"/>
-          </ac:spMkLst>
-        </pc:spChg>
-        <pc:spChg chg="add del mod">
-          <ac:chgData name="Kirtesh Pushpakbhai Patel" userId="827b0188-014d-49bb-a8b9-04926e37603d" providerId="ADAL" clId="{A86F0464-E5EC-4030-8E95-7A39A7605702}" dt="2023-03-10T13:21:41.714" v="2015" actId="478"/>
-          <ac:spMkLst>
-            <pc:docMk/>
-            <pc:sldMk cId="3188833846" sldId="507"/>
-            <ac:spMk id="14" creationId="{9FE35FDE-547F-40D9-5064-5A775F48864F}"/>
-          </ac:spMkLst>
-        </pc:spChg>
-        <pc:spChg chg="add del mod">
-          <ac:chgData name="Kirtesh Pushpakbhai Patel" userId="827b0188-014d-49bb-a8b9-04926e37603d" providerId="ADAL" clId="{A86F0464-E5EC-4030-8E95-7A39A7605702}" dt="2023-03-10T13:21:41.714" v="2015" actId="478"/>
-          <ac:spMkLst>
-            <pc:docMk/>
-            <pc:sldMk cId="3188833846" sldId="507"/>
-            <ac:spMk id="15" creationId="{306633EB-FC73-B56C-0C42-B29A28B44EAE}"/>
-          </ac:spMkLst>
-        </pc:spChg>
-        <pc:spChg chg="add del mod">
-          <ac:chgData name="Kirtesh Pushpakbhai Patel" userId="827b0188-014d-49bb-a8b9-04926e37603d" providerId="ADAL" clId="{A86F0464-E5EC-4030-8E95-7A39A7605702}" dt="2023-03-10T13:21:41.714" v="2015" actId="478"/>
-          <ac:spMkLst>
-            <pc:docMk/>
-            <pc:sldMk cId="3188833846" sldId="507"/>
-            <ac:spMk id="16" creationId="{43EC6363-F84A-A416-3286-82068B106A34}"/>
-          </ac:spMkLst>
-        </pc:spChg>
-        <pc:spChg chg="add del mod">
-          <ac:chgData name="Kirtesh Pushpakbhai Patel" userId="827b0188-014d-49bb-a8b9-04926e37603d" providerId="ADAL" clId="{A86F0464-E5EC-4030-8E95-7A39A7605702}" dt="2023-03-10T13:21:41.714" v="2015" actId="478"/>
-          <ac:spMkLst>
-            <pc:docMk/>
-            <pc:sldMk cId="3188833846" sldId="507"/>
-            <ac:spMk id="17" creationId="{1FE1CCA8-0575-9ACE-880A-0AA43255840F}"/>
-          </ac:spMkLst>
-        </pc:spChg>
-        <pc:spChg chg="add del mod">
-          <ac:chgData name="Kirtesh Pushpakbhai Patel" userId="827b0188-014d-49bb-a8b9-04926e37603d" providerId="ADAL" clId="{A86F0464-E5EC-4030-8E95-7A39A7605702}" dt="2023-03-10T13:21:41.714" v="2015" actId="478"/>
-          <ac:spMkLst>
-            <pc:docMk/>
-            <pc:sldMk cId="3188833846" sldId="507"/>
-            <ac:spMk id="18" creationId="{07E584CB-C7C0-EFF9-3C4E-E878696B6A50}"/>
-          </ac:spMkLst>
-        </pc:spChg>
-        <pc:spChg chg="add del mod">
-          <ac:chgData name="Kirtesh Pushpakbhai Patel" userId="827b0188-014d-49bb-a8b9-04926e37603d" providerId="ADAL" clId="{A86F0464-E5EC-4030-8E95-7A39A7605702}" dt="2023-03-10T13:21:41.714" v="2015" actId="478"/>
-          <ac:spMkLst>
-            <pc:docMk/>
-            <pc:sldMk cId="3188833846" sldId="507"/>
-            <ac:spMk id="19" creationId="{603AF42D-12E6-0EA3-5DFA-5513703F091B}"/>
-          </ac:spMkLst>
-        </pc:spChg>
-        <pc:spChg chg="add del mod">
-          <ac:chgData name="Kirtesh Pushpakbhai Patel" userId="827b0188-014d-49bb-a8b9-04926e37603d" providerId="ADAL" clId="{A86F0464-E5EC-4030-8E95-7A39A7605702}" dt="2023-03-10T13:21:41.714" v="2015" actId="478"/>
-          <ac:spMkLst>
-            <pc:docMk/>
-            <pc:sldMk cId="3188833846" sldId="507"/>
-            <ac:spMk id="20" creationId="{64091C87-F223-4E2B-F1D8-19DEFC90A798}"/>
-          </ac:spMkLst>
-        </pc:spChg>
-        <pc:spChg chg="add del mod">
-          <ac:chgData name="Kirtesh Pushpakbhai Patel" userId="827b0188-014d-49bb-a8b9-04926e37603d" providerId="ADAL" clId="{A86F0464-E5EC-4030-8E95-7A39A7605702}" dt="2023-03-10T13:21:41.714" v="2015" actId="478"/>
-          <ac:spMkLst>
-            <pc:docMk/>
-            <pc:sldMk cId="3188833846" sldId="507"/>
-            <ac:spMk id="21" creationId="{C786C3F1-189E-ACAA-AEFE-203126035AB8}"/>
-          </ac:spMkLst>
-        </pc:spChg>
-        <pc:spChg chg="add del mod">
-          <ac:chgData name="Kirtesh Pushpakbhai Patel" userId="827b0188-014d-49bb-a8b9-04926e37603d" providerId="ADAL" clId="{A86F0464-E5EC-4030-8E95-7A39A7605702}" dt="2023-03-10T13:21:41.714" v="2015" actId="478"/>
-          <ac:spMkLst>
-            <pc:docMk/>
-            <pc:sldMk cId="3188833846" sldId="507"/>
-            <ac:spMk id="22" creationId="{CB43E97E-6653-02B6-DCAE-92937433EF80}"/>
-          </ac:spMkLst>
-        </pc:spChg>
-        <pc:spChg chg="add del mod">
-          <ac:chgData name="Kirtesh Pushpakbhai Patel" userId="827b0188-014d-49bb-a8b9-04926e37603d" providerId="ADAL" clId="{A86F0464-E5EC-4030-8E95-7A39A7605702}" dt="2023-03-10T13:21:41.714" v="2015" actId="478"/>
-          <ac:spMkLst>
-            <pc:docMk/>
-            <pc:sldMk cId="3188833846" sldId="507"/>
-            <ac:spMk id="23" creationId="{9ED2CD73-736B-EB5F-F089-00B63A6911D3}"/>
-          </ac:spMkLst>
-        </pc:spChg>
-        <pc:spChg chg="add del mod">
-          <ac:chgData name="Kirtesh Pushpakbhai Patel" userId="827b0188-014d-49bb-a8b9-04926e37603d" providerId="ADAL" clId="{A86F0464-E5EC-4030-8E95-7A39A7605702}" dt="2023-03-10T13:21:41.714" v="2015" actId="478"/>
-          <ac:spMkLst>
-            <pc:docMk/>
-            <pc:sldMk cId="3188833846" sldId="507"/>
-            <ac:spMk id="24" creationId="{5F0CD3A6-D8F0-27DE-27A5-6C52BEF58482}"/>
-          </ac:spMkLst>
-        </pc:spChg>
-        <pc:spChg chg="add del mod">
-          <ac:chgData name="Kirtesh Pushpakbhai Patel" userId="827b0188-014d-49bb-a8b9-04926e37603d" providerId="ADAL" clId="{A86F0464-E5EC-4030-8E95-7A39A7605702}" dt="2023-03-10T13:21:41.714" v="2015" actId="478"/>
-          <ac:spMkLst>
-            <pc:docMk/>
-            <pc:sldMk cId="3188833846" sldId="507"/>
-            <ac:spMk id="25" creationId="{46B9A87D-F5ED-06F4-DCB4-62F4AECE0701}"/>
-          </ac:spMkLst>
-        </pc:spChg>
-        <pc:spChg chg="add del mod">
-          <ac:chgData name="Kirtesh Pushpakbhai Patel" userId="827b0188-014d-49bb-a8b9-04926e37603d" providerId="ADAL" clId="{A86F0464-E5EC-4030-8E95-7A39A7605702}" dt="2023-03-10T13:21:41.714" v="2015" actId="478"/>
-          <ac:spMkLst>
-            <pc:docMk/>
-            <pc:sldMk cId="3188833846" sldId="507"/>
-            <ac:spMk id="26" creationId="{C4D91990-B39C-7227-93AF-988118054454}"/>
-          </ac:spMkLst>
-        </pc:spChg>
-        <pc:spChg chg="add mod">
-          <ac:chgData name="Kirtesh Pushpakbhai Patel" userId="827b0188-014d-49bb-a8b9-04926e37603d" providerId="ADAL" clId="{A86F0464-E5EC-4030-8E95-7A39A7605702}" dt="2023-03-10T13:19:57.431" v="1998"/>
-          <ac:spMkLst>
-            <pc:docMk/>
-            <pc:sldMk cId="3188833846" sldId="507"/>
-            <ac:spMk id="27" creationId="{88D0AFC6-DA81-CD9E-36AE-634BC446F6D2}"/>
-          </ac:spMkLst>
-        </pc:spChg>
-        <pc:spChg chg="mod">
-          <ac:chgData name="Kirtesh Pushpakbhai Patel" userId="827b0188-014d-49bb-a8b9-04926e37603d" providerId="ADAL" clId="{A86F0464-E5EC-4030-8E95-7A39A7605702}" dt="2023-03-10T13:23:39.343" v="2063" actId="1076"/>
-          <ac:spMkLst>
-            <pc:docMk/>
-            <pc:sldMk cId="3188833846" sldId="507"/>
-            <ac:spMk id="29" creationId="{E52779A6-C93B-1ADE-129D-4B7C65F41E41}"/>
-          </ac:spMkLst>
-        </pc:spChg>
-        <pc:spChg chg="mod">
-          <ac:chgData name="Kirtesh Pushpakbhai Patel" userId="827b0188-014d-49bb-a8b9-04926e37603d" providerId="ADAL" clId="{A86F0464-E5EC-4030-8E95-7A39A7605702}" dt="2023-03-10T13:23:39.343" v="2063" actId="1076"/>
-          <ac:spMkLst>
-            <pc:docMk/>
-            <pc:sldMk cId="3188833846" sldId="507"/>
-            <ac:spMk id="30" creationId="{639883C6-FCCC-98C9-4B06-6686AA09FDCD}"/>
-          </ac:spMkLst>
-        </pc:spChg>
-        <pc:spChg chg="mod">
-          <ac:chgData name="Kirtesh Pushpakbhai Patel" userId="827b0188-014d-49bb-a8b9-04926e37603d" providerId="ADAL" clId="{A86F0464-E5EC-4030-8E95-7A39A7605702}" dt="2023-03-10T13:23:39.343" v="2063" actId="1076"/>
-          <ac:spMkLst>
-            <pc:docMk/>
-            <pc:sldMk cId="3188833846" sldId="507"/>
-            <ac:spMk id="31" creationId="{888DAAB8-AD68-3152-AEDD-E4B7E7238242}"/>
-          </ac:spMkLst>
-        </pc:spChg>
-        <pc:spChg chg="mod">
-          <ac:chgData name="Kirtesh Pushpakbhai Patel" userId="827b0188-014d-49bb-a8b9-04926e37603d" providerId="ADAL" clId="{A86F0464-E5EC-4030-8E95-7A39A7605702}" dt="2023-03-10T13:23:39.343" v="2063" actId="1076"/>
-          <ac:spMkLst>
-            <pc:docMk/>
-            <pc:sldMk cId="3188833846" sldId="507"/>
-            <ac:spMk id="32" creationId="{74E4754D-29B6-D5D4-8F10-FB5F309D68B7}"/>
-          </ac:spMkLst>
-        </pc:spChg>
-        <pc:spChg chg="mod">
-          <ac:chgData name="Kirtesh Pushpakbhai Patel" userId="827b0188-014d-49bb-a8b9-04926e37603d" providerId="ADAL" clId="{A86F0464-E5EC-4030-8E95-7A39A7605702}" dt="2023-03-10T13:23:39.343" v="2063" actId="1076"/>
-          <ac:spMkLst>
-            <pc:docMk/>
-            <pc:sldMk cId="3188833846" sldId="507"/>
-            <ac:spMk id="33" creationId="{E2171BA7-A2E6-7E5D-D858-98E891BDC5C1}"/>
-          </ac:spMkLst>
-        </pc:spChg>
-        <pc:spChg chg="mod">
-          <ac:chgData name="Kirtesh Pushpakbhai Patel" userId="827b0188-014d-49bb-a8b9-04926e37603d" providerId="ADAL" clId="{A86F0464-E5EC-4030-8E95-7A39A7605702}" dt="2023-03-10T13:23:39.343" v="2063" actId="1076"/>
-          <ac:spMkLst>
-            <pc:docMk/>
-            <pc:sldMk cId="3188833846" sldId="507"/>
-            <ac:spMk id="34" creationId="{6D57F434-A03B-CFE8-C898-1C077AAA7252}"/>
-          </ac:spMkLst>
-        </pc:spChg>
-        <pc:spChg chg="mod">
-          <ac:chgData name="Kirtesh Pushpakbhai Patel" userId="827b0188-014d-49bb-a8b9-04926e37603d" providerId="ADAL" clId="{A86F0464-E5EC-4030-8E95-7A39A7605702}" dt="2023-03-10T13:23:39.343" v="2063" actId="1076"/>
-          <ac:spMkLst>
-            <pc:docMk/>
-            <pc:sldMk cId="3188833846" sldId="507"/>
-            <ac:spMk id="35" creationId="{FC3F90D2-DFC1-E303-C9B9-AE1F62D5E71D}"/>
-          </ac:spMkLst>
-        </pc:spChg>
-        <pc:spChg chg="mod">
-          <ac:chgData name="Kirtesh Pushpakbhai Patel" userId="827b0188-014d-49bb-a8b9-04926e37603d" providerId="ADAL" clId="{A86F0464-E5EC-4030-8E95-7A39A7605702}" dt="2023-03-10T13:23:39.343" v="2063" actId="1076"/>
-          <ac:spMkLst>
-            <pc:docMk/>
-            <pc:sldMk cId="3188833846" sldId="507"/>
-            <ac:spMk id="36" creationId="{AACFB060-0F69-A8E1-CE15-061E09A5F97B}"/>
-          </ac:spMkLst>
-        </pc:spChg>
-        <pc:spChg chg="mod">
-          <ac:chgData name="Kirtesh Pushpakbhai Patel" userId="827b0188-014d-49bb-a8b9-04926e37603d" providerId="ADAL" clId="{A86F0464-E5EC-4030-8E95-7A39A7605702}" dt="2023-03-10T13:23:39.343" v="2063" actId="1076"/>
-          <ac:spMkLst>
-            <pc:docMk/>
-            <pc:sldMk cId="3188833846" sldId="507"/>
-            <ac:spMk id="37" creationId="{6680F6CA-4D63-AB47-3486-53C52603FC1E}"/>
-          </ac:spMkLst>
-        </pc:spChg>
-        <pc:spChg chg="mod">
-          <ac:chgData name="Kirtesh Pushpakbhai Patel" userId="827b0188-014d-49bb-a8b9-04926e37603d" providerId="ADAL" clId="{A86F0464-E5EC-4030-8E95-7A39A7605702}" dt="2023-03-10T13:23:39.343" v="2063" actId="1076"/>
-          <ac:spMkLst>
-            <pc:docMk/>
-            <pc:sldMk cId="3188833846" sldId="507"/>
-            <ac:spMk id="38" creationId="{A0485DE0-107B-6DC9-5893-E3E78A8B0176}"/>
-          </ac:spMkLst>
-        </pc:spChg>
-        <pc:spChg chg="mod">
-          <ac:chgData name="Kirtesh Pushpakbhai Patel" userId="827b0188-014d-49bb-a8b9-04926e37603d" providerId="ADAL" clId="{A86F0464-E5EC-4030-8E95-7A39A7605702}" dt="2023-03-10T13:23:39.343" v="2063" actId="1076"/>
-          <ac:spMkLst>
-            <pc:docMk/>
-            <pc:sldMk cId="3188833846" sldId="507"/>
-            <ac:spMk id="39" creationId="{FE744296-DA8D-5070-7BF1-D820490C21A2}"/>
-          </ac:spMkLst>
-        </pc:spChg>
-        <pc:spChg chg="mod">
-          <ac:chgData name="Kirtesh Pushpakbhai Patel" userId="827b0188-014d-49bb-a8b9-04926e37603d" providerId="ADAL" clId="{A86F0464-E5EC-4030-8E95-7A39A7605702}" dt="2023-03-10T13:23:39.343" v="2063" actId="1076"/>
-          <ac:spMkLst>
-            <pc:docMk/>
-            <pc:sldMk cId="3188833846" sldId="507"/>
-            <ac:spMk id="40" creationId="{17F49081-5289-5A99-D80C-B092BE4E8D19}"/>
-          </ac:spMkLst>
-        </pc:spChg>
-        <pc:spChg chg="mod">
-          <ac:chgData name="Kirtesh Pushpakbhai Patel" userId="827b0188-014d-49bb-a8b9-04926e37603d" providerId="ADAL" clId="{A86F0464-E5EC-4030-8E95-7A39A7605702}" dt="2023-03-10T13:23:39.343" v="2063" actId="1076"/>
-          <ac:spMkLst>
-            <pc:docMk/>
-            <pc:sldMk cId="3188833846" sldId="507"/>
-            <ac:spMk id="41" creationId="{1CD23E41-CD3E-14B0-CE31-165227402025}"/>
-          </ac:spMkLst>
-        </pc:spChg>
-        <pc:spChg chg="mod">
-          <ac:chgData name="Kirtesh Pushpakbhai Patel" userId="827b0188-014d-49bb-a8b9-04926e37603d" providerId="ADAL" clId="{A86F0464-E5EC-4030-8E95-7A39A7605702}" dt="2023-03-10T13:23:39.343" v="2063" actId="1076"/>
-          <ac:spMkLst>
-            <pc:docMk/>
-            <pc:sldMk cId="3188833846" sldId="507"/>
-            <ac:spMk id="42" creationId="{2B9ABD46-19AA-1FAC-DAC4-7ED2957F8AB3}"/>
-          </ac:spMkLst>
-        </pc:spChg>
-        <pc:spChg chg="mod">
-          <ac:chgData name="Kirtesh Pushpakbhai Patel" userId="827b0188-014d-49bb-a8b9-04926e37603d" providerId="ADAL" clId="{A86F0464-E5EC-4030-8E95-7A39A7605702}" dt="2023-03-10T13:23:39.343" v="2063" actId="1076"/>
-          <ac:spMkLst>
-            <pc:docMk/>
-            <pc:sldMk cId="3188833846" sldId="507"/>
-            <ac:spMk id="43" creationId="{B40E3345-A6D1-C5D4-6F79-8E05F68B1F5F}"/>
-          </ac:spMkLst>
-        </pc:spChg>
-        <pc:spChg chg="mod">
-          <ac:chgData name="Kirtesh Pushpakbhai Patel" userId="827b0188-014d-49bb-a8b9-04926e37603d" providerId="ADAL" clId="{A86F0464-E5EC-4030-8E95-7A39A7605702}" dt="2023-03-10T13:23:39.343" v="2063" actId="1076"/>
-          <ac:spMkLst>
-            <pc:docMk/>
-            <pc:sldMk cId="3188833846" sldId="507"/>
-            <ac:spMk id="44" creationId="{C17EE79D-539A-98F8-8198-19DA8C755FD8}"/>
-          </ac:spMkLst>
-        </pc:spChg>
-        <pc:spChg chg="mod">
-          <ac:chgData name="Kirtesh Pushpakbhai Patel" userId="827b0188-014d-49bb-a8b9-04926e37603d" providerId="ADAL" clId="{A86F0464-E5EC-4030-8E95-7A39A7605702}" dt="2023-03-10T13:23:39.343" v="2063" actId="1076"/>
-          <ac:spMkLst>
-            <pc:docMk/>
-            <pc:sldMk cId="3188833846" sldId="507"/>
-            <ac:spMk id="45" creationId="{092D6EAB-8885-1FDA-1470-BF4736B4355F}"/>
-          </ac:spMkLst>
-        </pc:spChg>
-        <pc:spChg chg="mod">
-          <ac:chgData name="Kirtesh Pushpakbhai Patel" userId="827b0188-014d-49bb-a8b9-04926e37603d" providerId="ADAL" clId="{A86F0464-E5EC-4030-8E95-7A39A7605702}" dt="2023-03-10T13:23:39.343" v="2063" actId="1076"/>
-          <ac:spMkLst>
-            <pc:docMk/>
-            <pc:sldMk cId="3188833846" sldId="507"/>
-            <ac:spMk id="46" creationId="{DE649D88-571D-12A5-D0B5-ADE4E41329E8}"/>
-          </ac:spMkLst>
-        </pc:spChg>
-        <pc:spChg chg="del mod">
-          <ac:chgData name="Kirtesh Pushpakbhai Patel" userId="827b0188-014d-49bb-a8b9-04926e37603d" providerId="ADAL" clId="{A86F0464-E5EC-4030-8E95-7A39A7605702}" dt="2023-03-10T13:23:06.237" v="2058" actId="478"/>
-          <ac:spMkLst>
-            <pc:docMk/>
-            <pc:sldMk cId="3188833846" sldId="507"/>
-            <ac:spMk id="47" creationId="{A0E43894-5650-91FD-D200-BA043B653842}"/>
-          </ac:spMkLst>
-        </pc:spChg>
-        <pc:spChg chg="del mod">
-          <ac:chgData name="Kirtesh Pushpakbhai Patel" userId="827b0188-014d-49bb-a8b9-04926e37603d" providerId="ADAL" clId="{A86F0464-E5EC-4030-8E95-7A39A7605702}" dt="2023-03-10T13:23:08.278" v="2059" actId="478"/>
-          <ac:spMkLst>
-            <pc:docMk/>
-            <pc:sldMk cId="3188833846" sldId="507"/>
-            <ac:spMk id="48" creationId="{9952E2B4-1B9D-3ED0-BD99-1B8BF47435EE}"/>
-          </ac:spMkLst>
-        </pc:spChg>
-        <pc:spChg chg="del mod">
-          <ac:chgData name="Kirtesh Pushpakbhai Patel" userId="827b0188-014d-49bb-a8b9-04926e37603d" providerId="ADAL" clId="{A86F0464-E5EC-4030-8E95-7A39A7605702}" dt="2023-03-10T13:23:10.305" v="2060" actId="478"/>
-          <ac:spMkLst>
-            <pc:docMk/>
-            <pc:sldMk cId="3188833846" sldId="507"/>
-            <ac:spMk id="49" creationId="{2A87C71B-71FE-1544-1825-7B172C19B69C}"/>
-          </ac:spMkLst>
-        </pc:spChg>
-        <pc:spChg chg="add mod">
-          <ac:chgData name="Kirtesh Pushpakbhai Patel" userId="827b0188-014d-49bb-a8b9-04926e37603d" providerId="ADAL" clId="{A86F0464-E5EC-4030-8E95-7A39A7605702}" dt="2023-03-10T13:24:47.088" v="2080" actId="20577"/>
-          <ac:spMkLst>
-            <pc:docMk/>
-            <pc:sldMk cId="3188833846" sldId="507"/>
-            <ac:spMk id="52" creationId="{1EDB1885-CDDB-1608-D6DA-5694CC0ED6D2}"/>
-          </ac:spMkLst>
-        </pc:spChg>
-        <pc:spChg chg="mod">
-          <ac:chgData name="Kirtesh Pushpakbhai Patel" userId="827b0188-014d-49bb-a8b9-04926e37603d" providerId="ADAL" clId="{A86F0464-E5EC-4030-8E95-7A39A7605702}" dt="2023-03-10T13:23:40.563" v="2064"/>
-          <ac:spMkLst>
-            <pc:docMk/>
-            <pc:sldMk cId="3188833846" sldId="507"/>
-            <ac:spMk id="54" creationId="{428EE765-C3F4-D032-7252-B449E858EAE3}"/>
-          </ac:spMkLst>
-        </pc:spChg>
-        <pc:spChg chg="mod">
-          <ac:chgData name="Kirtesh Pushpakbhai Patel" userId="827b0188-014d-49bb-a8b9-04926e37603d" providerId="ADAL" clId="{A86F0464-E5EC-4030-8E95-7A39A7605702}" dt="2023-03-10T13:23:40.563" v="2064"/>
-          <ac:spMkLst>
-            <pc:docMk/>
-            <pc:sldMk cId="3188833846" sldId="507"/>
-            <ac:spMk id="55" creationId="{E555D6CB-D764-1C73-6DB9-BA11728E0C46}"/>
-          </ac:spMkLst>
-        </pc:spChg>
-        <pc:spChg chg="mod">
-          <ac:chgData name="Kirtesh Pushpakbhai Patel" userId="827b0188-014d-49bb-a8b9-04926e37603d" providerId="ADAL" clId="{A86F0464-E5EC-4030-8E95-7A39A7605702}" dt="2023-03-10T13:23:40.563" v="2064"/>
-          <ac:spMkLst>
-            <pc:docMk/>
-            <pc:sldMk cId="3188833846" sldId="507"/>
-            <ac:spMk id="56" creationId="{45579C2B-B3A7-5C68-460B-4BD5AB08851C}"/>
-          </ac:spMkLst>
-        </pc:spChg>
-        <pc:spChg chg="mod">
-          <ac:chgData name="Kirtesh Pushpakbhai Patel" userId="827b0188-014d-49bb-a8b9-04926e37603d" providerId="ADAL" clId="{A86F0464-E5EC-4030-8E95-7A39A7605702}" dt="2023-03-10T13:23:40.563" v="2064"/>
-          <ac:spMkLst>
-            <pc:docMk/>
-            <pc:sldMk cId="3188833846" sldId="507"/>
-            <ac:spMk id="57" creationId="{25DA89BF-6C2F-E2BC-F692-E9D09F836C9E}"/>
-          </ac:spMkLst>
-        </pc:spChg>
-        <pc:spChg chg="mod">
-          <ac:chgData name="Kirtesh Pushpakbhai Patel" userId="827b0188-014d-49bb-a8b9-04926e37603d" providerId="ADAL" clId="{A86F0464-E5EC-4030-8E95-7A39A7605702}" dt="2023-03-10T13:23:40.563" v="2064"/>
-          <ac:spMkLst>
-            <pc:docMk/>
-            <pc:sldMk cId="3188833846" sldId="507"/>
-            <ac:spMk id="58" creationId="{D56B6275-05B4-34F8-D270-F8F9629B0C72}"/>
-          </ac:spMkLst>
-        </pc:spChg>
-        <pc:spChg chg="mod">
-          <ac:chgData name="Kirtesh Pushpakbhai Patel" userId="827b0188-014d-49bb-a8b9-04926e37603d" providerId="ADAL" clId="{A86F0464-E5EC-4030-8E95-7A39A7605702}" dt="2023-03-10T13:23:40.563" v="2064"/>
-          <ac:spMkLst>
-            <pc:docMk/>
-            <pc:sldMk cId="3188833846" sldId="507"/>
-            <ac:spMk id="59" creationId="{A138DFA7-A9EC-62F8-91FD-6629369ED3A8}"/>
-          </ac:spMkLst>
-        </pc:spChg>
-        <pc:spChg chg="mod">
-          <ac:chgData name="Kirtesh Pushpakbhai Patel" userId="827b0188-014d-49bb-a8b9-04926e37603d" providerId="ADAL" clId="{A86F0464-E5EC-4030-8E95-7A39A7605702}" dt="2023-03-10T13:23:40.563" v="2064"/>
-          <ac:spMkLst>
-            <pc:docMk/>
-            <pc:sldMk cId="3188833846" sldId="507"/>
-            <ac:spMk id="60" creationId="{2AA421D4-AD9F-E5F1-EE00-691542D1B508}"/>
-          </ac:spMkLst>
-        </pc:spChg>
-        <pc:spChg chg="mod">
-          <ac:chgData name="Kirtesh Pushpakbhai Patel" userId="827b0188-014d-49bb-a8b9-04926e37603d" providerId="ADAL" clId="{A86F0464-E5EC-4030-8E95-7A39A7605702}" dt="2023-03-10T13:23:40.563" v="2064"/>
-          <ac:spMkLst>
-            <pc:docMk/>
-            <pc:sldMk cId="3188833846" sldId="507"/>
-            <ac:spMk id="61" creationId="{7AE7BA75-D865-D142-A8F2-F71334EA4845}"/>
-          </ac:spMkLst>
-        </pc:spChg>
-        <pc:spChg chg="mod">
-          <ac:chgData name="Kirtesh Pushpakbhai Patel" userId="827b0188-014d-49bb-a8b9-04926e37603d" providerId="ADAL" clId="{A86F0464-E5EC-4030-8E95-7A39A7605702}" dt="2023-03-10T13:23:40.563" v="2064"/>
-          <ac:spMkLst>
-            <pc:docMk/>
-            <pc:sldMk cId="3188833846" sldId="507"/>
-            <ac:spMk id="62" creationId="{B0F8914B-9E25-FE4F-E7A5-E6725D0228A1}"/>
-          </ac:spMkLst>
-        </pc:spChg>
-        <pc:spChg chg="mod">
-          <ac:chgData name="Kirtesh Pushpakbhai Patel" userId="827b0188-014d-49bb-a8b9-04926e37603d" providerId="ADAL" clId="{A86F0464-E5EC-4030-8E95-7A39A7605702}" dt="2023-03-10T13:23:40.563" v="2064"/>
-          <ac:spMkLst>
-            <pc:docMk/>
-            <pc:sldMk cId="3188833846" sldId="507"/>
-            <ac:spMk id="63" creationId="{9CC92924-4326-2E93-EF92-B7CE3E8889D7}"/>
-          </ac:spMkLst>
-        </pc:spChg>
-        <pc:spChg chg="mod">
-          <ac:chgData name="Kirtesh Pushpakbhai Patel" userId="827b0188-014d-49bb-a8b9-04926e37603d" providerId="ADAL" clId="{A86F0464-E5EC-4030-8E95-7A39A7605702}" dt="2023-03-10T13:23:40.563" v="2064"/>
-          <ac:spMkLst>
-            <pc:docMk/>
-            <pc:sldMk cId="3188833846" sldId="507"/>
-            <ac:spMk id="64" creationId="{116A7B62-F86A-2984-C264-CAFEE7801B36}"/>
-          </ac:spMkLst>
-        </pc:spChg>
-        <pc:spChg chg="mod">
-          <ac:chgData name="Kirtesh Pushpakbhai Patel" userId="827b0188-014d-49bb-a8b9-04926e37603d" providerId="ADAL" clId="{A86F0464-E5EC-4030-8E95-7A39A7605702}" dt="2023-03-10T13:23:40.563" v="2064"/>
-          <ac:spMkLst>
-            <pc:docMk/>
-            <pc:sldMk cId="3188833846" sldId="507"/>
-            <ac:spMk id="65" creationId="{43043785-CEE7-36EF-DD68-2E3AAF7009AC}"/>
-          </ac:spMkLst>
-        </pc:spChg>
-        <pc:spChg chg="mod">
-          <ac:chgData name="Kirtesh Pushpakbhai Patel" userId="827b0188-014d-49bb-a8b9-04926e37603d" providerId="ADAL" clId="{A86F0464-E5EC-4030-8E95-7A39A7605702}" dt="2023-03-10T13:23:40.563" v="2064"/>
-          <ac:spMkLst>
-            <pc:docMk/>
-            <pc:sldMk cId="3188833846" sldId="507"/>
-            <ac:spMk id="66" creationId="{344557D7-420A-949F-2245-26D902220D6A}"/>
-          </ac:spMkLst>
-        </pc:spChg>
-        <pc:spChg chg="mod">
-          <ac:chgData name="Kirtesh Pushpakbhai Patel" userId="827b0188-014d-49bb-a8b9-04926e37603d" providerId="ADAL" clId="{A86F0464-E5EC-4030-8E95-7A39A7605702}" dt="2023-03-10T13:23:40.563" v="2064"/>
-          <ac:spMkLst>
-            <pc:docMk/>
-            <pc:sldMk cId="3188833846" sldId="507"/>
-            <ac:spMk id="67" creationId="{3D42345F-F769-31F1-AB33-0677C517902A}"/>
-          </ac:spMkLst>
-        </pc:spChg>
-        <pc:spChg chg="mod">
-          <ac:chgData name="Kirtesh Pushpakbhai Patel" userId="827b0188-014d-49bb-a8b9-04926e37603d" providerId="ADAL" clId="{A86F0464-E5EC-4030-8E95-7A39A7605702}" dt="2023-03-10T13:23:40.563" v="2064"/>
-          <ac:spMkLst>
-            <pc:docMk/>
-            <pc:sldMk cId="3188833846" sldId="507"/>
-            <ac:spMk id="68" creationId="{89EF5174-557B-02F9-D38E-E1C63C268546}"/>
-          </ac:spMkLst>
-        </pc:spChg>
-        <pc:spChg chg="mod">
-          <ac:chgData name="Kirtesh Pushpakbhai Patel" userId="827b0188-014d-49bb-a8b9-04926e37603d" providerId="ADAL" clId="{A86F0464-E5EC-4030-8E95-7A39A7605702}" dt="2023-03-10T13:23:40.563" v="2064"/>
-          <ac:spMkLst>
-            <pc:docMk/>
-            <pc:sldMk cId="3188833846" sldId="507"/>
-            <ac:spMk id="69" creationId="{A277EA28-BF51-B976-D3EF-1D53357E748C}"/>
-          </ac:spMkLst>
-        </pc:spChg>
-        <pc:spChg chg="mod">
-          <ac:chgData name="Kirtesh Pushpakbhai Patel" userId="827b0188-014d-49bb-a8b9-04926e37603d" providerId="ADAL" clId="{A86F0464-E5EC-4030-8E95-7A39A7605702}" dt="2023-03-10T13:23:40.563" v="2064"/>
-          <ac:spMkLst>
-            <pc:docMk/>
-            <pc:sldMk cId="3188833846" sldId="507"/>
-            <ac:spMk id="70" creationId="{56A687E1-C925-4B3E-2D56-0EB623FFA605}"/>
-          </ac:spMkLst>
-        </pc:spChg>
-        <pc:spChg chg="mod">
-          <ac:chgData name="Kirtesh Pushpakbhai Patel" userId="827b0188-014d-49bb-a8b9-04926e37603d" providerId="ADAL" clId="{A86F0464-E5EC-4030-8E95-7A39A7605702}" dt="2023-03-10T13:23:40.563" v="2064"/>
-          <ac:spMkLst>
-            <pc:docMk/>
-            <pc:sldMk cId="3188833846" sldId="507"/>
-            <ac:spMk id="71" creationId="{B01E2948-9D25-F5AD-C077-8A516AE72168}"/>
-          </ac:spMkLst>
-        </pc:spChg>
-        <pc:spChg chg="mod">
-          <ac:chgData name="Kirtesh Pushpakbhai Patel" userId="827b0188-014d-49bb-a8b9-04926e37603d" providerId="ADAL" clId="{A86F0464-E5EC-4030-8E95-7A39A7605702}" dt="2023-03-10T13:23:40.563" v="2064"/>
-          <ac:spMkLst>
-            <pc:docMk/>
-            <pc:sldMk cId="3188833846" sldId="507"/>
-            <ac:spMk id="72" creationId="{CE50C043-DBE3-2E53-AC1F-CAE4D3C3192D}"/>
-          </ac:spMkLst>
-        </pc:spChg>
-        <pc:spChg chg="mod">
-          <ac:chgData name="Kirtesh Pushpakbhai Patel" userId="827b0188-014d-49bb-a8b9-04926e37603d" providerId="ADAL" clId="{A86F0464-E5EC-4030-8E95-7A39A7605702}" dt="2023-03-10T13:23:40.563" v="2064"/>
-          <ac:spMkLst>
-            <pc:docMk/>
-            <pc:sldMk cId="3188833846" sldId="507"/>
-            <ac:spMk id="73" creationId="{174F0620-B27E-7366-8A16-F1905A896F09}"/>
-          </ac:spMkLst>
-        </pc:spChg>
-        <pc:spChg chg="mod">
-          <ac:chgData name="Kirtesh Pushpakbhai Patel" userId="827b0188-014d-49bb-a8b9-04926e37603d" providerId="ADAL" clId="{A86F0464-E5EC-4030-8E95-7A39A7605702}" dt="2023-03-10T13:23:40.563" v="2064"/>
-          <ac:spMkLst>
-            <pc:docMk/>
-            <pc:sldMk cId="3188833846" sldId="507"/>
-            <ac:spMk id="74" creationId="{367EE001-AFF9-F971-2C71-031A33E02C7C}"/>
-          </ac:spMkLst>
-        </pc:spChg>
-        <pc:spChg chg="add mod">
-          <ac:chgData name="Kirtesh Pushpakbhai Patel" userId="827b0188-014d-49bb-a8b9-04926e37603d" providerId="ADAL" clId="{A86F0464-E5EC-4030-8E95-7A39A7605702}" dt="2023-03-10T13:24:59.060" v="2090" actId="20577"/>
-          <ac:spMkLst>
-            <pc:docMk/>
-            <pc:sldMk cId="3188833846" sldId="507"/>
-            <ac:spMk id="75" creationId="{DC1546E2-2043-F07B-A224-2C81A8F2CCDA}"/>
-          </ac:spMkLst>
-        </pc:spChg>
-        <pc:spChg chg="add mod">
-          <ac:chgData name="Kirtesh Pushpakbhai Patel" userId="827b0188-014d-49bb-a8b9-04926e37603d" providerId="ADAL" clId="{A86F0464-E5EC-4030-8E95-7A39A7605702}" dt="2023-03-10T13:25:10.534" v="2101" actId="20577"/>
-          <ac:spMkLst>
-            <pc:docMk/>
-            <pc:sldMk cId="3188833846" sldId="507"/>
-            <ac:spMk id="76" creationId="{1B73D1C7-5164-7D85-62A0-EBCDC5E695E5}"/>
-          </ac:spMkLst>
-        </pc:spChg>
-        <pc:grpChg chg="add mod">
-          <ac:chgData name="Kirtesh Pushpakbhai Patel" userId="827b0188-014d-49bb-a8b9-04926e37603d" providerId="ADAL" clId="{A86F0464-E5EC-4030-8E95-7A39A7605702}" dt="2023-03-10T13:23:39.343" v="2063" actId="1076"/>
-          <ac:grpSpMkLst>
-            <pc:docMk/>
-            <pc:sldMk cId="3188833846" sldId="507"/>
-            <ac:grpSpMk id="28" creationId="{5F7FAD64-8956-3E66-2F8E-8EB8B8981BE6}"/>
-          </ac:grpSpMkLst>
-        </pc:grpChg>
-        <pc:grpChg chg="add del mod">
-          <ac:chgData name="Kirtesh Pushpakbhai Patel" userId="827b0188-014d-49bb-a8b9-04926e37603d" providerId="ADAL" clId="{A86F0464-E5EC-4030-8E95-7A39A7605702}" dt="2023-03-10T13:23:42.810" v="2065"/>
-          <ac:grpSpMkLst>
-            <pc:docMk/>
-            <pc:sldMk cId="3188833846" sldId="507"/>
-            <ac:grpSpMk id="53" creationId="{52308A78-BF66-A889-FFDF-4D86E710131F}"/>
-          </ac:grpSpMkLst>
-        </pc:grpChg>
-        <pc:graphicFrameChg chg="del">
-          <ac:chgData name="Kirtesh Pushpakbhai Patel" userId="827b0188-014d-49bb-a8b9-04926e37603d" providerId="ADAL" clId="{A86F0464-E5EC-4030-8E95-7A39A7605702}" dt="2023-03-10T13:02:22.266" v="1793" actId="478"/>
-          <ac:graphicFrameMkLst>
-            <pc:docMk/>
-            <pc:sldMk cId="3188833846" sldId="507"/>
-            <ac:graphicFrameMk id="4" creationId="{F07E073A-172F-BCF9-3A1A-525233742FBE}"/>
-          </ac:graphicFrameMkLst>
-        </pc:graphicFrameChg>
-        <pc:picChg chg="del">
-          <ac:chgData name="Kirtesh Pushpakbhai Patel" userId="827b0188-014d-49bb-a8b9-04926e37603d" providerId="ADAL" clId="{A86F0464-E5EC-4030-8E95-7A39A7605702}" dt="2023-03-10T13:02:20.829" v="1792" actId="478"/>
-          <ac:picMkLst>
-            <pc:docMk/>
-            <pc:sldMk cId="3188833846" sldId="507"/>
-            <ac:picMk id="5" creationId="{AEB22A6F-129D-125A-9C4B-54583C746103}"/>
-          </ac:picMkLst>
-        </pc:picChg>
-      </pc:sldChg>
-      <pc:sldChg chg="addSp delSp modSp add mod">
-        <pc:chgData name="Kirtesh Pushpakbhai Patel" userId="827b0188-014d-49bb-a8b9-04926e37603d" providerId="ADAL" clId="{A86F0464-E5EC-4030-8E95-7A39A7605702}" dt="2023-03-11T08:45:07.401" v="2351" actId="20577"/>
-        <pc:sldMkLst>
-          <pc:docMk/>
-          <pc:sldMk cId="532004465" sldId="508"/>
-        </pc:sldMkLst>
-        <pc:spChg chg="mod">
-          <ac:chgData name="Kirtesh Pushpakbhai Patel" userId="827b0188-014d-49bb-a8b9-04926e37603d" providerId="ADAL" clId="{A86F0464-E5EC-4030-8E95-7A39A7605702}" dt="2023-03-11T08:45:07.401" v="2351" actId="20577"/>
-          <ac:spMkLst>
-            <pc:docMk/>
-            <pc:sldMk cId="532004465" sldId="508"/>
-            <ac:spMk id="2" creationId="{3D8A922F-69B2-6340-849A-ABDAA57A3031}"/>
-          </ac:spMkLst>
-        </pc:spChg>
-        <pc:spChg chg="add mod">
-          <ac:chgData name="Kirtesh Pushpakbhai Patel" userId="827b0188-014d-49bb-a8b9-04926e37603d" providerId="ADAL" clId="{A86F0464-E5EC-4030-8E95-7A39A7605702}" dt="2023-03-10T13:12:43.341" v="1829"/>
-          <ac:spMkLst>
-            <pc:docMk/>
-            <pc:sldMk cId="532004465" sldId="508"/>
-            <ac:spMk id="4" creationId="{09C812CB-7C21-629B-7F81-77C422074EB6}"/>
-          </ac:spMkLst>
-        </pc:spChg>
-        <pc:spChg chg="del">
-          <ac:chgData name="Kirtesh Pushpakbhai Patel" userId="827b0188-014d-49bb-a8b9-04926e37603d" providerId="ADAL" clId="{A86F0464-E5EC-4030-8E95-7A39A7605702}" dt="2023-03-10T13:12:34.353" v="1827" actId="478"/>
-          <ac:spMkLst>
-            <pc:docMk/>
-            <pc:sldMk cId="532004465" sldId="508"/>
-            <ac:spMk id="5" creationId="{8AADAB50-F7D1-DF91-FDBA-0EE6B2479616}"/>
-          </ac:spMkLst>
-        </pc:spChg>
-        <pc:spChg chg="del">
-          <ac:chgData name="Kirtesh Pushpakbhai Patel" userId="827b0188-014d-49bb-a8b9-04926e37603d" providerId="ADAL" clId="{A86F0464-E5EC-4030-8E95-7A39A7605702}" dt="2023-03-10T13:12:32.984" v="1824" actId="478"/>
-          <ac:spMkLst>
-            <pc:docMk/>
-            <pc:sldMk cId="532004465" sldId="508"/>
-            <ac:spMk id="8" creationId="{201C1E3E-977D-D82D-758E-AE81C35FB683}"/>
-          </ac:spMkLst>
-        </pc:spChg>
-        <pc:spChg chg="del mod">
-          <ac:chgData name="Kirtesh Pushpakbhai Patel" userId="827b0188-014d-49bb-a8b9-04926e37603d" providerId="ADAL" clId="{A86F0464-E5EC-4030-8E95-7A39A7605702}" dt="2023-03-10T13:12:33.986" v="1826" actId="478"/>
-          <ac:spMkLst>
-            <pc:docMk/>
-            <pc:sldMk cId="532004465" sldId="508"/>
-            <ac:spMk id="9" creationId="{DC0BCF88-CDA8-6C76-822D-0AA722D5CBC7}"/>
-          </ac:spMkLst>
-        </pc:spChg>
-        <pc:spChg chg="add mod">
-          <ac:chgData name="Kirtesh Pushpakbhai Patel" userId="827b0188-014d-49bb-a8b9-04926e37603d" providerId="ADAL" clId="{A86F0464-E5EC-4030-8E95-7A39A7605702}" dt="2023-03-10T13:12:43.341" v="1829"/>
-          <ac:spMkLst>
-            <pc:docMk/>
-            <pc:sldMk cId="532004465" sldId="508"/>
-            <ac:spMk id="10" creationId="{81036476-A3E3-2AC0-93FF-64C8319C5D24}"/>
-          </ac:spMkLst>
-        </pc:spChg>
-        <pc:spChg chg="add mod">
-          <ac:chgData name="Kirtesh Pushpakbhai Patel" userId="827b0188-014d-49bb-a8b9-04926e37603d" providerId="ADAL" clId="{A86F0464-E5EC-4030-8E95-7A39A7605702}" dt="2023-03-10T13:12:43.341" v="1829"/>
-          <ac:spMkLst>
-            <pc:docMk/>
-            <pc:sldMk cId="532004465" sldId="508"/>
-            <ac:spMk id="11" creationId="{3381A931-2339-3CD9-472A-3F1D5F2BF804}"/>
-          </ac:spMkLst>
-        </pc:spChg>
-        <pc:spChg chg="add mod">
-          <ac:chgData name="Kirtesh Pushpakbhai Patel" userId="827b0188-014d-49bb-a8b9-04926e37603d" providerId="ADAL" clId="{A86F0464-E5EC-4030-8E95-7A39A7605702}" dt="2023-03-10T13:12:43.341" v="1829"/>
-          <ac:spMkLst>
-            <pc:docMk/>
-            <pc:sldMk cId="532004465" sldId="508"/>
-            <ac:spMk id="12" creationId="{C8870161-BC41-69A2-5451-7DAC156F91A4}"/>
-          </ac:spMkLst>
-        </pc:spChg>
-        <pc:spChg chg="add mod">
-          <ac:chgData name="Kirtesh Pushpakbhai Patel" userId="827b0188-014d-49bb-a8b9-04926e37603d" providerId="ADAL" clId="{A86F0464-E5EC-4030-8E95-7A39A7605702}" dt="2023-03-10T13:12:43.341" v="1829"/>
-          <ac:spMkLst>
-            <pc:docMk/>
-            <pc:sldMk cId="532004465" sldId="508"/>
-            <ac:spMk id="13" creationId="{97429929-4F27-4019-1105-AE3847582620}"/>
-          </ac:spMkLst>
-        </pc:spChg>
-        <pc:spChg chg="add mod">
-          <ac:chgData name="Kirtesh Pushpakbhai Patel" userId="827b0188-014d-49bb-a8b9-04926e37603d" providerId="ADAL" clId="{A86F0464-E5EC-4030-8E95-7A39A7605702}" dt="2023-03-10T13:12:43.341" v="1829"/>
-          <ac:spMkLst>
-            <pc:docMk/>
-            <pc:sldMk cId="532004465" sldId="508"/>
-            <ac:spMk id="14" creationId="{28D3CEF8-13F8-0669-C98C-6A5735A25074}"/>
-          </ac:spMkLst>
-        </pc:spChg>
-        <pc:spChg chg="add mod">
-          <ac:chgData name="Kirtesh Pushpakbhai Patel" userId="827b0188-014d-49bb-a8b9-04926e37603d" providerId="ADAL" clId="{A86F0464-E5EC-4030-8E95-7A39A7605702}" dt="2023-03-10T13:12:43.341" v="1829"/>
-          <ac:spMkLst>
-            <pc:docMk/>
-            <pc:sldMk cId="532004465" sldId="508"/>
-            <ac:spMk id="15" creationId="{56D02799-01C2-DFF1-7735-E0564A30A28D}"/>
-          </ac:spMkLst>
-        </pc:spChg>
-        <pc:spChg chg="add mod">
-          <ac:chgData name="Kirtesh Pushpakbhai Patel" userId="827b0188-014d-49bb-a8b9-04926e37603d" providerId="ADAL" clId="{A86F0464-E5EC-4030-8E95-7A39A7605702}" dt="2023-03-10T13:12:43.341" v="1829"/>
-          <ac:spMkLst>
-            <pc:docMk/>
-            <pc:sldMk cId="532004465" sldId="508"/>
-            <ac:spMk id="16" creationId="{C2E22F8C-EA3D-9183-61C3-478B42DEDC3E}"/>
-          </ac:spMkLst>
-        </pc:spChg>
-        <pc:spChg chg="add mod">
-          <ac:chgData name="Kirtesh Pushpakbhai Patel" userId="827b0188-014d-49bb-a8b9-04926e37603d" providerId="ADAL" clId="{A86F0464-E5EC-4030-8E95-7A39A7605702}" dt="2023-03-10T13:12:43.341" v="1829"/>
-          <ac:spMkLst>
-            <pc:docMk/>
-            <pc:sldMk cId="532004465" sldId="508"/>
-            <ac:spMk id="17" creationId="{953518BA-FEC8-236A-8026-81E8D7F234C6}"/>
-          </ac:spMkLst>
-        </pc:spChg>
-        <pc:spChg chg="add mod">
-          <ac:chgData name="Kirtesh Pushpakbhai Patel" userId="827b0188-014d-49bb-a8b9-04926e37603d" providerId="ADAL" clId="{A86F0464-E5EC-4030-8E95-7A39A7605702}" dt="2023-03-10T13:12:43.341" v="1829"/>
-          <ac:spMkLst>
-            <pc:docMk/>
-            <pc:sldMk cId="532004465" sldId="508"/>
-            <ac:spMk id="18" creationId="{311C9045-FDD9-440C-8CBB-EAA4E8E40185}"/>
-          </ac:spMkLst>
-        </pc:spChg>
-        <pc:spChg chg="add mod">
-          <ac:chgData name="Kirtesh Pushpakbhai Patel" userId="827b0188-014d-49bb-a8b9-04926e37603d" providerId="ADAL" clId="{A86F0464-E5EC-4030-8E95-7A39A7605702}" dt="2023-03-10T13:12:43.341" v="1829"/>
-          <ac:spMkLst>
-            <pc:docMk/>
-            <pc:sldMk cId="532004465" sldId="508"/>
-            <ac:spMk id="19" creationId="{BBA1B4E2-D2CC-6A8E-5F97-35032D9E60FC}"/>
-          </ac:spMkLst>
-        </pc:spChg>
-        <pc:spChg chg="add mod">
-          <ac:chgData name="Kirtesh Pushpakbhai Patel" userId="827b0188-014d-49bb-a8b9-04926e37603d" providerId="ADAL" clId="{A86F0464-E5EC-4030-8E95-7A39A7605702}" dt="2023-03-10T13:12:43.341" v="1829"/>
-          <ac:spMkLst>
-            <pc:docMk/>
-            <pc:sldMk cId="532004465" sldId="508"/>
-            <ac:spMk id="20" creationId="{6C543F36-AB73-9DAF-14E0-2C767A1668C5}"/>
-          </ac:spMkLst>
-        </pc:spChg>
-        <pc:spChg chg="add mod">
-          <ac:chgData name="Kirtesh Pushpakbhai Patel" userId="827b0188-014d-49bb-a8b9-04926e37603d" providerId="ADAL" clId="{A86F0464-E5EC-4030-8E95-7A39A7605702}" dt="2023-03-10T13:12:43.341" v="1829"/>
-          <ac:spMkLst>
-            <pc:docMk/>
-            <pc:sldMk cId="532004465" sldId="508"/>
-            <ac:spMk id="21" creationId="{298131EE-3FE3-ADB4-E8BE-01275A867E97}"/>
-          </ac:spMkLst>
-        </pc:spChg>
-        <pc:spChg chg="add mod">
-          <ac:chgData name="Kirtesh Pushpakbhai Patel" userId="827b0188-014d-49bb-a8b9-04926e37603d" providerId="ADAL" clId="{A86F0464-E5EC-4030-8E95-7A39A7605702}" dt="2023-03-10T13:12:43.341" v="1829"/>
-          <ac:spMkLst>
-            <pc:docMk/>
-            <pc:sldMk cId="532004465" sldId="508"/>
-            <ac:spMk id="22" creationId="{D86F9E20-931A-36B9-9457-8DC4EB0EFADE}"/>
-          </ac:spMkLst>
-        </pc:spChg>
-        <pc:spChg chg="add mod">
-          <ac:chgData name="Kirtesh Pushpakbhai Patel" userId="827b0188-014d-49bb-a8b9-04926e37603d" providerId="ADAL" clId="{A86F0464-E5EC-4030-8E95-7A39A7605702}" dt="2023-03-10T13:12:43.341" v="1829"/>
-          <ac:spMkLst>
-            <pc:docMk/>
-            <pc:sldMk cId="532004465" sldId="508"/>
-            <ac:spMk id="23" creationId="{B1174B79-E684-2565-B497-B9A88986FEC2}"/>
-          </ac:spMkLst>
-        </pc:spChg>
-        <pc:spChg chg="add mod">
-          <ac:chgData name="Kirtesh Pushpakbhai Patel" userId="827b0188-014d-49bb-a8b9-04926e37603d" providerId="ADAL" clId="{A86F0464-E5EC-4030-8E95-7A39A7605702}" dt="2023-03-10T13:12:43.341" v="1829"/>
-          <ac:spMkLst>
-            <pc:docMk/>
-            <pc:sldMk cId="532004465" sldId="508"/>
-            <ac:spMk id="24" creationId="{872960CA-80EA-01F7-0D8C-B9DF4F07BE88}"/>
-          </ac:spMkLst>
-        </pc:spChg>
-        <pc:spChg chg="add mod">
-          <ac:chgData name="Kirtesh Pushpakbhai Patel" userId="827b0188-014d-49bb-a8b9-04926e37603d" providerId="ADAL" clId="{A86F0464-E5EC-4030-8E95-7A39A7605702}" dt="2023-03-10T13:12:43.341" v="1829"/>
-          <ac:spMkLst>
-            <pc:docMk/>
-            <pc:sldMk cId="532004465" sldId="508"/>
-            <ac:spMk id="25" creationId="{3C354514-0EEF-4760-A507-777E21940112}"/>
-          </ac:spMkLst>
-        </pc:spChg>
-        <pc:spChg chg="add mod">
-          <ac:chgData name="Kirtesh Pushpakbhai Patel" userId="827b0188-014d-49bb-a8b9-04926e37603d" providerId="ADAL" clId="{A86F0464-E5EC-4030-8E95-7A39A7605702}" dt="2023-03-10T13:12:43.341" v="1829"/>
-          <ac:spMkLst>
-            <pc:docMk/>
-            <pc:sldMk cId="532004465" sldId="508"/>
-            <ac:spMk id="26" creationId="{7C02F925-706F-BDE8-22BC-27DEEA5ACB1D}"/>
-          </ac:spMkLst>
-        </pc:spChg>
-        <pc:spChg chg="add mod">
-          <ac:chgData name="Kirtesh Pushpakbhai Patel" userId="827b0188-014d-49bb-a8b9-04926e37603d" providerId="ADAL" clId="{A86F0464-E5EC-4030-8E95-7A39A7605702}" dt="2023-03-10T13:12:43.341" v="1829"/>
-          <ac:spMkLst>
-            <pc:docMk/>
-            <pc:sldMk cId="532004465" sldId="508"/>
-            <ac:spMk id="27" creationId="{D6C80226-EFCE-9710-7935-E51E2D90DF23}"/>
-          </ac:spMkLst>
-        </pc:spChg>
-        <pc:spChg chg="add mod">
-          <ac:chgData name="Kirtesh Pushpakbhai Patel" userId="827b0188-014d-49bb-a8b9-04926e37603d" providerId="ADAL" clId="{A86F0464-E5EC-4030-8E95-7A39A7605702}" dt="2023-03-10T13:12:43.341" v="1829"/>
-          <ac:spMkLst>
-            <pc:docMk/>
-            <pc:sldMk cId="532004465" sldId="508"/>
-            <ac:spMk id="28" creationId="{B5B7A4B6-190E-B831-9292-65F748183D4C}"/>
-          </ac:spMkLst>
-        </pc:spChg>
-        <pc:spChg chg="add mod">
-          <ac:chgData name="Kirtesh Pushpakbhai Patel" userId="827b0188-014d-49bb-a8b9-04926e37603d" providerId="ADAL" clId="{A86F0464-E5EC-4030-8E95-7A39A7605702}" dt="2023-03-10T13:12:43.341" v="1829"/>
-          <ac:spMkLst>
-            <pc:docMk/>
-            <pc:sldMk cId="532004465" sldId="508"/>
-            <ac:spMk id="29" creationId="{126D8463-85FD-D674-17F4-5981E3204288}"/>
-          </ac:spMkLst>
-        </pc:spChg>
-        <pc:spChg chg="add mod">
-          <ac:chgData name="Kirtesh Pushpakbhai Patel" userId="827b0188-014d-49bb-a8b9-04926e37603d" providerId="ADAL" clId="{A86F0464-E5EC-4030-8E95-7A39A7605702}" dt="2023-03-10T13:12:43.341" v="1829"/>
-          <ac:spMkLst>
-            <pc:docMk/>
-            <pc:sldMk cId="532004465" sldId="508"/>
-            <ac:spMk id="30" creationId="{9C3905ED-6BB1-9977-F1A2-795DFD5CA4EE}"/>
-          </ac:spMkLst>
-        </pc:spChg>
-        <pc:graphicFrameChg chg="add mod modGraphic">
-          <ac:chgData name="Kirtesh Pushpakbhai Patel" userId="827b0188-014d-49bb-a8b9-04926e37603d" providerId="ADAL" clId="{A86F0464-E5EC-4030-8E95-7A39A7605702}" dt="2023-03-10T13:13:21.626" v="1831" actId="12385"/>
-          <ac:graphicFrameMkLst>
-            <pc:docMk/>
-            <pc:sldMk cId="532004465" sldId="508"/>
-            <ac:graphicFrameMk id="6" creationId="{4D2ED2BE-40F2-166D-D9A2-6BCAAB143135}"/>
-          </ac:graphicFrameMkLst>
-        </pc:graphicFrameChg>
-        <pc:picChg chg="del">
-          <ac:chgData name="Kirtesh Pushpakbhai Patel" userId="827b0188-014d-49bb-a8b9-04926e37603d" providerId="ADAL" clId="{A86F0464-E5EC-4030-8E95-7A39A7605702}" dt="2023-03-10T13:12:34.851" v="1828" actId="478"/>
-          <ac:picMkLst>
-            <pc:docMk/>
-            <pc:sldMk cId="532004465" sldId="508"/>
-            <ac:picMk id="7" creationId="{A677F96E-B702-01E9-49F6-CFFEAB566662}"/>
-          </ac:picMkLst>
-        </pc:picChg>
-      </pc:sldChg>
-    </pc:docChg>
-  </pc:docChgLst>
-  <pc:docChgLst>
-    <pc:chgData name="Honggang Yan" userId="S::honggang.yan@fs-students.de::a87efbdb-c850-4d99-9704-7e224b3c74b0" providerId="AD" clId="Web-{849FD021-BFCA-45E9-BD93-421C49A0742E}"/>
-    <pc:docChg chg="delSld modSld modSection">
-      <pc:chgData name="Honggang Yan" userId="S::honggang.yan@fs-students.de::a87efbdb-c850-4d99-9704-7e224b3c74b0" providerId="AD" clId="Web-{849FD021-BFCA-45E9-BD93-421C49A0742E}" dt="2023-03-10T11:02:00.435" v="1518" actId="20577"/>
-      <pc:docMkLst>
-        <pc:docMk/>
-      </pc:docMkLst>
-      <pc:sldChg chg="modSp">
-        <pc:chgData name="Honggang Yan" userId="S::honggang.yan@fs-students.de::a87efbdb-c850-4d99-9704-7e224b3c74b0" providerId="AD" clId="Web-{849FD021-BFCA-45E9-BD93-421C49A0742E}" dt="2023-03-10T10:22:13.940" v="7" actId="20577"/>
-        <pc:sldMkLst>
-          <pc:docMk/>
-          <pc:sldMk cId="240602418" sldId="417"/>
-        </pc:sldMkLst>
-        <pc:spChg chg="mod">
-          <ac:chgData name="Honggang Yan" userId="S::honggang.yan@fs-students.de::a87efbdb-c850-4d99-9704-7e224b3c74b0" providerId="AD" clId="Web-{849FD021-BFCA-45E9-BD93-421C49A0742E}" dt="2023-03-10T10:22:13.940" v="7" actId="20577"/>
-          <ac:spMkLst>
-            <pc:docMk/>
-            <pc:sldMk cId="240602418" sldId="417"/>
-            <ac:spMk id="18" creationId="{60D586EB-D00D-AE53-76D7-F6EEF2006604}"/>
-          </ac:spMkLst>
-        </pc:spChg>
-      </pc:sldChg>
-      <pc:sldChg chg="modSp">
-        <pc:chgData name="Honggang Yan" userId="S::honggang.yan@fs-students.de::a87efbdb-c850-4d99-9704-7e224b3c74b0" providerId="AD" clId="Web-{849FD021-BFCA-45E9-BD93-421C49A0742E}" dt="2023-03-10T10:41:25.624" v="949" actId="20577"/>
-        <pc:sldMkLst>
-          <pc:docMk/>
-          <pc:sldMk cId="1190353087" sldId="450"/>
-        </pc:sldMkLst>
-        <pc:spChg chg="mod">
-          <ac:chgData name="Honggang Yan" userId="S::honggang.yan@fs-students.de::a87efbdb-c850-4d99-9704-7e224b3c74b0" providerId="AD" clId="Web-{849FD021-BFCA-45E9-BD93-421C49A0742E}" dt="2023-03-10T10:41:25.624" v="949" actId="20577"/>
-          <ac:spMkLst>
-            <pc:docMk/>
-            <pc:sldMk cId="1190353087" sldId="450"/>
-            <ac:spMk id="2" creationId="{3D8A922F-69B2-6340-849A-ABDAA57A3031}"/>
-          </ac:spMkLst>
-        </pc:spChg>
-      </pc:sldChg>
-      <pc:sldChg chg="modSp">
-        <pc:chgData name="Honggang Yan" userId="S::honggang.yan@fs-students.de::a87efbdb-c850-4d99-9704-7e224b3c74b0" providerId="AD" clId="Web-{849FD021-BFCA-45E9-BD93-421C49A0742E}" dt="2023-03-10T10:37:23.993" v="877" actId="20577"/>
-        <pc:sldMkLst>
-          <pc:docMk/>
-          <pc:sldMk cId="3545872644" sldId="462"/>
-        </pc:sldMkLst>
-        <pc:spChg chg="mod">
-          <ac:chgData name="Honggang Yan" userId="S::honggang.yan@fs-students.de::a87efbdb-c850-4d99-9704-7e224b3c74b0" providerId="AD" clId="Web-{849FD021-BFCA-45E9-BD93-421C49A0742E}" dt="2023-03-10T10:37:23.993" v="877" actId="20577"/>
-          <ac:spMkLst>
-            <pc:docMk/>
-            <pc:sldMk cId="3545872644" sldId="462"/>
-            <ac:spMk id="68" creationId="{AFA71805-F5AA-B9D8-33A0-B16C8873FC62}"/>
-          </ac:spMkLst>
-        </pc:spChg>
-      </pc:sldChg>
-      <pc:sldChg chg="addSp modSp">
-        <pc:chgData name="Honggang Yan" userId="S::honggang.yan@fs-students.de::a87efbdb-c850-4d99-9704-7e224b3c74b0" providerId="AD" clId="Web-{849FD021-BFCA-45E9-BD93-421C49A0742E}" dt="2023-03-10T10:40:40.592" v="939" actId="1076"/>
-        <pc:sldMkLst>
-          <pc:docMk/>
-          <pc:sldMk cId="1498504451" sldId="465"/>
-        </pc:sldMkLst>
-        <pc:spChg chg="add mod">
-          <ac:chgData name="Honggang Yan" userId="S::honggang.yan@fs-students.de::a87efbdb-c850-4d99-9704-7e224b3c74b0" providerId="AD" clId="Web-{849FD021-BFCA-45E9-BD93-421C49A0742E}" dt="2023-03-10T10:40:40.592" v="939" actId="1076"/>
-          <ac:spMkLst>
-            <pc:docMk/>
-            <pc:sldMk cId="1498504451" sldId="465"/>
-            <ac:spMk id="5" creationId="{5B24629D-2FF3-0AFF-22A2-73DADED6CE96}"/>
-          </ac:spMkLst>
-        </pc:spChg>
-        <pc:spChg chg="mod">
-          <ac:chgData name="Honggang Yan" userId="S::honggang.yan@fs-students.de::a87efbdb-c850-4d99-9704-7e224b3c74b0" providerId="AD" clId="Web-{849FD021-BFCA-45E9-BD93-421C49A0742E}" dt="2023-03-10T10:33:21.925" v="784" actId="20577"/>
-          <ac:spMkLst>
-            <pc:docMk/>
-            <pc:sldMk cId="1498504451" sldId="465"/>
-            <ac:spMk id="6" creationId="{DF0E725B-20D7-72F5-7CBB-3683A34D878F}"/>
-          </ac:spMkLst>
-        </pc:spChg>
-        <pc:spChg chg="mod">
-          <ac:chgData name="Honggang Yan" userId="S::honggang.yan@fs-students.de::a87efbdb-c850-4d99-9704-7e224b3c74b0" providerId="AD" clId="Web-{849FD021-BFCA-45E9-BD93-421C49A0742E}" dt="2023-03-10T10:33:32.863" v="786" actId="1076"/>
-          <ac:spMkLst>
-            <pc:docMk/>
-            <pc:sldMk cId="1498504451" sldId="465"/>
-            <ac:spMk id="16" creationId="{FCF1102F-DFB6-4DA4-88BF-FA1EE9014E30}"/>
-          </ac:spMkLst>
-        </pc:spChg>
-        <pc:graphicFrameChg chg="mod">
-          <ac:chgData name="Honggang Yan" userId="S::honggang.yan@fs-students.de::a87efbdb-c850-4d99-9704-7e224b3c74b0" providerId="AD" clId="Web-{849FD021-BFCA-45E9-BD93-421C49A0742E}" dt="2023-03-10T10:33:32.832" v="785" actId="1076"/>
-          <ac:graphicFrameMkLst>
-            <pc:docMk/>
-            <pc:sldMk cId="1498504451" sldId="465"/>
-            <ac:graphicFrameMk id="15" creationId="{D7EB4862-036C-E04C-B390-84CCC0FD8B02}"/>
-          </ac:graphicFrameMkLst>
-        </pc:graphicFrameChg>
-      </pc:sldChg>
-      <pc:sldChg chg="modSp">
-        <pc:chgData name="Honggang Yan" userId="S::honggang.yan@fs-students.de::a87efbdb-c850-4d99-9704-7e224b3c74b0" providerId="AD" clId="Web-{849FD021-BFCA-45E9-BD93-421C49A0742E}" dt="2023-03-10T10:41:47.593" v="960" actId="20577"/>
-        <pc:sldMkLst>
-          <pc:docMk/>
-          <pc:sldMk cId="2706740734" sldId="466"/>
-        </pc:sldMkLst>
-        <pc:spChg chg="mod">
-          <ac:chgData name="Honggang Yan" userId="S::honggang.yan@fs-students.de::a87efbdb-c850-4d99-9704-7e224b3c74b0" providerId="AD" clId="Web-{849FD021-BFCA-45E9-BD93-421C49A0742E}" dt="2023-03-10T10:41:47.593" v="960" actId="20577"/>
-          <ac:spMkLst>
-            <pc:docMk/>
-            <pc:sldMk cId="2706740734" sldId="466"/>
-            <ac:spMk id="2" creationId="{3D8A922F-69B2-6340-849A-ABDAA57A3031}"/>
-          </ac:spMkLst>
-        </pc:spChg>
-      </pc:sldChg>
-      <pc:sldChg chg="modSp">
-        <pc:chgData name="Honggang Yan" userId="S::honggang.yan@fs-students.de::a87efbdb-c850-4d99-9704-7e224b3c74b0" providerId="AD" clId="Web-{849FD021-BFCA-45E9-BD93-421C49A0742E}" dt="2023-03-10T10:41:29.734" v="951" actId="20577"/>
-        <pc:sldMkLst>
-          <pc:docMk/>
-          <pc:sldMk cId="1917993598" sldId="467"/>
-        </pc:sldMkLst>
-        <pc:spChg chg="mod">
-          <ac:chgData name="Honggang Yan" userId="S::honggang.yan@fs-students.de::a87efbdb-c850-4d99-9704-7e224b3c74b0" providerId="AD" clId="Web-{849FD021-BFCA-45E9-BD93-421C49A0742E}" dt="2023-03-10T10:41:29.734" v="951" actId="20577"/>
-          <ac:spMkLst>
-            <pc:docMk/>
-            <pc:sldMk cId="1917993598" sldId="467"/>
-            <ac:spMk id="2" creationId="{3D8A922F-69B2-6340-849A-ABDAA57A3031}"/>
-          </ac:spMkLst>
-        </pc:spChg>
-      </pc:sldChg>
-      <pc:sldChg chg="del">
-        <pc:chgData name="Honggang Yan" userId="S::honggang.yan@fs-students.de::a87efbdb-c850-4d99-9704-7e224b3c74b0" providerId="AD" clId="Web-{849FD021-BFCA-45E9-BD93-421C49A0742E}" dt="2023-03-10T10:09:11.499" v="0"/>
-        <pc:sldMkLst>
-          <pc:docMk/>
-          <pc:sldMk cId="2294253666" sldId="471"/>
-        </pc:sldMkLst>
-      </pc:sldChg>
-      <pc:sldChg chg="modSp">
-        <pc:chgData name="Honggang Yan" userId="S::honggang.yan@fs-students.de::a87efbdb-c850-4d99-9704-7e224b3c74b0" providerId="AD" clId="Web-{849FD021-BFCA-45E9-BD93-421C49A0742E}" dt="2023-03-10T10:41:36.796" v="955" actId="20577"/>
-        <pc:sldMkLst>
-          <pc:docMk/>
-          <pc:sldMk cId="1345251810" sldId="472"/>
-        </pc:sldMkLst>
-        <pc:spChg chg="mod">
-          <ac:chgData name="Honggang Yan" userId="S::honggang.yan@fs-students.de::a87efbdb-c850-4d99-9704-7e224b3c74b0" providerId="AD" clId="Web-{849FD021-BFCA-45E9-BD93-421C49A0742E}" dt="2023-03-10T10:41:36.796" v="955" actId="20577"/>
-          <ac:spMkLst>
-            <pc:docMk/>
-            <pc:sldMk cId="1345251810" sldId="472"/>
-            <ac:spMk id="24" creationId="{FD3BCFFC-0E27-175E-C4E4-2F85278F03A4}"/>
-          </ac:spMkLst>
-        </pc:spChg>
-      </pc:sldChg>
-      <pc:sldChg chg="modSp">
-        <pc:chgData name="Honggang Yan" userId="S::honggang.yan@fs-students.de::a87efbdb-c850-4d99-9704-7e224b3c74b0" providerId="AD" clId="Web-{849FD021-BFCA-45E9-BD93-421C49A0742E}" dt="2023-03-10T10:45:14.989" v="1041"/>
-        <pc:sldMkLst>
-          <pc:docMk/>
-          <pc:sldMk cId="186187877" sldId="473"/>
-        </pc:sldMkLst>
-        <pc:spChg chg="mod">
-          <ac:chgData name="Honggang Yan" userId="S::honggang.yan@fs-students.de::a87efbdb-c850-4d99-9704-7e224b3c74b0" providerId="AD" clId="Web-{849FD021-BFCA-45E9-BD93-421C49A0742E}" dt="2023-03-10T10:35:00.787" v="820" actId="14100"/>
-          <ac:spMkLst>
-            <pc:docMk/>
-            <pc:sldMk cId="186187877" sldId="473"/>
-            <ac:spMk id="6" creationId="{DF0E725B-20D7-72F5-7CBB-3683A34D878F}"/>
-          </ac:spMkLst>
-        </pc:spChg>
-        <pc:graphicFrameChg chg="mod modGraphic">
-          <ac:chgData name="Honggang Yan" userId="S::honggang.yan@fs-students.de::a87efbdb-c850-4d99-9704-7e224b3c74b0" providerId="AD" clId="Web-{849FD021-BFCA-45E9-BD93-421C49A0742E}" dt="2023-03-10T10:45:14.989" v="1041"/>
-          <ac:graphicFrameMkLst>
-            <pc:docMk/>
-            <pc:sldMk cId="186187877" sldId="473"/>
-            <ac:graphicFrameMk id="22" creationId="{3B950DB3-BE8C-35C9-A4A1-C9D71BAEA63B}"/>
-          </ac:graphicFrameMkLst>
-        </pc:graphicFrameChg>
-      </pc:sldChg>
-      <pc:sldChg chg="modSp">
-        <pc:chgData name="Honggang Yan" userId="S::honggang.yan@fs-students.de::a87efbdb-c850-4d99-9704-7e224b3c74b0" providerId="AD" clId="Web-{849FD021-BFCA-45E9-BD93-421C49A0742E}" dt="2023-03-10T11:02:00.435" v="1518" actId="20577"/>
-        <pc:sldMkLst>
-          <pc:docMk/>
-          <pc:sldMk cId="2388900747" sldId="476"/>
-        </pc:sldMkLst>
-        <pc:spChg chg="mod">
-          <ac:chgData name="Honggang Yan" userId="S::honggang.yan@fs-students.de::a87efbdb-c850-4d99-9704-7e224b3c74b0" providerId="AD" clId="Web-{849FD021-BFCA-45E9-BD93-421C49A0742E}" dt="2023-03-10T10:59:38.307" v="1507" actId="20577"/>
-          <ac:spMkLst>
-            <pc:docMk/>
-            <pc:sldMk cId="2388900747" sldId="476"/>
-            <ac:spMk id="17" creationId="{4C91391A-8A3C-C918-6CAD-8003E7FA1FC6}"/>
-          </ac:spMkLst>
-        </pc:spChg>
-        <pc:spChg chg="mod">
-          <ac:chgData name="Honggang Yan" userId="S::honggang.yan@fs-students.de::a87efbdb-c850-4d99-9704-7e224b3c74b0" providerId="AD" clId="Web-{849FD021-BFCA-45E9-BD93-421C49A0742E}" dt="2023-03-10T11:02:00.435" v="1518" actId="20577"/>
-          <ac:spMkLst>
-            <pc:docMk/>
-            <pc:sldMk cId="2388900747" sldId="476"/>
-            <ac:spMk id="18" creationId="{60D586EB-D00D-AE53-76D7-F6EEF2006604}"/>
-          </ac:spMkLst>
-        </pc:spChg>
-      </pc:sldChg>
-      <pc:sldChg chg="delSp modSp">
-        <pc:chgData name="Honggang Yan" userId="S::honggang.yan@fs-students.de::a87efbdb-c850-4d99-9704-7e224b3c74b0" providerId="AD" clId="Web-{849FD021-BFCA-45E9-BD93-421C49A0742E}" dt="2023-03-10T10:38:25.901" v="938" actId="1076"/>
-        <pc:sldMkLst>
-          <pc:docMk/>
-          <pc:sldMk cId="1465155490" sldId="479"/>
-        </pc:sldMkLst>
-        <pc:spChg chg="del">
-          <ac:chgData name="Honggang Yan" userId="S::honggang.yan@fs-students.de::a87efbdb-c850-4d99-9704-7e224b3c74b0" providerId="AD" clId="Web-{849FD021-BFCA-45E9-BD93-421C49A0742E}" dt="2023-03-10T10:38:05.432" v="900"/>
-          <ac:spMkLst>
-            <pc:docMk/>
-            <pc:sldMk cId="1465155490" sldId="479"/>
-            <ac:spMk id="15" creationId="{DBC3EE4C-2175-FB4B-B02B-3F458C55B9EE}"/>
-          </ac:spMkLst>
-        </pc:spChg>
-        <pc:spChg chg="mod">
-          <ac:chgData name="Honggang Yan" userId="S::honggang.yan@fs-students.de::a87efbdb-c850-4d99-9704-7e224b3c74b0" providerId="AD" clId="Web-{849FD021-BFCA-45E9-BD93-421C49A0742E}" dt="2023-03-10T10:37:40.697" v="899" actId="20577"/>
-          <ac:spMkLst>
-            <pc:docMk/>
-            <pc:sldMk cId="1465155490" sldId="479"/>
-            <ac:spMk id="16" creationId="{CC789EC3-20AD-7AFD-E624-11AA2D6DAB0C}"/>
-          </ac:spMkLst>
-        </pc:spChg>
-        <pc:spChg chg="mod">
-          <ac:chgData name="Honggang Yan" userId="S::honggang.yan@fs-students.de::a87efbdb-c850-4d99-9704-7e224b3c74b0" providerId="AD" clId="Web-{849FD021-BFCA-45E9-BD93-421C49A0742E}" dt="2023-03-10T10:38:12.448" v="903" actId="1076"/>
-          <ac:spMkLst>
-            <pc:docMk/>
-            <pc:sldMk cId="1465155490" sldId="479"/>
-            <ac:spMk id="17" creationId="{0290B604-0BB9-D0C6-AE56-A1468E707D9E}"/>
-          </ac:spMkLst>
-        </pc:spChg>
-        <pc:spChg chg="mod">
-          <ac:chgData name="Honggang Yan" userId="S::honggang.yan@fs-students.de::a87efbdb-c850-4d99-9704-7e224b3c74b0" providerId="AD" clId="Web-{849FD021-BFCA-45E9-BD93-421C49A0742E}" dt="2023-03-10T10:38:25.901" v="938" actId="1076"/>
-          <ac:spMkLst>
-            <pc:docMk/>
-            <pc:sldMk cId="1465155490" sldId="479"/>
-            <ac:spMk id="19" creationId="{80FA5675-4D9B-B40E-AEAA-41C9896177F3}"/>
-          </ac:spMkLst>
-        </pc:spChg>
-        <pc:grpChg chg="mod">
-          <ac:chgData name="Honggang Yan" userId="S::honggang.yan@fs-students.de::a87efbdb-c850-4d99-9704-7e224b3c74b0" providerId="AD" clId="Web-{849FD021-BFCA-45E9-BD93-421C49A0742E}" dt="2023-03-10T10:38:07.182" v="902" actId="1076"/>
-          <ac:grpSpMkLst>
-            <pc:docMk/>
-            <pc:sldMk cId="1465155490" sldId="479"/>
-            <ac:grpSpMk id="3" creationId="{ADDCAA41-9322-C6A4-8DAF-3C040EB27885}"/>
-          </ac:grpSpMkLst>
-        </pc:grpChg>
-      </pc:sldChg>
-      <pc:sldChg chg="modSp">
-        <pc:chgData name="Honggang Yan" userId="S::honggang.yan@fs-students.de::a87efbdb-c850-4d99-9704-7e224b3c74b0" providerId="AD" clId="Web-{849FD021-BFCA-45E9-BD93-421C49A0742E}" dt="2023-03-10T10:36:52.086" v="873" actId="20577"/>
-        <pc:sldMkLst>
-          <pc:docMk/>
-          <pc:sldMk cId="863614616" sldId="490"/>
-        </pc:sldMkLst>
-        <pc:spChg chg="mod">
-          <ac:chgData name="Honggang Yan" userId="S::honggang.yan@fs-students.de::a87efbdb-c850-4d99-9704-7e224b3c74b0" providerId="AD" clId="Web-{849FD021-BFCA-45E9-BD93-421C49A0742E}" dt="2023-03-10T10:36:52.086" v="873" actId="20577"/>
-          <ac:spMkLst>
-            <pc:docMk/>
-            <pc:sldMk cId="863614616" sldId="490"/>
-            <ac:spMk id="6" creationId="{5660A8B0-01EC-1D51-B904-F71FDF82BC2D}"/>
-          </ac:spMkLst>
-        </pc:spChg>
-      </pc:sldChg>
-      <pc:sldChg chg="modSp">
-        <pc:chgData name="Honggang Yan" userId="S::honggang.yan@fs-students.de::a87efbdb-c850-4d99-9704-7e224b3c74b0" providerId="AD" clId="Web-{849FD021-BFCA-45E9-BD93-421C49A0742E}" dt="2023-03-10T10:36:36.305" v="861"/>
-        <pc:sldMkLst>
-          <pc:docMk/>
-          <pc:sldMk cId="579190318" sldId="492"/>
-        </pc:sldMkLst>
-        <pc:spChg chg="mod">
-          <ac:chgData name="Honggang Yan" userId="S::honggang.yan@fs-students.de::a87efbdb-c850-4d99-9704-7e224b3c74b0" providerId="AD" clId="Web-{849FD021-BFCA-45E9-BD93-421C49A0742E}" dt="2023-03-10T10:36:36.305" v="861"/>
-          <ac:spMkLst>
-            <pc:docMk/>
-            <pc:sldMk cId="579190318" sldId="492"/>
-            <ac:spMk id="38" creationId="{7227E61D-2296-E7C1-250E-EF503B818B48}"/>
-          </ac:spMkLst>
-        </pc:spChg>
-      </pc:sldChg>
-    </pc:docChg>
-  </pc:docChgLst>
-</pc:chgInfo>
 </file>
 
 <file path=ppt/notesMasters/notesMaster1.xml><?xml version="1.0" encoding="utf-8"?>

--- a/Causal_inference-Gamification_Case-Group_Pre-Assignment/causal_inference_assignment.pptx
+++ b/Causal_inference-Gamification_Case-Group_Pre-Assignment/causal_inference_assignment.pptx
@@ -5,7 +5,7 @@
     <p:sldMasterId id="2147483698" r:id="rId1"/>
   </p:sldMasterIdLst>
   <p:notesMasterIdLst>
-    <p:notesMasterId r:id="rId9"/>
+    <p:notesMasterId r:id="rId10"/>
   </p:notesMasterIdLst>
   <p:sldIdLst>
     <p:sldId id="257" r:id="rId2"/>
@@ -15,6 +15,7 @@
     <p:sldId id="511" r:id="rId6"/>
     <p:sldId id="512" r:id="rId7"/>
     <p:sldId id="513" r:id="rId8"/>
+    <p:sldId id="514" r:id="rId9"/>
   </p:sldIdLst>
   <p:sldSz cx="9144000" cy="5143500" type="screen16x9"/>
   <p:notesSz cx="6858000" cy="9144000"/>
@@ -162,8 +163,11 @@
   <p1510:revLst>
     <p1510:client id="{00EB646B-CB0D-49E9-86D7-BD2B90224E59}" v="32" dt="2023-09-20T17:02:10.974"/>
     <p1510:client id="{1EA9C79E-761D-B6BD-6382-28936B336B71}" v="148" dt="2023-09-20T17:05:09.092"/>
+    <p1510:client id="{29AB22FF-B1EE-E5E2-5113-A65749BD2DC8}" v="6" dt="2023-09-20T18:56:17.789"/>
     <p1510:client id="{5719E0A7-3C36-152E-017A-1716754DC9B4}" v="3370" dt="2023-09-20T18:09:22.830"/>
+    <p1510:client id="{768C8F6E-5737-E68E-D01A-BE326785B360}" v="1018" dt="2023-09-20T18:29:42.772"/>
     <p1510:client id="{81C9471D-0C86-4657-9C06-4AB23EF5666B}" v="396" dt="2023-09-20T18:01:10.845"/>
+    <p1510:client id="{B81DE366-7324-F82C-457D-13192FF76DEF}" v="1327" dt="2023-09-20T18:55:00.748"/>
   </p1510:revLst>
 </p1510:revInfo>
 </file>
@@ -12247,6 +12251,219 @@
     <p:extLst>
       <p:ext uri="{BB962C8B-B14F-4D97-AF65-F5344CB8AC3E}">
         <p14:creationId xmlns:p14="http://schemas.microsoft.com/office/powerpoint/2010/main" val="2246402216"/>
+      </p:ext>
+    </p:extLst>
+  </p:cSld>
+  <p:clrMapOvr>
+    <a:masterClrMapping/>
+  </p:clrMapOvr>
+</p:sld>
+</file>
+
+<file path=ppt/slides/slide8.xml><?xml version="1.0" encoding="utf-8"?>
+<p:sld xmlns:a="http://schemas.openxmlformats.org/drawingml/2006/main" xmlns:r="http://schemas.openxmlformats.org/officeDocument/2006/relationships" xmlns:p="http://schemas.openxmlformats.org/presentationml/2006/main">
+  <p:cSld>
+    <p:spTree>
+      <p:nvGrpSpPr>
+        <p:cNvPr id="1" name=""/>
+        <p:cNvGrpSpPr/>
+        <p:nvPr/>
+      </p:nvGrpSpPr>
+      <p:grpSpPr>
+        <a:xfrm>
+          <a:off x="0" y="0"/>
+          <a:ext cx="0" cy="0"/>
+          <a:chOff x="0" y="0"/>
+          <a:chExt cx="0" cy="0"/>
+        </a:xfrm>
+      </p:grpSpPr>
+      <p:sp>
+        <p:nvSpPr>
+          <p:cNvPr id="2" name="Slide Number Placeholder 1">
+            <a:extLst>
+              <a:ext uri="{FF2B5EF4-FFF2-40B4-BE49-F238E27FC236}">
+                <a16:creationId xmlns:a16="http://schemas.microsoft.com/office/drawing/2014/main" id="{1D0453D2-9311-C4B8-DE1D-D41F001C8BD9}"/>
+              </a:ext>
+            </a:extLst>
+          </p:cNvPr>
+          <p:cNvSpPr>
+            <a:spLocks noGrp="1"/>
+          </p:cNvSpPr>
+          <p:nvPr>
+            <p:ph type="sldNum" sz="quarter" idx="4"/>
+          </p:nvPr>
+        </p:nvSpPr>
+        <p:spPr/>
+        <p:txBody>
+          <a:bodyPr/>
+          <a:lstStyle/>
+          <a:p>
+            <a:fld id="{365118A3-1793-2149-900A-53CEDCCBA901}" type="slidenum">
+              <a:rPr lang="en-GB" smtClean="0"/>
+              <a:pPr/>
+              <a:t>8</a:t>
+            </a:fld>
+            <a:endParaRPr lang="en-GB"/>
+          </a:p>
+        </p:txBody>
+      </p:sp>
+      <p:sp>
+        <p:nvSpPr>
+          <p:cNvPr id="3" name="TextBox 2">
+            <a:extLst>
+              <a:ext uri="{FF2B5EF4-FFF2-40B4-BE49-F238E27FC236}">
+                <a16:creationId xmlns:a16="http://schemas.microsoft.com/office/drawing/2014/main" id="{0B33975C-0A5B-69E9-7F7A-E30E9E18052E}"/>
+              </a:ext>
+            </a:extLst>
+          </p:cNvPr>
+          <p:cNvSpPr txBox="1"/>
+          <p:nvPr/>
+        </p:nvSpPr>
+        <p:spPr>
+          <a:xfrm>
+            <a:off x="181155" y="100282"/>
+            <a:ext cx="8846388" cy="4801314"/>
+          </a:xfrm>
+          <a:prstGeom prst="rect">
+            <a:avLst/>
+          </a:prstGeom>
+          <a:noFill/>
+        </p:spPr>
+        <p:txBody>
+          <a:bodyPr rot="0" spcFirstLastPara="0" vertOverflow="overflow" horzOverflow="overflow" vert="horz" wrap="square" lIns="91440" tIns="45720" rIns="91440" bIns="45720" numCol="1" spcCol="0" rtlCol="0" fromWordArt="0" anchor="t" anchorCtr="0" forceAA="0" compatLnSpc="1">
+            <a:prstTxWarp prst="textNoShape">
+              <a:avLst/>
+            </a:prstTxWarp>
+            <a:spAutoFit/>
+          </a:bodyPr>
+          <a:lstStyle/>
+          <a:p>
+            <a:pPr marL="285750" indent="-285750">
+              <a:buFont typeface="Calibri"/>
+              <a:buChar char="-"/>
+            </a:pPr>
+            <a:r>
+              <a:rPr lang="en-GB">
+                <a:cs typeface="Arial"/>
+              </a:rPr>
+              <a:t>Both data suggest that employees enjoy Gamified training more</a:t>
+            </a:r>
+          </a:p>
+          <a:p>
+            <a:pPr marL="285750" indent="-285750">
+              <a:buFont typeface="Calibri"/>
+              <a:buChar char="-"/>
+            </a:pPr>
+            <a:r>
+              <a:rPr lang="en-GB">
+                <a:cs typeface="Arial"/>
+              </a:rPr>
+              <a:t>At the same time, experimental data suggests that 'Gamified' training was scored more of a waste of time as compared to 'Non-Gamified' training.</a:t>
+            </a:r>
+          </a:p>
+          <a:p>
+            <a:pPr marL="285750" indent="-285750">
+              <a:buFont typeface="Calibri"/>
+              <a:buChar char="-"/>
+            </a:pPr>
+            <a:r>
+              <a:rPr lang="en-GB">
+                <a:ea typeface="+mn-lt"/>
+                <a:cs typeface="+mn-lt"/>
+              </a:rPr>
+              <a:t>Experimental data suggests better performance score for 'Non-Gamified' trainings than 'Gamified' trainings in contrast to that suggested by Survey data</a:t>
+            </a:r>
+          </a:p>
+          <a:p>
+            <a:pPr marL="285750" indent="-285750">
+              <a:buFont typeface="Calibri"/>
+              <a:buChar char="-"/>
+            </a:pPr>
+            <a:r>
+              <a:rPr lang="en-GB">
+                <a:cs typeface="Calibri"/>
+              </a:rPr>
+              <a:t>Experimental data is more convincing because in the Survey data, there was a clear bias introduced when the results were compared between two different size of survey population. In Experimental data however, the randomness of sorting people in the 3 cohorts made it a more robust study.</a:t>
+            </a:r>
+          </a:p>
+          <a:p>
+            <a:pPr marL="285750" indent="-285750">
+              <a:buFont typeface="Calibri"/>
+              <a:buChar char="-"/>
+            </a:pPr>
+            <a:r>
+              <a:rPr lang="en-GB" u="sng">
+                <a:cs typeface="Calibri"/>
+              </a:rPr>
+              <a:t>Recommendation</a:t>
+            </a:r>
+            <a:r>
+              <a:rPr lang="en-GB">
+                <a:cs typeface="Calibri"/>
+              </a:rPr>
+              <a:t>: Since major purpose of training is to upskill employees, reinforce awareness and promote learning, </a:t>
+            </a:r>
+            <a:r>
+              <a:rPr lang="en-GB" b="1">
+                <a:cs typeface="Calibri"/>
+              </a:rPr>
+              <a:t>adoption of Non-gamified training is recommended</a:t>
+            </a:r>
+            <a:r>
+              <a:rPr lang="en-GB">
+                <a:cs typeface="Calibri"/>
+              </a:rPr>
+              <a:t>.</a:t>
+            </a:r>
+          </a:p>
+          <a:p>
+            <a:pPr marL="285750" indent="-285750">
+              <a:buFont typeface="Calibri"/>
+              <a:buChar char="-"/>
+            </a:pPr>
+            <a:r>
+              <a:rPr lang="en-GB" u="sng">
+                <a:cs typeface="Calibri"/>
+              </a:rPr>
+              <a:t>Limitation</a:t>
+            </a:r>
+            <a:r>
+              <a:rPr lang="en-GB">
+                <a:cs typeface="Calibri"/>
+              </a:rPr>
+              <a:t>: As is clear from the violin plot, a small proportion of people under 'no training' cohort performed exceptionally well than with people in the other two categories (who underwent some sort of trainings). This makes you think if the proportion of '</a:t>
+            </a:r>
+            <a:r>
+              <a:rPr lang="en-GB" b="1">
+                <a:cs typeface="Calibri"/>
+              </a:rPr>
+              <a:t>average prior general IT awareness</a:t>
+            </a:r>
+            <a:r>
+              <a:rPr lang="en-GB">
+                <a:cs typeface="Calibri"/>
+              </a:rPr>
+              <a:t>' of people in the three categories was balanced.</a:t>
+            </a:r>
+          </a:p>
+          <a:p>
+            <a:pPr marL="285750" indent="-285750">
+              <a:buFont typeface="Calibri"/>
+              <a:buChar char="-"/>
+            </a:pPr>
+            <a:r>
+              <a:rPr lang="en-GB">
+                <a:cs typeface="Calibri"/>
+              </a:rPr>
+              <a:t>This can be addressed by some information on IT specific background of people for instance 'years of technical IT experience' can be a good indicator.</a:t>
+            </a:r>
+          </a:p>
+        </p:txBody>
+      </p:sp>
+    </p:spTree>
+    <p:extLst>
+      <p:ext uri="{BB962C8B-B14F-4D97-AF65-F5344CB8AC3E}">
+        <p14:creationId xmlns:p14="http://schemas.microsoft.com/office/powerpoint/2010/main" val="29381013"/>
       </p:ext>
     </p:extLst>
   </p:cSld>
